--- a/slides/Case study.pptx
+++ b/slides/Case study.pptx
@@ -1,36 +1,36 @@
 
 <file path=ppt/presentation.xml><?xml version="1.0" encoding="utf-8"?>
-<p:presentation xmlns:a="http://schemas.openxmlformats.org/drawingml/2006/main" xmlns:r="http://schemas.openxmlformats.org/officeDocument/2006/relationships" xmlns:mc="http://schemas.openxmlformats.org/markup-compatibility/2006" xmlns:mv="urn:schemas-microsoft-com:mac:vml" xmlns:p="http://schemas.openxmlformats.org/presentationml/2006/main" xmlns:c="http://schemas.openxmlformats.org/drawingml/2006/chart" xmlns:dgm="http://schemas.openxmlformats.org/drawingml/2006/diagram" xmlns:o="urn:schemas-microsoft-com:office:office" xmlns:v="urn:schemas-microsoft-com:vml" xmlns:pvml="urn:schemas-microsoft-com:office:powerpoint" xmlns:com="http://schemas.openxmlformats.org/drawingml/2006/compatibility" xmlns:p14="http://schemas.microsoft.com/office/powerpoint/2010/main" xmlns:p15="http://schemas.microsoft.com/office/powerpoint/2012/main" xmlns:ahyp="http://schemas.microsoft.com/office/drawing/2018/hyperlinkcolor" autoCompressPictures="0" embedTrueTypeFonts="1" strictFirstAndLastChars="0" saveSubsetFonts="1">
+<p:presentation xmlns:a="http://schemas.openxmlformats.org/drawingml/2006/main" xmlns:r="http://schemas.openxmlformats.org/officeDocument/2006/relationships" xmlns:p="http://schemas.openxmlformats.org/presentationml/2006/main" strictFirstAndLastChars="0" embedTrueTypeFonts="1" saveSubsetFonts="1" autoCompressPictures="0">
   <p:sldMasterIdLst>
-    <p:sldMasterId id="2147483659" r:id="rId4"/>
+    <p:sldMasterId id="2147483659" r:id="rId1"/>
   </p:sldMasterIdLst>
   <p:notesMasterIdLst>
-    <p:notesMasterId r:id="rId5"/>
+    <p:notesMasterId r:id="rId11"/>
   </p:notesMasterIdLst>
   <p:sldIdLst>
-    <p:sldId id="256" r:id="rId6"/>
-    <p:sldId id="257" r:id="rId7"/>
-    <p:sldId id="258" r:id="rId8"/>
-    <p:sldId id="259" r:id="rId9"/>
-    <p:sldId id="260" r:id="rId10"/>
-    <p:sldId id="261" r:id="rId11"/>
-    <p:sldId id="262" r:id="rId12"/>
-    <p:sldId id="263" r:id="rId13"/>
-    <p:sldId id="264" r:id="rId14"/>
+    <p:sldId id="256" r:id="rId2"/>
+    <p:sldId id="257" r:id="rId3"/>
+    <p:sldId id="258" r:id="rId4"/>
+    <p:sldId id="259" r:id="rId5"/>
+    <p:sldId id="260" r:id="rId6"/>
+    <p:sldId id="261" r:id="rId7"/>
+    <p:sldId id="262" r:id="rId8"/>
+    <p:sldId id="263" r:id="rId9"/>
+    <p:sldId id="264" r:id="rId10"/>
   </p:sldIdLst>
-  <p:sldSz cy="5143500" cx="9144000"/>
+  <p:sldSz cx="9144000" cy="5143500" type="screen16x9"/>
   <p:notesSz cx="6858000" cy="9144000"/>
   <p:embeddedFontLst>
     <p:embeddedFont>
-      <p:font typeface="Roboto"/>
-      <p:regular r:id="rId15"/>
-      <p:bold r:id="rId16"/>
-      <p:italic r:id="rId17"/>
-      <p:boldItalic r:id="rId18"/>
+      <p:font typeface="Roboto" panose="02000000000000000000" pitchFamily="2" charset="0"/>
+      <p:regular r:id="rId12"/>
+      <p:bold r:id="rId13"/>
+      <p:italic r:id="rId14"/>
+      <p:boldItalic r:id="rId15"/>
     </p:embeddedFont>
   </p:embeddedFontLst>
   <p:defaultTextStyle>
-    <a:defPPr lvl="0" marR="0" rtl="0" algn="l">
+    <a:defPPr marR="0" lvl="0" algn="l" rtl="0">
       <a:lnSpc>
         <a:spcPct val="100000"/>
       </a:lnSpc>
@@ -41,7 +41,7 @@
         <a:spcPts val="0"/>
       </a:spcAft>
     </a:defPPr>
-    <a:lvl1pPr lvl="0" marR="0" rtl="0" algn="l">
+    <a:lvl1pPr marR="0" lvl="0" algn="l" rtl="0">
       <a:lnSpc>
         <a:spcPct val="100000"/>
       </a:lnSpc>
@@ -55,7 +55,7 @@
         <a:srgbClr val="000000"/>
       </a:buClr>
       <a:buFont typeface="Arial"/>
-      <a:defRPr b="0" i="0" sz="1400" u="none" cap="none" strike="noStrike">
+      <a:defRPr sz="1400" b="0" i="0" u="none" strike="noStrike" cap="none">
         <a:solidFill>
           <a:srgbClr val="000000"/>
         </a:solidFill>
@@ -65,7 +65,7 @@
         <a:sym typeface="Arial"/>
       </a:defRPr>
     </a:lvl1pPr>
-    <a:lvl2pPr lvl="1" marR="0" rtl="0" algn="l">
+    <a:lvl2pPr marR="0" lvl="1" algn="l" rtl="0">
       <a:lnSpc>
         <a:spcPct val="100000"/>
       </a:lnSpc>
@@ -79,7 +79,7 @@
         <a:srgbClr val="000000"/>
       </a:buClr>
       <a:buFont typeface="Arial"/>
-      <a:defRPr b="0" i="0" sz="1400" u="none" cap="none" strike="noStrike">
+      <a:defRPr sz="1400" b="0" i="0" u="none" strike="noStrike" cap="none">
         <a:solidFill>
           <a:srgbClr val="000000"/>
         </a:solidFill>
@@ -89,7 +89,7 @@
         <a:sym typeface="Arial"/>
       </a:defRPr>
     </a:lvl2pPr>
-    <a:lvl3pPr lvl="2" marR="0" rtl="0" algn="l">
+    <a:lvl3pPr marR="0" lvl="2" algn="l" rtl="0">
       <a:lnSpc>
         <a:spcPct val="100000"/>
       </a:lnSpc>
@@ -103,7 +103,7 @@
         <a:srgbClr val="000000"/>
       </a:buClr>
       <a:buFont typeface="Arial"/>
-      <a:defRPr b="0" i="0" sz="1400" u="none" cap="none" strike="noStrike">
+      <a:defRPr sz="1400" b="0" i="0" u="none" strike="noStrike" cap="none">
         <a:solidFill>
           <a:srgbClr val="000000"/>
         </a:solidFill>
@@ -113,7 +113,7 @@
         <a:sym typeface="Arial"/>
       </a:defRPr>
     </a:lvl3pPr>
-    <a:lvl4pPr lvl="3" marR="0" rtl="0" algn="l">
+    <a:lvl4pPr marR="0" lvl="3" algn="l" rtl="0">
       <a:lnSpc>
         <a:spcPct val="100000"/>
       </a:lnSpc>
@@ -127,7 +127,7 @@
         <a:srgbClr val="000000"/>
       </a:buClr>
       <a:buFont typeface="Arial"/>
-      <a:defRPr b="0" i="0" sz="1400" u="none" cap="none" strike="noStrike">
+      <a:defRPr sz="1400" b="0" i="0" u="none" strike="noStrike" cap="none">
         <a:solidFill>
           <a:srgbClr val="000000"/>
         </a:solidFill>
@@ -137,7 +137,7 @@
         <a:sym typeface="Arial"/>
       </a:defRPr>
     </a:lvl4pPr>
-    <a:lvl5pPr lvl="4" marR="0" rtl="0" algn="l">
+    <a:lvl5pPr marR="0" lvl="4" algn="l" rtl="0">
       <a:lnSpc>
         <a:spcPct val="100000"/>
       </a:lnSpc>
@@ -151,7 +151,7 @@
         <a:srgbClr val="000000"/>
       </a:buClr>
       <a:buFont typeface="Arial"/>
-      <a:defRPr b="0" i="0" sz="1400" u="none" cap="none" strike="noStrike">
+      <a:defRPr sz="1400" b="0" i="0" u="none" strike="noStrike" cap="none">
         <a:solidFill>
           <a:srgbClr val="000000"/>
         </a:solidFill>
@@ -161,7 +161,7 @@
         <a:sym typeface="Arial"/>
       </a:defRPr>
     </a:lvl5pPr>
-    <a:lvl6pPr lvl="5" marR="0" rtl="0" algn="l">
+    <a:lvl6pPr marR="0" lvl="5" algn="l" rtl="0">
       <a:lnSpc>
         <a:spcPct val="100000"/>
       </a:lnSpc>
@@ -175,7 +175,7 @@
         <a:srgbClr val="000000"/>
       </a:buClr>
       <a:buFont typeface="Arial"/>
-      <a:defRPr b="0" i="0" sz="1400" u="none" cap="none" strike="noStrike">
+      <a:defRPr sz="1400" b="0" i="0" u="none" strike="noStrike" cap="none">
         <a:solidFill>
           <a:srgbClr val="000000"/>
         </a:solidFill>
@@ -185,7 +185,7 @@
         <a:sym typeface="Arial"/>
       </a:defRPr>
     </a:lvl6pPr>
-    <a:lvl7pPr lvl="6" marR="0" rtl="0" algn="l">
+    <a:lvl7pPr marR="0" lvl="6" algn="l" rtl="0">
       <a:lnSpc>
         <a:spcPct val="100000"/>
       </a:lnSpc>
@@ -199,7 +199,7 @@
         <a:srgbClr val="000000"/>
       </a:buClr>
       <a:buFont typeface="Arial"/>
-      <a:defRPr b="0" i="0" sz="1400" u="none" cap="none" strike="noStrike">
+      <a:defRPr sz="1400" b="0" i="0" u="none" strike="noStrike" cap="none">
         <a:solidFill>
           <a:srgbClr val="000000"/>
         </a:solidFill>
@@ -209,7 +209,7 @@
         <a:sym typeface="Arial"/>
       </a:defRPr>
     </a:lvl7pPr>
-    <a:lvl8pPr lvl="7" marR="0" rtl="0" algn="l">
+    <a:lvl8pPr marR="0" lvl="7" algn="l" rtl="0">
       <a:lnSpc>
         <a:spcPct val="100000"/>
       </a:lnSpc>
@@ -223,7 +223,7 @@
         <a:srgbClr val="000000"/>
       </a:buClr>
       <a:buFont typeface="Arial"/>
-      <a:defRPr b="0" i="0" sz="1400" u="none" cap="none" strike="noStrike">
+      <a:defRPr sz="1400" b="0" i="0" u="none" strike="noStrike" cap="none">
         <a:solidFill>
           <a:srgbClr val="000000"/>
         </a:solidFill>
@@ -233,7 +233,7 @@
         <a:sym typeface="Arial"/>
       </a:defRPr>
     </a:lvl8pPr>
-    <a:lvl9pPr lvl="8" marR="0" rtl="0" algn="l">
+    <a:lvl9pPr marR="0" lvl="8" algn="l" rtl="0">
       <a:lnSpc>
         <a:spcPct val="100000"/>
       </a:lnSpc>
@@ -247,7 +247,7 @@
         <a:srgbClr val="000000"/>
       </a:buClr>
       <a:buFont typeface="Arial"/>
-      <a:defRPr b="0" i="0" sz="1400" u="none" cap="none" strike="noStrike">
+      <a:defRPr sz="1400" b="0" i="0" u="none" strike="noStrike" cap="none">
         <a:solidFill>
           <a:srgbClr val="000000"/>
         </a:solidFill>
@@ -260,7 +260,7 @@
   </p:defaultTextStyle>
   <p:extLst>
     <p:ext uri="{EFAFB233-063F-42B5-8137-9DF3F51BA10A}">
-      <p15:sldGuideLst>
+      <p15:sldGuideLst xmlns:p15="http://schemas.microsoft.com/office/powerpoint/2012/main">
         <p15:guide id="1" orient="horz" pos="1620">
           <p15:clr>
             <a:srgbClr val="747775"/>
@@ -278,11 +278,16 @@
 </file>
 
 <file path=ppt/notesMasters/notesMaster1.xml><?xml version="1.0" encoding="utf-8"?>
-<p:notesMaster xmlns:a="http://schemas.openxmlformats.org/drawingml/2006/main" xmlns:r="http://schemas.openxmlformats.org/officeDocument/2006/relationships" xmlns:mc="http://schemas.openxmlformats.org/markup-compatibility/2006" xmlns:mv="urn:schemas-microsoft-com:mac:vml" xmlns:p="http://schemas.openxmlformats.org/presentationml/2006/main" xmlns:c="http://schemas.openxmlformats.org/drawingml/2006/chart" xmlns:dgm="http://schemas.openxmlformats.org/drawingml/2006/diagram" xmlns:o="urn:schemas-microsoft-com:office:office" xmlns:v="urn:schemas-microsoft-com:vml" xmlns:pvml="urn:schemas-microsoft-com:office:powerpoint" xmlns:com="http://schemas.openxmlformats.org/drawingml/2006/compatibility" xmlns:p14="http://schemas.microsoft.com/office/powerpoint/2010/main" xmlns:p15="http://schemas.microsoft.com/office/powerpoint/2012/main" xmlns:ahyp="http://schemas.microsoft.com/office/drawing/2018/hyperlinkcolor">
+<p:notesMaster xmlns:a="http://schemas.openxmlformats.org/drawingml/2006/main" xmlns:r="http://schemas.openxmlformats.org/officeDocument/2006/relationships" xmlns:p="http://schemas.openxmlformats.org/presentationml/2006/main">
   <p:cSld>
+    <p:bg>
+      <p:bgRef idx="1001">
+        <a:schemeClr val="bg1"/>
+      </p:bgRef>
+    </p:bg>
     <p:spTree>
       <p:nvGrpSpPr>
-        <p:cNvPr id="2" name="Shape 2"/>
+        <p:cNvPr id="1" name="Shape 2"/>
         <p:cNvGrpSpPr/>
         <p:nvPr/>
       </p:nvGrpSpPr>
@@ -297,9 +302,11 @@
       <p:sp>
         <p:nvSpPr>
           <p:cNvPr id="3" name="Google Shape;3;n"/>
-          <p:cNvSpPr/>
+          <p:cNvSpPr>
+            <a:spLocks noGrp="1" noRot="1" noChangeAspect="1"/>
+          </p:cNvSpPr>
           <p:nvPr>
-            <p:ph idx="2" type="sldImg"/>
+            <p:ph type="sldImg" idx="2"/>
           </p:nvPr>
         </p:nvSpPr>
         <p:spPr>
@@ -308,9 +315,13 @@
             <a:ext cx="6096075" cy="3429000"/>
           </a:xfrm>
           <a:custGeom>
-            <a:rect b="b" l="l" r="r" t="t"/>
+            <a:avLst/>
+            <a:gdLst/>
+            <a:ahLst/>
+            <a:cxnLst/>
+            <a:rect l="l" t="t" r="r" b="b"/>
             <a:pathLst>
-              <a:path extrusionOk="0" h="120000" w="120000">
+              <a:path w="120000" h="120000" extrusionOk="0">
                 <a:moveTo>
                   <a:pt x="0" y="0"/>
                 </a:moveTo>
@@ -328,23 +339,25 @@
             </a:pathLst>
           </a:custGeom>
           <a:noFill/>
-          <a:ln cap="flat" cmpd="sng" w="9525">
+          <a:ln w="9525" cap="flat" cmpd="sng">
             <a:solidFill>
               <a:srgbClr val="000000"/>
             </a:solidFill>
             <a:prstDash val="solid"/>
             <a:round/>
-            <a:headEnd len="sm" w="sm" type="none"/>
-            <a:tailEnd len="sm" w="sm" type="none"/>
+            <a:headEnd type="none" w="sm" len="sm"/>
+            <a:tailEnd type="none" w="sm" len="sm"/>
           </a:ln>
         </p:spPr>
       </p:sp>
       <p:sp>
         <p:nvSpPr>
           <p:cNvPr id="4" name="Google Shape;4;n"/>
-          <p:cNvSpPr txBox="1"/>
+          <p:cNvSpPr txBox="1">
+            <a:spLocks noGrp="1"/>
+          </p:cNvSpPr>
           <p:nvPr>
-            <p:ph idx="1" type="body"/>
+            <p:ph type="body" idx="1"/>
           </p:nvPr>
         </p:nvSpPr>
         <p:spPr>
@@ -361,11 +374,11 @@
           </a:ln>
         </p:spPr>
         <p:txBody>
-          <a:bodyPr anchorCtr="0" anchor="t" bIns="91425" lIns="91425" spcFirstLastPara="1" rIns="91425" wrap="square" tIns="91425">
+          <a:bodyPr spcFirstLastPara="1" wrap="square" lIns="91425" tIns="91425" rIns="91425" bIns="91425" anchor="t" anchorCtr="0">
             <a:noAutofit/>
           </a:bodyPr>
           <a:lstStyle>
-            <a:lvl1pPr indent="-317500" lvl="0" marL="457200">
+            <a:lvl1pPr marL="457200" lvl="0" indent="-317500">
               <a:spcBef>
                 <a:spcPts val="0"/>
               </a:spcBef>
@@ -376,7 +389,7 @@
               <a:buChar char="●"/>
               <a:defRPr sz="1100"/>
             </a:lvl1pPr>
-            <a:lvl2pPr indent="-317500" lvl="1" marL="914400">
+            <a:lvl2pPr marL="914400" lvl="1" indent="-317500">
               <a:spcBef>
                 <a:spcPts val="0"/>
               </a:spcBef>
@@ -387,7 +400,7 @@
               <a:buChar char="○"/>
               <a:defRPr sz="1100"/>
             </a:lvl2pPr>
-            <a:lvl3pPr indent="-317500" lvl="2" marL="1371600">
+            <a:lvl3pPr marL="1371600" lvl="2" indent="-317500">
               <a:spcBef>
                 <a:spcPts val="0"/>
               </a:spcBef>
@@ -398,7 +411,7 @@
               <a:buChar char="■"/>
               <a:defRPr sz="1100"/>
             </a:lvl3pPr>
-            <a:lvl4pPr indent="-317500" lvl="3" marL="1828800">
+            <a:lvl4pPr marL="1828800" lvl="3" indent="-317500">
               <a:spcBef>
                 <a:spcPts val="0"/>
               </a:spcBef>
@@ -409,7 +422,7 @@
               <a:buChar char="●"/>
               <a:defRPr sz="1100"/>
             </a:lvl4pPr>
-            <a:lvl5pPr indent="-317500" lvl="4" marL="2286000">
+            <a:lvl5pPr marL="2286000" lvl="4" indent="-317500">
               <a:spcBef>
                 <a:spcPts val="0"/>
               </a:spcBef>
@@ -420,7 +433,7 @@
               <a:buChar char="○"/>
               <a:defRPr sz="1100"/>
             </a:lvl5pPr>
-            <a:lvl6pPr indent="-317500" lvl="5" marL="2743200">
+            <a:lvl6pPr marL="2743200" lvl="5" indent="-317500">
               <a:spcBef>
                 <a:spcPts val="0"/>
               </a:spcBef>
@@ -431,7 +444,7 @@
               <a:buChar char="■"/>
               <a:defRPr sz="1100"/>
             </a:lvl6pPr>
-            <a:lvl7pPr indent="-317500" lvl="6" marL="3200400">
+            <a:lvl7pPr marL="3200400" lvl="6" indent="-317500">
               <a:spcBef>
                 <a:spcPts val="0"/>
               </a:spcBef>
@@ -442,7 +455,7 @@
               <a:buChar char="●"/>
               <a:defRPr sz="1100"/>
             </a:lvl7pPr>
-            <a:lvl8pPr indent="-317500" lvl="7" marL="3657600">
+            <a:lvl8pPr marL="3657600" lvl="7" indent="-317500">
               <a:spcBef>
                 <a:spcPts val="0"/>
               </a:spcBef>
@@ -453,7 +466,7 @@
               <a:buChar char="○"/>
               <a:defRPr sz="1100"/>
             </a:lvl8pPr>
-            <a:lvl9pPr indent="-317500" lvl="8" marL="4114800">
+            <a:lvl9pPr marL="4114800" lvl="8" indent="-317500">
               <a:spcBef>
                 <a:spcPts val="0"/>
               </a:spcBef>
@@ -465,14 +478,16 @@
               <a:defRPr sz="1100"/>
             </a:lvl9pPr>
           </a:lstStyle>
-          <a:p/>
+          <a:p>
+            <a:endParaRPr/>
+          </a:p>
         </p:txBody>
       </p:sp>
     </p:spTree>
   </p:cSld>
-  <p:clrMap accent1="accent1" accent2="accent2" accent3="accent3" accent4="accent4" accent5="accent5" accent6="accent6" bg1="lt1" bg2="dk2" tx1="dk1" tx2="lt2" folHlink="folHlink" hlink="hlink"/>
+  <p:clrMap bg1="lt1" tx1="dk1" bg2="dk2" tx2="lt2" accent1="accent1" accent2="accent2" accent3="accent3" accent4="accent4" accent5="accent5" accent6="accent6" hlink="hlink" folHlink="folHlink"/>
   <p:notesStyle>
-    <a:defPPr lvl="0" marR="0" rtl="0" algn="l">
+    <a:defPPr marR="0" lvl="0" algn="l" rtl="0">
       <a:lnSpc>
         <a:spcPct val="100000"/>
       </a:lnSpc>
@@ -483,7 +498,7 @@
         <a:spcPts val="0"/>
       </a:spcAft>
     </a:defPPr>
-    <a:lvl1pPr lvl="0" marR="0" rtl="0" algn="l">
+    <a:lvl1pPr marR="0" lvl="0" algn="l" rtl="0">
       <a:lnSpc>
         <a:spcPct val="100000"/>
       </a:lnSpc>
@@ -497,7 +512,7 @@
         <a:srgbClr val="000000"/>
       </a:buClr>
       <a:buFont typeface="Arial"/>
-      <a:defRPr b="0" i="0" sz="1400" u="none" cap="none" strike="noStrike">
+      <a:defRPr sz="1400" b="0" i="0" u="none" strike="noStrike" cap="none">
         <a:solidFill>
           <a:srgbClr val="000000"/>
         </a:solidFill>
@@ -507,7 +522,7 @@
         <a:sym typeface="Arial"/>
       </a:defRPr>
     </a:lvl1pPr>
-    <a:lvl2pPr lvl="1" marR="0" rtl="0" algn="l">
+    <a:lvl2pPr marR="0" lvl="1" algn="l" rtl="0">
       <a:lnSpc>
         <a:spcPct val="100000"/>
       </a:lnSpc>
@@ -521,7 +536,7 @@
         <a:srgbClr val="000000"/>
       </a:buClr>
       <a:buFont typeface="Arial"/>
-      <a:defRPr b="0" i="0" sz="1400" u="none" cap="none" strike="noStrike">
+      <a:defRPr sz="1400" b="0" i="0" u="none" strike="noStrike" cap="none">
         <a:solidFill>
           <a:srgbClr val="000000"/>
         </a:solidFill>
@@ -531,7 +546,7 @@
         <a:sym typeface="Arial"/>
       </a:defRPr>
     </a:lvl2pPr>
-    <a:lvl3pPr lvl="2" marR="0" rtl="0" algn="l">
+    <a:lvl3pPr marR="0" lvl="2" algn="l" rtl="0">
       <a:lnSpc>
         <a:spcPct val="100000"/>
       </a:lnSpc>
@@ -545,7 +560,7 @@
         <a:srgbClr val="000000"/>
       </a:buClr>
       <a:buFont typeface="Arial"/>
-      <a:defRPr b="0" i="0" sz="1400" u="none" cap="none" strike="noStrike">
+      <a:defRPr sz="1400" b="0" i="0" u="none" strike="noStrike" cap="none">
         <a:solidFill>
           <a:srgbClr val="000000"/>
         </a:solidFill>
@@ -555,7 +570,7 @@
         <a:sym typeface="Arial"/>
       </a:defRPr>
     </a:lvl3pPr>
-    <a:lvl4pPr lvl="3" marR="0" rtl="0" algn="l">
+    <a:lvl4pPr marR="0" lvl="3" algn="l" rtl="0">
       <a:lnSpc>
         <a:spcPct val="100000"/>
       </a:lnSpc>
@@ -569,7 +584,7 @@
         <a:srgbClr val="000000"/>
       </a:buClr>
       <a:buFont typeface="Arial"/>
-      <a:defRPr b="0" i="0" sz="1400" u="none" cap="none" strike="noStrike">
+      <a:defRPr sz="1400" b="0" i="0" u="none" strike="noStrike" cap="none">
         <a:solidFill>
           <a:srgbClr val="000000"/>
         </a:solidFill>
@@ -579,7 +594,7 @@
         <a:sym typeface="Arial"/>
       </a:defRPr>
     </a:lvl4pPr>
-    <a:lvl5pPr lvl="4" marR="0" rtl="0" algn="l">
+    <a:lvl5pPr marR="0" lvl="4" algn="l" rtl="0">
       <a:lnSpc>
         <a:spcPct val="100000"/>
       </a:lnSpc>
@@ -593,7 +608,7 @@
         <a:srgbClr val="000000"/>
       </a:buClr>
       <a:buFont typeface="Arial"/>
-      <a:defRPr b="0" i="0" sz="1400" u="none" cap="none" strike="noStrike">
+      <a:defRPr sz="1400" b="0" i="0" u="none" strike="noStrike" cap="none">
         <a:solidFill>
           <a:srgbClr val="000000"/>
         </a:solidFill>
@@ -603,7 +618,7 @@
         <a:sym typeface="Arial"/>
       </a:defRPr>
     </a:lvl5pPr>
-    <a:lvl6pPr lvl="5" marR="0" rtl="0" algn="l">
+    <a:lvl6pPr marR="0" lvl="5" algn="l" rtl="0">
       <a:lnSpc>
         <a:spcPct val="100000"/>
       </a:lnSpc>
@@ -617,7 +632,7 @@
         <a:srgbClr val="000000"/>
       </a:buClr>
       <a:buFont typeface="Arial"/>
-      <a:defRPr b="0" i="0" sz="1400" u="none" cap="none" strike="noStrike">
+      <a:defRPr sz="1400" b="0" i="0" u="none" strike="noStrike" cap="none">
         <a:solidFill>
           <a:srgbClr val="000000"/>
         </a:solidFill>
@@ -627,7 +642,7 @@
         <a:sym typeface="Arial"/>
       </a:defRPr>
     </a:lvl6pPr>
-    <a:lvl7pPr lvl="6" marR="0" rtl="0" algn="l">
+    <a:lvl7pPr marR="0" lvl="6" algn="l" rtl="0">
       <a:lnSpc>
         <a:spcPct val="100000"/>
       </a:lnSpc>
@@ -641,7 +656,7 @@
         <a:srgbClr val="000000"/>
       </a:buClr>
       <a:buFont typeface="Arial"/>
-      <a:defRPr b="0" i="0" sz="1400" u="none" cap="none" strike="noStrike">
+      <a:defRPr sz="1400" b="0" i="0" u="none" strike="noStrike" cap="none">
         <a:solidFill>
           <a:srgbClr val="000000"/>
         </a:solidFill>
@@ -651,7 +666,7 @@
         <a:sym typeface="Arial"/>
       </a:defRPr>
     </a:lvl7pPr>
-    <a:lvl8pPr lvl="7" marR="0" rtl="0" algn="l">
+    <a:lvl8pPr marR="0" lvl="7" algn="l" rtl="0">
       <a:lnSpc>
         <a:spcPct val="100000"/>
       </a:lnSpc>
@@ -665,7 +680,7 @@
         <a:srgbClr val="000000"/>
       </a:buClr>
       <a:buFont typeface="Arial"/>
-      <a:defRPr b="0" i="0" sz="1400" u="none" cap="none" strike="noStrike">
+      <a:defRPr sz="1400" b="0" i="0" u="none" strike="noStrike" cap="none">
         <a:solidFill>
           <a:srgbClr val="000000"/>
         </a:solidFill>
@@ -675,7 +690,7 @@
         <a:sym typeface="Arial"/>
       </a:defRPr>
     </a:lvl8pPr>
-    <a:lvl9pPr lvl="8" marR="0" rtl="0" algn="l">
+    <a:lvl9pPr marR="0" lvl="8" algn="l" rtl="0">
       <a:lnSpc>
         <a:spcPct val="100000"/>
       </a:lnSpc>
@@ -689,7 +704,7 @@
         <a:srgbClr val="000000"/>
       </a:buClr>
       <a:buFont typeface="Arial"/>
-      <a:defRPr b="0" i="0" sz="1400" u="none" cap="none" strike="noStrike">
+      <a:defRPr sz="1400" b="0" i="0" u="none" strike="noStrike" cap="none">
         <a:solidFill>
           <a:srgbClr val="000000"/>
         </a:solidFill>
@@ -704,11 +719,11 @@
 </file>
 
 <file path=ppt/notesSlides/notesSlide1.xml><?xml version="1.0" encoding="utf-8"?>
-<p:notes xmlns:a="http://schemas.openxmlformats.org/drawingml/2006/main" xmlns:r="http://schemas.openxmlformats.org/officeDocument/2006/relationships" xmlns:mc="http://schemas.openxmlformats.org/markup-compatibility/2006" xmlns:mv="urn:schemas-microsoft-com:mac:vml" xmlns:p="http://schemas.openxmlformats.org/presentationml/2006/main" xmlns:c="http://schemas.openxmlformats.org/drawingml/2006/chart" xmlns:dgm="http://schemas.openxmlformats.org/drawingml/2006/diagram" xmlns:o="urn:schemas-microsoft-com:office:office" xmlns:v="urn:schemas-microsoft-com:vml" xmlns:pvml="urn:schemas-microsoft-com:office:powerpoint" xmlns:com="http://schemas.openxmlformats.org/drawingml/2006/compatibility" xmlns:p14="http://schemas.microsoft.com/office/powerpoint/2010/main" xmlns:p15="http://schemas.microsoft.com/office/powerpoint/2012/main" xmlns:ahyp="http://schemas.microsoft.com/office/drawing/2018/hyperlinkcolor" showMasterPhAnim="0" showMasterSp="0">
+<p:notes xmlns:a="http://schemas.openxmlformats.org/drawingml/2006/main" xmlns:r="http://schemas.openxmlformats.org/officeDocument/2006/relationships" xmlns:p="http://schemas.openxmlformats.org/presentationml/2006/main" showMasterSp="0" showMasterPhAnim="0">
   <p:cSld>
     <p:spTree>
       <p:nvGrpSpPr>
-        <p:cNvPr id="81" name="Shape 81"/>
+        <p:cNvPr id="1" name="Shape 81"/>
         <p:cNvGrpSpPr/>
         <p:nvPr/>
       </p:nvGrpSpPr>
@@ -723,9 +738,11 @@
       <p:sp>
         <p:nvSpPr>
           <p:cNvPr id="82" name="Google Shape;82;gc6f9e470d_0_0:notes"/>
-          <p:cNvSpPr/>
+          <p:cNvSpPr>
+            <a:spLocks noGrp="1" noRot="1" noChangeAspect="1"/>
+          </p:cNvSpPr>
           <p:nvPr>
-            <p:ph idx="2" type="sldImg"/>
+            <p:ph type="sldImg" idx="2"/>
           </p:nvPr>
         </p:nvSpPr>
         <p:spPr>
@@ -734,9 +751,13 @@
             <a:ext cx="6096300" cy="3429000"/>
           </a:xfrm>
           <a:custGeom>
-            <a:rect b="b" l="l" r="r" t="t"/>
+            <a:avLst/>
+            <a:gdLst/>
+            <a:ahLst/>
+            <a:cxnLst/>
+            <a:rect l="l" t="t" r="r" b="b"/>
             <a:pathLst>
-              <a:path extrusionOk="0" h="120000" w="120000">
+              <a:path w="120000" h="120000" extrusionOk="0">
                 <a:moveTo>
                   <a:pt x="0" y="0"/>
                 </a:moveTo>
@@ -758,9 +779,11 @@
       <p:sp>
         <p:nvSpPr>
           <p:cNvPr id="83" name="Google Shape;83;gc6f9e470d_0_0:notes"/>
-          <p:cNvSpPr txBox="1"/>
+          <p:cNvSpPr txBox="1">
+            <a:spLocks noGrp="1"/>
+          </p:cNvSpPr>
           <p:nvPr>
-            <p:ph idx="1" type="body"/>
+            <p:ph type="body" idx="1"/>
           </p:nvPr>
         </p:nvSpPr>
         <p:spPr>
@@ -773,12 +796,12 @@
           </a:prstGeom>
         </p:spPr>
         <p:txBody>
-          <a:bodyPr anchorCtr="0" anchor="t" bIns="91425" lIns="91425" spcFirstLastPara="1" rIns="91425" wrap="square" tIns="91425">
+          <a:bodyPr spcFirstLastPara="1" wrap="square" lIns="91425" tIns="91425" rIns="91425" bIns="91425" anchor="t" anchorCtr="0">
             <a:noAutofit/>
           </a:bodyPr>
           <a:lstStyle/>
           <a:p>
-            <a:pPr indent="0" lvl="0" marL="0" rtl="0" algn="l">
+            <a:pPr marL="0" lvl="0" indent="0" algn="l" rtl="0">
               <a:spcBef>
                 <a:spcPts val="0"/>
               </a:spcBef>
@@ -787,9 +810,6 @@
               </a:spcAft>
               <a:buNone/>
             </a:pPr>
-            <a:r>
-              <a:t/>
-            </a:r>
             <a:endParaRPr/>
           </a:p>
         </p:txBody>
@@ -803,11 +823,11 @@
 </file>
 
 <file path=ppt/notesSlides/notesSlide2.xml><?xml version="1.0" encoding="utf-8"?>
-<p:notes xmlns:a="http://schemas.openxmlformats.org/drawingml/2006/main" xmlns:r="http://schemas.openxmlformats.org/officeDocument/2006/relationships" xmlns:mc="http://schemas.openxmlformats.org/markup-compatibility/2006" xmlns:mv="urn:schemas-microsoft-com:mac:vml" xmlns:p="http://schemas.openxmlformats.org/presentationml/2006/main" xmlns:c="http://schemas.openxmlformats.org/drawingml/2006/chart" xmlns:dgm="http://schemas.openxmlformats.org/drawingml/2006/diagram" xmlns:o="urn:schemas-microsoft-com:office:office" xmlns:v="urn:schemas-microsoft-com:vml" xmlns:pvml="urn:schemas-microsoft-com:office:powerpoint" xmlns:com="http://schemas.openxmlformats.org/drawingml/2006/compatibility" xmlns:p14="http://schemas.microsoft.com/office/powerpoint/2010/main" xmlns:p15="http://schemas.microsoft.com/office/powerpoint/2012/main" xmlns:ahyp="http://schemas.microsoft.com/office/drawing/2018/hyperlinkcolor" showMasterPhAnim="0" showMasterSp="0">
+<p:notes xmlns:a="http://schemas.openxmlformats.org/drawingml/2006/main" xmlns:r="http://schemas.openxmlformats.org/officeDocument/2006/relationships" xmlns:p="http://schemas.openxmlformats.org/presentationml/2006/main" showMasterSp="0" showMasterPhAnim="0">
   <p:cSld>
     <p:spTree>
       <p:nvGrpSpPr>
-        <p:cNvPr id="87" name="Shape 87"/>
+        <p:cNvPr id="1" name="Shape 87"/>
         <p:cNvGrpSpPr/>
         <p:nvPr/>
       </p:nvGrpSpPr>
@@ -822,9 +842,11 @@
       <p:sp>
         <p:nvSpPr>
           <p:cNvPr id="88" name="Google Shape;88;g39cc1965ca5_0_4:notes"/>
-          <p:cNvSpPr/>
+          <p:cNvSpPr>
+            <a:spLocks noGrp="1" noRot="1" noChangeAspect="1"/>
+          </p:cNvSpPr>
           <p:nvPr>
-            <p:ph idx="2" type="sldImg"/>
+            <p:ph type="sldImg" idx="2"/>
           </p:nvPr>
         </p:nvSpPr>
         <p:spPr>
@@ -833,9 +855,13 @@
             <a:ext cx="6096000" cy="3429000"/>
           </a:xfrm>
           <a:custGeom>
-            <a:rect b="b" l="l" r="r" t="t"/>
+            <a:avLst/>
+            <a:gdLst/>
+            <a:ahLst/>
+            <a:cxnLst/>
+            <a:rect l="l" t="t" r="r" b="b"/>
             <a:pathLst>
-              <a:path extrusionOk="0" h="120000" w="120000">
+              <a:path w="120000" h="120000" extrusionOk="0">
                 <a:moveTo>
                   <a:pt x="0" y="0"/>
                 </a:moveTo>
@@ -857,9 +883,11 @@
       <p:sp>
         <p:nvSpPr>
           <p:cNvPr id="89" name="Google Shape;89;g39cc1965ca5_0_4:notes"/>
-          <p:cNvSpPr txBox="1"/>
+          <p:cNvSpPr txBox="1">
+            <a:spLocks noGrp="1"/>
+          </p:cNvSpPr>
           <p:nvPr>
-            <p:ph idx="1" type="body"/>
+            <p:ph type="body" idx="1"/>
           </p:nvPr>
         </p:nvSpPr>
         <p:spPr>
@@ -872,12 +900,12 @@
           </a:prstGeom>
         </p:spPr>
         <p:txBody>
-          <a:bodyPr anchorCtr="0" anchor="t" bIns="91425" lIns="91425" spcFirstLastPara="1" rIns="91425" wrap="square" tIns="91425">
+          <a:bodyPr spcFirstLastPara="1" wrap="square" lIns="91425" tIns="91425" rIns="91425" bIns="91425" anchor="t" anchorCtr="0">
             <a:noAutofit/>
           </a:bodyPr>
           <a:lstStyle/>
           <a:p>
-            <a:pPr indent="0" lvl="0" marL="0" rtl="0" algn="l">
+            <a:pPr marL="0" lvl="0" indent="0" algn="l" rtl="0">
               <a:spcBef>
                 <a:spcPts val="0"/>
               </a:spcBef>
@@ -886,9 +914,6 @@
               </a:spcAft>
               <a:buNone/>
             </a:pPr>
-            <a:r>
-              <a:t/>
-            </a:r>
             <a:endParaRPr/>
           </a:p>
         </p:txBody>
@@ -902,11 +927,11 @@
 </file>
 
 <file path=ppt/notesSlides/notesSlide3.xml><?xml version="1.0" encoding="utf-8"?>
-<p:notes xmlns:a="http://schemas.openxmlformats.org/drawingml/2006/main" xmlns:r="http://schemas.openxmlformats.org/officeDocument/2006/relationships" xmlns:mc="http://schemas.openxmlformats.org/markup-compatibility/2006" xmlns:mv="urn:schemas-microsoft-com:mac:vml" xmlns:p="http://schemas.openxmlformats.org/presentationml/2006/main" xmlns:c="http://schemas.openxmlformats.org/drawingml/2006/chart" xmlns:dgm="http://schemas.openxmlformats.org/drawingml/2006/diagram" xmlns:o="urn:schemas-microsoft-com:office:office" xmlns:v="urn:schemas-microsoft-com:vml" xmlns:pvml="urn:schemas-microsoft-com:office:powerpoint" xmlns:com="http://schemas.openxmlformats.org/drawingml/2006/compatibility" xmlns:p14="http://schemas.microsoft.com/office/powerpoint/2010/main" xmlns:p15="http://schemas.microsoft.com/office/powerpoint/2012/main" xmlns:ahyp="http://schemas.microsoft.com/office/drawing/2018/hyperlinkcolor" showMasterPhAnim="0" showMasterSp="0">
+<p:notes xmlns:a="http://schemas.openxmlformats.org/drawingml/2006/main" xmlns:r="http://schemas.openxmlformats.org/officeDocument/2006/relationships" xmlns:p="http://schemas.openxmlformats.org/presentationml/2006/main" showMasterSp="0" showMasterPhAnim="0">
   <p:cSld>
     <p:spTree>
       <p:nvGrpSpPr>
-        <p:cNvPr id="93" name="Shape 93"/>
+        <p:cNvPr id="1" name="Shape 93"/>
         <p:cNvGrpSpPr/>
         <p:nvPr/>
       </p:nvGrpSpPr>
@@ -921,20 +946,26 @@
       <p:sp>
         <p:nvSpPr>
           <p:cNvPr id="94" name="Google Shape;94;gc6f9e470d_0_5:notes"/>
-          <p:cNvSpPr/>
+          <p:cNvSpPr>
+            <a:spLocks noGrp="1" noRot="1" noChangeAspect="1"/>
+          </p:cNvSpPr>
           <p:nvPr>
-            <p:ph idx="2" type="sldImg"/>
+            <p:ph type="sldImg" idx="2"/>
           </p:nvPr>
         </p:nvSpPr>
         <p:spPr>
           <a:xfrm>
-            <a:off x="381188" y="685800"/>
-            <a:ext cx="6096300" cy="3429000"/>
+            <a:off x="381000" y="685800"/>
+            <a:ext cx="6096000" cy="3429000"/>
           </a:xfrm>
           <a:custGeom>
-            <a:rect b="b" l="l" r="r" t="t"/>
+            <a:avLst/>
+            <a:gdLst/>
+            <a:ahLst/>
+            <a:cxnLst/>
+            <a:rect l="l" t="t" r="r" b="b"/>
             <a:pathLst>
-              <a:path extrusionOk="0" h="120000" w="120000">
+              <a:path w="120000" h="120000" extrusionOk="0">
                 <a:moveTo>
                   <a:pt x="0" y="0"/>
                 </a:moveTo>
@@ -956,9 +987,11 @@
       <p:sp>
         <p:nvSpPr>
           <p:cNvPr id="95" name="Google Shape;95;gc6f9e470d_0_5:notes"/>
-          <p:cNvSpPr txBox="1"/>
+          <p:cNvSpPr txBox="1">
+            <a:spLocks noGrp="1"/>
+          </p:cNvSpPr>
           <p:nvPr>
-            <p:ph idx="1" type="body"/>
+            <p:ph type="body" idx="1"/>
           </p:nvPr>
         </p:nvSpPr>
         <p:spPr>
@@ -971,12 +1004,12 @@
           </a:prstGeom>
         </p:spPr>
         <p:txBody>
-          <a:bodyPr anchorCtr="0" anchor="t" bIns="91425" lIns="91425" spcFirstLastPara="1" rIns="91425" wrap="square" tIns="91425">
+          <a:bodyPr spcFirstLastPara="1" wrap="square" lIns="91425" tIns="91425" rIns="91425" bIns="91425" anchor="t" anchorCtr="0">
             <a:noAutofit/>
           </a:bodyPr>
           <a:lstStyle/>
           <a:p>
-            <a:pPr indent="0" lvl="0" marL="0" rtl="0" algn="l">
+            <a:pPr marL="0" lvl="0" indent="0" algn="l" rtl="0">
               <a:spcBef>
                 <a:spcPts val="0"/>
               </a:spcBef>
@@ -985,9 +1018,6 @@
               </a:spcAft>
               <a:buNone/>
             </a:pPr>
-            <a:r>
-              <a:t/>
-            </a:r>
             <a:endParaRPr/>
           </a:p>
         </p:txBody>
@@ -1001,11 +1031,11 @@
 </file>
 
 <file path=ppt/notesSlides/notesSlide4.xml><?xml version="1.0" encoding="utf-8"?>
-<p:notes xmlns:a="http://schemas.openxmlformats.org/drawingml/2006/main" xmlns:r="http://schemas.openxmlformats.org/officeDocument/2006/relationships" xmlns:mc="http://schemas.openxmlformats.org/markup-compatibility/2006" xmlns:mv="urn:schemas-microsoft-com:mac:vml" xmlns:p="http://schemas.openxmlformats.org/presentationml/2006/main" xmlns:c="http://schemas.openxmlformats.org/drawingml/2006/chart" xmlns:dgm="http://schemas.openxmlformats.org/drawingml/2006/diagram" xmlns:o="urn:schemas-microsoft-com:office:office" xmlns:v="urn:schemas-microsoft-com:vml" xmlns:pvml="urn:schemas-microsoft-com:office:powerpoint" xmlns:com="http://schemas.openxmlformats.org/drawingml/2006/compatibility" xmlns:p14="http://schemas.microsoft.com/office/powerpoint/2010/main" xmlns:p15="http://schemas.microsoft.com/office/powerpoint/2012/main" xmlns:ahyp="http://schemas.microsoft.com/office/drawing/2018/hyperlinkcolor" showMasterPhAnim="0" showMasterSp="0">
+<p:notes xmlns:a="http://schemas.openxmlformats.org/drawingml/2006/main" xmlns:r="http://schemas.openxmlformats.org/officeDocument/2006/relationships" xmlns:p="http://schemas.openxmlformats.org/presentationml/2006/main" showMasterSp="0" showMasterPhAnim="0">
   <p:cSld>
     <p:spTree>
       <p:nvGrpSpPr>
-        <p:cNvPr id="99" name="Shape 99"/>
+        <p:cNvPr id="1" name="Shape 99"/>
         <p:cNvGrpSpPr/>
         <p:nvPr/>
       </p:nvGrpSpPr>
@@ -1020,9 +1050,11 @@
       <p:sp>
         <p:nvSpPr>
           <p:cNvPr id="100" name="Google Shape;100;gc6f9e470d_0_24:notes"/>
-          <p:cNvSpPr/>
+          <p:cNvSpPr>
+            <a:spLocks noGrp="1" noRot="1" noChangeAspect="1"/>
+          </p:cNvSpPr>
           <p:nvPr>
-            <p:ph idx="2" type="sldImg"/>
+            <p:ph type="sldImg" idx="2"/>
           </p:nvPr>
         </p:nvSpPr>
         <p:spPr>
@@ -1031,9 +1063,13 @@
             <a:ext cx="6096300" cy="3429000"/>
           </a:xfrm>
           <a:custGeom>
-            <a:rect b="b" l="l" r="r" t="t"/>
+            <a:avLst/>
+            <a:gdLst/>
+            <a:ahLst/>
+            <a:cxnLst/>
+            <a:rect l="l" t="t" r="r" b="b"/>
             <a:pathLst>
-              <a:path extrusionOk="0" h="120000" w="120000">
+              <a:path w="120000" h="120000" extrusionOk="0">
                 <a:moveTo>
                   <a:pt x="0" y="0"/>
                 </a:moveTo>
@@ -1055,9 +1091,11 @@
       <p:sp>
         <p:nvSpPr>
           <p:cNvPr id="101" name="Google Shape;101;gc6f9e470d_0_24:notes"/>
-          <p:cNvSpPr txBox="1"/>
+          <p:cNvSpPr txBox="1">
+            <a:spLocks noGrp="1"/>
+          </p:cNvSpPr>
           <p:nvPr>
-            <p:ph idx="1" type="body"/>
+            <p:ph type="body" idx="1"/>
           </p:nvPr>
         </p:nvSpPr>
         <p:spPr>
@@ -1070,12 +1108,12 @@
           </a:prstGeom>
         </p:spPr>
         <p:txBody>
-          <a:bodyPr anchorCtr="0" anchor="t" bIns="91425" lIns="91425" spcFirstLastPara="1" rIns="91425" wrap="square" tIns="91425">
+          <a:bodyPr spcFirstLastPara="1" wrap="square" lIns="91425" tIns="91425" rIns="91425" bIns="91425" anchor="t" anchorCtr="0">
             <a:noAutofit/>
           </a:bodyPr>
           <a:lstStyle/>
           <a:p>
-            <a:pPr indent="0" lvl="0" marL="0" rtl="0" algn="l">
+            <a:pPr marL="0" lvl="0" indent="0" algn="l" rtl="0">
               <a:spcBef>
                 <a:spcPts val="0"/>
               </a:spcBef>
@@ -1084,9 +1122,6 @@
               </a:spcAft>
               <a:buNone/>
             </a:pPr>
-            <a:r>
-              <a:t/>
-            </a:r>
             <a:endParaRPr/>
           </a:p>
         </p:txBody>
@@ -1100,11 +1135,11 @@
 </file>
 
 <file path=ppt/notesSlides/notesSlide5.xml><?xml version="1.0" encoding="utf-8"?>
-<p:notes xmlns:a="http://schemas.openxmlformats.org/drawingml/2006/main" xmlns:r="http://schemas.openxmlformats.org/officeDocument/2006/relationships" xmlns:mc="http://schemas.openxmlformats.org/markup-compatibility/2006" xmlns:mv="urn:schemas-microsoft-com:mac:vml" xmlns:p="http://schemas.openxmlformats.org/presentationml/2006/main" xmlns:c="http://schemas.openxmlformats.org/drawingml/2006/chart" xmlns:dgm="http://schemas.openxmlformats.org/drawingml/2006/diagram" xmlns:o="urn:schemas-microsoft-com:office:office" xmlns:v="urn:schemas-microsoft-com:vml" xmlns:pvml="urn:schemas-microsoft-com:office:powerpoint" xmlns:com="http://schemas.openxmlformats.org/drawingml/2006/compatibility" xmlns:p14="http://schemas.microsoft.com/office/powerpoint/2010/main" xmlns:p15="http://schemas.microsoft.com/office/powerpoint/2012/main" xmlns:ahyp="http://schemas.microsoft.com/office/drawing/2018/hyperlinkcolor" showMasterPhAnim="0" showMasterSp="0">
+<p:notes xmlns:a="http://schemas.openxmlformats.org/drawingml/2006/main" xmlns:r="http://schemas.openxmlformats.org/officeDocument/2006/relationships" xmlns:p="http://schemas.openxmlformats.org/presentationml/2006/main" showMasterSp="0" showMasterPhAnim="0">
   <p:cSld>
     <p:spTree>
       <p:nvGrpSpPr>
-        <p:cNvPr id="113" name="Shape 113"/>
+        <p:cNvPr id="1" name="Shape 113"/>
         <p:cNvGrpSpPr/>
         <p:nvPr/>
       </p:nvGrpSpPr>
@@ -1119,9 +1154,11 @@
       <p:sp>
         <p:nvSpPr>
           <p:cNvPr id="114" name="Google Shape;114;gc6f9e470d_0_37:notes"/>
-          <p:cNvSpPr/>
+          <p:cNvSpPr>
+            <a:spLocks noGrp="1" noRot="1" noChangeAspect="1"/>
+          </p:cNvSpPr>
           <p:nvPr>
-            <p:ph idx="2" type="sldImg"/>
+            <p:ph type="sldImg" idx="2"/>
           </p:nvPr>
         </p:nvSpPr>
         <p:spPr>
@@ -1130,9 +1167,13 @@
             <a:ext cx="6096300" cy="3429000"/>
           </a:xfrm>
           <a:custGeom>
-            <a:rect b="b" l="l" r="r" t="t"/>
+            <a:avLst/>
+            <a:gdLst/>
+            <a:ahLst/>
+            <a:cxnLst/>
+            <a:rect l="l" t="t" r="r" b="b"/>
             <a:pathLst>
-              <a:path extrusionOk="0" h="120000" w="120000">
+              <a:path w="120000" h="120000" extrusionOk="0">
                 <a:moveTo>
                   <a:pt x="0" y="0"/>
                 </a:moveTo>
@@ -1154,9 +1195,11 @@
       <p:sp>
         <p:nvSpPr>
           <p:cNvPr id="115" name="Google Shape;115;gc6f9e470d_0_37:notes"/>
-          <p:cNvSpPr txBox="1"/>
+          <p:cNvSpPr txBox="1">
+            <a:spLocks noGrp="1"/>
+          </p:cNvSpPr>
           <p:nvPr>
-            <p:ph idx="1" type="body"/>
+            <p:ph type="body" idx="1"/>
           </p:nvPr>
         </p:nvSpPr>
         <p:spPr>
@@ -1169,12 +1212,12 @@
           </a:prstGeom>
         </p:spPr>
         <p:txBody>
-          <a:bodyPr anchorCtr="0" anchor="t" bIns="91425" lIns="91425" spcFirstLastPara="1" rIns="91425" wrap="square" tIns="91425">
+          <a:bodyPr spcFirstLastPara="1" wrap="square" lIns="91425" tIns="91425" rIns="91425" bIns="91425" anchor="t" anchorCtr="0">
             <a:noAutofit/>
           </a:bodyPr>
           <a:lstStyle/>
           <a:p>
-            <a:pPr indent="0" lvl="0" marL="0" rtl="0" algn="l">
+            <a:pPr marL="0" lvl="0" indent="0" algn="l" rtl="0">
               <a:spcBef>
                 <a:spcPts val="0"/>
               </a:spcBef>
@@ -1183,9 +1226,6 @@
               </a:spcAft>
               <a:buNone/>
             </a:pPr>
-            <a:r>
-              <a:t/>
-            </a:r>
             <a:endParaRPr/>
           </a:p>
         </p:txBody>
@@ -1199,11 +1239,11 @@
 </file>
 
 <file path=ppt/notesSlides/notesSlide6.xml><?xml version="1.0" encoding="utf-8"?>
-<p:notes xmlns:a="http://schemas.openxmlformats.org/drawingml/2006/main" xmlns:r="http://schemas.openxmlformats.org/officeDocument/2006/relationships" xmlns:mc="http://schemas.openxmlformats.org/markup-compatibility/2006" xmlns:mv="urn:schemas-microsoft-com:mac:vml" xmlns:p="http://schemas.openxmlformats.org/presentationml/2006/main" xmlns:c="http://schemas.openxmlformats.org/drawingml/2006/chart" xmlns:dgm="http://schemas.openxmlformats.org/drawingml/2006/diagram" xmlns:o="urn:schemas-microsoft-com:office:office" xmlns:v="urn:schemas-microsoft-com:vml" xmlns:pvml="urn:schemas-microsoft-com:office:powerpoint" xmlns:com="http://schemas.openxmlformats.org/drawingml/2006/compatibility" xmlns:p14="http://schemas.microsoft.com/office/powerpoint/2010/main" xmlns:p15="http://schemas.microsoft.com/office/powerpoint/2012/main" xmlns:ahyp="http://schemas.microsoft.com/office/drawing/2018/hyperlinkcolor" showMasterPhAnim="0" showMasterSp="0">
+<p:notes xmlns:a="http://schemas.openxmlformats.org/drawingml/2006/main" xmlns:r="http://schemas.openxmlformats.org/officeDocument/2006/relationships" xmlns:p="http://schemas.openxmlformats.org/presentationml/2006/main" showMasterSp="0" showMasterPhAnim="0">
   <p:cSld>
     <p:spTree>
       <p:nvGrpSpPr>
-        <p:cNvPr id="120" name="Shape 120"/>
+        <p:cNvPr id="1" name="Shape 120"/>
         <p:cNvGrpSpPr/>
         <p:nvPr/>
       </p:nvGrpSpPr>
@@ -1218,9 +1258,11 @@
       <p:sp>
         <p:nvSpPr>
           <p:cNvPr id="121" name="Google Shape;121;gc6f9e470d_0_43:notes"/>
-          <p:cNvSpPr/>
+          <p:cNvSpPr>
+            <a:spLocks noGrp="1" noRot="1" noChangeAspect="1"/>
+          </p:cNvSpPr>
           <p:nvPr>
-            <p:ph idx="2" type="sldImg"/>
+            <p:ph type="sldImg" idx="2"/>
           </p:nvPr>
         </p:nvSpPr>
         <p:spPr>
@@ -1229,9 +1271,13 @@
             <a:ext cx="6096300" cy="3429000"/>
           </a:xfrm>
           <a:custGeom>
-            <a:rect b="b" l="l" r="r" t="t"/>
+            <a:avLst/>
+            <a:gdLst/>
+            <a:ahLst/>
+            <a:cxnLst/>
+            <a:rect l="l" t="t" r="r" b="b"/>
             <a:pathLst>
-              <a:path extrusionOk="0" h="120000" w="120000">
+              <a:path w="120000" h="120000" extrusionOk="0">
                 <a:moveTo>
                   <a:pt x="0" y="0"/>
                 </a:moveTo>
@@ -1253,9 +1299,11 @@
       <p:sp>
         <p:nvSpPr>
           <p:cNvPr id="122" name="Google Shape;122;gc6f9e470d_0_43:notes"/>
-          <p:cNvSpPr txBox="1"/>
+          <p:cNvSpPr txBox="1">
+            <a:spLocks noGrp="1"/>
+          </p:cNvSpPr>
           <p:nvPr>
-            <p:ph idx="1" type="body"/>
+            <p:ph type="body" idx="1"/>
           </p:nvPr>
         </p:nvSpPr>
         <p:spPr>
@@ -1268,12 +1316,12 @@
           </a:prstGeom>
         </p:spPr>
         <p:txBody>
-          <a:bodyPr anchorCtr="0" anchor="t" bIns="91425" lIns="91425" spcFirstLastPara="1" rIns="91425" wrap="square" tIns="91425">
+          <a:bodyPr spcFirstLastPara="1" wrap="square" lIns="91425" tIns="91425" rIns="91425" bIns="91425" anchor="t" anchorCtr="0">
             <a:noAutofit/>
           </a:bodyPr>
           <a:lstStyle/>
           <a:p>
-            <a:pPr indent="0" lvl="0" marL="0" rtl="0" algn="l">
+            <a:pPr marL="0" lvl="0" indent="0" algn="l" rtl="0">
               <a:spcBef>
                 <a:spcPts val="0"/>
               </a:spcBef>
@@ -1282,9 +1330,6 @@
               </a:spcAft>
               <a:buNone/>
             </a:pPr>
-            <a:r>
-              <a:t/>
-            </a:r>
             <a:endParaRPr/>
           </a:p>
         </p:txBody>
@@ -1298,11 +1343,11 @@
 </file>
 
 <file path=ppt/notesSlides/notesSlide7.xml><?xml version="1.0" encoding="utf-8"?>
-<p:notes xmlns:a="http://schemas.openxmlformats.org/drawingml/2006/main" xmlns:r="http://schemas.openxmlformats.org/officeDocument/2006/relationships" xmlns:mc="http://schemas.openxmlformats.org/markup-compatibility/2006" xmlns:mv="urn:schemas-microsoft-com:mac:vml" xmlns:p="http://schemas.openxmlformats.org/presentationml/2006/main" xmlns:c="http://schemas.openxmlformats.org/drawingml/2006/chart" xmlns:dgm="http://schemas.openxmlformats.org/drawingml/2006/diagram" xmlns:o="urn:schemas-microsoft-com:office:office" xmlns:v="urn:schemas-microsoft-com:vml" xmlns:pvml="urn:schemas-microsoft-com:office:powerpoint" xmlns:com="http://schemas.openxmlformats.org/drawingml/2006/compatibility" xmlns:p14="http://schemas.microsoft.com/office/powerpoint/2010/main" xmlns:p15="http://schemas.microsoft.com/office/powerpoint/2012/main" xmlns:ahyp="http://schemas.microsoft.com/office/drawing/2018/hyperlinkcolor" showMasterPhAnim="0" showMasterSp="0">
+<p:notes xmlns:a="http://schemas.openxmlformats.org/drawingml/2006/main" xmlns:r="http://schemas.openxmlformats.org/officeDocument/2006/relationships" xmlns:p="http://schemas.openxmlformats.org/presentationml/2006/main" showMasterSp="0" showMasterPhAnim="0">
   <p:cSld>
     <p:spTree>
       <p:nvGrpSpPr>
-        <p:cNvPr id="125" name="Shape 125"/>
+        <p:cNvPr id="1" name="Shape 125"/>
         <p:cNvGrpSpPr/>
         <p:nvPr/>
       </p:nvGrpSpPr>
@@ -1317,9 +1362,11 @@
       <p:sp>
         <p:nvSpPr>
           <p:cNvPr id="126" name="Google Shape;126;gc6f9e470d_0_47:notes"/>
-          <p:cNvSpPr/>
+          <p:cNvSpPr>
+            <a:spLocks noGrp="1" noRot="1" noChangeAspect="1"/>
+          </p:cNvSpPr>
           <p:nvPr>
-            <p:ph idx="2" type="sldImg"/>
+            <p:ph type="sldImg" idx="2"/>
           </p:nvPr>
         </p:nvSpPr>
         <p:spPr>
@@ -1328,9 +1375,13 @@
             <a:ext cx="6096300" cy="3429000"/>
           </a:xfrm>
           <a:custGeom>
-            <a:rect b="b" l="l" r="r" t="t"/>
+            <a:avLst/>
+            <a:gdLst/>
+            <a:ahLst/>
+            <a:cxnLst/>
+            <a:rect l="l" t="t" r="r" b="b"/>
             <a:pathLst>
-              <a:path extrusionOk="0" h="120000" w="120000">
+              <a:path w="120000" h="120000" extrusionOk="0">
                 <a:moveTo>
                   <a:pt x="0" y="0"/>
                 </a:moveTo>
@@ -1352,9 +1403,11 @@
       <p:sp>
         <p:nvSpPr>
           <p:cNvPr id="127" name="Google Shape;127;gc6f9e470d_0_47:notes"/>
-          <p:cNvSpPr txBox="1"/>
+          <p:cNvSpPr txBox="1">
+            <a:spLocks noGrp="1"/>
+          </p:cNvSpPr>
           <p:nvPr>
-            <p:ph idx="1" type="body"/>
+            <p:ph type="body" idx="1"/>
           </p:nvPr>
         </p:nvSpPr>
         <p:spPr>
@@ -1367,12 +1420,12 @@
           </a:prstGeom>
         </p:spPr>
         <p:txBody>
-          <a:bodyPr anchorCtr="0" anchor="t" bIns="91425" lIns="91425" spcFirstLastPara="1" rIns="91425" wrap="square" tIns="91425">
+          <a:bodyPr spcFirstLastPara="1" wrap="square" lIns="91425" tIns="91425" rIns="91425" bIns="91425" anchor="t" anchorCtr="0">
             <a:noAutofit/>
           </a:bodyPr>
           <a:lstStyle/>
           <a:p>
-            <a:pPr indent="0" lvl="0" marL="0" rtl="0" algn="l">
+            <a:pPr marL="0" lvl="0" indent="0" algn="l" rtl="0">
               <a:spcBef>
                 <a:spcPts val="0"/>
               </a:spcBef>
@@ -1381,9 +1434,6 @@
               </a:spcAft>
               <a:buNone/>
             </a:pPr>
-            <a:r>
-              <a:t/>
-            </a:r>
             <a:endParaRPr/>
           </a:p>
         </p:txBody>
@@ -1397,11 +1447,11 @@
 </file>
 
 <file path=ppt/notesSlides/notesSlide8.xml><?xml version="1.0" encoding="utf-8"?>
-<p:notes xmlns:a="http://schemas.openxmlformats.org/drawingml/2006/main" xmlns:r="http://schemas.openxmlformats.org/officeDocument/2006/relationships" xmlns:mc="http://schemas.openxmlformats.org/markup-compatibility/2006" xmlns:mv="urn:schemas-microsoft-com:mac:vml" xmlns:p="http://schemas.openxmlformats.org/presentationml/2006/main" xmlns:c="http://schemas.openxmlformats.org/drawingml/2006/chart" xmlns:dgm="http://schemas.openxmlformats.org/drawingml/2006/diagram" xmlns:o="urn:schemas-microsoft-com:office:office" xmlns:v="urn:schemas-microsoft-com:vml" xmlns:pvml="urn:schemas-microsoft-com:office:powerpoint" xmlns:com="http://schemas.openxmlformats.org/drawingml/2006/compatibility" xmlns:p14="http://schemas.microsoft.com/office/powerpoint/2010/main" xmlns:p15="http://schemas.microsoft.com/office/powerpoint/2012/main" xmlns:ahyp="http://schemas.microsoft.com/office/drawing/2018/hyperlinkcolor" showMasterPhAnim="0" showMasterSp="0">
+<p:notes xmlns:a="http://schemas.openxmlformats.org/drawingml/2006/main" xmlns:r="http://schemas.openxmlformats.org/officeDocument/2006/relationships" xmlns:p="http://schemas.openxmlformats.org/presentationml/2006/main" showMasterSp="0" showMasterPhAnim="0">
   <p:cSld>
     <p:spTree>
       <p:nvGrpSpPr>
-        <p:cNvPr id="159" name="Shape 159"/>
+        <p:cNvPr id="1" name="Shape 159"/>
         <p:cNvGrpSpPr/>
         <p:nvPr/>
       </p:nvGrpSpPr>
@@ -1416,9 +1466,11 @@
       <p:sp>
         <p:nvSpPr>
           <p:cNvPr id="160" name="Google Shape;160;gc6f9e470d_0_80:notes"/>
-          <p:cNvSpPr/>
+          <p:cNvSpPr>
+            <a:spLocks noGrp="1" noRot="1" noChangeAspect="1"/>
+          </p:cNvSpPr>
           <p:nvPr>
-            <p:ph idx="2" type="sldImg"/>
+            <p:ph type="sldImg" idx="2"/>
           </p:nvPr>
         </p:nvSpPr>
         <p:spPr>
@@ -1427,9 +1479,13 @@
             <a:ext cx="6096300" cy="3429000"/>
           </a:xfrm>
           <a:custGeom>
-            <a:rect b="b" l="l" r="r" t="t"/>
+            <a:avLst/>
+            <a:gdLst/>
+            <a:ahLst/>
+            <a:cxnLst/>
+            <a:rect l="l" t="t" r="r" b="b"/>
             <a:pathLst>
-              <a:path extrusionOk="0" h="120000" w="120000">
+              <a:path w="120000" h="120000" extrusionOk="0">
                 <a:moveTo>
                   <a:pt x="0" y="0"/>
                 </a:moveTo>
@@ -1451,9 +1507,11 @@
       <p:sp>
         <p:nvSpPr>
           <p:cNvPr id="161" name="Google Shape;161;gc6f9e470d_0_80:notes"/>
-          <p:cNvSpPr txBox="1"/>
+          <p:cNvSpPr txBox="1">
+            <a:spLocks noGrp="1"/>
+          </p:cNvSpPr>
           <p:nvPr>
-            <p:ph idx="1" type="body"/>
+            <p:ph type="body" idx="1"/>
           </p:nvPr>
         </p:nvSpPr>
         <p:spPr>
@@ -1466,12 +1524,12 @@
           </a:prstGeom>
         </p:spPr>
         <p:txBody>
-          <a:bodyPr anchorCtr="0" anchor="t" bIns="91425" lIns="91425" spcFirstLastPara="1" rIns="91425" wrap="square" tIns="91425">
+          <a:bodyPr spcFirstLastPara="1" wrap="square" lIns="91425" tIns="91425" rIns="91425" bIns="91425" anchor="t" anchorCtr="0">
             <a:noAutofit/>
           </a:bodyPr>
           <a:lstStyle/>
           <a:p>
-            <a:pPr indent="0" lvl="0" marL="0" rtl="0" algn="l">
+            <a:pPr marL="0" lvl="0" indent="0" algn="l" rtl="0">
               <a:spcBef>
                 <a:spcPts val="0"/>
               </a:spcBef>
@@ -1480,9 +1538,6 @@
               </a:spcAft>
               <a:buNone/>
             </a:pPr>
-            <a:r>
-              <a:t/>
-            </a:r>
             <a:endParaRPr/>
           </a:p>
         </p:txBody>
@@ -1496,11 +1551,11 @@
 </file>
 
 <file path=ppt/notesSlides/notesSlide9.xml><?xml version="1.0" encoding="utf-8"?>
-<p:notes xmlns:a="http://schemas.openxmlformats.org/drawingml/2006/main" xmlns:r="http://schemas.openxmlformats.org/officeDocument/2006/relationships" xmlns:mc="http://schemas.openxmlformats.org/markup-compatibility/2006" xmlns:mv="urn:schemas-microsoft-com:mac:vml" xmlns:p="http://schemas.openxmlformats.org/presentationml/2006/main" xmlns:c="http://schemas.openxmlformats.org/drawingml/2006/chart" xmlns:dgm="http://schemas.openxmlformats.org/drawingml/2006/diagram" xmlns:o="urn:schemas-microsoft-com:office:office" xmlns:v="urn:schemas-microsoft-com:vml" xmlns:pvml="urn:schemas-microsoft-com:office:powerpoint" xmlns:com="http://schemas.openxmlformats.org/drawingml/2006/compatibility" xmlns:p14="http://schemas.microsoft.com/office/powerpoint/2010/main" xmlns:p15="http://schemas.microsoft.com/office/powerpoint/2012/main" xmlns:ahyp="http://schemas.microsoft.com/office/drawing/2018/hyperlinkcolor" showMasterPhAnim="0" showMasterSp="0">
+<p:notes xmlns:a="http://schemas.openxmlformats.org/drawingml/2006/main" xmlns:r="http://schemas.openxmlformats.org/officeDocument/2006/relationships" xmlns:p="http://schemas.openxmlformats.org/presentationml/2006/main" showMasterSp="0" showMasterPhAnim="0">
   <p:cSld>
     <p:spTree>
       <p:nvGrpSpPr>
-        <p:cNvPr id="206" name="Shape 206"/>
+        <p:cNvPr id="1" name="Shape 206"/>
         <p:cNvGrpSpPr/>
         <p:nvPr/>
       </p:nvGrpSpPr>
@@ -1515,9 +1570,11 @@
       <p:sp>
         <p:nvSpPr>
           <p:cNvPr id="207" name="Google Shape;207;gc6f9e470d_0_126:notes"/>
-          <p:cNvSpPr/>
+          <p:cNvSpPr>
+            <a:spLocks noGrp="1" noRot="1" noChangeAspect="1"/>
+          </p:cNvSpPr>
           <p:nvPr>
-            <p:ph idx="2" type="sldImg"/>
+            <p:ph type="sldImg" idx="2"/>
           </p:nvPr>
         </p:nvSpPr>
         <p:spPr>
@@ -1526,9 +1583,13 @@
             <a:ext cx="6096300" cy="3429000"/>
           </a:xfrm>
           <a:custGeom>
-            <a:rect b="b" l="l" r="r" t="t"/>
+            <a:avLst/>
+            <a:gdLst/>
+            <a:ahLst/>
+            <a:cxnLst/>
+            <a:rect l="l" t="t" r="r" b="b"/>
             <a:pathLst>
-              <a:path extrusionOk="0" h="120000" w="120000">
+              <a:path w="120000" h="120000" extrusionOk="0">
                 <a:moveTo>
                   <a:pt x="0" y="0"/>
                 </a:moveTo>
@@ -1550,9 +1611,11 @@
       <p:sp>
         <p:nvSpPr>
           <p:cNvPr id="208" name="Google Shape;208;gc6f9e470d_0_126:notes"/>
-          <p:cNvSpPr txBox="1"/>
+          <p:cNvSpPr txBox="1">
+            <a:spLocks noGrp="1"/>
+          </p:cNvSpPr>
           <p:nvPr>
-            <p:ph idx="1" type="body"/>
+            <p:ph type="body" idx="1"/>
           </p:nvPr>
         </p:nvSpPr>
         <p:spPr>
@@ -1565,12 +1628,12 @@
           </a:prstGeom>
         </p:spPr>
         <p:txBody>
-          <a:bodyPr anchorCtr="0" anchor="t" bIns="91425" lIns="91425" spcFirstLastPara="1" rIns="91425" wrap="square" tIns="91425">
+          <a:bodyPr spcFirstLastPara="1" wrap="square" lIns="91425" tIns="91425" rIns="91425" bIns="91425" anchor="t" anchorCtr="0">
             <a:noAutofit/>
           </a:bodyPr>
           <a:lstStyle/>
           <a:p>
-            <a:pPr indent="0" lvl="0" marL="0" rtl="0" algn="l">
+            <a:pPr marL="0" lvl="0" indent="0" algn="l" rtl="0">
               <a:spcBef>
                 <a:spcPts val="0"/>
               </a:spcBef>
@@ -1579,9 +1642,6 @@
               </a:spcAft>
               <a:buNone/>
             </a:pPr>
-            <a:r>
-              <a:t/>
-            </a:r>
             <a:endParaRPr/>
           </a:p>
         </p:txBody>
@@ -1595,18 +1655,19 @@
 </file>
 
 <file path=ppt/slideLayouts/slideLayout1.xml><?xml version="1.0" encoding="utf-8"?>
-<p:sldLayout xmlns:a="http://schemas.openxmlformats.org/drawingml/2006/main" xmlns:r="http://schemas.openxmlformats.org/officeDocument/2006/relationships" xmlns:mc="http://schemas.openxmlformats.org/markup-compatibility/2006" xmlns:mv="urn:schemas-microsoft-com:mac:vml" xmlns:p="http://schemas.openxmlformats.org/presentationml/2006/main" xmlns:c="http://schemas.openxmlformats.org/drawingml/2006/chart" xmlns:dgm="http://schemas.openxmlformats.org/drawingml/2006/diagram" xmlns:o="urn:schemas-microsoft-com:office:office" xmlns:v="urn:schemas-microsoft-com:vml" xmlns:pvml="urn:schemas-microsoft-com:office:powerpoint" xmlns:com="http://schemas.openxmlformats.org/drawingml/2006/compatibility" xmlns:p14="http://schemas.microsoft.com/office/powerpoint/2010/main" xmlns:p15="http://schemas.microsoft.com/office/powerpoint/2012/main" xmlns:ahyp="http://schemas.microsoft.com/office/drawing/2018/hyperlinkcolor" matchingName="Title slide" type="title">
+<p:sldLayout xmlns:a="http://schemas.openxmlformats.org/drawingml/2006/main" xmlns:r="http://schemas.openxmlformats.org/officeDocument/2006/relationships" xmlns:p="http://schemas.openxmlformats.org/presentationml/2006/main" matchingName="Title slide" type="title">
   <p:cSld name="TITLE">
     <p:bg>
       <p:bgPr>
         <a:solidFill>
           <a:schemeClr val="dk1"/>
         </a:solidFill>
+        <a:effectLst/>
       </p:bgPr>
     </p:bg>
     <p:spTree>
       <p:nvGrpSpPr>
-        <p:cNvPr id="9" name="Shape 9"/>
+        <p:cNvPr id="1" name="Shape 9"/>
         <p:cNvGrpSpPr/>
         <p:nvPr/>
       </p:nvGrpSpPr>
@@ -1654,12 +1715,12 @@
             </a:ln>
           </p:spPr>
           <p:txBody>
-            <a:bodyPr anchorCtr="0" anchor="ctr" bIns="91425" lIns="91425" spcFirstLastPara="1" rIns="91425" wrap="square" tIns="91425">
+            <a:bodyPr spcFirstLastPara="1" wrap="square" lIns="91425" tIns="91425" rIns="91425" bIns="91425" anchor="ctr" anchorCtr="0">
               <a:noAutofit/>
             </a:bodyPr>
             <a:lstStyle/>
             <a:p>
-              <a:pPr indent="0" lvl="0" marL="0" rtl="0" algn="l">
+              <a:pPr marL="0" lvl="0" indent="0" algn="l" rtl="0">
                 <a:spcBef>
                   <a:spcPts val="0"/>
                 </a:spcBef>
@@ -1668,9 +1729,6 @@
                 </a:spcAft>
                 <a:buNone/>
               </a:pPr>
-              <a:r>
-                <a:t/>
-              </a:r>
               <a:endParaRPr/>
             </a:p>
           </p:txBody>
@@ -1697,12 +1755,12 @@
             </a:ln>
           </p:spPr>
           <p:txBody>
-            <a:bodyPr anchorCtr="0" anchor="ctr" bIns="91425" lIns="91425" spcFirstLastPara="1" rIns="91425" wrap="square" tIns="91425">
+            <a:bodyPr spcFirstLastPara="1" wrap="square" lIns="91425" tIns="91425" rIns="91425" bIns="91425" anchor="ctr" anchorCtr="0">
               <a:noAutofit/>
             </a:bodyPr>
             <a:lstStyle/>
             <a:p>
-              <a:pPr indent="0" lvl="0" marL="0" rtl="0" algn="l">
+              <a:pPr marL="0" lvl="0" indent="0" algn="l" rtl="0">
                 <a:spcBef>
                   <a:spcPts val="0"/>
                 </a:spcBef>
@@ -1711,9 +1769,6 @@
                 </a:spcAft>
                 <a:buNone/>
               </a:pPr>
-              <a:r>
-                <a:t/>
-              </a:r>
               <a:endParaRPr/>
             </a:p>
           </p:txBody>
@@ -1725,7 +1780,7 @@
             <p:nvPr/>
           </p:nvSpPr>
           <p:spPr>
-            <a:xfrm flipH="1" rot="10800000">
+            <a:xfrm rot="10800000" flipH="1">
               <a:off x="7113588" y="107"/>
               <a:ext cx="1015200" cy="1015200"/>
             </a:xfrm>
@@ -1740,12 +1795,12 @@
             </a:ln>
           </p:spPr>
           <p:txBody>
-            <a:bodyPr anchorCtr="0" anchor="ctr" bIns="91425" lIns="91425" spcFirstLastPara="1" rIns="91425" wrap="square" tIns="91425">
+            <a:bodyPr spcFirstLastPara="1" wrap="square" lIns="91425" tIns="91425" rIns="91425" bIns="91425" anchor="ctr" anchorCtr="0">
               <a:noAutofit/>
             </a:bodyPr>
             <a:lstStyle/>
             <a:p>
-              <a:pPr indent="0" lvl="0" marL="0" rtl="0" algn="l">
+              <a:pPr marL="0" lvl="0" indent="0" algn="l" rtl="0">
                 <a:spcBef>
                   <a:spcPts val="0"/>
                 </a:spcBef>
@@ -1754,9 +1809,6 @@
                 </a:spcAft>
                 <a:buNone/>
               </a:pPr>
-              <a:r>
-                <a:t/>
-              </a:r>
               <a:endParaRPr/>
             </a:p>
           </p:txBody>
@@ -1783,12 +1835,12 @@
             </a:ln>
           </p:spPr>
           <p:txBody>
-            <a:bodyPr anchorCtr="0" anchor="ctr" bIns="91425" lIns="91425" spcFirstLastPara="1" rIns="91425" wrap="square" tIns="91425">
+            <a:bodyPr spcFirstLastPara="1" wrap="square" lIns="91425" tIns="91425" rIns="91425" bIns="91425" anchor="ctr" anchorCtr="0">
               <a:noAutofit/>
             </a:bodyPr>
             <a:lstStyle/>
             <a:p>
-              <a:pPr indent="0" lvl="0" marL="0" rtl="0" algn="l">
+              <a:pPr marL="0" lvl="0" indent="0" algn="l" rtl="0">
                 <a:spcBef>
                   <a:spcPts val="0"/>
                 </a:spcBef>
@@ -1797,9 +1849,6 @@
                 </a:spcAft>
                 <a:buNone/>
               </a:pPr>
-              <a:r>
-                <a:t/>
-              </a:r>
               <a:endParaRPr/>
             </a:p>
           </p:txBody>
@@ -1826,12 +1875,12 @@
             </a:ln>
           </p:spPr>
           <p:txBody>
-            <a:bodyPr anchorCtr="0" anchor="ctr" bIns="91425" lIns="91425" spcFirstLastPara="1" rIns="91425" wrap="square" tIns="91425">
+            <a:bodyPr spcFirstLastPara="1" wrap="square" lIns="91425" tIns="91425" rIns="91425" bIns="91425" anchor="ctr" anchorCtr="0">
               <a:noAutofit/>
             </a:bodyPr>
             <a:lstStyle/>
             <a:p>
-              <a:pPr indent="0" lvl="0" marL="0" rtl="0" algn="l">
+              <a:pPr marL="0" lvl="0" indent="0" algn="l" rtl="0">
                 <a:spcBef>
                   <a:spcPts val="0"/>
                 </a:spcBef>
@@ -1840,9 +1889,6 @@
                 </a:spcAft>
                 <a:buNone/>
               </a:pPr>
-              <a:r>
-                <a:t/>
-              </a:r>
               <a:endParaRPr/>
             </a:p>
           </p:txBody>
@@ -1851,7 +1897,9 @@
       <p:sp>
         <p:nvSpPr>
           <p:cNvPr id="16" name="Google Shape;16;p2"/>
-          <p:cNvSpPr txBox="1"/>
+          <p:cNvSpPr txBox="1">
+            <a:spLocks noGrp="1"/>
+          </p:cNvSpPr>
           <p:nvPr>
             <p:ph type="ctrTitle"/>
           </p:nvPr>
@@ -1866,7 +1914,7 @@
           </a:prstGeom>
         </p:spPr>
         <p:txBody>
-          <a:bodyPr anchorCtr="0" anchor="b" bIns="91425" lIns="91425" spcFirstLastPara="1" rIns="91425" wrap="square" tIns="91425">
+          <a:bodyPr spcFirstLastPara="1" wrap="square" lIns="91425" tIns="91425" rIns="91425" bIns="91425" anchor="b" anchorCtr="0">
             <a:noAutofit/>
           </a:bodyPr>
           <a:lstStyle>
@@ -2033,15 +2081,19 @@
               </a:defRPr>
             </a:lvl9pPr>
           </a:lstStyle>
-          <a:p/>
+          <a:p>
+            <a:endParaRPr/>
+          </a:p>
         </p:txBody>
       </p:sp>
       <p:sp>
         <p:nvSpPr>
           <p:cNvPr id="17" name="Google Shape;17;p2"/>
-          <p:cNvSpPr txBox="1"/>
+          <p:cNvSpPr txBox="1">
+            <a:spLocks noGrp="1"/>
+          </p:cNvSpPr>
           <p:nvPr>
-            <p:ph idx="1" type="subTitle"/>
+            <p:ph type="subTitle" idx="1"/>
           </p:nvPr>
         </p:nvSpPr>
         <p:spPr>
@@ -2054,7 +2106,7 @@
           </a:prstGeom>
         </p:spPr>
         <p:txBody>
-          <a:bodyPr anchorCtr="0" anchor="t" bIns="91425" lIns="91425" spcFirstLastPara="1" rIns="91425" wrap="square" tIns="91425">
+          <a:bodyPr spcFirstLastPara="1" wrap="square" lIns="91425" tIns="91425" rIns="91425" bIns="91425" anchor="t" anchorCtr="0">
             <a:noAutofit/>
           </a:bodyPr>
           <a:lstStyle>
@@ -2248,15 +2300,19 @@
               </a:defRPr>
             </a:lvl9pPr>
           </a:lstStyle>
-          <a:p/>
+          <a:p>
+            <a:endParaRPr/>
+          </a:p>
         </p:txBody>
       </p:sp>
       <p:sp>
         <p:nvSpPr>
           <p:cNvPr id="18" name="Google Shape;18;p2"/>
-          <p:cNvSpPr txBox="1"/>
+          <p:cNvSpPr txBox="1">
+            <a:spLocks noGrp="1"/>
+          </p:cNvSpPr>
           <p:nvPr>
-            <p:ph idx="12" type="sldNum"/>
+            <p:ph type="sldNum" idx="12"/>
           </p:nvPr>
         </p:nvSpPr>
         <p:spPr>
@@ -2269,7 +2325,7 @@
           </a:prstGeom>
         </p:spPr>
         <p:txBody>
-          <a:bodyPr anchorCtr="0" anchor="ctr" bIns="91425" lIns="91425" spcFirstLastPara="1" rIns="91425" wrap="square" tIns="91425">
+          <a:bodyPr spcFirstLastPara="1" wrap="square" lIns="91425" tIns="91425" rIns="91425" bIns="91425" anchor="ctr" anchorCtr="0">
             <a:noAutofit/>
           </a:bodyPr>
           <a:lstStyle>
@@ -2311,7 +2367,7 @@
             </a:lvl9pPr>
           </a:lstStyle>
           <a:p>
-            <a:pPr indent="0" lvl="0" marL="0" rtl="0" algn="r">
+            <a:pPr marL="0" lvl="0" indent="0" algn="r" rtl="0">
               <a:spcBef>
                 <a:spcPts val="0"/>
               </a:spcBef>
@@ -2337,18 +2393,19 @@
 </file>
 
 <file path=ppt/slideLayouts/slideLayout10.xml><?xml version="1.0" encoding="utf-8"?>
-<p:sldLayout xmlns:a="http://schemas.openxmlformats.org/drawingml/2006/main" xmlns:r="http://schemas.openxmlformats.org/officeDocument/2006/relationships" xmlns:mc="http://schemas.openxmlformats.org/markup-compatibility/2006" xmlns:mv="urn:schemas-microsoft-com:mac:vml" xmlns:p="http://schemas.openxmlformats.org/presentationml/2006/main" xmlns:c="http://schemas.openxmlformats.org/drawingml/2006/chart" xmlns:dgm="http://schemas.openxmlformats.org/drawingml/2006/diagram" xmlns:o="urn:schemas-microsoft-com:office:office" xmlns:v="urn:schemas-microsoft-com:vml" xmlns:pvml="urn:schemas-microsoft-com:office:powerpoint" xmlns:com="http://schemas.openxmlformats.org/drawingml/2006/compatibility" xmlns:p14="http://schemas.microsoft.com/office/powerpoint/2010/main" xmlns:p15="http://schemas.microsoft.com/office/powerpoint/2012/main" xmlns:ahyp="http://schemas.microsoft.com/office/drawing/2018/hyperlinkcolor" matchingName="Big number">
+<p:sldLayout xmlns:a="http://schemas.openxmlformats.org/drawingml/2006/main" xmlns:r="http://schemas.openxmlformats.org/officeDocument/2006/relationships" xmlns:p="http://schemas.openxmlformats.org/presentationml/2006/main" matchingName="Big number">
   <p:cSld name="BIG_NUMBER">
     <p:bg>
       <p:bgPr>
         <a:solidFill>
           <a:schemeClr val="dk1"/>
         </a:solidFill>
+        <a:effectLst/>
       </p:bgPr>
     </p:bg>
     <p:spTree>
       <p:nvGrpSpPr>
-        <p:cNvPr id="69" name="Shape 69"/>
+        <p:cNvPr id="1" name="Shape 69"/>
         <p:cNvGrpSpPr/>
         <p:nvPr/>
       </p:nvGrpSpPr>
@@ -2396,12 +2453,12 @@
             </a:ln>
           </p:spPr>
           <p:txBody>
-            <a:bodyPr anchorCtr="0" anchor="ctr" bIns="91425" lIns="91425" spcFirstLastPara="1" rIns="91425" wrap="square" tIns="91425">
+            <a:bodyPr spcFirstLastPara="1" wrap="square" lIns="91425" tIns="91425" rIns="91425" bIns="91425" anchor="ctr" anchorCtr="0">
               <a:noAutofit/>
             </a:bodyPr>
             <a:lstStyle/>
             <a:p>
-              <a:pPr indent="0" lvl="0" marL="0" rtl="0" algn="l">
+              <a:pPr marL="0" lvl="0" indent="0" algn="l" rtl="0">
                 <a:spcBef>
                   <a:spcPts val="0"/>
                 </a:spcBef>
@@ -2410,9 +2467,6 @@
                 </a:spcAft>
                 <a:buNone/>
               </a:pPr>
-              <a:r>
-                <a:t/>
-              </a:r>
               <a:endParaRPr/>
             </a:p>
           </p:txBody>
@@ -2439,12 +2493,12 @@
             </a:ln>
           </p:spPr>
           <p:txBody>
-            <a:bodyPr anchorCtr="0" anchor="ctr" bIns="91425" lIns="91425" spcFirstLastPara="1" rIns="91425" wrap="square" tIns="91425">
+            <a:bodyPr spcFirstLastPara="1" wrap="square" lIns="91425" tIns="91425" rIns="91425" bIns="91425" anchor="ctr" anchorCtr="0">
               <a:noAutofit/>
             </a:bodyPr>
             <a:lstStyle/>
             <a:p>
-              <a:pPr indent="0" lvl="0" marL="0" rtl="0" algn="l">
+              <a:pPr marL="0" lvl="0" indent="0" algn="l" rtl="0">
                 <a:spcBef>
                   <a:spcPts val="0"/>
                 </a:spcBef>
@@ -2453,9 +2507,6 @@
                 </a:spcAft>
                 <a:buNone/>
               </a:pPr>
-              <a:r>
-                <a:t/>
-              </a:r>
               <a:endParaRPr/>
             </a:p>
           </p:txBody>
@@ -2467,7 +2518,7 @@
             <p:nvPr/>
           </p:nvSpPr>
           <p:spPr>
-            <a:xfrm flipH="1" rot="10800000">
+            <a:xfrm rot="10800000" flipH="1">
               <a:off x="7113588" y="107"/>
               <a:ext cx="1015200" cy="1015200"/>
             </a:xfrm>
@@ -2482,12 +2533,12 @@
             </a:ln>
           </p:spPr>
           <p:txBody>
-            <a:bodyPr anchorCtr="0" anchor="ctr" bIns="91425" lIns="91425" spcFirstLastPara="1" rIns="91425" wrap="square" tIns="91425">
+            <a:bodyPr spcFirstLastPara="1" wrap="square" lIns="91425" tIns="91425" rIns="91425" bIns="91425" anchor="ctr" anchorCtr="0">
               <a:noAutofit/>
             </a:bodyPr>
             <a:lstStyle/>
             <a:p>
-              <a:pPr indent="0" lvl="0" marL="0" rtl="0" algn="l">
+              <a:pPr marL="0" lvl="0" indent="0" algn="l" rtl="0">
                 <a:spcBef>
                   <a:spcPts val="0"/>
                 </a:spcBef>
@@ -2496,9 +2547,6 @@
                 </a:spcAft>
                 <a:buNone/>
               </a:pPr>
-              <a:r>
-                <a:t/>
-              </a:r>
               <a:endParaRPr/>
             </a:p>
           </p:txBody>
@@ -2525,12 +2573,12 @@
             </a:ln>
           </p:spPr>
           <p:txBody>
-            <a:bodyPr anchorCtr="0" anchor="ctr" bIns="91425" lIns="91425" spcFirstLastPara="1" rIns="91425" wrap="square" tIns="91425">
+            <a:bodyPr spcFirstLastPara="1" wrap="square" lIns="91425" tIns="91425" rIns="91425" bIns="91425" anchor="ctr" anchorCtr="0">
               <a:noAutofit/>
             </a:bodyPr>
             <a:lstStyle/>
             <a:p>
-              <a:pPr indent="0" lvl="0" marL="0" rtl="0" algn="l">
+              <a:pPr marL="0" lvl="0" indent="0" algn="l" rtl="0">
                 <a:spcBef>
                   <a:spcPts val="0"/>
                 </a:spcBef>
@@ -2539,9 +2587,6 @@
                 </a:spcAft>
                 <a:buNone/>
               </a:pPr>
-              <a:r>
-                <a:t/>
-              </a:r>
               <a:endParaRPr/>
             </a:p>
           </p:txBody>
@@ -2568,12 +2613,12 @@
             </a:ln>
           </p:spPr>
           <p:txBody>
-            <a:bodyPr anchorCtr="0" anchor="ctr" bIns="91425" lIns="91425" spcFirstLastPara="1" rIns="91425" wrap="square" tIns="91425">
+            <a:bodyPr spcFirstLastPara="1" wrap="square" lIns="91425" tIns="91425" rIns="91425" bIns="91425" anchor="ctr" anchorCtr="0">
               <a:noAutofit/>
             </a:bodyPr>
             <a:lstStyle/>
             <a:p>
-              <a:pPr indent="0" lvl="0" marL="0" rtl="0" algn="l">
+              <a:pPr marL="0" lvl="0" indent="0" algn="l" rtl="0">
                 <a:spcBef>
                   <a:spcPts val="0"/>
                 </a:spcBef>
@@ -2582,9 +2627,6 @@
                 </a:spcAft>
                 <a:buNone/>
               </a:pPr>
-              <a:r>
-                <a:t/>
-              </a:r>
               <a:endParaRPr/>
             </a:p>
           </p:txBody>
@@ -2593,9 +2635,11 @@
       <p:sp>
         <p:nvSpPr>
           <p:cNvPr id="76" name="Google Shape;76;p11"/>
-          <p:cNvSpPr txBox="1"/>
+          <p:cNvSpPr txBox="1">
+            <a:spLocks noGrp="1"/>
+          </p:cNvSpPr>
           <p:nvPr>
-            <p:ph hasCustomPrompt="1" type="title"/>
+            <p:ph type="title" hasCustomPrompt="1"/>
           </p:nvPr>
         </p:nvSpPr>
         <p:spPr>
@@ -2608,7 +2652,7 @@
           </a:prstGeom>
         </p:spPr>
         <p:txBody>
-          <a:bodyPr anchorCtr="0" anchor="b" bIns="91425" lIns="91425" spcFirstLastPara="1" rIns="91425" wrap="square" tIns="91425">
+          <a:bodyPr spcFirstLastPara="1" wrap="square" lIns="91425" tIns="91425" rIns="91425" bIns="91425" anchor="b" anchorCtr="0">
             <a:noAutofit/>
           </a:bodyPr>
           <a:lstStyle>
@@ -2785,9 +2829,11 @@
       <p:sp>
         <p:nvSpPr>
           <p:cNvPr id="77" name="Google Shape;77;p11"/>
-          <p:cNvSpPr txBox="1"/>
+          <p:cNvSpPr txBox="1">
+            <a:spLocks noGrp="1"/>
+          </p:cNvSpPr>
           <p:nvPr>
-            <p:ph idx="1" type="body"/>
+            <p:ph type="body" idx="1"/>
           </p:nvPr>
         </p:nvSpPr>
         <p:spPr>
@@ -2800,11 +2846,11 @@
           </a:prstGeom>
         </p:spPr>
         <p:txBody>
-          <a:bodyPr anchorCtr="0" anchor="t" bIns="91425" lIns="91425" spcFirstLastPara="1" rIns="91425" wrap="square" tIns="91425">
+          <a:bodyPr spcFirstLastPara="1" wrap="square" lIns="91425" tIns="91425" rIns="91425" bIns="91425" anchor="t" anchorCtr="0">
             <a:noAutofit/>
           </a:bodyPr>
           <a:lstStyle>
-            <a:lvl1pPr indent="-342900" lvl="0" marL="457200" algn="ctr">
+            <a:lvl1pPr marL="457200" lvl="0" indent="-342900" algn="ctr">
               <a:spcBef>
                 <a:spcPts val="0"/>
               </a:spcBef>
@@ -2822,7 +2868,7 @@
                 </a:solidFill>
               </a:defRPr>
             </a:lvl1pPr>
-            <a:lvl2pPr indent="-317500" lvl="1" marL="914400" algn="ctr">
+            <a:lvl2pPr marL="914400" lvl="1" indent="-317500" algn="ctr">
               <a:spcBef>
                 <a:spcPts val="1600"/>
               </a:spcBef>
@@ -2840,7 +2886,7 @@
                 </a:solidFill>
               </a:defRPr>
             </a:lvl2pPr>
-            <a:lvl3pPr indent="-317500" lvl="2" marL="1371600" algn="ctr">
+            <a:lvl3pPr marL="1371600" lvl="2" indent="-317500" algn="ctr">
               <a:spcBef>
                 <a:spcPts val="1600"/>
               </a:spcBef>
@@ -2858,7 +2904,7 @@
                 </a:solidFill>
               </a:defRPr>
             </a:lvl3pPr>
-            <a:lvl4pPr indent="-317500" lvl="3" marL="1828800" algn="ctr">
+            <a:lvl4pPr marL="1828800" lvl="3" indent="-317500" algn="ctr">
               <a:spcBef>
                 <a:spcPts val="1600"/>
               </a:spcBef>
@@ -2876,7 +2922,7 @@
                 </a:solidFill>
               </a:defRPr>
             </a:lvl4pPr>
-            <a:lvl5pPr indent="-317500" lvl="4" marL="2286000" algn="ctr">
+            <a:lvl5pPr marL="2286000" lvl="4" indent="-317500" algn="ctr">
               <a:spcBef>
                 <a:spcPts val="1600"/>
               </a:spcBef>
@@ -2894,7 +2940,7 @@
                 </a:solidFill>
               </a:defRPr>
             </a:lvl5pPr>
-            <a:lvl6pPr indent="-317500" lvl="5" marL="2743200" algn="ctr">
+            <a:lvl6pPr marL="2743200" lvl="5" indent="-317500" algn="ctr">
               <a:spcBef>
                 <a:spcPts val="1600"/>
               </a:spcBef>
@@ -2912,7 +2958,7 @@
                 </a:solidFill>
               </a:defRPr>
             </a:lvl6pPr>
-            <a:lvl7pPr indent="-317500" lvl="6" marL="3200400" algn="ctr">
+            <a:lvl7pPr marL="3200400" lvl="6" indent="-317500" algn="ctr">
               <a:spcBef>
                 <a:spcPts val="1600"/>
               </a:spcBef>
@@ -2930,7 +2976,7 @@
                 </a:solidFill>
               </a:defRPr>
             </a:lvl7pPr>
-            <a:lvl8pPr indent="-317500" lvl="7" marL="3657600" algn="ctr">
+            <a:lvl8pPr marL="3657600" lvl="7" indent="-317500" algn="ctr">
               <a:spcBef>
                 <a:spcPts val="1600"/>
               </a:spcBef>
@@ -2948,7 +2994,7 @@
                 </a:solidFill>
               </a:defRPr>
             </a:lvl8pPr>
-            <a:lvl9pPr indent="-317500" lvl="8" marL="4114800" algn="ctr">
+            <a:lvl9pPr marL="4114800" lvl="8" indent="-317500" algn="ctr">
               <a:spcBef>
                 <a:spcPts val="1600"/>
               </a:spcBef>
@@ -2967,15 +3013,19 @@
               </a:defRPr>
             </a:lvl9pPr>
           </a:lstStyle>
-          <a:p/>
+          <a:p>
+            <a:endParaRPr/>
+          </a:p>
         </p:txBody>
       </p:sp>
       <p:sp>
         <p:nvSpPr>
           <p:cNvPr id="78" name="Google Shape;78;p11"/>
-          <p:cNvSpPr txBox="1"/>
+          <p:cNvSpPr txBox="1">
+            <a:spLocks noGrp="1"/>
+          </p:cNvSpPr>
           <p:nvPr>
-            <p:ph idx="12" type="sldNum"/>
+            <p:ph type="sldNum" idx="12"/>
           </p:nvPr>
         </p:nvSpPr>
         <p:spPr>
@@ -2988,7 +3038,7 @@
           </a:prstGeom>
         </p:spPr>
         <p:txBody>
-          <a:bodyPr anchorCtr="0" anchor="ctr" bIns="91425" lIns="91425" spcFirstLastPara="1" rIns="91425" wrap="square" tIns="91425">
+          <a:bodyPr spcFirstLastPara="1" wrap="square" lIns="91425" tIns="91425" rIns="91425" bIns="91425" anchor="ctr" anchorCtr="0">
             <a:noAutofit/>
           </a:bodyPr>
           <a:lstStyle>
@@ -3030,7 +3080,7 @@
             </a:lvl9pPr>
           </a:lstStyle>
           <a:p>
-            <a:pPr indent="0" lvl="0" marL="0" rtl="0" algn="r">
+            <a:pPr marL="0" lvl="0" indent="0" algn="r" rtl="0">
               <a:spcBef>
                 <a:spcPts val="0"/>
               </a:spcBef>
@@ -3056,11 +3106,11 @@
 </file>
 
 <file path=ppt/slideLayouts/slideLayout11.xml><?xml version="1.0" encoding="utf-8"?>
-<p:sldLayout xmlns:a="http://schemas.openxmlformats.org/drawingml/2006/main" xmlns:r="http://schemas.openxmlformats.org/officeDocument/2006/relationships" xmlns:mc="http://schemas.openxmlformats.org/markup-compatibility/2006" xmlns:mv="urn:schemas-microsoft-com:mac:vml" xmlns:p="http://schemas.openxmlformats.org/presentationml/2006/main" xmlns:c="http://schemas.openxmlformats.org/drawingml/2006/chart" xmlns:dgm="http://schemas.openxmlformats.org/drawingml/2006/diagram" xmlns:o="urn:schemas-microsoft-com:office:office" xmlns:v="urn:schemas-microsoft-com:vml" xmlns:pvml="urn:schemas-microsoft-com:office:powerpoint" xmlns:com="http://schemas.openxmlformats.org/drawingml/2006/compatibility" xmlns:p14="http://schemas.microsoft.com/office/powerpoint/2010/main" xmlns:p15="http://schemas.microsoft.com/office/powerpoint/2012/main" xmlns:ahyp="http://schemas.microsoft.com/office/drawing/2018/hyperlinkcolor" matchingName="Blank" type="blank">
+<p:sldLayout xmlns:a="http://schemas.openxmlformats.org/drawingml/2006/main" xmlns:r="http://schemas.openxmlformats.org/officeDocument/2006/relationships" xmlns:p="http://schemas.openxmlformats.org/presentationml/2006/main" matchingName="Blank" type="blank">
   <p:cSld name="BLANK">
     <p:spTree>
       <p:nvGrpSpPr>
-        <p:cNvPr id="79" name="Shape 79"/>
+        <p:cNvPr id="1" name="Shape 79"/>
         <p:cNvGrpSpPr/>
         <p:nvPr/>
       </p:nvGrpSpPr>
@@ -3075,9 +3125,11 @@
       <p:sp>
         <p:nvSpPr>
           <p:cNvPr id="80" name="Google Shape;80;p12"/>
-          <p:cNvSpPr txBox="1"/>
+          <p:cNvSpPr txBox="1">
+            <a:spLocks noGrp="1"/>
+          </p:cNvSpPr>
           <p:nvPr>
-            <p:ph idx="12" type="sldNum"/>
+            <p:ph type="sldNum" idx="12"/>
           </p:nvPr>
         </p:nvSpPr>
         <p:spPr>
@@ -3090,7 +3142,7 @@
           </a:prstGeom>
         </p:spPr>
         <p:txBody>
-          <a:bodyPr anchorCtr="0" anchor="ctr" bIns="91425" lIns="91425" spcFirstLastPara="1" rIns="91425" wrap="square" tIns="91425">
+          <a:bodyPr spcFirstLastPara="1" wrap="square" lIns="91425" tIns="91425" rIns="91425" bIns="91425" anchor="ctr" anchorCtr="0">
             <a:noAutofit/>
           </a:bodyPr>
           <a:lstStyle>
@@ -3168,7 +3220,7 @@
             </a:lvl9pPr>
           </a:lstStyle>
           <a:p>
-            <a:pPr indent="0" lvl="0" marL="0" rtl="0" algn="r">
+            <a:pPr marL="0" lvl="0" indent="0" algn="r" rtl="0">
               <a:spcBef>
                 <a:spcPts val="0"/>
               </a:spcBef>
@@ -3194,18 +3246,19 @@
 </file>
 
 <file path=ppt/slideLayouts/slideLayout2.xml><?xml version="1.0" encoding="utf-8"?>
-<p:sldLayout xmlns:a="http://schemas.openxmlformats.org/drawingml/2006/main" xmlns:r="http://schemas.openxmlformats.org/officeDocument/2006/relationships" xmlns:mc="http://schemas.openxmlformats.org/markup-compatibility/2006" xmlns:mv="urn:schemas-microsoft-com:mac:vml" xmlns:p="http://schemas.openxmlformats.org/presentationml/2006/main" xmlns:c="http://schemas.openxmlformats.org/drawingml/2006/chart" xmlns:dgm="http://schemas.openxmlformats.org/drawingml/2006/diagram" xmlns:o="urn:schemas-microsoft-com:office:office" xmlns:v="urn:schemas-microsoft-com:vml" xmlns:pvml="urn:schemas-microsoft-com:office:powerpoint" xmlns:com="http://schemas.openxmlformats.org/drawingml/2006/compatibility" xmlns:p14="http://schemas.microsoft.com/office/powerpoint/2010/main" xmlns:p15="http://schemas.microsoft.com/office/powerpoint/2012/main" xmlns:ahyp="http://schemas.microsoft.com/office/drawing/2018/hyperlinkcolor" matchingName="Section header" type="secHead">
+<p:sldLayout xmlns:a="http://schemas.openxmlformats.org/drawingml/2006/main" xmlns:r="http://schemas.openxmlformats.org/officeDocument/2006/relationships" xmlns:p="http://schemas.openxmlformats.org/presentationml/2006/main" matchingName="Section header" type="secHead">
   <p:cSld name="SECTION_HEADER">
     <p:bg>
       <p:bgPr>
         <a:solidFill>
           <a:schemeClr val="dk1"/>
         </a:solidFill>
+        <a:effectLst/>
       </p:bgPr>
     </p:bg>
     <p:spTree>
       <p:nvGrpSpPr>
-        <p:cNvPr id="19" name="Shape 19"/>
+        <p:cNvPr id="1" name="Shape 19"/>
         <p:cNvGrpSpPr/>
         <p:nvPr/>
       </p:nvGrpSpPr>
@@ -3253,12 +3306,12 @@
             </a:ln>
           </p:spPr>
           <p:txBody>
-            <a:bodyPr anchorCtr="0" anchor="ctr" bIns="91425" lIns="91425" spcFirstLastPara="1" rIns="91425" wrap="square" tIns="91425">
+            <a:bodyPr spcFirstLastPara="1" wrap="square" lIns="91425" tIns="91425" rIns="91425" bIns="91425" anchor="ctr" anchorCtr="0">
               <a:noAutofit/>
             </a:bodyPr>
             <a:lstStyle/>
             <a:p>
-              <a:pPr indent="0" lvl="0" marL="0" rtl="0" algn="l">
+              <a:pPr marL="0" lvl="0" indent="0" algn="l" rtl="0">
                 <a:spcBef>
                   <a:spcPts val="0"/>
                 </a:spcBef>
@@ -3267,9 +3320,6 @@
                 </a:spcAft>
                 <a:buNone/>
               </a:pPr>
-              <a:r>
-                <a:t/>
-              </a:r>
               <a:endParaRPr/>
             </a:p>
           </p:txBody>
@@ -3296,12 +3346,12 @@
             </a:ln>
           </p:spPr>
           <p:txBody>
-            <a:bodyPr anchorCtr="0" anchor="ctr" bIns="91425" lIns="91425" spcFirstLastPara="1" rIns="91425" wrap="square" tIns="91425">
+            <a:bodyPr spcFirstLastPara="1" wrap="square" lIns="91425" tIns="91425" rIns="91425" bIns="91425" anchor="ctr" anchorCtr="0">
               <a:noAutofit/>
             </a:bodyPr>
             <a:lstStyle/>
             <a:p>
-              <a:pPr indent="0" lvl="0" marL="0" rtl="0" algn="l">
+              <a:pPr marL="0" lvl="0" indent="0" algn="l" rtl="0">
                 <a:spcBef>
                   <a:spcPts val="0"/>
                 </a:spcBef>
@@ -3310,9 +3360,6 @@
                 </a:spcAft>
                 <a:buNone/>
               </a:pPr>
-              <a:r>
-                <a:t/>
-              </a:r>
               <a:endParaRPr/>
             </a:p>
           </p:txBody>
@@ -3324,7 +3371,7 @@
             <p:nvPr/>
           </p:nvSpPr>
           <p:spPr>
-            <a:xfrm flipH="1" rot="10800000">
+            <a:xfrm rot="10800000" flipH="1">
               <a:off x="7113588" y="107"/>
               <a:ext cx="1015200" cy="1015200"/>
             </a:xfrm>
@@ -3339,12 +3386,12 @@
             </a:ln>
           </p:spPr>
           <p:txBody>
-            <a:bodyPr anchorCtr="0" anchor="ctr" bIns="91425" lIns="91425" spcFirstLastPara="1" rIns="91425" wrap="square" tIns="91425">
+            <a:bodyPr spcFirstLastPara="1" wrap="square" lIns="91425" tIns="91425" rIns="91425" bIns="91425" anchor="ctr" anchorCtr="0">
               <a:noAutofit/>
             </a:bodyPr>
             <a:lstStyle/>
             <a:p>
-              <a:pPr indent="0" lvl="0" marL="0" rtl="0" algn="l">
+              <a:pPr marL="0" lvl="0" indent="0" algn="l" rtl="0">
                 <a:spcBef>
                   <a:spcPts val="0"/>
                 </a:spcBef>
@@ -3353,9 +3400,6 @@
                 </a:spcAft>
                 <a:buNone/>
               </a:pPr>
-              <a:r>
-                <a:t/>
-              </a:r>
               <a:endParaRPr/>
             </a:p>
           </p:txBody>
@@ -3382,12 +3426,12 @@
             </a:ln>
           </p:spPr>
           <p:txBody>
-            <a:bodyPr anchorCtr="0" anchor="ctr" bIns="91425" lIns="91425" spcFirstLastPara="1" rIns="91425" wrap="square" tIns="91425">
+            <a:bodyPr spcFirstLastPara="1" wrap="square" lIns="91425" tIns="91425" rIns="91425" bIns="91425" anchor="ctr" anchorCtr="0">
               <a:noAutofit/>
             </a:bodyPr>
             <a:lstStyle/>
             <a:p>
-              <a:pPr indent="0" lvl="0" marL="0" rtl="0" algn="l">
+              <a:pPr marL="0" lvl="0" indent="0" algn="l" rtl="0">
                 <a:spcBef>
                   <a:spcPts val="0"/>
                 </a:spcBef>
@@ -3396,9 +3440,6 @@
                 </a:spcAft>
                 <a:buNone/>
               </a:pPr>
-              <a:r>
-                <a:t/>
-              </a:r>
               <a:endParaRPr/>
             </a:p>
           </p:txBody>
@@ -3425,12 +3466,12 @@
             </a:ln>
           </p:spPr>
           <p:txBody>
-            <a:bodyPr anchorCtr="0" anchor="ctr" bIns="91425" lIns="91425" spcFirstLastPara="1" rIns="91425" wrap="square" tIns="91425">
+            <a:bodyPr spcFirstLastPara="1" wrap="square" lIns="91425" tIns="91425" rIns="91425" bIns="91425" anchor="ctr" anchorCtr="0">
               <a:noAutofit/>
             </a:bodyPr>
             <a:lstStyle/>
             <a:p>
-              <a:pPr indent="0" lvl="0" marL="0" rtl="0" algn="l">
+              <a:pPr marL="0" lvl="0" indent="0" algn="l" rtl="0">
                 <a:spcBef>
                   <a:spcPts val="0"/>
                 </a:spcBef>
@@ -3439,9 +3480,6 @@
                 </a:spcAft>
                 <a:buNone/>
               </a:pPr>
-              <a:r>
-                <a:t/>
-              </a:r>
               <a:endParaRPr/>
             </a:p>
           </p:txBody>
@@ -3450,7 +3488,9 @@
       <p:sp>
         <p:nvSpPr>
           <p:cNvPr id="26" name="Google Shape;26;p3"/>
-          <p:cNvSpPr txBox="1"/>
+          <p:cNvSpPr txBox="1">
+            <a:spLocks noGrp="1"/>
+          </p:cNvSpPr>
           <p:nvPr>
             <p:ph type="title"/>
           </p:nvPr>
@@ -3465,7 +3505,7 @@
           </a:prstGeom>
         </p:spPr>
         <p:txBody>
-          <a:bodyPr anchorCtr="0" anchor="ctr" bIns="91425" lIns="91425" spcFirstLastPara="1" rIns="91425" wrap="square" tIns="91425">
+          <a:bodyPr spcFirstLastPara="1" wrap="square" lIns="91425" tIns="91425" rIns="91425" bIns="91425" anchor="ctr" anchorCtr="0">
             <a:noAutofit/>
           </a:bodyPr>
           <a:lstStyle>
@@ -3632,15 +3672,19 @@
               </a:defRPr>
             </a:lvl9pPr>
           </a:lstStyle>
-          <a:p/>
+          <a:p>
+            <a:endParaRPr/>
+          </a:p>
         </p:txBody>
       </p:sp>
       <p:sp>
         <p:nvSpPr>
           <p:cNvPr id="27" name="Google Shape;27;p3"/>
-          <p:cNvSpPr txBox="1"/>
+          <p:cNvSpPr txBox="1">
+            <a:spLocks noGrp="1"/>
+          </p:cNvSpPr>
           <p:nvPr>
-            <p:ph idx="12" type="sldNum"/>
+            <p:ph type="sldNum" idx="12"/>
           </p:nvPr>
         </p:nvSpPr>
         <p:spPr>
@@ -3653,7 +3697,7 @@
           </a:prstGeom>
         </p:spPr>
         <p:txBody>
-          <a:bodyPr anchorCtr="0" anchor="ctr" bIns="91425" lIns="91425" spcFirstLastPara="1" rIns="91425" wrap="square" tIns="91425">
+          <a:bodyPr spcFirstLastPara="1" wrap="square" lIns="91425" tIns="91425" rIns="91425" bIns="91425" anchor="ctr" anchorCtr="0">
             <a:noAutofit/>
           </a:bodyPr>
           <a:lstStyle>
@@ -3695,7 +3739,7 @@
             </a:lvl9pPr>
           </a:lstStyle>
           <a:p>
-            <a:pPr indent="0" lvl="0" marL="0" rtl="0" algn="r">
+            <a:pPr marL="0" lvl="0" indent="0" algn="r" rtl="0">
               <a:spcBef>
                 <a:spcPts val="0"/>
               </a:spcBef>
@@ -3721,11 +3765,11 @@
 </file>
 
 <file path=ppt/slideLayouts/slideLayout3.xml><?xml version="1.0" encoding="utf-8"?>
-<p:sldLayout xmlns:a="http://schemas.openxmlformats.org/drawingml/2006/main" xmlns:r="http://schemas.openxmlformats.org/officeDocument/2006/relationships" xmlns:mc="http://schemas.openxmlformats.org/markup-compatibility/2006" xmlns:mv="urn:schemas-microsoft-com:mac:vml" xmlns:p="http://schemas.openxmlformats.org/presentationml/2006/main" xmlns:c="http://schemas.openxmlformats.org/drawingml/2006/chart" xmlns:dgm="http://schemas.openxmlformats.org/drawingml/2006/diagram" xmlns:o="urn:schemas-microsoft-com:office:office" xmlns:v="urn:schemas-microsoft-com:vml" xmlns:pvml="urn:schemas-microsoft-com:office:powerpoint" xmlns:com="http://schemas.openxmlformats.org/drawingml/2006/compatibility" xmlns:p14="http://schemas.microsoft.com/office/powerpoint/2010/main" xmlns:p15="http://schemas.microsoft.com/office/powerpoint/2012/main" xmlns:ahyp="http://schemas.microsoft.com/office/drawing/2018/hyperlinkcolor" matchingName="Title and body" type="tx">
+<p:sldLayout xmlns:a="http://schemas.openxmlformats.org/drawingml/2006/main" xmlns:r="http://schemas.openxmlformats.org/officeDocument/2006/relationships" xmlns:p="http://schemas.openxmlformats.org/presentationml/2006/main" matchingName="Title and body" type="tx">
   <p:cSld name="TITLE_AND_BODY">
     <p:spTree>
       <p:nvGrpSpPr>
-        <p:cNvPr id="28" name="Shape 28"/>
+        <p:cNvPr id="1" name="Shape 28"/>
         <p:cNvGrpSpPr/>
         <p:nvPr/>
       </p:nvGrpSpPr>
@@ -3773,12 +3817,12 @@
             </a:ln>
           </p:spPr>
           <p:txBody>
-            <a:bodyPr anchorCtr="0" anchor="ctr" bIns="91425" lIns="91425" spcFirstLastPara="1" rIns="91425" wrap="square" tIns="91425">
+            <a:bodyPr spcFirstLastPara="1" wrap="square" lIns="91425" tIns="91425" rIns="91425" bIns="91425" anchor="ctr" anchorCtr="0">
               <a:noAutofit/>
             </a:bodyPr>
             <a:lstStyle/>
             <a:p>
-              <a:pPr indent="0" lvl="0" marL="0" rtl="0" algn="l">
+              <a:pPr marL="0" lvl="0" indent="0" algn="l" rtl="0">
                 <a:spcBef>
                   <a:spcPts val="0"/>
                 </a:spcBef>
@@ -3787,9 +3831,6 @@
                 </a:spcAft>
                 <a:buNone/>
               </a:pPr>
-              <a:r>
-                <a:t/>
-              </a:r>
               <a:endParaRPr/>
             </a:p>
           </p:txBody>
@@ -3816,12 +3857,12 @@
             </a:ln>
           </p:spPr>
           <p:txBody>
-            <a:bodyPr anchorCtr="0" anchor="ctr" bIns="91425" lIns="91425" spcFirstLastPara="1" rIns="91425" wrap="square" tIns="91425">
+            <a:bodyPr spcFirstLastPara="1" wrap="square" lIns="91425" tIns="91425" rIns="91425" bIns="91425" anchor="ctr" anchorCtr="0">
               <a:noAutofit/>
             </a:bodyPr>
             <a:lstStyle/>
             <a:p>
-              <a:pPr indent="0" lvl="0" marL="0" rtl="0" algn="l">
+              <a:pPr marL="0" lvl="0" indent="0" algn="l" rtl="0">
                 <a:spcBef>
                   <a:spcPts val="0"/>
                 </a:spcBef>
@@ -3830,9 +3871,6 @@
                 </a:spcAft>
                 <a:buNone/>
               </a:pPr>
-              <a:r>
-                <a:t/>
-              </a:r>
               <a:endParaRPr/>
             </a:p>
           </p:txBody>
@@ -3859,12 +3897,12 @@
             </a:ln>
           </p:spPr>
           <p:txBody>
-            <a:bodyPr anchorCtr="0" anchor="ctr" bIns="91425" lIns="91425" spcFirstLastPara="1" rIns="91425" wrap="square" tIns="91425">
+            <a:bodyPr spcFirstLastPara="1" wrap="square" lIns="91425" tIns="91425" rIns="91425" bIns="91425" anchor="ctr" anchorCtr="0">
               <a:noAutofit/>
             </a:bodyPr>
             <a:lstStyle/>
             <a:p>
-              <a:pPr indent="0" lvl="0" marL="0" rtl="0" algn="l">
+              <a:pPr marL="0" lvl="0" indent="0" algn="l" rtl="0">
                 <a:spcBef>
                   <a:spcPts val="0"/>
                 </a:spcBef>
@@ -3873,9 +3911,6 @@
                 </a:spcAft>
                 <a:buNone/>
               </a:pPr>
-              <a:r>
-                <a:t/>
-              </a:r>
               <a:endParaRPr/>
             </a:p>
           </p:txBody>
@@ -3902,12 +3937,12 @@
             </a:ln>
           </p:spPr>
           <p:txBody>
-            <a:bodyPr anchorCtr="0" anchor="ctr" bIns="91425" lIns="91425" spcFirstLastPara="1" rIns="91425" wrap="square" tIns="91425">
+            <a:bodyPr spcFirstLastPara="1" wrap="square" lIns="91425" tIns="91425" rIns="91425" bIns="91425" anchor="ctr" anchorCtr="0">
               <a:noAutofit/>
             </a:bodyPr>
             <a:lstStyle/>
             <a:p>
-              <a:pPr indent="0" lvl="0" marL="0" rtl="0" algn="l">
+              <a:pPr marL="0" lvl="0" indent="0" algn="l" rtl="0">
                 <a:spcBef>
                   <a:spcPts val="0"/>
                 </a:spcBef>
@@ -3916,9 +3951,6 @@
                 </a:spcAft>
                 <a:buNone/>
               </a:pPr>
-              <a:r>
-                <a:t/>
-              </a:r>
               <a:endParaRPr/>
             </a:p>
           </p:txBody>
@@ -3945,12 +3977,12 @@
             </a:ln>
           </p:spPr>
           <p:txBody>
-            <a:bodyPr anchorCtr="0" anchor="ctr" bIns="91425" lIns="91425" spcFirstLastPara="1" rIns="91425" wrap="square" tIns="91425">
+            <a:bodyPr spcFirstLastPara="1" wrap="square" lIns="91425" tIns="91425" rIns="91425" bIns="91425" anchor="ctr" anchorCtr="0">
               <a:noAutofit/>
             </a:bodyPr>
             <a:lstStyle/>
             <a:p>
-              <a:pPr indent="0" lvl="0" marL="0" rtl="0" algn="l">
+              <a:pPr marL="0" lvl="0" indent="0" algn="l" rtl="0">
                 <a:spcBef>
                   <a:spcPts val="0"/>
                 </a:spcBef>
@@ -3959,9 +3991,6 @@
                 </a:spcAft>
                 <a:buNone/>
               </a:pPr>
-              <a:r>
-                <a:t/>
-              </a:r>
               <a:endParaRPr/>
             </a:p>
           </p:txBody>
@@ -3970,7 +3999,9 @@
       <p:sp>
         <p:nvSpPr>
           <p:cNvPr id="35" name="Google Shape;35;p4"/>
-          <p:cNvSpPr txBox="1"/>
+          <p:cNvSpPr txBox="1">
+            <a:spLocks noGrp="1"/>
+          </p:cNvSpPr>
           <p:nvPr>
             <p:ph type="title"/>
           </p:nvPr>
@@ -3985,7 +4016,7 @@
           </a:prstGeom>
         </p:spPr>
         <p:txBody>
-          <a:bodyPr anchorCtr="0" anchor="t" bIns="91425" lIns="91425" spcFirstLastPara="1" rIns="91425" wrap="square" tIns="91425">
+          <a:bodyPr spcFirstLastPara="1" wrap="square" lIns="91425" tIns="91425" rIns="91425" bIns="91425" anchor="t" anchorCtr="0">
             <a:noAutofit/>
           </a:bodyPr>
           <a:lstStyle>
@@ -4089,15 +4120,19 @@
               <a:defRPr/>
             </a:lvl9pPr>
           </a:lstStyle>
-          <a:p/>
+          <a:p>
+            <a:endParaRPr/>
+          </a:p>
         </p:txBody>
       </p:sp>
       <p:sp>
         <p:nvSpPr>
           <p:cNvPr id="36" name="Google Shape;36;p4"/>
-          <p:cNvSpPr txBox="1"/>
+          <p:cNvSpPr txBox="1">
+            <a:spLocks noGrp="1"/>
+          </p:cNvSpPr>
           <p:nvPr>
-            <p:ph idx="1" type="body"/>
+            <p:ph type="body" idx="1"/>
           </p:nvPr>
         </p:nvSpPr>
         <p:spPr>
@@ -4110,11 +4145,11 @@
           </a:prstGeom>
         </p:spPr>
         <p:txBody>
-          <a:bodyPr anchorCtr="0" anchor="t" bIns="91425" lIns="91425" spcFirstLastPara="1" rIns="91425" wrap="square" tIns="91425">
+          <a:bodyPr spcFirstLastPara="1" wrap="square" lIns="91425" tIns="91425" rIns="91425" bIns="91425" anchor="t" anchorCtr="0">
             <a:noAutofit/>
           </a:bodyPr>
           <a:lstStyle>
-            <a:lvl1pPr indent="-342900" lvl="0" marL="457200">
+            <a:lvl1pPr marL="457200" lvl="0" indent="-342900">
               <a:spcBef>
                 <a:spcPts val="0"/>
               </a:spcBef>
@@ -4125,7 +4160,7 @@
               <a:buChar char="●"/>
               <a:defRPr/>
             </a:lvl1pPr>
-            <a:lvl2pPr indent="-317500" lvl="1" marL="914400">
+            <a:lvl2pPr marL="914400" lvl="1" indent="-317500">
               <a:spcBef>
                 <a:spcPts val="1600"/>
               </a:spcBef>
@@ -4136,7 +4171,7 @@
               <a:buChar char="○"/>
               <a:defRPr/>
             </a:lvl2pPr>
-            <a:lvl3pPr indent="-317500" lvl="2" marL="1371600">
+            <a:lvl3pPr marL="1371600" lvl="2" indent="-317500">
               <a:spcBef>
                 <a:spcPts val="1600"/>
               </a:spcBef>
@@ -4147,7 +4182,7 @@
               <a:buChar char="■"/>
               <a:defRPr/>
             </a:lvl3pPr>
-            <a:lvl4pPr indent="-317500" lvl="3" marL="1828800">
+            <a:lvl4pPr marL="1828800" lvl="3" indent="-317500">
               <a:spcBef>
                 <a:spcPts val="1600"/>
               </a:spcBef>
@@ -4158,7 +4193,7 @@
               <a:buChar char="●"/>
               <a:defRPr/>
             </a:lvl4pPr>
-            <a:lvl5pPr indent="-317500" lvl="4" marL="2286000">
+            <a:lvl5pPr marL="2286000" lvl="4" indent="-317500">
               <a:spcBef>
                 <a:spcPts val="1600"/>
               </a:spcBef>
@@ -4169,7 +4204,7 @@
               <a:buChar char="○"/>
               <a:defRPr/>
             </a:lvl5pPr>
-            <a:lvl6pPr indent="-317500" lvl="5" marL="2743200">
+            <a:lvl6pPr marL="2743200" lvl="5" indent="-317500">
               <a:spcBef>
                 <a:spcPts val="1600"/>
               </a:spcBef>
@@ -4180,7 +4215,7 @@
               <a:buChar char="■"/>
               <a:defRPr/>
             </a:lvl6pPr>
-            <a:lvl7pPr indent="-317500" lvl="6" marL="3200400">
+            <a:lvl7pPr marL="3200400" lvl="6" indent="-317500">
               <a:spcBef>
                 <a:spcPts val="1600"/>
               </a:spcBef>
@@ -4191,7 +4226,7 @@
               <a:buChar char="●"/>
               <a:defRPr/>
             </a:lvl7pPr>
-            <a:lvl8pPr indent="-317500" lvl="7" marL="3657600">
+            <a:lvl8pPr marL="3657600" lvl="7" indent="-317500">
               <a:spcBef>
                 <a:spcPts val="1600"/>
               </a:spcBef>
@@ -4202,7 +4237,7 @@
               <a:buChar char="○"/>
               <a:defRPr/>
             </a:lvl8pPr>
-            <a:lvl9pPr indent="-317500" lvl="8" marL="4114800">
+            <a:lvl9pPr marL="4114800" lvl="8" indent="-317500">
               <a:spcBef>
                 <a:spcPts val="1600"/>
               </a:spcBef>
@@ -4214,15 +4249,19 @@
               <a:defRPr/>
             </a:lvl9pPr>
           </a:lstStyle>
-          <a:p/>
+          <a:p>
+            <a:endParaRPr/>
+          </a:p>
         </p:txBody>
       </p:sp>
       <p:sp>
         <p:nvSpPr>
           <p:cNvPr id="37" name="Google Shape;37;p4"/>
-          <p:cNvSpPr txBox="1"/>
+          <p:cNvSpPr txBox="1">
+            <a:spLocks noGrp="1"/>
+          </p:cNvSpPr>
           <p:nvPr>
-            <p:ph idx="12" type="sldNum"/>
+            <p:ph type="sldNum" idx="12"/>
           </p:nvPr>
         </p:nvSpPr>
         <p:spPr>
@@ -4235,7 +4274,7 @@
           </a:prstGeom>
         </p:spPr>
         <p:txBody>
-          <a:bodyPr anchorCtr="0" anchor="ctr" bIns="91425" lIns="91425" spcFirstLastPara="1" rIns="91425" wrap="square" tIns="91425">
+          <a:bodyPr spcFirstLastPara="1" wrap="square" lIns="91425" tIns="91425" rIns="91425" bIns="91425" anchor="ctr" anchorCtr="0">
             <a:noAutofit/>
           </a:bodyPr>
           <a:lstStyle>
@@ -4277,7 +4316,7 @@
             </a:lvl9pPr>
           </a:lstStyle>
           <a:p>
-            <a:pPr indent="0" lvl="0" marL="0" rtl="0" algn="r">
+            <a:pPr marL="0" lvl="0" indent="0" algn="r" rtl="0">
               <a:spcBef>
                 <a:spcPts val="0"/>
               </a:spcBef>
@@ -4303,11 +4342,11 @@
 </file>
 
 <file path=ppt/slideLayouts/slideLayout4.xml><?xml version="1.0" encoding="utf-8"?>
-<p:sldLayout xmlns:a="http://schemas.openxmlformats.org/drawingml/2006/main" xmlns:r="http://schemas.openxmlformats.org/officeDocument/2006/relationships" xmlns:mc="http://schemas.openxmlformats.org/markup-compatibility/2006" xmlns:mv="urn:schemas-microsoft-com:mac:vml" xmlns:p="http://schemas.openxmlformats.org/presentationml/2006/main" xmlns:c="http://schemas.openxmlformats.org/drawingml/2006/chart" xmlns:dgm="http://schemas.openxmlformats.org/drawingml/2006/diagram" xmlns:o="urn:schemas-microsoft-com:office:office" xmlns:v="urn:schemas-microsoft-com:vml" xmlns:pvml="urn:schemas-microsoft-com:office:powerpoint" xmlns:com="http://schemas.openxmlformats.org/drawingml/2006/compatibility" xmlns:p14="http://schemas.microsoft.com/office/powerpoint/2010/main" xmlns:p15="http://schemas.microsoft.com/office/powerpoint/2012/main" xmlns:ahyp="http://schemas.microsoft.com/office/drawing/2018/hyperlinkcolor" matchingName="Title and two columns" type="twoColTx">
+<p:sldLayout xmlns:a="http://schemas.openxmlformats.org/drawingml/2006/main" xmlns:r="http://schemas.openxmlformats.org/officeDocument/2006/relationships" xmlns:p="http://schemas.openxmlformats.org/presentationml/2006/main" matchingName="Title and two columns" type="twoColTx">
   <p:cSld name="TITLE_AND_TWO_COLUMNS">
     <p:spTree>
       <p:nvGrpSpPr>
-        <p:cNvPr id="38" name="Shape 38"/>
+        <p:cNvPr id="1" name="Shape 38"/>
         <p:cNvGrpSpPr/>
         <p:nvPr/>
       </p:nvGrpSpPr>
@@ -4322,7 +4361,9 @@
       <p:sp>
         <p:nvSpPr>
           <p:cNvPr id="39" name="Google Shape;39;p5"/>
-          <p:cNvSpPr txBox="1"/>
+          <p:cNvSpPr txBox="1">
+            <a:spLocks noGrp="1"/>
+          </p:cNvSpPr>
           <p:nvPr>
             <p:ph type="title"/>
           </p:nvPr>
@@ -4337,7 +4378,7 @@
           </a:prstGeom>
         </p:spPr>
         <p:txBody>
-          <a:bodyPr anchorCtr="0" anchor="t" bIns="91425" lIns="91425" spcFirstLastPara="1" rIns="91425" wrap="square" tIns="91425">
+          <a:bodyPr spcFirstLastPara="1" wrap="square" lIns="91425" tIns="91425" rIns="91425" bIns="91425" anchor="t" anchorCtr="0">
             <a:noAutofit/>
           </a:bodyPr>
           <a:lstStyle>
@@ -4441,15 +4482,19 @@
               <a:defRPr/>
             </a:lvl9pPr>
           </a:lstStyle>
-          <a:p/>
+          <a:p>
+            <a:endParaRPr/>
+          </a:p>
         </p:txBody>
       </p:sp>
       <p:sp>
         <p:nvSpPr>
           <p:cNvPr id="40" name="Google Shape;40;p5"/>
-          <p:cNvSpPr txBox="1"/>
+          <p:cNvSpPr txBox="1">
+            <a:spLocks noGrp="1"/>
+          </p:cNvSpPr>
           <p:nvPr>
-            <p:ph idx="1" type="body"/>
+            <p:ph type="body" idx="1"/>
           </p:nvPr>
         </p:nvSpPr>
         <p:spPr>
@@ -4462,11 +4507,11 @@
           </a:prstGeom>
         </p:spPr>
         <p:txBody>
-          <a:bodyPr anchorCtr="0" anchor="t" bIns="91425" lIns="91425" spcFirstLastPara="1" rIns="91425" wrap="square" tIns="91425">
+          <a:bodyPr spcFirstLastPara="1" wrap="square" lIns="91425" tIns="91425" rIns="91425" bIns="91425" anchor="t" anchorCtr="0">
             <a:noAutofit/>
           </a:bodyPr>
           <a:lstStyle>
-            <a:lvl1pPr indent="-317500" lvl="0" marL="457200">
+            <a:lvl1pPr marL="457200" lvl="0" indent="-317500">
               <a:spcBef>
                 <a:spcPts val="0"/>
               </a:spcBef>
@@ -4477,7 +4522,7 @@
               <a:buChar char="●"/>
               <a:defRPr sz="1400"/>
             </a:lvl1pPr>
-            <a:lvl2pPr indent="-304800" lvl="1" marL="914400">
+            <a:lvl2pPr marL="914400" lvl="1" indent="-304800">
               <a:spcBef>
                 <a:spcPts val="1600"/>
               </a:spcBef>
@@ -4488,7 +4533,7 @@
               <a:buChar char="○"/>
               <a:defRPr sz="1200"/>
             </a:lvl2pPr>
-            <a:lvl3pPr indent="-304800" lvl="2" marL="1371600">
+            <a:lvl3pPr marL="1371600" lvl="2" indent="-304800">
               <a:spcBef>
                 <a:spcPts val="1600"/>
               </a:spcBef>
@@ -4499,7 +4544,7 @@
               <a:buChar char="■"/>
               <a:defRPr sz="1200"/>
             </a:lvl3pPr>
-            <a:lvl4pPr indent="-304800" lvl="3" marL="1828800">
+            <a:lvl4pPr marL="1828800" lvl="3" indent="-304800">
               <a:spcBef>
                 <a:spcPts val="1600"/>
               </a:spcBef>
@@ -4510,7 +4555,7 @@
               <a:buChar char="●"/>
               <a:defRPr sz="1200"/>
             </a:lvl4pPr>
-            <a:lvl5pPr indent="-304800" lvl="4" marL="2286000">
+            <a:lvl5pPr marL="2286000" lvl="4" indent="-304800">
               <a:spcBef>
                 <a:spcPts val="1600"/>
               </a:spcBef>
@@ -4521,7 +4566,7 @@
               <a:buChar char="○"/>
               <a:defRPr sz="1200"/>
             </a:lvl5pPr>
-            <a:lvl6pPr indent="-304800" lvl="5" marL="2743200">
+            <a:lvl6pPr marL="2743200" lvl="5" indent="-304800">
               <a:spcBef>
                 <a:spcPts val="1600"/>
               </a:spcBef>
@@ -4532,7 +4577,7 @@
               <a:buChar char="■"/>
               <a:defRPr sz="1200"/>
             </a:lvl6pPr>
-            <a:lvl7pPr indent="-304800" lvl="6" marL="3200400">
+            <a:lvl7pPr marL="3200400" lvl="6" indent="-304800">
               <a:spcBef>
                 <a:spcPts val="1600"/>
               </a:spcBef>
@@ -4543,7 +4588,7 @@
               <a:buChar char="●"/>
               <a:defRPr sz="1200"/>
             </a:lvl7pPr>
-            <a:lvl8pPr indent="-304800" lvl="7" marL="3657600">
+            <a:lvl8pPr marL="3657600" lvl="7" indent="-304800">
               <a:spcBef>
                 <a:spcPts val="1600"/>
               </a:spcBef>
@@ -4554,7 +4599,7 @@
               <a:buChar char="○"/>
               <a:defRPr sz="1200"/>
             </a:lvl8pPr>
-            <a:lvl9pPr indent="-304800" lvl="8" marL="4114800">
+            <a:lvl9pPr marL="4114800" lvl="8" indent="-304800">
               <a:spcBef>
                 <a:spcPts val="1600"/>
               </a:spcBef>
@@ -4566,15 +4611,19 @@
               <a:defRPr sz="1200"/>
             </a:lvl9pPr>
           </a:lstStyle>
-          <a:p/>
+          <a:p>
+            <a:endParaRPr/>
+          </a:p>
         </p:txBody>
       </p:sp>
       <p:sp>
         <p:nvSpPr>
           <p:cNvPr id="41" name="Google Shape;41;p5"/>
-          <p:cNvSpPr txBox="1"/>
+          <p:cNvSpPr txBox="1">
+            <a:spLocks noGrp="1"/>
+          </p:cNvSpPr>
           <p:nvPr>
-            <p:ph idx="2" type="body"/>
+            <p:ph type="body" idx="2"/>
           </p:nvPr>
         </p:nvSpPr>
         <p:spPr>
@@ -4587,11 +4636,11 @@
           </a:prstGeom>
         </p:spPr>
         <p:txBody>
-          <a:bodyPr anchorCtr="0" anchor="t" bIns="91425" lIns="91425" spcFirstLastPara="1" rIns="91425" wrap="square" tIns="91425">
+          <a:bodyPr spcFirstLastPara="1" wrap="square" lIns="91425" tIns="91425" rIns="91425" bIns="91425" anchor="t" anchorCtr="0">
             <a:noAutofit/>
           </a:bodyPr>
           <a:lstStyle>
-            <a:lvl1pPr indent="-317500" lvl="0" marL="457200">
+            <a:lvl1pPr marL="457200" lvl="0" indent="-317500">
               <a:spcBef>
                 <a:spcPts val="0"/>
               </a:spcBef>
@@ -4602,7 +4651,7 @@
               <a:buChar char="●"/>
               <a:defRPr sz="1400"/>
             </a:lvl1pPr>
-            <a:lvl2pPr indent="-304800" lvl="1" marL="914400">
+            <a:lvl2pPr marL="914400" lvl="1" indent="-304800">
               <a:spcBef>
                 <a:spcPts val="1600"/>
               </a:spcBef>
@@ -4613,7 +4662,7 @@
               <a:buChar char="○"/>
               <a:defRPr sz="1200"/>
             </a:lvl2pPr>
-            <a:lvl3pPr indent="-304800" lvl="2" marL="1371600">
+            <a:lvl3pPr marL="1371600" lvl="2" indent="-304800">
               <a:spcBef>
                 <a:spcPts val="1600"/>
               </a:spcBef>
@@ -4624,7 +4673,7 @@
               <a:buChar char="■"/>
               <a:defRPr sz="1200"/>
             </a:lvl3pPr>
-            <a:lvl4pPr indent="-304800" lvl="3" marL="1828800">
+            <a:lvl4pPr marL="1828800" lvl="3" indent="-304800">
               <a:spcBef>
                 <a:spcPts val="1600"/>
               </a:spcBef>
@@ -4635,7 +4684,7 @@
               <a:buChar char="●"/>
               <a:defRPr sz="1200"/>
             </a:lvl4pPr>
-            <a:lvl5pPr indent="-304800" lvl="4" marL="2286000">
+            <a:lvl5pPr marL="2286000" lvl="4" indent="-304800">
               <a:spcBef>
                 <a:spcPts val="1600"/>
               </a:spcBef>
@@ -4646,7 +4695,7 @@
               <a:buChar char="○"/>
               <a:defRPr sz="1200"/>
             </a:lvl5pPr>
-            <a:lvl6pPr indent="-304800" lvl="5" marL="2743200">
+            <a:lvl6pPr marL="2743200" lvl="5" indent="-304800">
               <a:spcBef>
                 <a:spcPts val="1600"/>
               </a:spcBef>
@@ -4657,7 +4706,7 @@
               <a:buChar char="■"/>
               <a:defRPr sz="1200"/>
             </a:lvl6pPr>
-            <a:lvl7pPr indent="-304800" lvl="6" marL="3200400">
+            <a:lvl7pPr marL="3200400" lvl="6" indent="-304800">
               <a:spcBef>
                 <a:spcPts val="1600"/>
               </a:spcBef>
@@ -4668,7 +4717,7 @@
               <a:buChar char="●"/>
               <a:defRPr sz="1200"/>
             </a:lvl7pPr>
-            <a:lvl8pPr indent="-304800" lvl="7" marL="3657600">
+            <a:lvl8pPr marL="3657600" lvl="7" indent="-304800">
               <a:spcBef>
                 <a:spcPts val="1600"/>
               </a:spcBef>
@@ -4679,7 +4728,7 @@
               <a:buChar char="○"/>
               <a:defRPr sz="1200"/>
             </a:lvl8pPr>
-            <a:lvl9pPr indent="-304800" lvl="8" marL="4114800">
+            <a:lvl9pPr marL="4114800" lvl="8" indent="-304800">
               <a:spcBef>
                 <a:spcPts val="1600"/>
               </a:spcBef>
@@ -4691,15 +4740,19 @@
               <a:defRPr sz="1200"/>
             </a:lvl9pPr>
           </a:lstStyle>
-          <a:p/>
+          <a:p>
+            <a:endParaRPr/>
+          </a:p>
         </p:txBody>
       </p:sp>
       <p:sp>
         <p:nvSpPr>
           <p:cNvPr id="42" name="Google Shape;42;p5"/>
-          <p:cNvSpPr txBox="1"/>
+          <p:cNvSpPr txBox="1">
+            <a:spLocks noGrp="1"/>
+          </p:cNvSpPr>
           <p:nvPr>
-            <p:ph idx="12" type="sldNum"/>
+            <p:ph type="sldNum" idx="12"/>
           </p:nvPr>
         </p:nvSpPr>
         <p:spPr>
@@ -4712,7 +4765,7 @@
           </a:prstGeom>
         </p:spPr>
         <p:txBody>
-          <a:bodyPr anchorCtr="0" anchor="ctr" bIns="91425" lIns="91425" spcFirstLastPara="1" rIns="91425" wrap="square" tIns="91425">
+          <a:bodyPr spcFirstLastPara="1" wrap="square" lIns="91425" tIns="91425" rIns="91425" bIns="91425" anchor="ctr" anchorCtr="0">
             <a:noAutofit/>
           </a:bodyPr>
           <a:lstStyle>
@@ -4790,7 +4843,7 @@
             </a:lvl9pPr>
           </a:lstStyle>
           <a:p>
-            <a:pPr indent="0" lvl="0" marL="0" rtl="0" algn="r">
+            <a:pPr marL="0" lvl="0" indent="0" algn="r" rtl="0">
               <a:spcBef>
                 <a:spcPts val="0"/>
               </a:spcBef>
@@ -4816,11 +4869,11 @@
 </file>
 
 <file path=ppt/slideLayouts/slideLayout5.xml><?xml version="1.0" encoding="utf-8"?>
-<p:sldLayout xmlns:a="http://schemas.openxmlformats.org/drawingml/2006/main" xmlns:r="http://schemas.openxmlformats.org/officeDocument/2006/relationships" xmlns:mc="http://schemas.openxmlformats.org/markup-compatibility/2006" xmlns:mv="urn:schemas-microsoft-com:mac:vml" xmlns:p="http://schemas.openxmlformats.org/presentationml/2006/main" xmlns:c="http://schemas.openxmlformats.org/drawingml/2006/chart" xmlns:dgm="http://schemas.openxmlformats.org/drawingml/2006/diagram" xmlns:o="urn:schemas-microsoft-com:office:office" xmlns:v="urn:schemas-microsoft-com:vml" xmlns:pvml="urn:schemas-microsoft-com:office:powerpoint" xmlns:com="http://schemas.openxmlformats.org/drawingml/2006/compatibility" xmlns:p14="http://schemas.microsoft.com/office/powerpoint/2010/main" xmlns:p15="http://schemas.microsoft.com/office/powerpoint/2012/main" xmlns:ahyp="http://schemas.microsoft.com/office/drawing/2018/hyperlinkcolor" matchingName="Title only" type="titleOnly">
+<p:sldLayout xmlns:a="http://schemas.openxmlformats.org/drawingml/2006/main" xmlns:r="http://schemas.openxmlformats.org/officeDocument/2006/relationships" xmlns:p="http://schemas.openxmlformats.org/presentationml/2006/main" matchingName="Title only" type="titleOnly">
   <p:cSld name="TITLE_ONLY">
     <p:spTree>
       <p:nvGrpSpPr>
-        <p:cNvPr id="43" name="Shape 43"/>
+        <p:cNvPr id="1" name="Shape 43"/>
         <p:cNvGrpSpPr/>
         <p:nvPr/>
       </p:nvGrpSpPr>
@@ -4835,7 +4888,9 @@
       <p:sp>
         <p:nvSpPr>
           <p:cNvPr id="44" name="Google Shape;44;p6"/>
-          <p:cNvSpPr txBox="1"/>
+          <p:cNvSpPr txBox="1">
+            <a:spLocks noGrp="1"/>
+          </p:cNvSpPr>
           <p:nvPr>
             <p:ph type="title"/>
           </p:nvPr>
@@ -4850,7 +4905,7 @@
           </a:prstGeom>
         </p:spPr>
         <p:txBody>
-          <a:bodyPr anchorCtr="0" anchor="t" bIns="91425" lIns="91425" spcFirstLastPara="1" rIns="91425" wrap="square" tIns="91425">
+          <a:bodyPr spcFirstLastPara="1" wrap="square" lIns="91425" tIns="91425" rIns="91425" bIns="91425" anchor="t" anchorCtr="0">
             <a:noAutofit/>
           </a:bodyPr>
           <a:lstStyle>
@@ -4954,15 +5009,19 @@
               <a:defRPr/>
             </a:lvl9pPr>
           </a:lstStyle>
-          <a:p/>
+          <a:p>
+            <a:endParaRPr/>
+          </a:p>
         </p:txBody>
       </p:sp>
       <p:sp>
         <p:nvSpPr>
           <p:cNvPr id="45" name="Google Shape;45;p6"/>
-          <p:cNvSpPr txBox="1"/>
+          <p:cNvSpPr txBox="1">
+            <a:spLocks noGrp="1"/>
+          </p:cNvSpPr>
           <p:nvPr>
-            <p:ph idx="12" type="sldNum"/>
+            <p:ph type="sldNum" idx="12"/>
           </p:nvPr>
         </p:nvSpPr>
         <p:spPr>
@@ -4975,7 +5034,7 @@
           </a:prstGeom>
         </p:spPr>
         <p:txBody>
-          <a:bodyPr anchorCtr="0" anchor="ctr" bIns="91425" lIns="91425" spcFirstLastPara="1" rIns="91425" wrap="square" tIns="91425">
+          <a:bodyPr spcFirstLastPara="1" wrap="square" lIns="91425" tIns="91425" rIns="91425" bIns="91425" anchor="ctr" anchorCtr="0">
             <a:noAutofit/>
           </a:bodyPr>
           <a:lstStyle>
@@ -5053,7 +5112,7 @@
             </a:lvl9pPr>
           </a:lstStyle>
           <a:p>
-            <a:pPr indent="0" lvl="0" marL="0" rtl="0" algn="r">
+            <a:pPr marL="0" lvl="0" indent="0" algn="r" rtl="0">
               <a:spcBef>
                 <a:spcPts val="0"/>
               </a:spcBef>
@@ -5079,11 +5138,11 @@
 </file>
 
 <file path=ppt/slideLayouts/slideLayout6.xml><?xml version="1.0" encoding="utf-8"?>
-<p:sldLayout xmlns:a="http://schemas.openxmlformats.org/drawingml/2006/main" xmlns:r="http://schemas.openxmlformats.org/officeDocument/2006/relationships" xmlns:mc="http://schemas.openxmlformats.org/markup-compatibility/2006" xmlns:mv="urn:schemas-microsoft-com:mac:vml" xmlns:p="http://schemas.openxmlformats.org/presentationml/2006/main" xmlns:c="http://schemas.openxmlformats.org/drawingml/2006/chart" xmlns:dgm="http://schemas.openxmlformats.org/drawingml/2006/diagram" xmlns:o="urn:schemas-microsoft-com:office:office" xmlns:v="urn:schemas-microsoft-com:vml" xmlns:pvml="urn:schemas-microsoft-com:office:powerpoint" xmlns:com="http://schemas.openxmlformats.org/drawingml/2006/compatibility" xmlns:p14="http://schemas.microsoft.com/office/powerpoint/2010/main" xmlns:p15="http://schemas.microsoft.com/office/powerpoint/2012/main" xmlns:ahyp="http://schemas.microsoft.com/office/drawing/2018/hyperlinkcolor" matchingName="One column text">
+<p:sldLayout xmlns:a="http://schemas.openxmlformats.org/drawingml/2006/main" xmlns:r="http://schemas.openxmlformats.org/officeDocument/2006/relationships" xmlns:p="http://schemas.openxmlformats.org/presentationml/2006/main" matchingName="One column text">
   <p:cSld name="ONE_COLUMN_TEXT">
     <p:spTree>
       <p:nvGrpSpPr>
-        <p:cNvPr id="46" name="Shape 46"/>
+        <p:cNvPr id="1" name="Shape 46"/>
         <p:cNvGrpSpPr/>
         <p:nvPr/>
       </p:nvGrpSpPr>
@@ -5098,7 +5157,9 @@
       <p:sp>
         <p:nvSpPr>
           <p:cNvPr id="47" name="Google Shape;47;p7"/>
-          <p:cNvSpPr txBox="1"/>
+          <p:cNvSpPr txBox="1">
+            <a:spLocks noGrp="1"/>
+          </p:cNvSpPr>
           <p:nvPr>
             <p:ph type="title"/>
           </p:nvPr>
@@ -5113,7 +5174,7 @@
           </a:prstGeom>
         </p:spPr>
         <p:txBody>
-          <a:bodyPr anchorCtr="0" anchor="b" bIns="91425" lIns="91425" spcFirstLastPara="1" rIns="91425" wrap="square" tIns="91425">
+          <a:bodyPr spcFirstLastPara="1" wrap="square" lIns="91425" tIns="91425" rIns="91425" bIns="91425" anchor="b" anchorCtr="0">
             <a:noAutofit/>
           </a:bodyPr>
           <a:lstStyle>
@@ -5217,15 +5278,19 @@
               <a:defRPr sz="2400"/>
             </a:lvl9pPr>
           </a:lstStyle>
-          <a:p/>
+          <a:p>
+            <a:endParaRPr/>
+          </a:p>
         </p:txBody>
       </p:sp>
       <p:sp>
         <p:nvSpPr>
           <p:cNvPr id="48" name="Google Shape;48;p7"/>
-          <p:cNvSpPr txBox="1"/>
+          <p:cNvSpPr txBox="1">
+            <a:spLocks noGrp="1"/>
+          </p:cNvSpPr>
           <p:nvPr>
-            <p:ph idx="1" type="body"/>
+            <p:ph type="body" idx="1"/>
           </p:nvPr>
         </p:nvSpPr>
         <p:spPr>
@@ -5238,11 +5303,11 @@
           </a:prstGeom>
         </p:spPr>
         <p:txBody>
-          <a:bodyPr anchorCtr="0" anchor="t" bIns="91425" lIns="91425" spcFirstLastPara="1" rIns="91425" wrap="square" tIns="91425">
+          <a:bodyPr spcFirstLastPara="1" wrap="square" lIns="91425" tIns="91425" rIns="91425" bIns="91425" anchor="t" anchorCtr="0">
             <a:noAutofit/>
           </a:bodyPr>
           <a:lstStyle>
-            <a:lvl1pPr indent="-304800" lvl="0" marL="457200">
+            <a:lvl1pPr marL="457200" lvl="0" indent="-304800">
               <a:spcBef>
                 <a:spcPts val="0"/>
               </a:spcBef>
@@ -5253,7 +5318,7 @@
               <a:buChar char="●"/>
               <a:defRPr sz="1200"/>
             </a:lvl1pPr>
-            <a:lvl2pPr indent="-304800" lvl="1" marL="914400">
+            <a:lvl2pPr marL="914400" lvl="1" indent="-304800">
               <a:spcBef>
                 <a:spcPts val="1600"/>
               </a:spcBef>
@@ -5264,7 +5329,7 @@
               <a:buChar char="○"/>
               <a:defRPr sz="1200"/>
             </a:lvl2pPr>
-            <a:lvl3pPr indent="-304800" lvl="2" marL="1371600">
+            <a:lvl3pPr marL="1371600" lvl="2" indent="-304800">
               <a:spcBef>
                 <a:spcPts val="1600"/>
               </a:spcBef>
@@ -5275,7 +5340,7 @@
               <a:buChar char="■"/>
               <a:defRPr sz="1200"/>
             </a:lvl3pPr>
-            <a:lvl4pPr indent="-304800" lvl="3" marL="1828800">
+            <a:lvl4pPr marL="1828800" lvl="3" indent="-304800">
               <a:spcBef>
                 <a:spcPts val="1600"/>
               </a:spcBef>
@@ -5286,7 +5351,7 @@
               <a:buChar char="●"/>
               <a:defRPr sz="1200"/>
             </a:lvl4pPr>
-            <a:lvl5pPr indent="-304800" lvl="4" marL="2286000">
+            <a:lvl5pPr marL="2286000" lvl="4" indent="-304800">
               <a:spcBef>
                 <a:spcPts val="1600"/>
               </a:spcBef>
@@ -5297,7 +5362,7 @@
               <a:buChar char="○"/>
               <a:defRPr sz="1200"/>
             </a:lvl5pPr>
-            <a:lvl6pPr indent="-304800" lvl="5" marL="2743200">
+            <a:lvl6pPr marL="2743200" lvl="5" indent="-304800">
               <a:spcBef>
                 <a:spcPts val="1600"/>
               </a:spcBef>
@@ -5308,7 +5373,7 @@
               <a:buChar char="■"/>
               <a:defRPr sz="1200"/>
             </a:lvl6pPr>
-            <a:lvl7pPr indent="-304800" lvl="6" marL="3200400">
+            <a:lvl7pPr marL="3200400" lvl="6" indent="-304800">
               <a:spcBef>
                 <a:spcPts val="1600"/>
               </a:spcBef>
@@ -5319,7 +5384,7 @@
               <a:buChar char="●"/>
               <a:defRPr sz="1200"/>
             </a:lvl7pPr>
-            <a:lvl8pPr indent="-304800" lvl="7" marL="3657600">
+            <a:lvl8pPr marL="3657600" lvl="7" indent="-304800">
               <a:spcBef>
                 <a:spcPts val="1600"/>
               </a:spcBef>
@@ -5330,7 +5395,7 @@
               <a:buChar char="○"/>
               <a:defRPr sz="1200"/>
             </a:lvl8pPr>
-            <a:lvl9pPr indent="-304800" lvl="8" marL="4114800">
+            <a:lvl9pPr marL="4114800" lvl="8" indent="-304800">
               <a:spcBef>
                 <a:spcPts val="1600"/>
               </a:spcBef>
@@ -5342,15 +5407,19 @@
               <a:defRPr sz="1200"/>
             </a:lvl9pPr>
           </a:lstStyle>
-          <a:p/>
+          <a:p>
+            <a:endParaRPr/>
+          </a:p>
         </p:txBody>
       </p:sp>
       <p:sp>
         <p:nvSpPr>
           <p:cNvPr id="49" name="Google Shape;49;p7"/>
-          <p:cNvSpPr txBox="1"/>
+          <p:cNvSpPr txBox="1">
+            <a:spLocks noGrp="1"/>
+          </p:cNvSpPr>
           <p:nvPr>
-            <p:ph idx="12" type="sldNum"/>
+            <p:ph type="sldNum" idx="12"/>
           </p:nvPr>
         </p:nvSpPr>
         <p:spPr>
@@ -5363,7 +5432,7 @@
           </a:prstGeom>
         </p:spPr>
         <p:txBody>
-          <a:bodyPr anchorCtr="0" anchor="ctr" bIns="91425" lIns="91425" spcFirstLastPara="1" rIns="91425" wrap="square" tIns="91425">
+          <a:bodyPr spcFirstLastPara="1" wrap="square" lIns="91425" tIns="91425" rIns="91425" bIns="91425" anchor="ctr" anchorCtr="0">
             <a:noAutofit/>
           </a:bodyPr>
           <a:lstStyle>
@@ -5441,7 +5510,7 @@
             </a:lvl9pPr>
           </a:lstStyle>
           <a:p>
-            <a:pPr indent="0" lvl="0" marL="0" rtl="0" algn="r">
+            <a:pPr marL="0" lvl="0" indent="0" algn="r" rtl="0">
               <a:spcBef>
                 <a:spcPts val="0"/>
               </a:spcBef>
@@ -5467,18 +5536,19 @@
 </file>
 
 <file path=ppt/slideLayouts/slideLayout7.xml><?xml version="1.0" encoding="utf-8"?>
-<p:sldLayout xmlns:a="http://schemas.openxmlformats.org/drawingml/2006/main" xmlns:r="http://schemas.openxmlformats.org/officeDocument/2006/relationships" xmlns:mc="http://schemas.openxmlformats.org/markup-compatibility/2006" xmlns:mv="urn:schemas-microsoft-com:mac:vml" xmlns:p="http://schemas.openxmlformats.org/presentationml/2006/main" xmlns:c="http://schemas.openxmlformats.org/drawingml/2006/chart" xmlns:dgm="http://schemas.openxmlformats.org/drawingml/2006/diagram" xmlns:o="urn:schemas-microsoft-com:office:office" xmlns:v="urn:schemas-microsoft-com:vml" xmlns:pvml="urn:schemas-microsoft-com:office:powerpoint" xmlns:com="http://schemas.openxmlformats.org/drawingml/2006/compatibility" xmlns:p14="http://schemas.microsoft.com/office/powerpoint/2010/main" xmlns:p15="http://schemas.microsoft.com/office/powerpoint/2012/main" xmlns:ahyp="http://schemas.microsoft.com/office/drawing/2018/hyperlinkcolor" matchingName="Main point">
+<p:sldLayout xmlns:a="http://schemas.openxmlformats.org/drawingml/2006/main" xmlns:r="http://schemas.openxmlformats.org/officeDocument/2006/relationships" xmlns:p="http://schemas.openxmlformats.org/presentationml/2006/main" matchingName="Main point">
   <p:cSld name="MAIN_POINT">
     <p:bg>
       <p:bgPr>
         <a:solidFill>
           <a:schemeClr val="accent4"/>
         </a:solidFill>
+        <a:effectLst/>
       </p:bgPr>
     </p:bg>
     <p:spTree>
       <p:nvGrpSpPr>
-        <p:cNvPr id="50" name="Shape 50"/>
+        <p:cNvPr id="1" name="Shape 50"/>
         <p:cNvGrpSpPr/>
         <p:nvPr/>
       </p:nvGrpSpPr>
@@ -5526,12 +5596,12 @@
             </a:ln>
           </p:spPr>
           <p:txBody>
-            <a:bodyPr anchorCtr="0" anchor="ctr" bIns="91425" lIns="91425" spcFirstLastPara="1" rIns="91425" wrap="square" tIns="91425">
+            <a:bodyPr spcFirstLastPara="1" wrap="square" lIns="91425" tIns="91425" rIns="91425" bIns="91425" anchor="ctr" anchorCtr="0">
               <a:noAutofit/>
             </a:bodyPr>
             <a:lstStyle/>
             <a:p>
-              <a:pPr indent="0" lvl="0" marL="0" rtl="0" algn="l">
+              <a:pPr marL="0" lvl="0" indent="0" algn="l" rtl="0">
                 <a:spcBef>
                   <a:spcPts val="0"/>
                 </a:spcBef>
@@ -5540,9 +5610,6 @@
                 </a:spcAft>
                 <a:buNone/>
               </a:pPr>
-              <a:r>
-                <a:t/>
-              </a:r>
               <a:endParaRPr/>
             </a:p>
           </p:txBody>
@@ -5569,12 +5636,12 @@
             </a:ln>
           </p:spPr>
           <p:txBody>
-            <a:bodyPr anchorCtr="0" anchor="ctr" bIns="91425" lIns="91425" spcFirstLastPara="1" rIns="91425" wrap="square" tIns="91425">
+            <a:bodyPr spcFirstLastPara="1" wrap="square" lIns="91425" tIns="91425" rIns="91425" bIns="91425" anchor="ctr" anchorCtr="0">
               <a:noAutofit/>
             </a:bodyPr>
             <a:lstStyle/>
             <a:p>
-              <a:pPr indent="0" lvl="0" marL="0" rtl="0" algn="l">
+              <a:pPr marL="0" lvl="0" indent="0" algn="l" rtl="0">
                 <a:spcBef>
                   <a:spcPts val="0"/>
                 </a:spcBef>
@@ -5583,9 +5650,6 @@
                 </a:spcAft>
                 <a:buNone/>
               </a:pPr>
-              <a:r>
-                <a:t/>
-              </a:r>
               <a:endParaRPr/>
             </a:p>
           </p:txBody>
@@ -5597,7 +5661,7 @@
             <p:nvPr/>
           </p:nvSpPr>
           <p:spPr>
-            <a:xfrm flipH="1" rot="10800000">
+            <a:xfrm rot="10800000" flipH="1">
               <a:off x="7113588" y="107"/>
               <a:ext cx="1015200" cy="1015200"/>
             </a:xfrm>
@@ -5612,12 +5676,12 @@
             </a:ln>
           </p:spPr>
           <p:txBody>
-            <a:bodyPr anchorCtr="0" anchor="ctr" bIns="91425" lIns="91425" spcFirstLastPara="1" rIns="91425" wrap="square" tIns="91425">
+            <a:bodyPr spcFirstLastPara="1" wrap="square" lIns="91425" tIns="91425" rIns="91425" bIns="91425" anchor="ctr" anchorCtr="0">
               <a:noAutofit/>
             </a:bodyPr>
             <a:lstStyle/>
             <a:p>
-              <a:pPr indent="0" lvl="0" marL="0" rtl="0" algn="l">
+              <a:pPr marL="0" lvl="0" indent="0" algn="l" rtl="0">
                 <a:spcBef>
                   <a:spcPts val="0"/>
                 </a:spcBef>
@@ -5626,9 +5690,6 @@
                 </a:spcAft>
                 <a:buNone/>
               </a:pPr>
-              <a:r>
-                <a:t/>
-              </a:r>
               <a:endParaRPr/>
             </a:p>
           </p:txBody>
@@ -5655,12 +5716,12 @@
             </a:ln>
           </p:spPr>
           <p:txBody>
-            <a:bodyPr anchorCtr="0" anchor="ctr" bIns="91425" lIns="91425" spcFirstLastPara="1" rIns="91425" wrap="square" tIns="91425">
+            <a:bodyPr spcFirstLastPara="1" wrap="square" lIns="91425" tIns="91425" rIns="91425" bIns="91425" anchor="ctr" anchorCtr="0">
               <a:noAutofit/>
             </a:bodyPr>
             <a:lstStyle/>
             <a:p>
-              <a:pPr indent="0" lvl="0" marL="0" rtl="0" algn="l">
+              <a:pPr marL="0" lvl="0" indent="0" algn="l" rtl="0">
                 <a:spcBef>
                   <a:spcPts val="0"/>
                 </a:spcBef>
@@ -5669,9 +5730,6 @@
                 </a:spcAft>
                 <a:buNone/>
               </a:pPr>
-              <a:r>
-                <a:t/>
-              </a:r>
               <a:endParaRPr/>
             </a:p>
           </p:txBody>
@@ -5698,12 +5756,12 @@
             </a:ln>
           </p:spPr>
           <p:txBody>
-            <a:bodyPr anchorCtr="0" anchor="ctr" bIns="91425" lIns="91425" spcFirstLastPara="1" rIns="91425" wrap="square" tIns="91425">
+            <a:bodyPr spcFirstLastPara="1" wrap="square" lIns="91425" tIns="91425" rIns="91425" bIns="91425" anchor="ctr" anchorCtr="0">
               <a:noAutofit/>
             </a:bodyPr>
             <a:lstStyle/>
             <a:p>
-              <a:pPr indent="0" lvl="0" marL="0" rtl="0" algn="l">
+              <a:pPr marL="0" lvl="0" indent="0" algn="l" rtl="0">
                 <a:spcBef>
                   <a:spcPts val="0"/>
                 </a:spcBef>
@@ -5712,9 +5770,6 @@
                 </a:spcAft>
                 <a:buNone/>
               </a:pPr>
-              <a:r>
-                <a:t/>
-              </a:r>
               <a:endParaRPr/>
             </a:p>
           </p:txBody>
@@ -5723,7 +5778,9 @@
       <p:sp>
         <p:nvSpPr>
           <p:cNvPr id="57" name="Google Shape;57;p8"/>
-          <p:cNvSpPr txBox="1"/>
+          <p:cNvSpPr txBox="1">
+            <a:spLocks noGrp="1"/>
+          </p:cNvSpPr>
           <p:nvPr>
             <p:ph type="title"/>
           </p:nvPr>
@@ -5738,7 +5795,7 @@
           </a:prstGeom>
         </p:spPr>
         <p:txBody>
-          <a:bodyPr anchorCtr="0" anchor="ctr" bIns="91425" lIns="91425" spcFirstLastPara="1" rIns="91425" wrap="square" tIns="91425">
+          <a:bodyPr spcFirstLastPara="1" wrap="square" lIns="91425" tIns="91425" rIns="91425" bIns="91425" anchor="ctr" anchorCtr="0">
             <a:noAutofit/>
           </a:bodyPr>
           <a:lstStyle>
@@ -5905,15 +5962,19 @@
               </a:defRPr>
             </a:lvl9pPr>
           </a:lstStyle>
-          <a:p/>
+          <a:p>
+            <a:endParaRPr/>
+          </a:p>
         </p:txBody>
       </p:sp>
       <p:sp>
         <p:nvSpPr>
           <p:cNvPr id="58" name="Google Shape;58;p8"/>
-          <p:cNvSpPr txBox="1"/>
+          <p:cNvSpPr txBox="1">
+            <a:spLocks noGrp="1"/>
+          </p:cNvSpPr>
           <p:nvPr>
-            <p:ph idx="12" type="sldNum"/>
+            <p:ph type="sldNum" idx="12"/>
           </p:nvPr>
         </p:nvSpPr>
         <p:spPr>
@@ -5926,7 +5987,7 @@
           </a:prstGeom>
         </p:spPr>
         <p:txBody>
-          <a:bodyPr anchorCtr="0" anchor="ctr" bIns="91425" lIns="91425" spcFirstLastPara="1" rIns="91425" wrap="square" tIns="91425">
+          <a:bodyPr spcFirstLastPara="1" wrap="square" lIns="91425" tIns="91425" rIns="91425" bIns="91425" anchor="ctr" anchorCtr="0">
             <a:noAutofit/>
           </a:bodyPr>
           <a:lstStyle>
@@ -5968,7 +6029,7 @@
             </a:lvl9pPr>
           </a:lstStyle>
           <a:p>
-            <a:pPr indent="0" lvl="0" marL="0" rtl="0" algn="r">
+            <a:pPr marL="0" lvl="0" indent="0" algn="r" rtl="0">
               <a:spcBef>
                 <a:spcPts val="0"/>
               </a:spcBef>
@@ -5994,11 +6055,11 @@
 </file>
 
 <file path=ppt/slideLayouts/slideLayout8.xml><?xml version="1.0" encoding="utf-8"?>
-<p:sldLayout xmlns:a="http://schemas.openxmlformats.org/drawingml/2006/main" xmlns:r="http://schemas.openxmlformats.org/officeDocument/2006/relationships" xmlns:mc="http://schemas.openxmlformats.org/markup-compatibility/2006" xmlns:mv="urn:schemas-microsoft-com:mac:vml" xmlns:p="http://schemas.openxmlformats.org/presentationml/2006/main" xmlns:c="http://schemas.openxmlformats.org/drawingml/2006/chart" xmlns:dgm="http://schemas.openxmlformats.org/drawingml/2006/diagram" xmlns:o="urn:schemas-microsoft-com:office:office" xmlns:v="urn:schemas-microsoft-com:vml" xmlns:pvml="urn:schemas-microsoft-com:office:powerpoint" xmlns:com="http://schemas.openxmlformats.org/drawingml/2006/compatibility" xmlns:p14="http://schemas.microsoft.com/office/powerpoint/2010/main" xmlns:p15="http://schemas.microsoft.com/office/powerpoint/2012/main" xmlns:ahyp="http://schemas.microsoft.com/office/drawing/2018/hyperlinkcolor" matchingName="Section title and description">
+<p:sldLayout xmlns:a="http://schemas.openxmlformats.org/drawingml/2006/main" xmlns:r="http://schemas.openxmlformats.org/officeDocument/2006/relationships" xmlns:p="http://schemas.openxmlformats.org/presentationml/2006/main" matchingName="Section title and description">
   <p:cSld name="SECTION_TITLE_AND_DESCRIPTION">
     <p:spTree>
       <p:nvGrpSpPr>
-        <p:cNvPr id="59" name="Shape 59"/>
+        <p:cNvPr id="1" name="Shape 59"/>
         <p:cNvGrpSpPr/>
         <p:nvPr/>
       </p:nvGrpSpPr>
@@ -6032,12 +6093,12 @@
           </a:ln>
         </p:spPr>
         <p:txBody>
-          <a:bodyPr anchorCtr="0" anchor="ctr" bIns="91425" lIns="91425" spcFirstLastPara="1" rIns="91425" wrap="square" tIns="91425">
+          <a:bodyPr spcFirstLastPara="1" wrap="square" lIns="91425" tIns="91425" rIns="91425" bIns="91425" anchor="ctr" anchorCtr="0">
             <a:noAutofit/>
           </a:bodyPr>
           <a:lstStyle/>
           <a:p>
-            <a:pPr indent="0" lvl="0" marL="0" rtl="0" algn="l">
+            <a:pPr marL="0" lvl="0" indent="0" algn="l" rtl="0">
               <a:spcBef>
                 <a:spcPts val="0"/>
               </a:spcBef>
@@ -6046,9 +6107,6 @@
               </a:spcAft>
               <a:buNone/>
             </a:pPr>
-            <a:r>
-              <a:t/>
-            </a:r>
             <a:endParaRPr/>
           </a:p>
         </p:txBody>
@@ -6068,21 +6126,23 @@
             <a:avLst/>
           </a:prstGeom>
           <a:noFill/>
-          <a:ln cap="flat" cmpd="sng" w="19050">
+          <a:ln w="19050" cap="flat" cmpd="sng">
             <a:solidFill>
               <a:schemeClr val="lt1"/>
             </a:solidFill>
             <a:prstDash val="solid"/>
             <a:round/>
-            <a:headEnd len="sm" w="sm" type="none"/>
-            <a:tailEnd len="sm" w="sm" type="none"/>
+            <a:headEnd type="none" w="sm" len="sm"/>
+            <a:tailEnd type="none" w="sm" len="sm"/>
           </a:ln>
         </p:spPr>
       </p:cxnSp>
       <p:sp>
         <p:nvSpPr>
           <p:cNvPr id="62" name="Google Shape;62;p9"/>
-          <p:cNvSpPr txBox="1"/>
+          <p:cNvSpPr txBox="1">
+            <a:spLocks noGrp="1"/>
+          </p:cNvSpPr>
           <p:nvPr>
             <p:ph type="title"/>
           </p:nvPr>
@@ -6097,7 +6157,7 @@
           </a:prstGeom>
         </p:spPr>
         <p:txBody>
-          <a:bodyPr anchorCtr="0" anchor="b" bIns="91425" lIns="91425" spcFirstLastPara="1" rIns="91425" wrap="square" tIns="91425">
+          <a:bodyPr spcFirstLastPara="1" wrap="square" lIns="91425" tIns="91425" rIns="91425" bIns="91425" anchor="b" anchorCtr="0">
             <a:noAutofit/>
           </a:bodyPr>
           <a:lstStyle>
@@ -6201,15 +6261,19 @@
               <a:defRPr sz="4200"/>
             </a:lvl9pPr>
           </a:lstStyle>
-          <a:p/>
+          <a:p>
+            <a:endParaRPr/>
+          </a:p>
         </p:txBody>
       </p:sp>
       <p:sp>
         <p:nvSpPr>
           <p:cNvPr id="63" name="Google Shape;63;p9"/>
-          <p:cNvSpPr txBox="1"/>
+          <p:cNvSpPr txBox="1">
+            <a:spLocks noGrp="1"/>
+          </p:cNvSpPr>
           <p:nvPr>
-            <p:ph idx="1" type="subTitle"/>
+            <p:ph type="subTitle" idx="1"/>
           </p:nvPr>
         </p:nvSpPr>
         <p:spPr>
@@ -6222,7 +6286,7 @@
           </a:prstGeom>
         </p:spPr>
         <p:txBody>
-          <a:bodyPr anchorCtr="0" anchor="t" bIns="91425" lIns="91425" spcFirstLastPara="1" rIns="91425" wrap="square" tIns="91425">
+          <a:bodyPr spcFirstLastPara="1" wrap="square" lIns="91425" tIns="91425" rIns="91425" bIns="91425" anchor="t" anchorCtr="0">
             <a:noAutofit/>
           </a:bodyPr>
           <a:lstStyle>
@@ -6353,15 +6417,19 @@
               <a:defRPr sz="2100"/>
             </a:lvl9pPr>
           </a:lstStyle>
-          <a:p/>
+          <a:p>
+            <a:endParaRPr/>
+          </a:p>
         </p:txBody>
       </p:sp>
       <p:sp>
         <p:nvSpPr>
           <p:cNvPr id="64" name="Google Shape;64;p9"/>
-          <p:cNvSpPr txBox="1"/>
+          <p:cNvSpPr txBox="1">
+            <a:spLocks noGrp="1"/>
+          </p:cNvSpPr>
           <p:nvPr>
-            <p:ph idx="2" type="body"/>
+            <p:ph type="body" idx="2"/>
           </p:nvPr>
         </p:nvSpPr>
         <p:spPr>
@@ -6374,11 +6442,11 @@
           </a:prstGeom>
         </p:spPr>
         <p:txBody>
-          <a:bodyPr anchorCtr="0" anchor="ctr" bIns="91425" lIns="91425" spcFirstLastPara="1" rIns="91425" wrap="square" tIns="91425">
+          <a:bodyPr spcFirstLastPara="1" wrap="square" lIns="91425" tIns="91425" rIns="91425" bIns="91425" anchor="ctr" anchorCtr="0">
             <a:noAutofit/>
           </a:bodyPr>
           <a:lstStyle>
-            <a:lvl1pPr indent="-342900" lvl="0" marL="457200">
+            <a:lvl1pPr marL="457200" lvl="0" indent="-342900">
               <a:spcBef>
                 <a:spcPts val="0"/>
               </a:spcBef>
@@ -6396,7 +6464,7 @@
                 </a:solidFill>
               </a:defRPr>
             </a:lvl1pPr>
-            <a:lvl2pPr indent="-317500" lvl="1" marL="914400">
+            <a:lvl2pPr marL="914400" lvl="1" indent="-317500">
               <a:spcBef>
                 <a:spcPts val="1600"/>
               </a:spcBef>
@@ -6414,7 +6482,7 @@
                 </a:solidFill>
               </a:defRPr>
             </a:lvl2pPr>
-            <a:lvl3pPr indent="-317500" lvl="2" marL="1371600">
+            <a:lvl3pPr marL="1371600" lvl="2" indent="-317500">
               <a:spcBef>
                 <a:spcPts val="1600"/>
               </a:spcBef>
@@ -6432,7 +6500,7 @@
                 </a:solidFill>
               </a:defRPr>
             </a:lvl3pPr>
-            <a:lvl4pPr indent="-317500" lvl="3" marL="1828800">
+            <a:lvl4pPr marL="1828800" lvl="3" indent="-317500">
               <a:spcBef>
                 <a:spcPts val="1600"/>
               </a:spcBef>
@@ -6450,7 +6518,7 @@
                 </a:solidFill>
               </a:defRPr>
             </a:lvl4pPr>
-            <a:lvl5pPr indent="-317500" lvl="4" marL="2286000">
+            <a:lvl5pPr marL="2286000" lvl="4" indent="-317500">
               <a:spcBef>
                 <a:spcPts val="1600"/>
               </a:spcBef>
@@ -6468,7 +6536,7 @@
                 </a:solidFill>
               </a:defRPr>
             </a:lvl5pPr>
-            <a:lvl6pPr indent="-317500" lvl="5" marL="2743200">
+            <a:lvl6pPr marL="2743200" lvl="5" indent="-317500">
               <a:spcBef>
                 <a:spcPts val="1600"/>
               </a:spcBef>
@@ -6486,7 +6554,7 @@
                 </a:solidFill>
               </a:defRPr>
             </a:lvl6pPr>
-            <a:lvl7pPr indent="-317500" lvl="6" marL="3200400">
+            <a:lvl7pPr marL="3200400" lvl="6" indent="-317500">
               <a:spcBef>
                 <a:spcPts val="1600"/>
               </a:spcBef>
@@ -6504,7 +6572,7 @@
                 </a:solidFill>
               </a:defRPr>
             </a:lvl7pPr>
-            <a:lvl8pPr indent="-317500" lvl="7" marL="3657600">
+            <a:lvl8pPr marL="3657600" lvl="7" indent="-317500">
               <a:spcBef>
                 <a:spcPts val="1600"/>
               </a:spcBef>
@@ -6522,7 +6590,7 @@
                 </a:solidFill>
               </a:defRPr>
             </a:lvl8pPr>
-            <a:lvl9pPr indent="-317500" lvl="8" marL="4114800">
+            <a:lvl9pPr marL="4114800" lvl="8" indent="-317500">
               <a:spcBef>
                 <a:spcPts val="1600"/>
               </a:spcBef>
@@ -6541,15 +6609,19 @@
               </a:defRPr>
             </a:lvl9pPr>
           </a:lstStyle>
-          <a:p/>
+          <a:p>
+            <a:endParaRPr/>
+          </a:p>
         </p:txBody>
       </p:sp>
       <p:sp>
         <p:nvSpPr>
           <p:cNvPr id="65" name="Google Shape;65;p9"/>
-          <p:cNvSpPr txBox="1"/>
+          <p:cNvSpPr txBox="1">
+            <a:spLocks noGrp="1"/>
+          </p:cNvSpPr>
           <p:nvPr>
-            <p:ph idx="12" type="sldNum"/>
+            <p:ph type="sldNum" idx="12"/>
           </p:nvPr>
         </p:nvSpPr>
         <p:spPr>
@@ -6562,7 +6634,7 @@
           </a:prstGeom>
         </p:spPr>
         <p:txBody>
-          <a:bodyPr anchorCtr="0" anchor="ctr" bIns="91425" lIns="91425" spcFirstLastPara="1" rIns="91425" wrap="square" tIns="91425">
+          <a:bodyPr spcFirstLastPara="1" wrap="square" lIns="91425" tIns="91425" rIns="91425" bIns="91425" anchor="ctr" anchorCtr="0">
             <a:noAutofit/>
           </a:bodyPr>
           <a:lstStyle>
@@ -6604,7 +6676,7 @@
             </a:lvl9pPr>
           </a:lstStyle>
           <a:p>
-            <a:pPr indent="0" lvl="0" marL="0" rtl="0" algn="r">
+            <a:pPr marL="0" lvl="0" indent="0" algn="r" rtl="0">
               <a:spcBef>
                 <a:spcPts val="0"/>
               </a:spcBef>
@@ -6630,11 +6702,11 @@
 </file>
 
 <file path=ppt/slideLayouts/slideLayout9.xml><?xml version="1.0" encoding="utf-8"?>
-<p:sldLayout xmlns:a="http://schemas.openxmlformats.org/drawingml/2006/main" xmlns:r="http://schemas.openxmlformats.org/officeDocument/2006/relationships" xmlns:mc="http://schemas.openxmlformats.org/markup-compatibility/2006" xmlns:mv="urn:schemas-microsoft-com:mac:vml" xmlns:p="http://schemas.openxmlformats.org/presentationml/2006/main" xmlns:c="http://schemas.openxmlformats.org/drawingml/2006/chart" xmlns:dgm="http://schemas.openxmlformats.org/drawingml/2006/diagram" xmlns:o="urn:schemas-microsoft-com:office:office" xmlns:v="urn:schemas-microsoft-com:vml" xmlns:pvml="urn:schemas-microsoft-com:office:powerpoint" xmlns:com="http://schemas.openxmlformats.org/drawingml/2006/compatibility" xmlns:p14="http://schemas.microsoft.com/office/powerpoint/2010/main" xmlns:p15="http://schemas.microsoft.com/office/powerpoint/2012/main" xmlns:ahyp="http://schemas.microsoft.com/office/drawing/2018/hyperlinkcolor" matchingName="Caption">
+<p:sldLayout xmlns:a="http://schemas.openxmlformats.org/drawingml/2006/main" xmlns:r="http://schemas.openxmlformats.org/officeDocument/2006/relationships" xmlns:p="http://schemas.openxmlformats.org/presentationml/2006/main" matchingName="Caption">
   <p:cSld name="CAPTION_ONLY">
     <p:spTree>
       <p:nvGrpSpPr>
-        <p:cNvPr id="66" name="Shape 66"/>
+        <p:cNvPr id="1" name="Shape 66"/>
         <p:cNvGrpSpPr/>
         <p:nvPr/>
       </p:nvGrpSpPr>
@@ -6649,9 +6721,11 @@
       <p:sp>
         <p:nvSpPr>
           <p:cNvPr id="67" name="Google Shape;67;p10"/>
-          <p:cNvSpPr txBox="1"/>
+          <p:cNvSpPr txBox="1">
+            <a:spLocks noGrp="1"/>
+          </p:cNvSpPr>
           <p:nvPr>
-            <p:ph idx="1" type="body"/>
+            <p:ph type="body" idx="1"/>
           </p:nvPr>
         </p:nvSpPr>
         <p:spPr>
@@ -6664,11 +6738,11 @@
           </a:prstGeom>
         </p:spPr>
         <p:txBody>
-          <a:bodyPr anchorCtr="0" anchor="ctr" bIns="91425" lIns="91425" spcFirstLastPara="1" rIns="91425" wrap="square" tIns="91425">
+          <a:bodyPr spcFirstLastPara="1" wrap="square" lIns="91425" tIns="91425" rIns="91425" bIns="91425" anchor="ctr" anchorCtr="0">
             <a:noAutofit/>
           </a:bodyPr>
           <a:lstStyle>
-            <a:lvl1pPr indent="-228600" lvl="0" marL="457200">
+            <a:lvl1pPr marL="457200" lvl="0" indent="-228600">
               <a:lnSpc>
                 <a:spcPct val="100000"/>
               </a:lnSpc>
@@ -6683,15 +6757,19 @@
               <a:defRPr/>
             </a:lvl1pPr>
           </a:lstStyle>
-          <a:p/>
+          <a:p>
+            <a:endParaRPr/>
+          </a:p>
         </p:txBody>
       </p:sp>
       <p:sp>
         <p:nvSpPr>
           <p:cNvPr id="68" name="Google Shape;68;p10"/>
-          <p:cNvSpPr txBox="1"/>
+          <p:cNvSpPr txBox="1">
+            <a:spLocks noGrp="1"/>
+          </p:cNvSpPr>
           <p:nvPr>
-            <p:ph idx="12" type="sldNum"/>
+            <p:ph type="sldNum" idx="12"/>
           </p:nvPr>
         </p:nvSpPr>
         <p:spPr>
@@ -6704,7 +6782,7 @@
           </a:prstGeom>
         </p:spPr>
         <p:txBody>
-          <a:bodyPr anchorCtr="0" anchor="ctr" bIns="91425" lIns="91425" spcFirstLastPara="1" rIns="91425" wrap="square" tIns="91425">
+          <a:bodyPr spcFirstLastPara="1" wrap="square" lIns="91425" tIns="91425" rIns="91425" bIns="91425" anchor="ctr" anchorCtr="0">
             <a:noAutofit/>
           </a:bodyPr>
           <a:lstStyle>
@@ -6782,7 +6860,7 @@
             </a:lvl9pPr>
           </a:lstStyle>
           <a:p>
-            <a:pPr indent="0" lvl="0" marL="0" rtl="0" algn="r">
+            <a:pPr marL="0" lvl="0" indent="0" algn="r" rtl="0">
               <a:spcBef>
                 <a:spcPts val="0"/>
               </a:spcBef>
@@ -6808,18 +6886,19 @@
 </file>
 
 <file path=ppt/slideMasters/slideMaster1.xml><?xml version="1.0" encoding="utf-8"?>
-<p:sldMaster xmlns:a="http://schemas.openxmlformats.org/drawingml/2006/main" xmlns:r="http://schemas.openxmlformats.org/officeDocument/2006/relationships" xmlns:mc="http://schemas.openxmlformats.org/markup-compatibility/2006" xmlns:mv="urn:schemas-microsoft-com:mac:vml" xmlns:p="http://schemas.openxmlformats.org/presentationml/2006/main" xmlns:c="http://schemas.openxmlformats.org/drawingml/2006/chart" xmlns:dgm="http://schemas.openxmlformats.org/drawingml/2006/diagram" xmlns:o="urn:schemas-microsoft-com:office:office" xmlns:v="urn:schemas-microsoft-com:vml" xmlns:pvml="urn:schemas-microsoft-com:office:powerpoint" xmlns:com="http://schemas.openxmlformats.org/drawingml/2006/compatibility" xmlns:p14="http://schemas.microsoft.com/office/powerpoint/2010/main" xmlns:p15="http://schemas.microsoft.com/office/powerpoint/2012/main" xmlns:ahyp="http://schemas.microsoft.com/office/drawing/2018/hyperlinkcolor">
+<p:sldMaster xmlns:a="http://schemas.openxmlformats.org/drawingml/2006/main" xmlns:r="http://schemas.openxmlformats.org/officeDocument/2006/relationships" xmlns:p="http://schemas.openxmlformats.org/presentationml/2006/main">
   <p:cSld name="geometric">
     <p:bg>
       <p:bgPr>
         <a:solidFill>
           <a:schemeClr val="lt1"/>
         </a:solidFill>
+        <a:effectLst/>
       </p:bgPr>
     </p:bg>
     <p:spTree>
       <p:nvGrpSpPr>
-        <p:cNvPr id="5" name="Shape 5"/>
+        <p:cNvPr id="1" name="Shape 5"/>
         <p:cNvGrpSpPr/>
         <p:nvPr/>
       </p:nvGrpSpPr>
@@ -6834,7 +6913,9 @@
       <p:sp>
         <p:nvSpPr>
           <p:cNvPr id="6" name="Google Shape;6;p1"/>
-          <p:cNvSpPr txBox="1"/>
+          <p:cNvSpPr txBox="1">
+            <a:spLocks noGrp="1"/>
+          </p:cNvSpPr>
           <p:nvPr>
             <p:ph type="title"/>
           </p:nvPr>
@@ -6853,7 +6934,7 @@
           </a:ln>
         </p:spPr>
         <p:txBody>
-          <a:bodyPr anchorCtr="0" anchor="t" bIns="91425" lIns="91425" spcFirstLastPara="1" rIns="91425" wrap="square" tIns="91425">
+          <a:bodyPr spcFirstLastPara="1" wrap="square" lIns="91425" tIns="91425" rIns="91425" bIns="91425" anchor="t" anchorCtr="0">
             <a:noAutofit/>
           </a:bodyPr>
           <a:lstStyle>
@@ -7065,15 +7146,19 @@
               </a:defRPr>
             </a:lvl9pPr>
           </a:lstStyle>
-          <a:p/>
+          <a:p>
+            <a:endParaRPr/>
+          </a:p>
         </p:txBody>
       </p:sp>
       <p:sp>
         <p:nvSpPr>
           <p:cNvPr id="7" name="Google Shape;7;p1"/>
-          <p:cNvSpPr txBox="1"/>
+          <p:cNvSpPr txBox="1">
+            <a:spLocks noGrp="1"/>
+          </p:cNvSpPr>
           <p:nvPr>
-            <p:ph idx="1" type="body"/>
+            <p:ph type="body" idx="1"/>
           </p:nvPr>
         </p:nvSpPr>
         <p:spPr>
@@ -7090,11 +7175,11 @@
           </a:ln>
         </p:spPr>
         <p:txBody>
-          <a:bodyPr anchorCtr="0" anchor="t" bIns="91425" lIns="91425" spcFirstLastPara="1" rIns="91425" wrap="square" tIns="91425">
+          <a:bodyPr spcFirstLastPara="1" wrap="square" lIns="91425" tIns="91425" rIns="91425" bIns="91425" anchor="t" anchorCtr="0">
             <a:noAutofit/>
           </a:bodyPr>
           <a:lstStyle>
-            <a:lvl1pPr indent="-342900" lvl="0" marL="457200">
+            <a:lvl1pPr marL="457200" lvl="0" indent="-342900">
               <a:lnSpc>
                 <a:spcPct val="115000"/>
               </a:lnSpc>
@@ -7120,7 +7205,7 @@
                 <a:sym typeface="Roboto"/>
               </a:defRPr>
             </a:lvl1pPr>
-            <a:lvl2pPr indent="-317500" lvl="1" marL="914400">
+            <a:lvl2pPr marL="914400" lvl="1" indent="-317500">
               <a:lnSpc>
                 <a:spcPct val="115000"/>
               </a:lnSpc>
@@ -7146,7 +7231,7 @@
                 <a:sym typeface="Roboto"/>
               </a:defRPr>
             </a:lvl2pPr>
-            <a:lvl3pPr indent="-317500" lvl="2" marL="1371600">
+            <a:lvl3pPr marL="1371600" lvl="2" indent="-317500">
               <a:lnSpc>
                 <a:spcPct val="115000"/>
               </a:lnSpc>
@@ -7172,7 +7257,7 @@
                 <a:sym typeface="Roboto"/>
               </a:defRPr>
             </a:lvl3pPr>
-            <a:lvl4pPr indent="-317500" lvl="3" marL="1828800">
+            <a:lvl4pPr marL="1828800" lvl="3" indent="-317500">
               <a:lnSpc>
                 <a:spcPct val="115000"/>
               </a:lnSpc>
@@ -7198,7 +7283,7 @@
                 <a:sym typeface="Roboto"/>
               </a:defRPr>
             </a:lvl4pPr>
-            <a:lvl5pPr indent="-317500" lvl="4" marL="2286000">
+            <a:lvl5pPr marL="2286000" lvl="4" indent="-317500">
               <a:lnSpc>
                 <a:spcPct val="115000"/>
               </a:lnSpc>
@@ -7224,7 +7309,7 @@
                 <a:sym typeface="Roboto"/>
               </a:defRPr>
             </a:lvl5pPr>
-            <a:lvl6pPr indent="-317500" lvl="5" marL="2743200">
+            <a:lvl6pPr marL="2743200" lvl="5" indent="-317500">
               <a:lnSpc>
                 <a:spcPct val="115000"/>
               </a:lnSpc>
@@ -7250,7 +7335,7 @@
                 <a:sym typeface="Roboto"/>
               </a:defRPr>
             </a:lvl6pPr>
-            <a:lvl7pPr indent="-317500" lvl="6" marL="3200400">
+            <a:lvl7pPr marL="3200400" lvl="6" indent="-317500">
               <a:lnSpc>
                 <a:spcPct val="115000"/>
               </a:lnSpc>
@@ -7276,7 +7361,7 @@
                 <a:sym typeface="Roboto"/>
               </a:defRPr>
             </a:lvl7pPr>
-            <a:lvl8pPr indent="-317500" lvl="7" marL="3657600">
+            <a:lvl8pPr marL="3657600" lvl="7" indent="-317500">
               <a:lnSpc>
                 <a:spcPct val="115000"/>
               </a:lnSpc>
@@ -7302,7 +7387,7 @@
                 <a:sym typeface="Roboto"/>
               </a:defRPr>
             </a:lvl8pPr>
-            <a:lvl9pPr indent="-317500" lvl="8" marL="4114800">
+            <a:lvl9pPr marL="4114800" lvl="8" indent="-317500">
               <a:lnSpc>
                 <a:spcPct val="115000"/>
               </a:lnSpc>
@@ -7329,15 +7414,19 @@
               </a:defRPr>
             </a:lvl9pPr>
           </a:lstStyle>
-          <a:p/>
+          <a:p>
+            <a:endParaRPr/>
+          </a:p>
         </p:txBody>
       </p:sp>
       <p:sp>
         <p:nvSpPr>
           <p:cNvPr id="8" name="Google Shape;8;p1"/>
-          <p:cNvSpPr txBox="1"/>
+          <p:cNvSpPr txBox="1">
+            <a:spLocks noGrp="1"/>
+          </p:cNvSpPr>
           <p:nvPr>
-            <p:ph idx="12" type="sldNum"/>
+            <p:ph type="sldNum" idx="12"/>
           </p:nvPr>
         </p:nvSpPr>
         <p:spPr>
@@ -7354,7 +7443,7 @@
           </a:ln>
         </p:spPr>
         <p:txBody>
-          <a:bodyPr anchorCtr="0" anchor="ctr" bIns="91425" lIns="91425" spcFirstLastPara="1" rIns="91425" wrap="square" tIns="91425">
+          <a:bodyPr spcFirstLastPara="1" wrap="square" lIns="91425" tIns="91425" rIns="91425" bIns="91425" anchor="ctr" anchorCtr="0">
             <a:noAutofit/>
           </a:bodyPr>
           <a:lstStyle>
@@ -7468,7 +7557,7 @@
             </a:lvl9pPr>
           </a:lstStyle>
           <a:p>
-            <a:pPr indent="0" lvl="0" marL="0" rtl="0" algn="r">
+            <a:pPr marL="0" lvl="0" indent="0" algn="r" rtl="0">
               <a:spcBef>
                 <a:spcPts val="0"/>
               </a:spcBef>
@@ -7487,7 +7576,7 @@
       </p:sp>
     </p:spTree>
   </p:cSld>
-  <p:clrMap accent1="accent1" accent2="accent2" accent3="accent3" accent4="accent4" accent5="accent5" accent6="accent6" bg1="lt1" bg2="dk2" tx1="dk1" tx2="lt2" folHlink="folHlink" hlink="hlink"/>
+  <p:clrMap bg1="lt1" tx1="dk1" bg2="dk2" tx2="lt2" accent1="accent1" accent2="accent2" accent3="accent3" accent4="accent4" accent5="accent5" accent6="accent6" hlink="hlink" folHlink="folHlink"/>
   <p:sldLayoutIdLst>
     <p:sldLayoutId id="2147483648" r:id="rId1"/>
     <p:sldLayoutId id="2147483649" r:id="rId2"/>
@@ -7501,10 +7590,10 @@
     <p:sldLayoutId id="2147483657" r:id="rId10"/>
     <p:sldLayoutId id="2147483658" r:id="rId11"/>
   </p:sldLayoutIdLst>
-  <p:hf dt="0" ftr="0" hdr="0" sldNum="0"/>
+  <p:hf sldNum="0" hdr="0" ftr="0" dt="0"/>
   <p:txStyles>
     <p:titleStyle>
-      <a:defPPr lvl="0" marR="0" rtl="0" algn="l">
+      <a:defPPr marR="0" lvl="0" algn="l" rtl="0">
         <a:lnSpc>
           <a:spcPct val="100000"/>
         </a:lnSpc>
@@ -7515,7 +7604,7 @@
           <a:spcPts val="0"/>
         </a:spcAft>
       </a:defPPr>
-      <a:lvl1pPr lvl="0" marR="0" rtl="0" algn="l">
+      <a:lvl1pPr marR="0" lvl="0" algn="l" rtl="0">
         <a:lnSpc>
           <a:spcPct val="100000"/>
         </a:lnSpc>
@@ -7529,7 +7618,7 @@
           <a:srgbClr val="000000"/>
         </a:buClr>
         <a:buFont typeface="Arial"/>
-        <a:defRPr b="0" i="0" sz="1400" u="none" cap="none" strike="noStrike">
+        <a:defRPr sz="1400" b="0" i="0" u="none" strike="noStrike" cap="none">
           <a:solidFill>
             <a:srgbClr val="000000"/>
           </a:solidFill>
@@ -7539,7 +7628,7 @@
           <a:sym typeface="Arial"/>
         </a:defRPr>
       </a:lvl1pPr>
-      <a:lvl2pPr lvl="1" marR="0" rtl="0" algn="l">
+      <a:lvl2pPr marR="0" lvl="1" algn="l" rtl="0">
         <a:lnSpc>
           <a:spcPct val="100000"/>
         </a:lnSpc>
@@ -7553,7 +7642,7 @@
           <a:srgbClr val="000000"/>
         </a:buClr>
         <a:buFont typeface="Arial"/>
-        <a:defRPr b="0" i="0" sz="1400" u="none" cap="none" strike="noStrike">
+        <a:defRPr sz="1400" b="0" i="0" u="none" strike="noStrike" cap="none">
           <a:solidFill>
             <a:srgbClr val="000000"/>
           </a:solidFill>
@@ -7563,7 +7652,7 @@
           <a:sym typeface="Arial"/>
         </a:defRPr>
       </a:lvl2pPr>
-      <a:lvl3pPr lvl="2" marR="0" rtl="0" algn="l">
+      <a:lvl3pPr marR="0" lvl="2" algn="l" rtl="0">
         <a:lnSpc>
           <a:spcPct val="100000"/>
         </a:lnSpc>
@@ -7577,7 +7666,7 @@
           <a:srgbClr val="000000"/>
         </a:buClr>
         <a:buFont typeface="Arial"/>
-        <a:defRPr b="0" i="0" sz="1400" u="none" cap="none" strike="noStrike">
+        <a:defRPr sz="1400" b="0" i="0" u="none" strike="noStrike" cap="none">
           <a:solidFill>
             <a:srgbClr val="000000"/>
           </a:solidFill>
@@ -7587,7 +7676,7 @@
           <a:sym typeface="Arial"/>
         </a:defRPr>
       </a:lvl3pPr>
-      <a:lvl4pPr lvl="3" marR="0" rtl="0" algn="l">
+      <a:lvl4pPr marR="0" lvl="3" algn="l" rtl="0">
         <a:lnSpc>
           <a:spcPct val="100000"/>
         </a:lnSpc>
@@ -7601,7 +7690,7 @@
           <a:srgbClr val="000000"/>
         </a:buClr>
         <a:buFont typeface="Arial"/>
-        <a:defRPr b="0" i="0" sz="1400" u="none" cap="none" strike="noStrike">
+        <a:defRPr sz="1400" b="0" i="0" u="none" strike="noStrike" cap="none">
           <a:solidFill>
             <a:srgbClr val="000000"/>
           </a:solidFill>
@@ -7611,7 +7700,7 @@
           <a:sym typeface="Arial"/>
         </a:defRPr>
       </a:lvl4pPr>
-      <a:lvl5pPr lvl="4" marR="0" rtl="0" algn="l">
+      <a:lvl5pPr marR="0" lvl="4" algn="l" rtl="0">
         <a:lnSpc>
           <a:spcPct val="100000"/>
         </a:lnSpc>
@@ -7625,7 +7714,7 @@
           <a:srgbClr val="000000"/>
         </a:buClr>
         <a:buFont typeface="Arial"/>
-        <a:defRPr b="0" i="0" sz="1400" u="none" cap="none" strike="noStrike">
+        <a:defRPr sz="1400" b="0" i="0" u="none" strike="noStrike" cap="none">
           <a:solidFill>
             <a:srgbClr val="000000"/>
           </a:solidFill>
@@ -7635,7 +7724,7 @@
           <a:sym typeface="Arial"/>
         </a:defRPr>
       </a:lvl5pPr>
-      <a:lvl6pPr lvl="5" marR="0" rtl="0" algn="l">
+      <a:lvl6pPr marR="0" lvl="5" algn="l" rtl="0">
         <a:lnSpc>
           <a:spcPct val="100000"/>
         </a:lnSpc>
@@ -7649,7 +7738,7 @@
           <a:srgbClr val="000000"/>
         </a:buClr>
         <a:buFont typeface="Arial"/>
-        <a:defRPr b="0" i="0" sz="1400" u="none" cap="none" strike="noStrike">
+        <a:defRPr sz="1400" b="0" i="0" u="none" strike="noStrike" cap="none">
           <a:solidFill>
             <a:srgbClr val="000000"/>
           </a:solidFill>
@@ -7659,7 +7748,7 @@
           <a:sym typeface="Arial"/>
         </a:defRPr>
       </a:lvl6pPr>
-      <a:lvl7pPr lvl="6" marR="0" rtl="0" algn="l">
+      <a:lvl7pPr marR="0" lvl="6" algn="l" rtl="0">
         <a:lnSpc>
           <a:spcPct val="100000"/>
         </a:lnSpc>
@@ -7673,7 +7762,7 @@
           <a:srgbClr val="000000"/>
         </a:buClr>
         <a:buFont typeface="Arial"/>
-        <a:defRPr b="0" i="0" sz="1400" u="none" cap="none" strike="noStrike">
+        <a:defRPr sz="1400" b="0" i="0" u="none" strike="noStrike" cap="none">
           <a:solidFill>
             <a:srgbClr val="000000"/>
           </a:solidFill>
@@ -7683,7 +7772,7 @@
           <a:sym typeface="Arial"/>
         </a:defRPr>
       </a:lvl7pPr>
-      <a:lvl8pPr lvl="7" marR="0" rtl="0" algn="l">
+      <a:lvl8pPr marR="0" lvl="7" algn="l" rtl="0">
         <a:lnSpc>
           <a:spcPct val="100000"/>
         </a:lnSpc>
@@ -7697,7 +7786,7 @@
           <a:srgbClr val="000000"/>
         </a:buClr>
         <a:buFont typeface="Arial"/>
-        <a:defRPr b="0" i="0" sz="1400" u="none" cap="none" strike="noStrike">
+        <a:defRPr sz="1400" b="0" i="0" u="none" strike="noStrike" cap="none">
           <a:solidFill>
             <a:srgbClr val="000000"/>
           </a:solidFill>
@@ -7707,7 +7796,7 @@
           <a:sym typeface="Arial"/>
         </a:defRPr>
       </a:lvl8pPr>
-      <a:lvl9pPr lvl="8" marR="0" rtl="0" algn="l">
+      <a:lvl9pPr marR="0" lvl="8" algn="l" rtl="0">
         <a:lnSpc>
           <a:spcPct val="100000"/>
         </a:lnSpc>
@@ -7721,7 +7810,7 @@
           <a:srgbClr val="000000"/>
         </a:buClr>
         <a:buFont typeface="Arial"/>
-        <a:defRPr b="0" i="0" sz="1400" u="none" cap="none" strike="noStrike">
+        <a:defRPr sz="1400" b="0" i="0" u="none" strike="noStrike" cap="none">
           <a:solidFill>
             <a:srgbClr val="000000"/>
           </a:solidFill>
@@ -7733,7 +7822,7 @@
       </a:lvl9pPr>
     </p:titleStyle>
     <p:bodyStyle>
-      <a:defPPr lvl="0" marR="0" rtl="0" algn="l">
+      <a:defPPr marR="0" lvl="0" algn="l" rtl="0">
         <a:lnSpc>
           <a:spcPct val="100000"/>
         </a:lnSpc>
@@ -7744,7 +7833,7 @@
           <a:spcPts val="0"/>
         </a:spcAft>
       </a:defPPr>
-      <a:lvl1pPr lvl="0" marR="0" rtl="0" algn="l">
+      <a:lvl1pPr marR="0" lvl="0" algn="l" rtl="0">
         <a:lnSpc>
           <a:spcPct val="100000"/>
         </a:lnSpc>
@@ -7758,7 +7847,7 @@
           <a:srgbClr val="000000"/>
         </a:buClr>
         <a:buFont typeface="Arial"/>
-        <a:defRPr b="0" i="0" sz="1400" u="none" cap="none" strike="noStrike">
+        <a:defRPr sz="1400" b="0" i="0" u="none" strike="noStrike" cap="none">
           <a:solidFill>
             <a:srgbClr val="000000"/>
           </a:solidFill>
@@ -7768,7 +7857,7 @@
           <a:sym typeface="Arial"/>
         </a:defRPr>
       </a:lvl1pPr>
-      <a:lvl2pPr lvl="1" marR="0" rtl="0" algn="l">
+      <a:lvl2pPr marR="0" lvl="1" algn="l" rtl="0">
         <a:lnSpc>
           <a:spcPct val="100000"/>
         </a:lnSpc>
@@ -7782,7 +7871,7 @@
           <a:srgbClr val="000000"/>
         </a:buClr>
         <a:buFont typeface="Arial"/>
-        <a:defRPr b="0" i="0" sz="1400" u="none" cap="none" strike="noStrike">
+        <a:defRPr sz="1400" b="0" i="0" u="none" strike="noStrike" cap="none">
           <a:solidFill>
             <a:srgbClr val="000000"/>
           </a:solidFill>
@@ -7792,7 +7881,7 @@
           <a:sym typeface="Arial"/>
         </a:defRPr>
       </a:lvl2pPr>
-      <a:lvl3pPr lvl="2" marR="0" rtl="0" algn="l">
+      <a:lvl3pPr marR="0" lvl="2" algn="l" rtl="0">
         <a:lnSpc>
           <a:spcPct val="100000"/>
         </a:lnSpc>
@@ -7806,7 +7895,7 @@
           <a:srgbClr val="000000"/>
         </a:buClr>
         <a:buFont typeface="Arial"/>
-        <a:defRPr b="0" i="0" sz="1400" u="none" cap="none" strike="noStrike">
+        <a:defRPr sz="1400" b="0" i="0" u="none" strike="noStrike" cap="none">
           <a:solidFill>
             <a:srgbClr val="000000"/>
           </a:solidFill>
@@ -7816,7 +7905,7 @@
           <a:sym typeface="Arial"/>
         </a:defRPr>
       </a:lvl3pPr>
-      <a:lvl4pPr lvl="3" marR="0" rtl="0" algn="l">
+      <a:lvl4pPr marR="0" lvl="3" algn="l" rtl="0">
         <a:lnSpc>
           <a:spcPct val="100000"/>
         </a:lnSpc>
@@ -7830,7 +7919,7 @@
           <a:srgbClr val="000000"/>
         </a:buClr>
         <a:buFont typeface="Arial"/>
-        <a:defRPr b="0" i="0" sz="1400" u="none" cap="none" strike="noStrike">
+        <a:defRPr sz="1400" b="0" i="0" u="none" strike="noStrike" cap="none">
           <a:solidFill>
             <a:srgbClr val="000000"/>
           </a:solidFill>
@@ -7840,7 +7929,7 @@
           <a:sym typeface="Arial"/>
         </a:defRPr>
       </a:lvl4pPr>
-      <a:lvl5pPr lvl="4" marR="0" rtl="0" algn="l">
+      <a:lvl5pPr marR="0" lvl="4" algn="l" rtl="0">
         <a:lnSpc>
           <a:spcPct val="100000"/>
         </a:lnSpc>
@@ -7854,7 +7943,7 @@
           <a:srgbClr val="000000"/>
         </a:buClr>
         <a:buFont typeface="Arial"/>
-        <a:defRPr b="0" i="0" sz="1400" u="none" cap="none" strike="noStrike">
+        <a:defRPr sz="1400" b="0" i="0" u="none" strike="noStrike" cap="none">
           <a:solidFill>
             <a:srgbClr val="000000"/>
           </a:solidFill>
@@ -7864,7 +7953,7 @@
           <a:sym typeface="Arial"/>
         </a:defRPr>
       </a:lvl5pPr>
-      <a:lvl6pPr lvl="5" marR="0" rtl="0" algn="l">
+      <a:lvl6pPr marR="0" lvl="5" algn="l" rtl="0">
         <a:lnSpc>
           <a:spcPct val="100000"/>
         </a:lnSpc>
@@ -7878,7 +7967,7 @@
           <a:srgbClr val="000000"/>
         </a:buClr>
         <a:buFont typeface="Arial"/>
-        <a:defRPr b="0" i="0" sz="1400" u="none" cap="none" strike="noStrike">
+        <a:defRPr sz="1400" b="0" i="0" u="none" strike="noStrike" cap="none">
           <a:solidFill>
             <a:srgbClr val="000000"/>
           </a:solidFill>
@@ -7888,7 +7977,7 @@
           <a:sym typeface="Arial"/>
         </a:defRPr>
       </a:lvl6pPr>
-      <a:lvl7pPr lvl="6" marR="0" rtl="0" algn="l">
+      <a:lvl7pPr marR="0" lvl="6" algn="l" rtl="0">
         <a:lnSpc>
           <a:spcPct val="100000"/>
         </a:lnSpc>
@@ -7902,7 +7991,7 @@
           <a:srgbClr val="000000"/>
         </a:buClr>
         <a:buFont typeface="Arial"/>
-        <a:defRPr b="0" i="0" sz="1400" u="none" cap="none" strike="noStrike">
+        <a:defRPr sz="1400" b="0" i="0" u="none" strike="noStrike" cap="none">
           <a:solidFill>
             <a:srgbClr val="000000"/>
           </a:solidFill>
@@ -7912,7 +8001,7 @@
           <a:sym typeface="Arial"/>
         </a:defRPr>
       </a:lvl7pPr>
-      <a:lvl8pPr lvl="7" marR="0" rtl="0" algn="l">
+      <a:lvl8pPr marR="0" lvl="7" algn="l" rtl="0">
         <a:lnSpc>
           <a:spcPct val="100000"/>
         </a:lnSpc>
@@ -7926,7 +8015,7 @@
           <a:srgbClr val="000000"/>
         </a:buClr>
         <a:buFont typeface="Arial"/>
-        <a:defRPr b="0" i="0" sz="1400" u="none" cap="none" strike="noStrike">
+        <a:defRPr sz="1400" b="0" i="0" u="none" strike="noStrike" cap="none">
           <a:solidFill>
             <a:srgbClr val="000000"/>
           </a:solidFill>
@@ -7936,7 +8025,7 @@
           <a:sym typeface="Arial"/>
         </a:defRPr>
       </a:lvl8pPr>
-      <a:lvl9pPr lvl="8" marR="0" rtl="0" algn="l">
+      <a:lvl9pPr marR="0" lvl="8" algn="l" rtl="0">
         <a:lnSpc>
           <a:spcPct val="100000"/>
         </a:lnSpc>
@@ -7950,7 +8039,7 @@
           <a:srgbClr val="000000"/>
         </a:buClr>
         <a:buFont typeface="Arial"/>
-        <a:defRPr b="0" i="0" sz="1400" u="none" cap="none" strike="noStrike">
+        <a:defRPr sz="1400" b="0" i="0" u="none" strike="noStrike" cap="none">
           <a:solidFill>
             <a:srgbClr val="000000"/>
           </a:solidFill>
@@ -7962,7 +8051,7 @@
       </a:lvl9pPr>
     </p:bodyStyle>
     <p:otherStyle>
-      <a:defPPr lvl="0" marR="0" rtl="0" algn="l">
+      <a:defPPr marR="0" lvl="0" algn="l" rtl="0">
         <a:lnSpc>
           <a:spcPct val="100000"/>
         </a:lnSpc>
@@ -7973,7 +8062,7 @@
           <a:spcPts val="0"/>
         </a:spcAft>
       </a:defPPr>
-      <a:lvl1pPr lvl="0" marR="0" rtl="0" algn="l">
+      <a:lvl1pPr marR="0" lvl="0" algn="l" rtl="0">
         <a:lnSpc>
           <a:spcPct val="100000"/>
         </a:lnSpc>
@@ -7987,7 +8076,7 @@
           <a:srgbClr val="000000"/>
         </a:buClr>
         <a:buFont typeface="Arial"/>
-        <a:defRPr b="0" i="0" sz="1400" u="none" cap="none" strike="noStrike">
+        <a:defRPr sz="1400" b="0" i="0" u="none" strike="noStrike" cap="none">
           <a:solidFill>
             <a:srgbClr val="000000"/>
           </a:solidFill>
@@ -7997,7 +8086,7 @@
           <a:sym typeface="Arial"/>
         </a:defRPr>
       </a:lvl1pPr>
-      <a:lvl2pPr lvl="1" marR="0" rtl="0" algn="l">
+      <a:lvl2pPr marR="0" lvl="1" algn="l" rtl="0">
         <a:lnSpc>
           <a:spcPct val="100000"/>
         </a:lnSpc>
@@ -8011,7 +8100,7 @@
           <a:srgbClr val="000000"/>
         </a:buClr>
         <a:buFont typeface="Arial"/>
-        <a:defRPr b="0" i="0" sz="1400" u="none" cap="none" strike="noStrike">
+        <a:defRPr sz="1400" b="0" i="0" u="none" strike="noStrike" cap="none">
           <a:solidFill>
             <a:srgbClr val="000000"/>
           </a:solidFill>
@@ -8021,7 +8110,7 @@
           <a:sym typeface="Arial"/>
         </a:defRPr>
       </a:lvl2pPr>
-      <a:lvl3pPr lvl="2" marR="0" rtl="0" algn="l">
+      <a:lvl3pPr marR="0" lvl="2" algn="l" rtl="0">
         <a:lnSpc>
           <a:spcPct val="100000"/>
         </a:lnSpc>
@@ -8035,7 +8124,7 @@
           <a:srgbClr val="000000"/>
         </a:buClr>
         <a:buFont typeface="Arial"/>
-        <a:defRPr b="0" i="0" sz="1400" u="none" cap="none" strike="noStrike">
+        <a:defRPr sz="1400" b="0" i="0" u="none" strike="noStrike" cap="none">
           <a:solidFill>
             <a:srgbClr val="000000"/>
           </a:solidFill>
@@ -8045,7 +8134,7 @@
           <a:sym typeface="Arial"/>
         </a:defRPr>
       </a:lvl3pPr>
-      <a:lvl4pPr lvl="3" marR="0" rtl="0" algn="l">
+      <a:lvl4pPr marR="0" lvl="3" algn="l" rtl="0">
         <a:lnSpc>
           <a:spcPct val="100000"/>
         </a:lnSpc>
@@ -8059,7 +8148,7 @@
           <a:srgbClr val="000000"/>
         </a:buClr>
         <a:buFont typeface="Arial"/>
-        <a:defRPr b="0" i="0" sz="1400" u="none" cap="none" strike="noStrike">
+        <a:defRPr sz="1400" b="0" i="0" u="none" strike="noStrike" cap="none">
           <a:solidFill>
             <a:srgbClr val="000000"/>
           </a:solidFill>
@@ -8069,7 +8158,7 @@
           <a:sym typeface="Arial"/>
         </a:defRPr>
       </a:lvl4pPr>
-      <a:lvl5pPr lvl="4" marR="0" rtl="0" algn="l">
+      <a:lvl5pPr marR="0" lvl="4" algn="l" rtl="0">
         <a:lnSpc>
           <a:spcPct val="100000"/>
         </a:lnSpc>
@@ -8083,7 +8172,7 @@
           <a:srgbClr val="000000"/>
         </a:buClr>
         <a:buFont typeface="Arial"/>
-        <a:defRPr b="0" i="0" sz="1400" u="none" cap="none" strike="noStrike">
+        <a:defRPr sz="1400" b="0" i="0" u="none" strike="noStrike" cap="none">
           <a:solidFill>
             <a:srgbClr val="000000"/>
           </a:solidFill>
@@ -8093,7 +8182,7 @@
           <a:sym typeface="Arial"/>
         </a:defRPr>
       </a:lvl5pPr>
-      <a:lvl6pPr lvl="5" marR="0" rtl="0" algn="l">
+      <a:lvl6pPr marR="0" lvl="5" algn="l" rtl="0">
         <a:lnSpc>
           <a:spcPct val="100000"/>
         </a:lnSpc>
@@ -8107,7 +8196,7 @@
           <a:srgbClr val="000000"/>
         </a:buClr>
         <a:buFont typeface="Arial"/>
-        <a:defRPr b="0" i="0" sz="1400" u="none" cap="none" strike="noStrike">
+        <a:defRPr sz="1400" b="0" i="0" u="none" strike="noStrike" cap="none">
           <a:solidFill>
             <a:srgbClr val="000000"/>
           </a:solidFill>
@@ -8117,7 +8206,7 @@
           <a:sym typeface="Arial"/>
         </a:defRPr>
       </a:lvl6pPr>
-      <a:lvl7pPr lvl="6" marR="0" rtl="0" algn="l">
+      <a:lvl7pPr marR="0" lvl="6" algn="l" rtl="0">
         <a:lnSpc>
           <a:spcPct val="100000"/>
         </a:lnSpc>
@@ -8131,7 +8220,7 @@
           <a:srgbClr val="000000"/>
         </a:buClr>
         <a:buFont typeface="Arial"/>
-        <a:defRPr b="0" i="0" sz="1400" u="none" cap="none" strike="noStrike">
+        <a:defRPr sz="1400" b="0" i="0" u="none" strike="noStrike" cap="none">
           <a:solidFill>
             <a:srgbClr val="000000"/>
           </a:solidFill>
@@ -8141,7 +8230,7 @@
           <a:sym typeface="Arial"/>
         </a:defRPr>
       </a:lvl7pPr>
-      <a:lvl8pPr lvl="7" marR="0" rtl="0" algn="l">
+      <a:lvl8pPr marR="0" lvl="7" algn="l" rtl="0">
         <a:lnSpc>
           <a:spcPct val="100000"/>
         </a:lnSpc>
@@ -8155,7 +8244,7 @@
           <a:srgbClr val="000000"/>
         </a:buClr>
         <a:buFont typeface="Arial"/>
-        <a:defRPr b="0" i="0" sz="1400" u="none" cap="none" strike="noStrike">
+        <a:defRPr sz="1400" b="0" i="0" u="none" strike="noStrike" cap="none">
           <a:solidFill>
             <a:srgbClr val="000000"/>
           </a:solidFill>
@@ -8165,7 +8254,7 @@
           <a:sym typeface="Arial"/>
         </a:defRPr>
       </a:lvl8pPr>
-      <a:lvl9pPr lvl="8" marR="0" rtl="0" algn="l">
+      <a:lvl9pPr marR="0" lvl="8" algn="l" rtl="0">
         <a:lnSpc>
           <a:spcPct val="100000"/>
         </a:lnSpc>
@@ -8179,7 +8268,7 @@
           <a:srgbClr val="000000"/>
         </a:buClr>
         <a:buFont typeface="Arial"/>
-        <a:defRPr b="0" i="0" sz="1400" u="none" cap="none" strike="noStrike">
+        <a:defRPr sz="1400" b="0" i="0" u="none" strike="noStrike" cap="none">
           <a:solidFill>
             <a:srgbClr val="000000"/>
           </a:solidFill>
@@ -8195,11 +8284,11 @@
 </file>
 
 <file path=ppt/slides/slide1.xml><?xml version="1.0" encoding="utf-8"?>
-<p:sld xmlns:a="http://schemas.openxmlformats.org/drawingml/2006/main" xmlns:r="http://schemas.openxmlformats.org/officeDocument/2006/relationships" xmlns:mc="http://schemas.openxmlformats.org/markup-compatibility/2006" xmlns:mv="urn:schemas-microsoft-com:mac:vml" xmlns:p="http://schemas.openxmlformats.org/presentationml/2006/main" xmlns:c="http://schemas.openxmlformats.org/drawingml/2006/chart" xmlns:dgm="http://schemas.openxmlformats.org/drawingml/2006/diagram" xmlns:o="urn:schemas-microsoft-com:office:office" xmlns:v="urn:schemas-microsoft-com:vml" xmlns:pvml="urn:schemas-microsoft-com:office:powerpoint" xmlns:com="http://schemas.openxmlformats.org/drawingml/2006/compatibility" xmlns:p14="http://schemas.microsoft.com/office/powerpoint/2010/main" xmlns:p15="http://schemas.microsoft.com/office/powerpoint/2012/main" xmlns:ahyp="http://schemas.microsoft.com/office/drawing/2018/hyperlinkcolor">
+<p:sld xmlns:a="http://schemas.openxmlformats.org/drawingml/2006/main" xmlns:r="http://schemas.openxmlformats.org/officeDocument/2006/relationships" xmlns:p="http://schemas.openxmlformats.org/presentationml/2006/main">
   <p:cSld>
     <p:spTree>
       <p:nvGrpSpPr>
-        <p:cNvPr id="84" name="Shape 84"/>
+        <p:cNvPr id="1" name="Shape 84"/>
         <p:cNvGrpSpPr/>
         <p:nvPr/>
       </p:nvGrpSpPr>
@@ -8214,7 +8303,9 @@
       <p:sp>
         <p:nvSpPr>
           <p:cNvPr id="85" name="Google Shape;85;p13"/>
-          <p:cNvSpPr txBox="1"/>
+          <p:cNvSpPr txBox="1">
+            <a:spLocks noGrp="1"/>
+          </p:cNvSpPr>
           <p:nvPr>
             <p:ph type="ctrTitle"/>
           </p:nvPr>
@@ -8229,12 +8320,12 @@
           </a:prstGeom>
         </p:spPr>
         <p:txBody>
-          <a:bodyPr anchorCtr="0" anchor="b" bIns="91425" lIns="91425" spcFirstLastPara="1" rIns="91425" wrap="square" tIns="91425">
+          <a:bodyPr spcFirstLastPara="1" wrap="square" lIns="91425" tIns="91425" rIns="91425" bIns="91425" anchor="b" anchorCtr="0">
             <a:noAutofit/>
           </a:bodyPr>
           <a:lstStyle/>
           <a:p>
-            <a:pPr indent="0" lvl="0" marL="0" rtl="0" algn="l">
+            <a:pPr marL="0" lvl="0" indent="0" algn="l" rtl="0">
               <a:spcBef>
                 <a:spcPts val="0"/>
               </a:spcBef>
@@ -8254,9 +8345,11 @@
       <p:sp>
         <p:nvSpPr>
           <p:cNvPr id="86" name="Google Shape;86;p13"/>
-          <p:cNvSpPr txBox="1"/>
+          <p:cNvSpPr txBox="1">
+            <a:spLocks noGrp="1"/>
+          </p:cNvSpPr>
           <p:nvPr>
-            <p:ph idx="1" type="subTitle"/>
+            <p:ph type="subTitle" idx="1"/>
           </p:nvPr>
         </p:nvSpPr>
         <p:spPr>
@@ -8269,12 +8362,12 @@
           </a:prstGeom>
         </p:spPr>
         <p:txBody>
-          <a:bodyPr anchorCtr="0" anchor="t" bIns="91425" lIns="91425" spcFirstLastPara="1" rIns="91425" wrap="square" tIns="91425">
+          <a:bodyPr spcFirstLastPara="1" wrap="square" lIns="91425" tIns="91425" rIns="91425" bIns="91425" anchor="t" anchorCtr="0">
             <a:noAutofit/>
           </a:bodyPr>
           <a:lstStyle/>
           <a:p>
-            <a:pPr indent="0" lvl="0" marL="0" rtl="0" algn="l">
+            <a:pPr marL="0" lvl="0" indent="0" algn="l" rtl="0">
               <a:spcBef>
                 <a:spcPts val="0"/>
               </a:spcBef>
@@ -8300,11 +8393,11 @@
 </file>
 
 <file path=ppt/slides/slide2.xml><?xml version="1.0" encoding="utf-8"?>
-<p:sld xmlns:a="http://schemas.openxmlformats.org/drawingml/2006/main" xmlns:r="http://schemas.openxmlformats.org/officeDocument/2006/relationships" xmlns:mc="http://schemas.openxmlformats.org/markup-compatibility/2006" xmlns:mv="urn:schemas-microsoft-com:mac:vml" xmlns:p="http://schemas.openxmlformats.org/presentationml/2006/main" xmlns:c="http://schemas.openxmlformats.org/drawingml/2006/chart" xmlns:dgm="http://schemas.openxmlformats.org/drawingml/2006/diagram" xmlns:o="urn:schemas-microsoft-com:office:office" xmlns:v="urn:schemas-microsoft-com:vml" xmlns:pvml="urn:schemas-microsoft-com:office:powerpoint" xmlns:com="http://schemas.openxmlformats.org/drawingml/2006/compatibility" xmlns:p14="http://schemas.microsoft.com/office/powerpoint/2010/main" xmlns:p15="http://schemas.microsoft.com/office/powerpoint/2012/main" xmlns:ahyp="http://schemas.microsoft.com/office/drawing/2018/hyperlinkcolor">
+<p:sld xmlns:a="http://schemas.openxmlformats.org/drawingml/2006/main" xmlns:r="http://schemas.openxmlformats.org/officeDocument/2006/relationships" xmlns:p="http://schemas.openxmlformats.org/presentationml/2006/main">
   <p:cSld>
     <p:spTree>
       <p:nvGrpSpPr>
-        <p:cNvPr id="90" name="Shape 90"/>
+        <p:cNvPr id="1" name="Shape 90"/>
         <p:cNvGrpSpPr/>
         <p:nvPr/>
       </p:nvGrpSpPr>
@@ -8319,7 +8412,9 @@
       <p:sp>
         <p:nvSpPr>
           <p:cNvPr id="91" name="Google Shape;91;p14"/>
-          <p:cNvSpPr txBox="1"/>
+          <p:cNvSpPr txBox="1">
+            <a:spLocks noGrp="1"/>
+          </p:cNvSpPr>
           <p:nvPr>
             <p:ph type="title"/>
           </p:nvPr>
@@ -8334,12 +8429,12 @@
           </a:prstGeom>
         </p:spPr>
         <p:txBody>
-          <a:bodyPr anchorCtr="0" anchor="t" bIns="91425" lIns="91425" spcFirstLastPara="1" rIns="91425" wrap="square" tIns="91425">
+          <a:bodyPr spcFirstLastPara="1" wrap="square" lIns="91425" tIns="91425" rIns="91425" bIns="91425" anchor="t" anchorCtr="0">
             <a:noAutofit/>
           </a:bodyPr>
           <a:lstStyle/>
           <a:p>
-            <a:pPr indent="0" lvl="0" marL="0" rtl="0" algn="l">
+            <a:pPr marL="0" lvl="0" indent="0" algn="l" rtl="0">
               <a:spcBef>
                 <a:spcPts val="0"/>
               </a:spcBef>
@@ -8355,7 +8450,7 @@
             <a:endParaRPr/>
           </a:p>
           <a:p>
-            <a:pPr indent="0" lvl="0" marL="0" rtl="0" algn="l">
+            <a:pPr marL="0" lvl="0" indent="0" algn="l" rtl="0">
               <a:spcBef>
                 <a:spcPts val="0"/>
               </a:spcBef>
@@ -8364,9 +8459,6 @@
               </a:spcAft>
               <a:buNone/>
             </a:pPr>
-            <a:r>
-              <a:t/>
-            </a:r>
             <a:endParaRPr/>
           </a:p>
         </p:txBody>
@@ -8391,12 +8483,12 @@
           </a:ln>
         </p:spPr>
         <p:txBody>
-          <a:bodyPr anchorCtr="0" anchor="t" bIns="91425" lIns="91425" spcFirstLastPara="1" rIns="91425" wrap="square" tIns="91425">
+          <a:bodyPr spcFirstLastPara="1" wrap="square" lIns="91425" tIns="91425" rIns="91425" bIns="91425" anchor="t" anchorCtr="0">
             <a:spAutoFit/>
           </a:bodyPr>
           <a:lstStyle/>
           <a:p>
-            <a:pPr indent="0" lvl="0" marL="0" rtl="0" algn="l">
+            <a:pPr marL="0" lvl="0" indent="0" algn="l" rtl="0">
               <a:spcBef>
                 <a:spcPts val="0"/>
               </a:spcBef>
@@ -8438,11 +8530,11 @@
 </file>
 
 <file path=ppt/slides/slide3.xml><?xml version="1.0" encoding="utf-8"?>
-<p:sld xmlns:a="http://schemas.openxmlformats.org/drawingml/2006/main" xmlns:r="http://schemas.openxmlformats.org/officeDocument/2006/relationships" xmlns:mc="http://schemas.openxmlformats.org/markup-compatibility/2006" xmlns:mv="urn:schemas-microsoft-com:mac:vml" xmlns:p="http://schemas.openxmlformats.org/presentationml/2006/main" xmlns:c="http://schemas.openxmlformats.org/drawingml/2006/chart" xmlns:dgm="http://schemas.openxmlformats.org/drawingml/2006/diagram" xmlns:o="urn:schemas-microsoft-com:office:office" xmlns:v="urn:schemas-microsoft-com:vml" xmlns:pvml="urn:schemas-microsoft-com:office:powerpoint" xmlns:com="http://schemas.openxmlformats.org/drawingml/2006/compatibility" xmlns:p14="http://schemas.microsoft.com/office/powerpoint/2010/main" xmlns:p15="http://schemas.microsoft.com/office/powerpoint/2012/main" xmlns:ahyp="http://schemas.microsoft.com/office/drawing/2018/hyperlinkcolor">
+<p:sld xmlns:a="http://schemas.openxmlformats.org/drawingml/2006/main" xmlns:r="http://schemas.openxmlformats.org/officeDocument/2006/relationships" xmlns:p="http://schemas.openxmlformats.org/presentationml/2006/main">
   <p:cSld>
     <p:spTree>
       <p:nvGrpSpPr>
-        <p:cNvPr id="96" name="Shape 96"/>
+        <p:cNvPr id="1" name="Shape 96"/>
         <p:cNvGrpSpPr/>
         <p:nvPr/>
       </p:nvGrpSpPr>
@@ -8457,7 +8549,9 @@
       <p:sp>
         <p:nvSpPr>
           <p:cNvPr id="97" name="Google Shape;97;p15"/>
-          <p:cNvSpPr txBox="1"/>
+          <p:cNvSpPr txBox="1">
+            <a:spLocks noGrp="1"/>
+          </p:cNvSpPr>
           <p:nvPr>
             <p:ph type="title"/>
           </p:nvPr>
@@ -8472,12 +8566,12 @@
           </a:prstGeom>
         </p:spPr>
         <p:txBody>
-          <a:bodyPr anchorCtr="0" anchor="t" bIns="91425" lIns="91425" spcFirstLastPara="1" rIns="91425" wrap="square" tIns="91425">
+          <a:bodyPr spcFirstLastPara="1" wrap="square" lIns="91425" tIns="91425" rIns="91425" bIns="91425" anchor="t" anchorCtr="0">
             <a:noAutofit/>
           </a:bodyPr>
           <a:lstStyle/>
           <a:p>
-            <a:pPr indent="0" lvl="0" marL="0" rtl="0" algn="l">
+            <a:pPr marL="0" lvl="0" indent="0" algn="l" rtl="0">
               <a:spcBef>
                 <a:spcPts val="0"/>
               </a:spcBef>
@@ -8514,12 +8608,12 @@
           </a:ln>
         </p:spPr>
         <p:txBody>
-          <a:bodyPr anchorCtr="0" anchor="t" bIns="91425" lIns="91425" spcFirstLastPara="1" rIns="91425" wrap="square" tIns="91425">
+          <a:bodyPr spcFirstLastPara="1" wrap="square" lIns="91425" tIns="91425" rIns="91425" bIns="91425" anchor="t" anchorCtr="0">
             <a:spAutoFit/>
           </a:bodyPr>
           <a:lstStyle/>
           <a:p>
-            <a:pPr indent="0" lvl="0" marL="0" rtl="0" algn="l">
+            <a:pPr marL="0" lvl="0" indent="0" algn="l" rtl="0">
               <a:spcBef>
                 <a:spcPts val="0"/>
               </a:spcBef>
@@ -8529,7 +8623,7 @@
               <a:buNone/>
             </a:pPr>
             <a:r>
-              <a:rPr lang="en" sz="1700">
+              <a:rPr lang="en" sz="1700" dirty="0">
                 <a:solidFill>
                   <a:schemeClr val="dk2"/>
                 </a:solidFill>
@@ -8540,9 +8634,131 @@
               </a:rPr>
               <a:t>Medical insurance costs vary widely based on individual factors like age, lifestyle, and health. Predicting these charges accurately is challenging but crucial for fair pricing and risk management.</a:t>
             </a:r>
-            <a:endParaRPr sz="1700">
+            <a:endParaRPr sz="1700" dirty="0">
               <a:solidFill>
                 <a:schemeClr val="dk2"/>
+              </a:solidFill>
+              <a:latin typeface="Roboto"/>
+              <a:ea typeface="Roboto"/>
+              <a:cs typeface="Roboto"/>
+              <a:sym typeface="Roboto"/>
+            </a:endParaRPr>
+          </a:p>
+        </p:txBody>
+      </p:sp>
+      <p:sp>
+        <p:nvSpPr>
+          <p:cNvPr id="2" name="Google Shape;98;p15">
+            <a:extLst>
+              <a:ext uri="{FF2B5EF4-FFF2-40B4-BE49-F238E27FC236}">
+                <a16:creationId xmlns:a16="http://schemas.microsoft.com/office/drawing/2014/main" id="{94AEA8AE-BE41-1481-0898-069F1A0E7281}"/>
+              </a:ext>
+            </a:extLst>
+          </p:cNvPr>
+          <p:cNvSpPr txBox="1"/>
+          <p:nvPr/>
+        </p:nvSpPr>
+        <p:spPr>
+          <a:xfrm>
+            <a:off x="502967" y="2339962"/>
+            <a:ext cx="7605900" cy="1661963"/>
+          </a:xfrm>
+          <a:prstGeom prst="rect">
+            <a:avLst/>
+          </a:prstGeom>
+          <a:noFill/>
+          <a:ln>
+            <a:noFill/>
+          </a:ln>
+        </p:spPr>
+        <p:txBody>
+          <a:bodyPr spcFirstLastPara="1" wrap="square" lIns="91425" tIns="91425" rIns="91425" bIns="91425" anchor="t" anchorCtr="0">
+            <a:spAutoFit/>
+          </a:bodyPr>
+          <a:lstStyle/>
+          <a:p>
+            <a:pPr marL="0" lvl="0" indent="0" algn="l" rtl="0">
+              <a:spcBef>
+                <a:spcPts val="0"/>
+              </a:spcBef>
+              <a:spcAft>
+                <a:spcPts val="0"/>
+              </a:spcAft>
+              <a:buNone/>
+            </a:pPr>
+            <a:r>
+              <a:rPr lang="en" sz="2400" dirty="0">
+                <a:solidFill>
+                  <a:srgbClr val="FF0000"/>
+                </a:solidFill>
+                <a:latin typeface="Roboto"/>
+                <a:ea typeface="Roboto"/>
+                <a:cs typeface="Roboto"/>
+                <a:sym typeface="Roboto"/>
+              </a:rPr>
+              <a:t>USE LEGIBLE FONTS</a:t>
+            </a:r>
+          </a:p>
+          <a:p>
+            <a:pPr marL="0" lvl="0" indent="0" algn="l" rtl="0">
+              <a:spcBef>
+                <a:spcPts val="0"/>
+              </a:spcBef>
+              <a:spcAft>
+                <a:spcPts val="0"/>
+              </a:spcAft>
+              <a:buNone/>
+            </a:pPr>
+            <a:r>
+              <a:rPr lang="en" sz="2400" dirty="0">
+                <a:solidFill>
+                  <a:srgbClr val="FF0000"/>
+                </a:solidFill>
+                <a:latin typeface="Roboto"/>
+                <a:ea typeface="Roboto"/>
+                <a:cs typeface="Roboto"/>
+                <a:sym typeface="Roboto"/>
+              </a:rPr>
+              <a:t>USE INCREASE FONT SIZE (32 for titles, 28 for points, etc)</a:t>
+            </a:r>
+          </a:p>
+          <a:p>
+            <a:pPr marL="0" lvl="0" indent="0" algn="l" rtl="0">
+              <a:spcBef>
+                <a:spcPts val="0"/>
+              </a:spcBef>
+              <a:spcAft>
+                <a:spcPts val="0"/>
+              </a:spcAft>
+              <a:buNone/>
+            </a:pPr>
+            <a:r>
+              <a:rPr lang="en-US" sz="2400" dirty="0">
+                <a:solidFill>
+                  <a:srgbClr val="FF0000"/>
+                </a:solidFill>
+                <a:latin typeface="Roboto"/>
+                <a:ea typeface="Roboto"/>
+                <a:cs typeface="Roboto"/>
+                <a:sym typeface="Roboto"/>
+              </a:rPr>
+              <a:t>M</a:t>
+            </a:r>
+            <a:r>
+              <a:rPr lang="en" sz="2400" dirty="0">
+                <a:solidFill>
+                  <a:srgbClr val="FF0000"/>
+                </a:solidFill>
+                <a:latin typeface="Roboto"/>
+                <a:ea typeface="Roboto"/>
+                <a:cs typeface="Roboto"/>
+                <a:sym typeface="Roboto"/>
+              </a:rPr>
+              <a:t>ake point concise in bullet points with clear visuals</a:t>
+            </a:r>
+            <a:endParaRPr sz="2400" dirty="0">
+              <a:solidFill>
+                <a:srgbClr val="FF0000"/>
               </a:solidFill>
               <a:latin typeface="Roboto"/>
               <a:ea typeface="Roboto"/>
@@ -8561,11 +8777,11 @@
 </file>
 
 <file path=ppt/slides/slide4.xml><?xml version="1.0" encoding="utf-8"?>
-<p:sld xmlns:a="http://schemas.openxmlformats.org/drawingml/2006/main" xmlns:r="http://schemas.openxmlformats.org/officeDocument/2006/relationships" xmlns:mc="http://schemas.openxmlformats.org/markup-compatibility/2006" xmlns:mv="urn:schemas-microsoft-com:mac:vml" xmlns:p="http://schemas.openxmlformats.org/presentationml/2006/main" xmlns:c="http://schemas.openxmlformats.org/drawingml/2006/chart" xmlns:dgm="http://schemas.openxmlformats.org/drawingml/2006/diagram" xmlns:o="urn:schemas-microsoft-com:office:office" xmlns:v="urn:schemas-microsoft-com:vml" xmlns:pvml="urn:schemas-microsoft-com:office:powerpoint" xmlns:com="http://schemas.openxmlformats.org/drawingml/2006/compatibility" xmlns:p14="http://schemas.microsoft.com/office/powerpoint/2010/main" xmlns:p15="http://schemas.microsoft.com/office/powerpoint/2012/main" xmlns:ahyp="http://schemas.microsoft.com/office/drawing/2018/hyperlinkcolor">
+<p:sld xmlns:a="http://schemas.openxmlformats.org/drawingml/2006/main" xmlns:r="http://schemas.openxmlformats.org/officeDocument/2006/relationships" xmlns:p="http://schemas.openxmlformats.org/presentationml/2006/main">
   <p:cSld>
     <p:spTree>
       <p:nvGrpSpPr>
-        <p:cNvPr id="102" name="Shape 102"/>
+        <p:cNvPr id="1" name="Shape 102"/>
         <p:cNvGrpSpPr/>
         <p:nvPr/>
       </p:nvGrpSpPr>
@@ -8580,7 +8796,9 @@
       <p:sp>
         <p:nvSpPr>
           <p:cNvPr id="103" name="Google Shape;103;p16"/>
-          <p:cNvSpPr txBox="1"/>
+          <p:cNvSpPr txBox="1">
+            <a:spLocks noGrp="1"/>
+          </p:cNvSpPr>
           <p:nvPr>
             <p:ph type="title"/>
           </p:nvPr>
@@ -8595,12 +8813,12 @@
           </a:prstGeom>
         </p:spPr>
         <p:txBody>
-          <a:bodyPr anchorCtr="0" anchor="t" bIns="91425" lIns="91425" spcFirstLastPara="1" rIns="91425" wrap="square" tIns="91425">
+          <a:bodyPr spcFirstLastPara="1" wrap="square" lIns="91425" tIns="91425" rIns="91425" bIns="91425" anchor="t" anchorCtr="0">
             <a:noAutofit/>
           </a:bodyPr>
           <a:lstStyle/>
           <a:p>
-            <a:pPr indent="0" lvl="0" marL="0" rtl="0" algn="l">
+            <a:pPr marL="0" lvl="0" indent="0" algn="l" rtl="0">
               <a:spcBef>
                 <a:spcPts val="0"/>
               </a:spcBef>
@@ -8630,7 +8848,7 @@
           </a:xfrm>
           <a:prstGeom prst="homePlate">
             <a:avLst>
-              <a:gd fmla="val 50000" name="adj"/>
+              <a:gd name="adj" fmla="val 50000"/>
             </a:avLst>
           </a:prstGeom>
           <a:solidFill>
@@ -8641,12 +8859,12 @@
           </a:ln>
         </p:spPr>
         <p:txBody>
-          <a:bodyPr anchorCtr="0" anchor="ctr" bIns="121875" lIns="121875" spcFirstLastPara="1" rIns="121875" wrap="square" tIns="121875">
+          <a:bodyPr spcFirstLastPara="1" wrap="square" lIns="121875" tIns="121875" rIns="121875" bIns="121875" anchor="ctr" anchorCtr="0">
             <a:noAutofit/>
           </a:bodyPr>
           <a:lstStyle/>
           <a:p>
-            <a:pPr indent="0" lvl="0" marL="0" rtl="0" algn="l">
+            <a:pPr marL="0" lvl="0" indent="0" algn="l" rtl="0">
               <a:spcBef>
                 <a:spcPts val="0"/>
               </a:spcBef>
@@ -8655,9 +8873,6 @@
               </a:spcAft>
               <a:buNone/>
             </a:pPr>
-            <a:r>
-              <a:t/>
-            </a:r>
             <a:endParaRPr/>
           </a:p>
         </p:txBody>
@@ -8665,9 +8880,11 @@
       <p:sp>
         <p:nvSpPr>
           <p:cNvPr id="105" name="Google Shape;105;p16"/>
-          <p:cNvSpPr txBox="1"/>
+          <p:cNvSpPr txBox="1">
+            <a:spLocks noGrp="1"/>
+          </p:cNvSpPr>
           <p:nvPr>
-            <p:ph idx="4294967295" type="body"/>
+            <p:ph type="body" idx="4294967295"/>
           </p:nvPr>
         </p:nvSpPr>
         <p:spPr>
@@ -8680,12 +8897,12 @@
           </a:prstGeom>
         </p:spPr>
         <p:txBody>
-          <a:bodyPr anchorCtr="0" anchor="ctr" bIns="91425" lIns="91425" spcFirstLastPara="1" rIns="91425" wrap="square" tIns="91425">
+          <a:bodyPr spcFirstLastPara="1" wrap="square" lIns="91425" tIns="91425" rIns="91425" bIns="91425" anchor="ctr" anchorCtr="0">
             <a:noAutofit/>
           </a:bodyPr>
           <a:lstStyle/>
           <a:p>
-            <a:pPr indent="0" lvl="0" marL="0" rtl="0" algn="l">
+            <a:pPr marL="0" lvl="0" indent="0" algn="l" rtl="0">
               <a:lnSpc>
                 <a:spcPct val="100000"/>
               </a:lnSpc>
@@ -8716,9 +8933,11 @@
       <p:sp>
         <p:nvSpPr>
           <p:cNvPr id="106" name="Google Shape;106;p16"/>
-          <p:cNvSpPr txBox="1"/>
+          <p:cNvSpPr txBox="1">
+            <a:spLocks noGrp="1"/>
+          </p:cNvSpPr>
           <p:nvPr>
-            <p:ph idx="4294967295" type="body"/>
+            <p:ph type="body" idx="4294967295"/>
           </p:nvPr>
         </p:nvSpPr>
         <p:spPr>
@@ -8731,12 +8950,12 @@
           </a:prstGeom>
         </p:spPr>
         <p:txBody>
-          <a:bodyPr anchorCtr="0" anchor="t" bIns="91425" lIns="91425" spcFirstLastPara="1" rIns="91425" wrap="square" tIns="91425">
+          <a:bodyPr spcFirstLastPara="1" wrap="square" lIns="91425" tIns="91425" rIns="91425" bIns="91425" anchor="t" anchorCtr="0">
             <a:noAutofit/>
           </a:bodyPr>
           <a:lstStyle/>
           <a:p>
-            <a:pPr indent="0" lvl="0" marL="0" rtl="0" algn="l">
+            <a:pPr marL="0" lvl="0" indent="0" algn="l" rtl="0">
               <a:spcBef>
                 <a:spcPts val="0"/>
               </a:spcBef>
@@ -8746,13 +8965,13 @@
               <a:buNone/>
             </a:pPr>
             <a:r>
-              <a:rPr b="1" lang="en" sz="1600"/>
+              <a:rPr lang="en" sz="1600" b="1"/>
               <a:t>Expand audience</a:t>
             </a:r>
-            <a:endParaRPr b="1" sz="1600"/>
+            <a:endParaRPr sz="1600" b="1"/>
           </a:p>
           <a:p>
-            <a:pPr indent="0" lvl="0" marL="0" rtl="0" algn="l">
+            <a:pPr marL="0" lvl="0" indent="0" algn="l" rtl="0">
               <a:spcBef>
                 <a:spcPts val="800"/>
               </a:spcBef>
@@ -8782,7 +9001,7 @@
           </a:xfrm>
           <a:prstGeom prst="chevron">
             <a:avLst>
-              <a:gd fmla="val 50000" name="adj"/>
+              <a:gd name="adj" fmla="val 50000"/>
             </a:avLst>
           </a:prstGeom>
           <a:solidFill>
@@ -8793,12 +9012,12 @@
           </a:ln>
         </p:spPr>
         <p:txBody>
-          <a:bodyPr anchorCtr="0" anchor="ctr" bIns="121875" lIns="121875" spcFirstLastPara="1" rIns="121875" wrap="square" tIns="121875">
+          <a:bodyPr spcFirstLastPara="1" wrap="square" lIns="121875" tIns="121875" rIns="121875" bIns="121875" anchor="ctr" anchorCtr="0">
             <a:noAutofit/>
           </a:bodyPr>
           <a:lstStyle/>
           <a:p>
-            <a:pPr indent="0" lvl="0" marL="0" rtl="0" algn="l">
+            <a:pPr marL="0" lvl="0" indent="0" algn="l" rtl="0">
               <a:spcBef>
                 <a:spcPts val="0"/>
               </a:spcBef>
@@ -8807,9 +9026,6 @@
               </a:spcAft>
               <a:buNone/>
             </a:pPr>
-            <a:r>
-              <a:t/>
-            </a:r>
             <a:endParaRPr/>
           </a:p>
         </p:txBody>
@@ -8817,9 +9033,11 @@
       <p:sp>
         <p:nvSpPr>
           <p:cNvPr id="108" name="Google Shape;108;p16"/>
-          <p:cNvSpPr txBox="1"/>
+          <p:cNvSpPr txBox="1">
+            <a:spLocks noGrp="1"/>
+          </p:cNvSpPr>
           <p:nvPr>
-            <p:ph idx="4294967295" type="body"/>
+            <p:ph type="body" idx="4294967295"/>
           </p:nvPr>
         </p:nvSpPr>
         <p:spPr>
@@ -8832,12 +9050,12 @@
           </a:prstGeom>
         </p:spPr>
         <p:txBody>
-          <a:bodyPr anchorCtr="0" anchor="ctr" bIns="91425" lIns="91425" spcFirstLastPara="1" rIns="91425" wrap="square" tIns="91425">
+          <a:bodyPr spcFirstLastPara="1" wrap="square" lIns="91425" tIns="91425" rIns="91425" bIns="91425" anchor="ctr" anchorCtr="0">
             <a:noAutofit/>
           </a:bodyPr>
           <a:lstStyle/>
           <a:p>
-            <a:pPr indent="0" lvl="0" marL="0" rtl="0" algn="l">
+            <a:pPr marL="0" lvl="0" indent="0" algn="l" rtl="0">
               <a:lnSpc>
                 <a:spcPct val="100000"/>
               </a:lnSpc>
@@ -8868,9 +9086,11 @@
       <p:sp>
         <p:nvSpPr>
           <p:cNvPr id="109" name="Google Shape;109;p16"/>
-          <p:cNvSpPr txBox="1"/>
+          <p:cNvSpPr txBox="1">
+            <a:spLocks noGrp="1"/>
+          </p:cNvSpPr>
           <p:nvPr>
-            <p:ph idx="4294967295" type="body"/>
+            <p:ph type="body" idx="4294967295"/>
           </p:nvPr>
         </p:nvSpPr>
         <p:spPr>
@@ -8883,12 +9103,12 @@
           </a:prstGeom>
         </p:spPr>
         <p:txBody>
-          <a:bodyPr anchorCtr="0" anchor="t" bIns="91425" lIns="91425" spcFirstLastPara="1" rIns="91425" wrap="square" tIns="91425">
+          <a:bodyPr spcFirstLastPara="1" wrap="square" lIns="91425" tIns="91425" rIns="91425" bIns="91425" anchor="t" anchorCtr="0">
             <a:noAutofit/>
           </a:bodyPr>
           <a:lstStyle/>
           <a:p>
-            <a:pPr indent="0" lvl="0" marL="0" rtl="0" algn="l">
+            <a:pPr marL="0" lvl="0" indent="0" algn="l" rtl="0">
               <a:spcBef>
                 <a:spcPts val="0"/>
               </a:spcBef>
@@ -8898,13 +9118,13 @@
               <a:buNone/>
             </a:pPr>
             <a:r>
-              <a:rPr b="1" lang="en" sz="1600"/>
+              <a:rPr lang="en" sz="1600" b="1"/>
               <a:t>Up 30-day actives</a:t>
             </a:r>
-            <a:endParaRPr b="1" sz="1600"/>
+            <a:endParaRPr sz="1600" b="1"/>
           </a:p>
           <a:p>
-            <a:pPr indent="0" lvl="0" marL="0" rtl="0" algn="l">
+            <a:pPr marL="0" lvl="0" indent="0" algn="l" rtl="0">
               <a:spcBef>
                 <a:spcPts val="800"/>
               </a:spcBef>
@@ -8920,7 +9140,7 @@
             <a:endParaRPr sz="1600"/>
           </a:p>
           <a:p>
-            <a:pPr indent="-330200" lvl="0" marL="457200" rtl="0" algn="l">
+            <a:pPr marL="457200" lvl="0" indent="-330200" algn="l" rtl="0">
               <a:spcBef>
                 <a:spcPts val="800"/>
               </a:spcBef>
@@ -8951,7 +9171,7 @@
           </a:xfrm>
           <a:prstGeom prst="chevron">
             <a:avLst>
-              <a:gd fmla="val 50000" name="adj"/>
+              <a:gd name="adj" fmla="val 50000"/>
             </a:avLst>
           </a:prstGeom>
           <a:solidFill>
@@ -8962,12 +9182,12 @@
           </a:ln>
         </p:spPr>
         <p:txBody>
-          <a:bodyPr anchorCtr="0" anchor="ctr" bIns="121875" lIns="121875" spcFirstLastPara="1" rIns="121875" wrap="square" tIns="121875">
+          <a:bodyPr spcFirstLastPara="1" wrap="square" lIns="121875" tIns="121875" rIns="121875" bIns="121875" anchor="ctr" anchorCtr="0">
             <a:noAutofit/>
           </a:bodyPr>
           <a:lstStyle/>
           <a:p>
-            <a:pPr indent="0" lvl="0" marL="0" rtl="0" algn="l">
+            <a:pPr marL="0" lvl="0" indent="0" algn="l" rtl="0">
               <a:spcBef>
                 <a:spcPts val="0"/>
               </a:spcBef>
@@ -8976,9 +9196,6 @@
               </a:spcAft>
               <a:buNone/>
             </a:pPr>
-            <a:r>
-              <a:t/>
-            </a:r>
             <a:endParaRPr/>
           </a:p>
         </p:txBody>
@@ -8986,9 +9203,11 @@
       <p:sp>
         <p:nvSpPr>
           <p:cNvPr id="111" name="Google Shape;111;p16"/>
-          <p:cNvSpPr txBox="1"/>
+          <p:cNvSpPr txBox="1">
+            <a:spLocks noGrp="1"/>
+          </p:cNvSpPr>
           <p:nvPr>
-            <p:ph idx="4294967295" type="body"/>
+            <p:ph type="body" idx="4294967295"/>
           </p:nvPr>
         </p:nvSpPr>
         <p:spPr>
@@ -9001,12 +9220,12 @@
           </a:prstGeom>
         </p:spPr>
         <p:txBody>
-          <a:bodyPr anchorCtr="0" anchor="ctr" bIns="91425" lIns="91425" spcFirstLastPara="1" rIns="91425" wrap="square" tIns="91425">
+          <a:bodyPr spcFirstLastPara="1" wrap="square" lIns="91425" tIns="91425" rIns="91425" bIns="91425" anchor="ctr" anchorCtr="0">
             <a:noAutofit/>
           </a:bodyPr>
           <a:lstStyle/>
           <a:p>
-            <a:pPr indent="0" lvl="0" marL="0" rtl="0" algn="l">
+            <a:pPr marL="0" lvl="0" indent="0" algn="l" rtl="0">
               <a:lnSpc>
                 <a:spcPct val="100000"/>
               </a:lnSpc>
@@ -9037,9 +9256,11 @@
       <p:sp>
         <p:nvSpPr>
           <p:cNvPr id="112" name="Google Shape;112;p16"/>
-          <p:cNvSpPr txBox="1"/>
+          <p:cNvSpPr txBox="1">
+            <a:spLocks noGrp="1"/>
+          </p:cNvSpPr>
           <p:nvPr>
-            <p:ph idx="4294967295" type="body"/>
+            <p:ph type="body" idx="4294967295"/>
           </p:nvPr>
         </p:nvSpPr>
         <p:spPr>
@@ -9052,12 +9273,12 @@
           </a:prstGeom>
         </p:spPr>
         <p:txBody>
-          <a:bodyPr anchorCtr="0" anchor="t" bIns="91425" lIns="91425" spcFirstLastPara="1" rIns="91425" wrap="square" tIns="91425">
+          <a:bodyPr spcFirstLastPara="1" wrap="square" lIns="91425" tIns="91425" rIns="91425" bIns="91425" anchor="t" anchorCtr="0">
             <a:noAutofit/>
           </a:bodyPr>
           <a:lstStyle/>
           <a:p>
-            <a:pPr indent="0" lvl="0" marL="0" rtl="0" algn="l">
+            <a:pPr marL="0" lvl="0" indent="0" algn="l" rtl="0">
               <a:spcBef>
                 <a:spcPts val="0"/>
               </a:spcBef>
@@ -9067,13 +9288,13 @@
               <a:buNone/>
             </a:pPr>
             <a:r>
-              <a:rPr b="1" lang="en" sz="1600"/>
+              <a:rPr lang="en" sz="1600" b="1"/>
               <a:t>Increase conversion</a:t>
             </a:r>
-            <a:endParaRPr b="1" sz="1600"/>
+            <a:endParaRPr sz="1600" b="1"/>
           </a:p>
           <a:p>
-            <a:pPr indent="0" lvl="0" marL="0" rtl="0" algn="l">
+            <a:pPr marL="0" lvl="0" indent="0" algn="l" rtl="0">
               <a:spcBef>
                 <a:spcPts val="800"/>
               </a:spcBef>
@@ -9099,11 +9320,11 @@
 </file>
 
 <file path=ppt/slides/slide5.xml><?xml version="1.0" encoding="utf-8"?>
-<p:sld xmlns:a="http://schemas.openxmlformats.org/drawingml/2006/main" xmlns:r="http://schemas.openxmlformats.org/officeDocument/2006/relationships" xmlns:mc="http://schemas.openxmlformats.org/markup-compatibility/2006" xmlns:mv="urn:schemas-microsoft-com:mac:vml" xmlns:p="http://schemas.openxmlformats.org/presentationml/2006/main" xmlns:c="http://schemas.openxmlformats.org/drawingml/2006/chart" xmlns:dgm="http://schemas.openxmlformats.org/drawingml/2006/diagram" xmlns:o="urn:schemas-microsoft-com:office:office" xmlns:v="urn:schemas-microsoft-com:vml" xmlns:pvml="urn:schemas-microsoft-com:office:powerpoint" xmlns:com="http://schemas.openxmlformats.org/drawingml/2006/compatibility" xmlns:p14="http://schemas.microsoft.com/office/powerpoint/2010/main" xmlns:p15="http://schemas.microsoft.com/office/powerpoint/2012/main" xmlns:ahyp="http://schemas.microsoft.com/office/drawing/2018/hyperlinkcolor">
+<p:sld xmlns:a="http://schemas.openxmlformats.org/drawingml/2006/main" xmlns:r="http://schemas.openxmlformats.org/officeDocument/2006/relationships" xmlns:p="http://schemas.openxmlformats.org/presentationml/2006/main">
   <p:cSld>
     <p:spTree>
       <p:nvGrpSpPr>
-        <p:cNvPr id="116" name="Shape 116"/>
+        <p:cNvPr id="1" name="Shape 116"/>
         <p:cNvGrpSpPr/>
         <p:nvPr/>
       </p:nvGrpSpPr>
@@ -9118,7 +9339,9 @@
       <p:sp>
         <p:nvSpPr>
           <p:cNvPr id="117" name="Google Shape;117;p17"/>
-          <p:cNvSpPr txBox="1"/>
+          <p:cNvSpPr txBox="1">
+            <a:spLocks noGrp="1"/>
+          </p:cNvSpPr>
           <p:nvPr>
             <p:ph type="title"/>
           </p:nvPr>
@@ -9133,12 +9356,12 @@
           </a:prstGeom>
         </p:spPr>
         <p:txBody>
-          <a:bodyPr anchorCtr="0" anchor="b" bIns="91425" lIns="91425" spcFirstLastPara="1" rIns="91425" wrap="square" tIns="91425">
+          <a:bodyPr spcFirstLastPara="1" wrap="square" lIns="91425" tIns="91425" rIns="91425" bIns="91425" anchor="b" anchorCtr="0">
             <a:noAutofit/>
           </a:bodyPr>
           <a:lstStyle/>
           <a:p>
-            <a:pPr indent="0" lvl="0" marL="0" rtl="0" algn="ctr">
+            <a:pPr marL="0" lvl="0" indent="0" algn="ctr" rtl="0">
               <a:spcBef>
                 <a:spcPts val="0"/>
               </a:spcBef>
@@ -9158,9 +9381,11 @@
       <p:sp>
         <p:nvSpPr>
           <p:cNvPr id="118" name="Google Shape;118;p17"/>
-          <p:cNvSpPr txBox="1"/>
+          <p:cNvSpPr txBox="1">
+            <a:spLocks noGrp="1"/>
+          </p:cNvSpPr>
           <p:nvPr>
-            <p:ph idx="1" type="subTitle"/>
+            <p:ph type="subTitle" idx="1"/>
           </p:nvPr>
         </p:nvSpPr>
         <p:spPr>
@@ -9173,12 +9398,12 @@
           </a:prstGeom>
         </p:spPr>
         <p:txBody>
-          <a:bodyPr anchorCtr="0" anchor="t" bIns="91425" lIns="91425" spcFirstLastPara="1" rIns="91425" wrap="square" tIns="91425">
+          <a:bodyPr spcFirstLastPara="1" wrap="square" lIns="91425" tIns="91425" rIns="91425" bIns="91425" anchor="t" anchorCtr="0">
             <a:noAutofit/>
           </a:bodyPr>
           <a:lstStyle/>
           <a:p>
-            <a:pPr indent="0" lvl="0" marL="0" rtl="0" algn="ctr">
+            <a:pPr marL="0" lvl="0" indent="0" algn="ctr" rtl="0">
               <a:spcBef>
                 <a:spcPts val="0"/>
               </a:spcBef>
@@ -9198,9 +9423,11 @@
       <p:sp>
         <p:nvSpPr>
           <p:cNvPr id="119" name="Google Shape;119;p17"/>
-          <p:cNvSpPr txBox="1"/>
+          <p:cNvSpPr txBox="1">
+            <a:spLocks noGrp="1"/>
+          </p:cNvSpPr>
           <p:nvPr>
-            <p:ph idx="2" type="body"/>
+            <p:ph type="body" idx="2"/>
           </p:nvPr>
         </p:nvSpPr>
         <p:spPr>
@@ -9213,12 +9440,12 @@
           </a:prstGeom>
         </p:spPr>
         <p:txBody>
-          <a:bodyPr anchorCtr="0" anchor="ctr" bIns="91425" lIns="91425" spcFirstLastPara="1" rIns="91425" wrap="square" tIns="91425">
+          <a:bodyPr spcFirstLastPara="1" wrap="square" lIns="91425" tIns="91425" rIns="91425" bIns="91425" anchor="ctr" anchorCtr="0">
             <a:noAutofit/>
           </a:bodyPr>
           <a:lstStyle/>
           <a:p>
-            <a:pPr indent="0" lvl="0" marL="0" rtl="0" algn="l">
+            <a:pPr marL="0" lvl="0" indent="0" algn="l" rtl="0">
               <a:spcBef>
                 <a:spcPts val="0"/>
               </a:spcBef>
@@ -9244,11 +9471,11 @@
 </file>
 
 <file path=ppt/slides/slide6.xml><?xml version="1.0" encoding="utf-8"?>
-<p:sld xmlns:a="http://schemas.openxmlformats.org/drawingml/2006/main" xmlns:r="http://schemas.openxmlformats.org/officeDocument/2006/relationships" xmlns:mc="http://schemas.openxmlformats.org/markup-compatibility/2006" xmlns:mv="urn:schemas-microsoft-com:mac:vml" xmlns:p="http://schemas.openxmlformats.org/presentationml/2006/main" xmlns:c="http://schemas.openxmlformats.org/drawingml/2006/chart" xmlns:dgm="http://schemas.openxmlformats.org/drawingml/2006/diagram" xmlns:o="urn:schemas-microsoft-com:office:office" xmlns:v="urn:schemas-microsoft-com:vml" xmlns:pvml="urn:schemas-microsoft-com:office:powerpoint" xmlns:com="http://schemas.openxmlformats.org/drawingml/2006/compatibility" xmlns:p14="http://schemas.microsoft.com/office/powerpoint/2010/main" xmlns:p15="http://schemas.microsoft.com/office/powerpoint/2012/main" xmlns:ahyp="http://schemas.microsoft.com/office/drawing/2018/hyperlinkcolor">
+<p:sld xmlns:a="http://schemas.openxmlformats.org/drawingml/2006/main" xmlns:r="http://schemas.openxmlformats.org/officeDocument/2006/relationships" xmlns:p="http://schemas.openxmlformats.org/presentationml/2006/main">
   <p:cSld>
     <p:spTree>
       <p:nvGrpSpPr>
-        <p:cNvPr id="123" name="Shape 123"/>
+        <p:cNvPr id="1" name="Shape 123"/>
         <p:cNvGrpSpPr/>
         <p:nvPr/>
       </p:nvGrpSpPr>
@@ -9263,7 +9490,9 @@
       <p:sp>
         <p:nvSpPr>
           <p:cNvPr id="124" name="Google Shape;124;p18"/>
-          <p:cNvSpPr txBox="1"/>
+          <p:cNvSpPr txBox="1">
+            <a:spLocks noGrp="1"/>
+          </p:cNvSpPr>
           <p:nvPr>
             <p:ph type="title"/>
           </p:nvPr>
@@ -9278,12 +9507,12 @@
           </a:prstGeom>
         </p:spPr>
         <p:txBody>
-          <a:bodyPr anchorCtr="0" anchor="ctr" bIns="91425" lIns="91425" spcFirstLastPara="1" rIns="91425" wrap="square" tIns="91425">
+          <a:bodyPr spcFirstLastPara="1" wrap="square" lIns="91425" tIns="91425" rIns="91425" bIns="91425" anchor="ctr" anchorCtr="0">
             <a:noAutofit/>
           </a:bodyPr>
           <a:lstStyle/>
           <a:p>
-            <a:pPr indent="0" lvl="0" marL="0" rtl="0" algn="l">
+            <a:pPr marL="0" lvl="0" indent="0" algn="l" rtl="0">
               <a:spcBef>
                 <a:spcPts val="0"/>
               </a:spcBef>
@@ -9309,11 +9538,11 @@
 </file>
 
 <file path=ppt/slides/slide7.xml><?xml version="1.0" encoding="utf-8"?>
-<p:sld xmlns:a="http://schemas.openxmlformats.org/drawingml/2006/main" xmlns:r="http://schemas.openxmlformats.org/officeDocument/2006/relationships" xmlns:mc="http://schemas.openxmlformats.org/markup-compatibility/2006" xmlns:mv="urn:schemas-microsoft-com:mac:vml" xmlns:p="http://schemas.openxmlformats.org/presentationml/2006/main" xmlns:c="http://schemas.openxmlformats.org/drawingml/2006/chart" xmlns:dgm="http://schemas.openxmlformats.org/drawingml/2006/diagram" xmlns:o="urn:schemas-microsoft-com:office:office" xmlns:v="urn:schemas-microsoft-com:vml" xmlns:pvml="urn:schemas-microsoft-com:office:powerpoint" xmlns:com="http://schemas.openxmlformats.org/drawingml/2006/compatibility" xmlns:p14="http://schemas.microsoft.com/office/powerpoint/2010/main" xmlns:p15="http://schemas.microsoft.com/office/powerpoint/2012/main" xmlns:ahyp="http://schemas.microsoft.com/office/drawing/2018/hyperlinkcolor">
+<p:sld xmlns:a="http://schemas.openxmlformats.org/drawingml/2006/main" xmlns:r="http://schemas.openxmlformats.org/officeDocument/2006/relationships" xmlns:p="http://schemas.openxmlformats.org/presentationml/2006/main">
   <p:cSld>
     <p:spTree>
       <p:nvGrpSpPr>
-        <p:cNvPr id="128" name="Shape 128"/>
+        <p:cNvPr id="1" name="Shape 128"/>
         <p:cNvGrpSpPr/>
         <p:nvPr/>
       </p:nvGrpSpPr>
@@ -9327,7 +9556,7 @@
       </p:grpSpPr>
       <p:sp>
         <p:nvSpPr>
-          <p:cNvPr descr="Background pointer shape in timeline graphic" id="129" name="Google Shape;129;p19"/>
+          <p:cNvPr id="129" name="Google Shape;129;p19" descr="Background pointer shape in timeline graphic"/>
           <p:cNvSpPr/>
           <p:nvPr/>
         </p:nvSpPr>
@@ -9338,29 +9567,29 @@
           </a:xfrm>
           <a:prstGeom prst="homePlate">
             <a:avLst>
-              <a:gd fmla="val 50000" name="adj"/>
+              <a:gd name="adj" fmla="val 50000"/>
             </a:avLst>
           </a:prstGeom>
           <a:solidFill>
             <a:schemeClr val="dk1"/>
           </a:solidFill>
-          <a:ln cap="flat" cmpd="sng" w="9525">
+          <a:ln w="9525" cap="flat" cmpd="sng">
             <a:solidFill>
               <a:schemeClr val="lt1"/>
             </a:solidFill>
             <a:prstDash val="solid"/>
             <a:round/>
-            <a:headEnd len="sm" w="sm" type="none"/>
-            <a:tailEnd len="sm" w="sm" type="none"/>
+            <a:headEnd type="none" w="sm" len="sm"/>
+            <a:tailEnd type="none" w="sm" len="sm"/>
           </a:ln>
         </p:spPr>
         <p:txBody>
-          <a:bodyPr anchorCtr="0" anchor="ctr" bIns="121875" lIns="121875" spcFirstLastPara="1" rIns="121875" wrap="square" tIns="121875">
+          <a:bodyPr spcFirstLastPara="1" wrap="square" lIns="121875" tIns="121875" rIns="121875" bIns="121875" anchor="ctr" anchorCtr="0">
             <a:noAutofit/>
           </a:bodyPr>
           <a:lstStyle/>
           <a:p>
-            <a:pPr indent="0" lvl="0" marL="0" rtl="0" algn="l">
+            <a:pPr marL="0" lvl="0" indent="0" algn="l" rtl="0">
               <a:spcBef>
                 <a:spcPts val="0"/>
               </a:spcBef>
@@ -9369,9 +9598,6 @@
               </a:spcAft>
               <a:buNone/>
             </a:pPr>
-            <a:r>
-              <a:t/>
-            </a:r>
             <a:endParaRPr/>
           </a:p>
         </p:txBody>
@@ -9379,9 +9605,11 @@
       <p:sp>
         <p:nvSpPr>
           <p:cNvPr id="130" name="Google Shape;130;p19"/>
-          <p:cNvSpPr txBox="1"/>
+          <p:cNvSpPr txBox="1">
+            <a:spLocks noGrp="1"/>
+          </p:cNvSpPr>
           <p:nvPr>
-            <p:ph idx="4294967295" type="body"/>
+            <p:ph type="body" idx="4294967295"/>
           </p:nvPr>
         </p:nvSpPr>
         <p:spPr>
@@ -9394,12 +9622,12 @@
           </a:prstGeom>
         </p:spPr>
         <p:txBody>
-          <a:bodyPr anchorCtr="0" anchor="ctr" bIns="91425" lIns="91425" spcFirstLastPara="1" rIns="91425" wrap="square" tIns="91425">
+          <a:bodyPr spcFirstLastPara="1" wrap="square" lIns="91425" tIns="91425" rIns="91425" bIns="91425" anchor="ctr" anchorCtr="0">
             <a:noAutofit/>
           </a:bodyPr>
           <a:lstStyle/>
           <a:p>
-            <a:pPr indent="0" lvl="0" marL="0" rtl="0" algn="ctr">
+            <a:pPr marL="0" lvl="0" indent="0" algn="ctr" rtl="0">
               <a:lnSpc>
                 <a:spcPct val="100000"/>
               </a:lnSpc>
@@ -9456,14 +9684,14 @@
               <a:avLst/>
             </a:prstGeom>
             <a:noFill/>
-            <a:ln cap="flat" cmpd="sng" w="9525">
+            <a:ln w="9525" cap="flat" cmpd="sng">
               <a:solidFill>
                 <a:schemeClr val="dk2"/>
               </a:solidFill>
               <a:prstDash val="solid"/>
               <a:round/>
-              <a:headEnd len="sm" w="sm" type="none"/>
-              <a:tailEnd len="sm" w="sm" type="none"/>
+              <a:headEnd type="none" w="sm" len="sm"/>
+              <a:tailEnd type="none" w="sm" len="sm"/>
             </a:ln>
           </p:spPr>
         </p:cxnSp>
@@ -9489,12 +9717,12 @@
             </a:ln>
           </p:spPr>
           <p:txBody>
-            <a:bodyPr anchorCtr="0" anchor="ctr" bIns="91425" lIns="91425" spcFirstLastPara="1" rIns="91425" wrap="square" tIns="91425">
+            <a:bodyPr spcFirstLastPara="1" wrap="square" lIns="91425" tIns="91425" rIns="91425" bIns="91425" anchor="ctr" anchorCtr="0">
               <a:noAutofit/>
             </a:bodyPr>
             <a:lstStyle/>
             <a:p>
-              <a:pPr indent="0" lvl="0" marL="0" rtl="0" algn="l">
+              <a:pPr marL="0" lvl="0" indent="0" algn="l" rtl="0">
                 <a:spcBef>
                   <a:spcPts val="0"/>
                 </a:spcBef>
@@ -9503,9 +9731,6 @@
                 </a:spcAft>
                 <a:buNone/>
               </a:pPr>
-              <a:r>
-                <a:t/>
-              </a:r>
               <a:endParaRPr/>
             </a:p>
           </p:txBody>
@@ -9514,9 +9739,11 @@
       <p:sp>
         <p:nvSpPr>
           <p:cNvPr id="134" name="Google Shape;134;p19"/>
-          <p:cNvSpPr txBox="1"/>
+          <p:cNvSpPr txBox="1">
+            <a:spLocks noGrp="1"/>
+          </p:cNvSpPr>
           <p:nvPr>
-            <p:ph idx="4294967295" type="body"/>
+            <p:ph type="body" idx="4294967295"/>
           </p:nvPr>
         </p:nvSpPr>
         <p:spPr>
@@ -9529,12 +9756,12 @@
           </a:prstGeom>
         </p:spPr>
         <p:txBody>
-          <a:bodyPr anchorCtr="0" anchor="t" bIns="91425" lIns="91425" spcFirstLastPara="1" rIns="91425" wrap="square" tIns="91425">
+          <a:bodyPr spcFirstLastPara="1" wrap="square" lIns="91425" tIns="91425" rIns="91425" bIns="91425" anchor="t" anchorCtr="0">
             <a:noAutofit/>
           </a:bodyPr>
           <a:lstStyle/>
           <a:p>
-            <a:pPr indent="0" lvl="0" marL="0" rtl="0" algn="l">
+            <a:pPr marL="0" lvl="0" indent="0" algn="l" rtl="0">
               <a:spcBef>
                 <a:spcPts val="0"/>
               </a:spcBef>
@@ -9553,7 +9780,7 @@
       </p:sp>
       <p:sp>
         <p:nvSpPr>
-          <p:cNvPr descr="Background pointer shape in timeline graphic" id="135" name="Google Shape;135;p19"/>
+          <p:cNvPr id="135" name="Google Shape;135;p19" descr="Background pointer shape in timeline graphic"/>
           <p:cNvSpPr/>
           <p:nvPr/>
         </p:nvSpPr>
@@ -9564,29 +9791,29 @@
           </a:xfrm>
           <a:prstGeom prst="chevron">
             <a:avLst>
-              <a:gd fmla="val 50000" name="adj"/>
+              <a:gd name="adj" fmla="val 50000"/>
             </a:avLst>
           </a:prstGeom>
           <a:solidFill>
             <a:schemeClr val="dk1"/>
           </a:solidFill>
-          <a:ln cap="flat" cmpd="sng" w="9525">
+          <a:ln w="9525" cap="flat" cmpd="sng">
             <a:solidFill>
               <a:schemeClr val="lt1"/>
             </a:solidFill>
             <a:prstDash val="solid"/>
             <a:round/>
-            <a:headEnd len="sm" w="sm" type="none"/>
-            <a:tailEnd len="sm" w="sm" type="none"/>
+            <a:headEnd type="none" w="sm" len="sm"/>
+            <a:tailEnd type="none" w="sm" len="sm"/>
           </a:ln>
         </p:spPr>
         <p:txBody>
-          <a:bodyPr anchorCtr="0" anchor="ctr" bIns="121875" lIns="121875" spcFirstLastPara="1" rIns="121875" wrap="square" tIns="121875">
+          <a:bodyPr spcFirstLastPara="1" wrap="square" lIns="121875" tIns="121875" rIns="121875" bIns="121875" anchor="ctr" anchorCtr="0">
             <a:noAutofit/>
           </a:bodyPr>
           <a:lstStyle/>
           <a:p>
-            <a:pPr indent="0" lvl="0" marL="0" rtl="0" algn="l">
+            <a:pPr marL="0" lvl="0" indent="0" algn="l" rtl="0">
               <a:spcBef>
                 <a:spcPts val="0"/>
               </a:spcBef>
@@ -9595,9 +9822,6 @@
               </a:spcAft>
               <a:buNone/>
             </a:pPr>
-            <a:r>
-              <a:t/>
-            </a:r>
             <a:endParaRPr/>
           </a:p>
         </p:txBody>
@@ -9605,9 +9829,11 @@
       <p:sp>
         <p:nvSpPr>
           <p:cNvPr id="136" name="Google Shape;136;p19"/>
-          <p:cNvSpPr txBox="1"/>
+          <p:cNvSpPr txBox="1">
+            <a:spLocks noGrp="1"/>
+          </p:cNvSpPr>
           <p:nvPr>
-            <p:ph idx="4294967295" type="body"/>
+            <p:ph type="body" idx="4294967295"/>
           </p:nvPr>
         </p:nvSpPr>
         <p:spPr>
@@ -9620,12 +9846,12 @@
           </a:prstGeom>
         </p:spPr>
         <p:txBody>
-          <a:bodyPr anchorCtr="0" anchor="ctr" bIns="91425" lIns="91425" spcFirstLastPara="1" rIns="91425" wrap="square" tIns="91425">
+          <a:bodyPr spcFirstLastPara="1" wrap="square" lIns="91425" tIns="91425" rIns="91425" bIns="91425" anchor="ctr" anchorCtr="0">
             <a:noAutofit/>
           </a:bodyPr>
           <a:lstStyle/>
           <a:p>
-            <a:pPr indent="0" lvl="0" marL="0" rtl="0" algn="ctr">
+            <a:pPr marL="0" lvl="0" indent="0" algn="ctr" rtl="0">
               <a:lnSpc>
                 <a:spcPct val="100000"/>
               </a:lnSpc>
@@ -9682,14 +9908,14 @@
               <a:avLst/>
             </a:prstGeom>
             <a:noFill/>
-            <a:ln cap="flat" cmpd="sng" w="9525">
+            <a:ln w="9525" cap="flat" cmpd="sng">
               <a:solidFill>
                 <a:schemeClr val="dk2"/>
               </a:solidFill>
               <a:prstDash val="solid"/>
               <a:round/>
-              <a:headEnd len="sm" w="sm" type="none"/>
-              <a:tailEnd len="sm" w="sm" type="none"/>
+              <a:headEnd type="none" w="sm" len="sm"/>
+              <a:tailEnd type="none" w="sm" len="sm"/>
             </a:ln>
           </p:spPr>
         </p:cxnSp>
@@ -9700,7 +9926,7 @@
             <p:nvPr/>
           </p:nvSpPr>
           <p:spPr>
-            <a:xfrm flipH="1" rot="10800000">
+            <a:xfrm rot="10800000" flipH="1">
               <a:off x="2223534" y="3333714"/>
               <a:ext cx="198900" cy="198900"/>
             </a:xfrm>
@@ -9715,12 +9941,12 @@
             </a:ln>
           </p:spPr>
           <p:txBody>
-            <a:bodyPr anchorCtr="0" anchor="ctr" bIns="91425" lIns="91425" spcFirstLastPara="1" rIns="91425" wrap="square" tIns="91425">
+            <a:bodyPr spcFirstLastPara="1" wrap="square" lIns="91425" tIns="91425" rIns="91425" bIns="91425" anchor="ctr" anchorCtr="0">
               <a:noAutofit/>
             </a:bodyPr>
             <a:lstStyle/>
             <a:p>
-              <a:pPr indent="0" lvl="0" marL="0" rtl="0" algn="l">
+              <a:pPr marL="0" lvl="0" indent="0" algn="l" rtl="0">
                 <a:spcBef>
                   <a:spcPts val="0"/>
                 </a:spcBef>
@@ -9729,9 +9955,6 @@
                 </a:spcAft>
                 <a:buNone/>
               </a:pPr>
-              <a:r>
-                <a:t/>
-              </a:r>
               <a:endParaRPr/>
             </a:p>
           </p:txBody>
@@ -9740,9 +9963,11 @@
       <p:sp>
         <p:nvSpPr>
           <p:cNvPr id="140" name="Google Shape;140;p19"/>
-          <p:cNvSpPr txBox="1"/>
+          <p:cNvSpPr txBox="1">
+            <a:spLocks noGrp="1"/>
+          </p:cNvSpPr>
           <p:nvPr>
-            <p:ph idx="4294967295" type="body"/>
+            <p:ph type="body" idx="4294967295"/>
           </p:nvPr>
         </p:nvSpPr>
         <p:spPr>
@@ -9755,12 +9980,12 @@
           </a:prstGeom>
         </p:spPr>
         <p:txBody>
-          <a:bodyPr anchorCtr="0" anchor="t" bIns="91425" lIns="91425" spcFirstLastPara="1" rIns="91425" wrap="square" tIns="91425">
+          <a:bodyPr spcFirstLastPara="1" wrap="square" lIns="91425" tIns="91425" rIns="91425" bIns="91425" anchor="t" anchorCtr="0">
             <a:noAutofit/>
           </a:bodyPr>
           <a:lstStyle/>
           <a:p>
-            <a:pPr indent="0" lvl="0" marL="0" rtl="0" algn="l">
+            <a:pPr marL="0" lvl="0" indent="0" algn="l" rtl="0">
               <a:spcBef>
                 <a:spcPts val="0"/>
               </a:spcBef>
@@ -9779,7 +10004,7 @@
       </p:sp>
       <p:sp>
         <p:nvSpPr>
-          <p:cNvPr descr="Background pointer shape in timeline graphic" id="141" name="Google Shape;141;p19"/>
+          <p:cNvPr id="141" name="Google Shape;141;p19" descr="Background pointer shape in timeline graphic"/>
           <p:cNvSpPr/>
           <p:nvPr/>
         </p:nvSpPr>
@@ -9790,29 +10015,29 @@
           </a:xfrm>
           <a:prstGeom prst="chevron">
             <a:avLst>
-              <a:gd fmla="val 50000" name="adj"/>
+              <a:gd name="adj" fmla="val 50000"/>
             </a:avLst>
           </a:prstGeom>
           <a:solidFill>
             <a:schemeClr val="dk1"/>
           </a:solidFill>
-          <a:ln cap="flat" cmpd="sng" w="9525">
+          <a:ln w="9525" cap="flat" cmpd="sng">
             <a:solidFill>
               <a:schemeClr val="lt1"/>
             </a:solidFill>
             <a:prstDash val="solid"/>
             <a:round/>
-            <a:headEnd len="sm" w="sm" type="none"/>
-            <a:tailEnd len="sm" w="sm" type="none"/>
+            <a:headEnd type="none" w="sm" len="sm"/>
+            <a:tailEnd type="none" w="sm" len="sm"/>
           </a:ln>
         </p:spPr>
         <p:txBody>
-          <a:bodyPr anchorCtr="0" anchor="ctr" bIns="121875" lIns="121875" spcFirstLastPara="1" rIns="121875" wrap="square" tIns="121875">
+          <a:bodyPr spcFirstLastPara="1" wrap="square" lIns="121875" tIns="121875" rIns="121875" bIns="121875" anchor="ctr" anchorCtr="0">
             <a:noAutofit/>
           </a:bodyPr>
           <a:lstStyle/>
           <a:p>
-            <a:pPr indent="0" lvl="0" marL="0" rtl="0" algn="l">
+            <a:pPr marL="0" lvl="0" indent="0" algn="l" rtl="0">
               <a:spcBef>
                 <a:spcPts val="0"/>
               </a:spcBef>
@@ -9821,9 +10046,6 @@
               </a:spcAft>
               <a:buNone/>
             </a:pPr>
-            <a:r>
-              <a:t/>
-            </a:r>
             <a:endParaRPr/>
           </a:p>
         </p:txBody>
@@ -9831,9 +10053,11 @@
       <p:sp>
         <p:nvSpPr>
           <p:cNvPr id="142" name="Google Shape;142;p19"/>
-          <p:cNvSpPr txBox="1"/>
+          <p:cNvSpPr txBox="1">
+            <a:spLocks noGrp="1"/>
+          </p:cNvSpPr>
           <p:nvPr>
-            <p:ph idx="4294967295" type="body"/>
+            <p:ph type="body" idx="4294967295"/>
           </p:nvPr>
         </p:nvSpPr>
         <p:spPr>
@@ -9846,12 +10070,12 @@
           </a:prstGeom>
         </p:spPr>
         <p:txBody>
-          <a:bodyPr anchorCtr="0" anchor="ctr" bIns="91425" lIns="91425" spcFirstLastPara="1" rIns="91425" wrap="square" tIns="91425">
+          <a:bodyPr spcFirstLastPara="1" wrap="square" lIns="91425" tIns="91425" rIns="91425" bIns="91425" anchor="ctr" anchorCtr="0">
             <a:noAutofit/>
           </a:bodyPr>
           <a:lstStyle/>
           <a:p>
-            <a:pPr indent="0" lvl="0" marL="0" rtl="0" algn="ctr">
+            <a:pPr marL="0" lvl="0" indent="0" algn="ctr" rtl="0">
               <a:lnSpc>
                 <a:spcPct val="100000"/>
               </a:lnSpc>
@@ -9908,14 +10132,14 @@
               <a:avLst/>
             </a:prstGeom>
             <a:noFill/>
-            <a:ln cap="flat" cmpd="sng" w="9525">
+            <a:ln w="9525" cap="flat" cmpd="sng">
               <a:solidFill>
                 <a:schemeClr val="dk2"/>
               </a:solidFill>
               <a:prstDash val="solid"/>
               <a:round/>
-              <a:headEnd len="sm" w="sm" type="none"/>
-              <a:tailEnd len="sm" w="sm" type="none"/>
+              <a:headEnd type="none" w="sm" len="sm"/>
+              <a:tailEnd type="none" w="sm" len="sm"/>
             </a:ln>
           </p:spPr>
         </p:cxnSp>
@@ -9941,12 +10165,12 @@
             </a:ln>
           </p:spPr>
           <p:txBody>
-            <a:bodyPr anchorCtr="0" anchor="ctr" bIns="91425" lIns="91425" spcFirstLastPara="1" rIns="91425" wrap="square" tIns="91425">
+            <a:bodyPr spcFirstLastPara="1" wrap="square" lIns="91425" tIns="91425" rIns="91425" bIns="91425" anchor="ctr" anchorCtr="0">
               <a:noAutofit/>
             </a:bodyPr>
             <a:lstStyle/>
             <a:p>
-              <a:pPr indent="0" lvl="0" marL="0" rtl="0" algn="l">
+              <a:pPr marL="0" lvl="0" indent="0" algn="l" rtl="0">
                 <a:spcBef>
                   <a:spcPts val="0"/>
                 </a:spcBef>
@@ -9955,9 +10179,6 @@
                 </a:spcAft>
                 <a:buNone/>
               </a:pPr>
-              <a:r>
-                <a:t/>
-              </a:r>
               <a:endParaRPr/>
             </a:p>
           </p:txBody>
@@ -9966,9 +10187,11 @@
       <p:sp>
         <p:nvSpPr>
           <p:cNvPr id="146" name="Google Shape;146;p19"/>
-          <p:cNvSpPr txBox="1"/>
+          <p:cNvSpPr txBox="1">
+            <a:spLocks noGrp="1"/>
+          </p:cNvSpPr>
           <p:nvPr>
-            <p:ph idx="4294967295" type="body"/>
+            <p:ph type="body" idx="4294967295"/>
           </p:nvPr>
         </p:nvSpPr>
         <p:spPr>
@@ -9981,12 +10204,12 @@
           </a:prstGeom>
         </p:spPr>
         <p:txBody>
-          <a:bodyPr anchorCtr="0" anchor="t" bIns="91425" lIns="91425" spcFirstLastPara="1" rIns="91425" wrap="square" tIns="91425">
+          <a:bodyPr spcFirstLastPara="1" wrap="square" lIns="91425" tIns="91425" rIns="91425" bIns="91425" anchor="t" anchorCtr="0">
             <a:noAutofit/>
           </a:bodyPr>
           <a:lstStyle/>
           <a:p>
-            <a:pPr indent="0" lvl="0" marL="0" rtl="0" algn="l">
+            <a:pPr marL="0" lvl="0" indent="0" algn="l" rtl="0">
               <a:spcBef>
                 <a:spcPts val="0"/>
               </a:spcBef>
@@ -10005,7 +10228,7 @@
       </p:sp>
       <p:sp>
         <p:nvSpPr>
-          <p:cNvPr descr="Background pointer shape in timeline graphic" id="147" name="Google Shape;147;p19"/>
+          <p:cNvPr id="147" name="Google Shape;147;p19" descr="Background pointer shape in timeline graphic"/>
           <p:cNvSpPr/>
           <p:nvPr/>
         </p:nvSpPr>
@@ -10016,29 +10239,29 @@
           </a:xfrm>
           <a:prstGeom prst="chevron">
             <a:avLst>
-              <a:gd fmla="val 50000" name="adj"/>
+              <a:gd name="adj" fmla="val 50000"/>
             </a:avLst>
           </a:prstGeom>
           <a:solidFill>
             <a:schemeClr val="dk1"/>
           </a:solidFill>
-          <a:ln cap="flat" cmpd="sng" w="9525">
+          <a:ln w="9525" cap="flat" cmpd="sng">
             <a:solidFill>
               <a:schemeClr val="lt1"/>
             </a:solidFill>
             <a:prstDash val="solid"/>
             <a:round/>
-            <a:headEnd len="sm" w="sm" type="none"/>
-            <a:tailEnd len="sm" w="sm" type="none"/>
+            <a:headEnd type="none" w="sm" len="sm"/>
+            <a:tailEnd type="none" w="sm" len="sm"/>
           </a:ln>
         </p:spPr>
         <p:txBody>
-          <a:bodyPr anchorCtr="0" anchor="ctr" bIns="121875" lIns="121875" spcFirstLastPara="1" rIns="121875" wrap="square" tIns="121875">
+          <a:bodyPr spcFirstLastPara="1" wrap="square" lIns="121875" tIns="121875" rIns="121875" bIns="121875" anchor="ctr" anchorCtr="0">
             <a:noAutofit/>
           </a:bodyPr>
           <a:lstStyle/>
           <a:p>
-            <a:pPr indent="0" lvl="0" marL="0" rtl="0" algn="l">
+            <a:pPr marL="0" lvl="0" indent="0" algn="l" rtl="0">
               <a:spcBef>
                 <a:spcPts val="0"/>
               </a:spcBef>
@@ -10047,9 +10270,6 @@
               </a:spcAft>
               <a:buNone/>
             </a:pPr>
-            <a:r>
-              <a:t/>
-            </a:r>
             <a:endParaRPr/>
           </a:p>
         </p:txBody>
@@ -10057,9 +10277,11 @@
       <p:sp>
         <p:nvSpPr>
           <p:cNvPr id="148" name="Google Shape;148;p19"/>
-          <p:cNvSpPr txBox="1"/>
+          <p:cNvSpPr txBox="1">
+            <a:spLocks noGrp="1"/>
+          </p:cNvSpPr>
           <p:nvPr>
-            <p:ph idx="4294967295" type="body"/>
+            <p:ph type="body" idx="4294967295"/>
           </p:nvPr>
         </p:nvSpPr>
         <p:spPr>
@@ -10072,12 +10294,12 @@
           </a:prstGeom>
         </p:spPr>
         <p:txBody>
-          <a:bodyPr anchorCtr="0" anchor="ctr" bIns="91425" lIns="91425" spcFirstLastPara="1" rIns="91425" wrap="square" tIns="91425">
+          <a:bodyPr spcFirstLastPara="1" wrap="square" lIns="91425" tIns="91425" rIns="91425" bIns="91425" anchor="ctr" anchorCtr="0">
             <a:noAutofit/>
           </a:bodyPr>
           <a:lstStyle/>
           <a:p>
-            <a:pPr indent="0" lvl="0" marL="0" rtl="0" algn="ctr">
+            <a:pPr marL="0" lvl="0" indent="0" algn="ctr" rtl="0">
               <a:lnSpc>
                 <a:spcPct val="100000"/>
               </a:lnSpc>
@@ -10134,14 +10356,14 @@
               <a:avLst/>
             </a:prstGeom>
             <a:noFill/>
-            <a:ln cap="flat" cmpd="sng" w="9525">
+            <a:ln w="9525" cap="flat" cmpd="sng">
               <a:solidFill>
                 <a:schemeClr val="dk2"/>
               </a:solidFill>
               <a:prstDash val="solid"/>
               <a:round/>
-              <a:headEnd len="sm" w="sm" type="none"/>
-              <a:tailEnd len="sm" w="sm" type="none"/>
+              <a:headEnd type="none" w="sm" len="sm"/>
+              <a:tailEnd type="none" w="sm" len="sm"/>
             </a:ln>
           </p:spPr>
         </p:cxnSp>
@@ -10152,7 +10374,7 @@
             <p:nvPr/>
           </p:nvSpPr>
           <p:spPr>
-            <a:xfrm flipH="1" rot="10800000">
+            <a:xfrm rot="10800000" flipH="1">
               <a:off x="5958946" y="3333714"/>
               <a:ext cx="198900" cy="198900"/>
             </a:xfrm>
@@ -10167,12 +10389,12 @@
             </a:ln>
           </p:spPr>
           <p:txBody>
-            <a:bodyPr anchorCtr="0" anchor="ctr" bIns="91425" lIns="91425" spcFirstLastPara="1" rIns="91425" wrap="square" tIns="91425">
+            <a:bodyPr spcFirstLastPara="1" wrap="square" lIns="91425" tIns="91425" rIns="91425" bIns="91425" anchor="ctr" anchorCtr="0">
               <a:noAutofit/>
             </a:bodyPr>
             <a:lstStyle/>
             <a:p>
-              <a:pPr indent="0" lvl="0" marL="0" rtl="0" algn="l">
+              <a:pPr marL="0" lvl="0" indent="0" algn="l" rtl="0">
                 <a:spcBef>
                   <a:spcPts val="0"/>
                 </a:spcBef>
@@ -10181,9 +10403,6 @@
                 </a:spcAft>
                 <a:buNone/>
               </a:pPr>
-              <a:r>
-                <a:t/>
-              </a:r>
               <a:endParaRPr/>
             </a:p>
           </p:txBody>
@@ -10192,9 +10411,11 @@
       <p:sp>
         <p:nvSpPr>
           <p:cNvPr id="152" name="Google Shape;152;p19"/>
-          <p:cNvSpPr txBox="1"/>
+          <p:cNvSpPr txBox="1">
+            <a:spLocks noGrp="1"/>
+          </p:cNvSpPr>
           <p:nvPr>
-            <p:ph idx="4294967295" type="body"/>
+            <p:ph type="body" idx="4294967295"/>
           </p:nvPr>
         </p:nvSpPr>
         <p:spPr>
@@ -10207,12 +10428,12 @@
           </a:prstGeom>
         </p:spPr>
         <p:txBody>
-          <a:bodyPr anchorCtr="0" anchor="t" bIns="91425" lIns="91425" spcFirstLastPara="1" rIns="91425" wrap="square" tIns="91425">
+          <a:bodyPr spcFirstLastPara="1" wrap="square" lIns="91425" tIns="91425" rIns="91425" bIns="91425" anchor="t" anchorCtr="0">
             <a:noAutofit/>
           </a:bodyPr>
           <a:lstStyle/>
           <a:p>
-            <a:pPr indent="0" lvl="0" marL="0" rtl="0" algn="l">
+            <a:pPr marL="0" lvl="0" indent="0" algn="l" rtl="0">
               <a:spcBef>
                 <a:spcPts val="0"/>
               </a:spcBef>
@@ -10231,7 +10452,7 @@
       </p:sp>
       <p:sp>
         <p:nvSpPr>
-          <p:cNvPr descr="Background pointer shape in timeline graphic" id="153" name="Google Shape;153;p19"/>
+          <p:cNvPr id="153" name="Google Shape;153;p19" descr="Background pointer shape in timeline graphic"/>
           <p:cNvSpPr/>
           <p:nvPr/>
         </p:nvSpPr>
@@ -10242,29 +10463,29 @@
           </a:xfrm>
           <a:prstGeom prst="chevron">
             <a:avLst>
-              <a:gd fmla="val 50000" name="adj"/>
+              <a:gd name="adj" fmla="val 50000"/>
             </a:avLst>
           </a:prstGeom>
           <a:solidFill>
             <a:schemeClr val="dk1"/>
           </a:solidFill>
-          <a:ln cap="flat" cmpd="sng" w="9525">
+          <a:ln w="9525" cap="flat" cmpd="sng">
             <a:solidFill>
               <a:schemeClr val="lt1"/>
             </a:solidFill>
             <a:prstDash val="solid"/>
             <a:round/>
-            <a:headEnd len="sm" w="sm" type="none"/>
-            <a:tailEnd len="sm" w="sm" type="none"/>
+            <a:headEnd type="none" w="sm" len="sm"/>
+            <a:tailEnd type="none" w="sm" len="sm"/>
           </a:ln>
         </p:spPr>
         <p:txBody>
-          <a:bodyPr anchorCtr="0" anchor="ctr" bIns="121875" lIns="121875" spcFirstLastPara="1" rIns="121875" wrap="square" tIns="121875">
+          <a:bodyPr spcFirstLastPara="1" wrap="square" lIns="121875" tIns="121875" rIns="121875" bIns="121875" anchor="ctr" anchorCtr="0">
             <a:noAutofit/>
           </a:bodyPr>
           <a:lstStyle/>
           <a:p>
-            <a:pPr indent="0" lvl="0" marL="0" rtl="0" algn="l">
+            <a:pPr marL="0" lvl="0" indent="0" algn="l" rtl="0">
               <a:spcBef>
                 <a:spcPts val="0"/>
               </a:spcBef>
@@ -10273,9 +10494,6 @@
               </a:spcAft>
               <a:buNone/>
             </a:pPr>
-            <a:r>
-              <a:t/>
-            </a:r>
             <a:endParaRPr/>
           </a:p>
         </p:txBody>
@@ -10283,9 +10501,11 @@
       <p:sp>
         <p:nvSpPr>
           <p:cNvPr id="154" name="Google Shape;154;p19"/>
-          <p:cNvSpPr txBox="1"/>
+          <p:cNvSpPr txBox="1">
+            <a:spLocks noGrp="1"/>
+          </p:cNvSpPr>
           <p:nvPr>
-            <p:ph idx="4294967295" type="body"/>
+            <p:ph type="body" idx="4294967295"/>
           </p:nvPr>
         </p:nvSpPr>
         <p:spPr>
@@ -10298,12 +10518,12 @@
           </a:prstGeom>
         </p:spPr>
         <p:txBody>
-          <a:bodyPr anchorCtr="0" anchor="ctr" bIns="91425" lIns="91425" spcFirstLastPara="1" rIns="91425" wrap="square" tIns="91425">
+          <a:bodyPr spcFirstLastPara="1" wrap="square" lIns="91425" tIns="91425" rIns="91425" bIns="91425" anchor="ctr" anchorCtr="0">
             <a:noAutofit/>
           </a:bodyPr>
           <a:lstStyle/>
           <a:p>
-            <a:pPr indent="0" lvl="0" marL="0" rtl="0" algn="ctr">
+            <a:pPr marL="0" lvl="0" indent="0" algn="ctr" rtl="0">
               <a:lnSpc>
                 <a:spcPct val="100000"/>
               </a:lnSpc>
@@ -10360,14 +10580,14 @@
               <a:avLst/>
             </a:prstGeom>
             <a:noFill/>
-            <a:ln cap="flat" cmpd="sng" w="9525">
+            <a:ln w="9525" cap="flat" cmpd="sng">
               <a:solidFill>
                 <a:schemeClr val="dk2"/>
               </a:solidFill>
               <a:prstDash val="solid"/>
               <a:round/>
-              <a:headEnd len="sm" w="sm" type="none"/>
-              <a:tailEnd len="sm" w="sm" type="none"/>
+              <a:headEnd type="none" w="sm" len="sm"/>
+              <a:tailEnd type="none" w="sm" len="sm"/>
             </a:ln>
           </p:spPr>
         </p:cxnSp>
@@ -10393,12 +10613,12 @@
             </a:ln>
           </p:spPr>
           <p:txBody>
-            <a:bodyPr anchorCtr="0" anchor="ctr" bIns="91425" lIns="91425" spcFirstLastPara="1" rIns="91425" wrap="square" tIns="91425">
+            <a:bodyPr spcFirstLastPara="1" wrap="square" lIns="91425" tIns="91425" rIns="91425" bIns="91425" anchor="ctr" anchorCtr="0">
               <a:noAutofit/>
             </a:bodyPr>
             <a:lstStyle/>
             <a:p>
-              <a:pPr indent="0" lvl="0" marL="0" rtl="0" algn="l">
+              <a:pPr marL="0" lvl="0" indent="0" algn="l" rtl="0">
                 <a:spcBef>
                   <a:spcPts val="0"/>
                 </a:spcBef>
@@ -10407,9 +10627,6 @@
                 </a:spcAft>
                 <a:buNone/>
               </a:pPr>
-              <a:r>
-                <a:t/>
-              </a:r>
               <a:endParaRPr/>
             </a:p>
           </p:txBody>
@@ -10418,9 +10635,11 @@
       <p:sp>
         <p:nvSpPr>
           <p:cNvPr id="158" name="Google Shape;158;p19"/>
-          <p:cNvSpPr txBox="1"/>
+          <p:cNvSpPr txBox="1">
+            <a:spLocks noGrp="1"/>
+          </p:cNvSpPr>
           <p:nvPr>
-            <p:ph idx="4294967295" type="body"/>
+            <p:ph type="body" idx="4294967295"/>
           </p:nvPr>
         </p:nvSpPr>
         <p:spPr>
@@ -10433,12 +10652,12 @@
           </a:prstGeom>
         </p:spPr>
         <p:txBody>
-          <a:bodyPr anchorCtr="0" anchor="t" bIns="91425" lIns="91425" spcFirstLastPara="1" rIns="91425" wrap="square" tIns="91425">
+          <a:bodyPr spcFirstLastPara="1" wrap="square" lIns="91425" tIns="91425" rIns="91425" bIns="91425" anchor="t" anchorCtr="0">
             <a:noAutofit/>
           </a:bodyPr>
           <a:lstStyle/>
           <a:p>
-            <a:pPr indent="0" lvl="0" marL="0" rtl="0" algn="l">
+            <a:pPr marL="0" lvl="0" indent="0" algn="l" rtl="0">
               <a:spcBef>
                 <a:spcPts val="0"/>
               </a:spcBef>
@@ -10464,11 +10683,11 @@
 </file>
 
 <file path=ppt/slides/slide8.xml><?xml version="1.0" encoding="utf-8"?>
-<p:sld xmlns:a="http://schemas.openxmlformats.org/drawingml/2006/main" xmlns:r="http://schemas.openxmlformats.org/officeDocument/2006/relationships" xmlns:mc="http://schemas.openxmlformats.org/markup-compatibility/2006" xmlns:mv="urn:schemas-microsoft-com:mac:vml" xmlns:p="http://schemas.openxmlformats.org/presentationml/2006/main" xmlns:c="http://schemas.openxmlformats.org/drawingml/2006/chart" xmlns:dgm="http://schemas.openxmlformats.org/drawingml/2006/diagram" xmlns:o="urn:schemas-microsoft-com:office:office" xmlns:v="urn:schemas-microsoft-com:vml" xmlns:pvml="urn:schemas-microsoft-com:office:powerpoint" xmlns:com="http://schemas.openxmlformats.org/drawingml/2006/compatibility" xmlns:p14="http://schemas.microsoft.com/office/powerpoint/2010/main" xmlns:p15="http://schemas.microsoft.com/office/powerpoint/2012/main" xmlns:ahyp="http://schemas.microsoft.com/office/drawing/2018/hyperlinkcolor">
+<p:sld xmlns:a="http://schemas.openxmlformats.org/drawingml/2006/main" xmlns:r="http://schemas.openxmlformats.org/officeDocument/2006/relationships" xmlns:p="http://schemas.openxmlformats.org/presentationml/2006/main">
   <p:cSld>
     <p:spTree>
       <p:nvGrpSpPr>
-        <p:cNvPr id="162" name="Shape 162"/>
+        <p:cNvPr id="1" name="Shape 162"/>
         <p:cNvGrpSpPr/>
         <p:nvPr/>
       </p:nvGrpSpPr>
@@ -10483,7 +10702,9 @@
       <p:sp>
         <p:nvSpPr>
           <p:cNvPr id="163" name="Google Shape;163;p20"/>
-          <p:cNvSpPr txBox="1"/>
+          <p:cNvSpPr txBox="1">
+            <a:spLocks noGrp="1"/>
+          </p:cNvSpPr>
           <p:nvPr>
             <p:ph type="title"/>
           </p:nvPr>
@@ -10498,12 +10719,12 @@
           </a:prstGeom>
         </p:spPr>
         <p:txBody>
-          <a:bodyPr anchorCtr="0" anchor="t" bIns="91425" lIns="91425" spcFirstLastPara="1" rIns="91425" wrap="square" tIns="91425">
+          <a:bodyPr spcFirstLastPara="1" wrap="square" lIns="91425" tIns="91425" rIns="91425" bIns="91425" anchor="t" anchorCtr="0">
             <a:noAutofit/>
           </a:bodyPr>
           <a:lstStyle/>
           <a:p>
-            <a:pPr indent="0" lvl="0" marL="0" rtl="0" algn="l">
+            <a:pPr marL="0" lvl="0" indent="0" algn="l" rtl="0">
               <a:spcBef>
                 <a:spcPts val="0"/>
               </a:spcBef>
@@ -10535,23 +10756,23 @@
             <a:avLst/>
           </a:prstGeom>
           <a:noFill/>
-          <a:ln cap="flat" cmpd="sng" w="9525">
+          <a:ln w="9525" cap="flat" cmpd="sng">
             <a:solidFill>
               <a:schemeClr val="dk1"/>
             </a:solidFill>
             <a:prstDash val="solid"/>
             <a:round/>
-            <a:headEnd len="sm" w="sm" type="none"/>
-            <a:tailEnd len="sm" w="sm" type="none"/>
+            <a:headEnd type="none" w="sm" len="sm"/>
+            <a:tailEnd type="none" w="sm" len="sm"/>
           </a:ln>
         </p:spPr>
         <p:txBody>
-          <a:bodyPr anchorCtr="0" anchor="b" bIns="91425" lIns="91425" spcFirstLastPara="1" rIns="91425" wrap="square" tIns="91425">
+          <a:bodyPr spcFirstLastPara="1" wrap="square" lIns="91425" tIns="91425" rIns="91425" bIns="91425" anchor="b" anchorCtr="0">
             <a:noAutofit/>
           </a:bodyPr>
           <a:lstStyle/>
           <a:p>
-            <a:pPr indent="0" lvl="0" marL="0" rtl="0" algn="l">
+            <a:pPr marL="0" lvl="0" indent="0" algn="l" rtl="0">
               <a:spcBef>
                 <a:spcPts val="0"/>
               </a:spcBef>
@@ -10560,9 +10781,6 @@
               </a:spcAft>
               <a:buNone/>
             </a:pPr>
-            <a:r>
-              <a:t/>
-            </a:r>
             <a:endParaRPr/>
           </a:p>
         </p:txBody>
@@ -10589,12 +10807,12 @@
           </a:ln>
         </p:spPr>
         <p:txBody>
-          <a:bodyPr anchorCtr="0" anchor="ctr" bIns="91425" lIns="91425" spcFirstLastPara="1" rIns="91425" wrap="square" tIns="91425">
+          <a:bodyPr spcFirstLastPara="1" wrap="square" lIns="91425" tIns="91425" rIns="91425" bIns="91425" anchor="ctr" anchorCtr="0">
             <a:noAutofit/>
           </a:bodyPr>
           <a:lstStyle/>
           <a:p>
-            <a:pPr indent="0" lvl="0" marL="0" rtl="0" algn="l">
+            <a:pPr marL="0" lvl="0" indent="0" algn="l" rtl="0">
               <a:spcBef>
                 <a:spcPts val="0"/>
               </a:spcBef>
@@ -10603,9 +10821,6 @@
               </a:spcAft>
               <a:buNone/>
             </a:pPr>
-            <a:r>
-              <a:t/>
-            </a:r>
             <a:endParaRPr/>
           </a:p>
         </p:txBody>
@@ -10613,9 +10828,11 @@
       <p:sp>
         <p:nvSpPr>
           <p:cNvPr id="166" name="Google Shape;166;p20"/>
-          <p:cNvSpPr txBox="1"/>
+          <p:cNvSpPr txBox="1">
+            <a:spLocks noGrp="1"/>
+          </p:cNvSpPr>
           <p:nvPr>
-            <p:ph idx="4294967295" type="body"/>
+            <p:ph type="body" idx="4294967295"/>
           </p:nvPr>
         </p:nvSpPr>
         <p:spPr>
@@ -10628,12 +10845,12 @@
           </a:prstGeom>
         </p:spPr>
         <p:txBody>
-          <a:bodyPr anchorCtr="0" anchor="ctr" bIns="91425" lIns="91425" spcFirstLastPara="1" rIns="91425" wrap="square" tIns="91425">
+          <a:bodyPr spcFirstLastPara="1" wrap="square" lIns="91425" tIns="91425" rIns="91425" bIns="91425" anchor="ctr" anchorCtr="0">
             <a:noAutofit/>
           </a:bodyPr>
           <a:lstStyle/>
           <a:p>
-            <a:pPr indent="0" lvl="0" marL="0" rtl="0" algn="ctr">
+            <a:pPr marL="0" lvl="0" indent="0" algn="ctr" rtl="0">
               <a:lnSpc>
                 <a:spcPct val="100000"/>
               </a:lnSpc>
@@ -10664,9 +10881,11 @@
       <p:sp>
         <p:nvSpPr>
           <p:cNvPr id="167" name="Google Shape;167;p20"/>
-          <p:cNvSpPr txBox="1"/>
+          <p:cNvSpPr txBox="1">
+            <a:spLocks noGrp="1"/>
+          </p:cNvSpPr>
           <p:nvPr>
-            <p:ph idx="4294967295" type="body"/>
+            <p:ph type="body" idx="4294967295"/>
           </p:nvPr>
         </p:nvSpPr>
         <p:spPr>
@@ -10679,12 +10898,12 @@
           </a:prstGeom>
         </p:spPr>
         <p:txBody>
-          <a:bodyPr anchorCtr="0" anchor="ctr" bIns="91425" lIns="91425" spcFirstLastPara="1" rIns="91425" wrap="square" tIns="91425">
+          <a:bodyPr spcFirstLastPara="1" wrap="square" lIns="91425" tIns="91425" rIns="91425" bIns="91425" anchor="ctr" anchorCtr="0">
             <a:noAutofit/>
           </a:bodyPr>
           <a:lstStyle/>
           <a:p>
-            <a:pPr indent="0" lvl="0" marL="0" rtl="0" algn="ctr">
+            <a:pPr marL="0" lvl="0" indent="0" algn="ctr" rtl="0">
               <a:lnSpc>
                 <a:spcPct val="100000"/>
               </a:lnSpc>
@@ -10742,18 +10961,18 @@
             </a:xfrm>
             <a:prstGeom prst="bentConnector3">
               <a:avLst>
-                <a:gd fmla="val 49999" name="adj1"/>
+                <a:gd name="adj1" fmla="val 49999"/>
               </a:avLst>
             </a:prstGeom>
             <a:noFill/>
-            <a:ln cap="flat" cmpd="sng" w="9525">
+            <a:ln w="9525" cap="flat" cmpd="sng">
               <a:solidFill>
                 <a:schemeClr val="lt2"/>
               </a:solidFill>
               <a:prstDash val="solid"/>
               <a:round/>
-              <a:headEnd len="sm" w="sm" type="none"/>
-              <a:tailEnd len="sm" w="sm" type="none"/>
+              <a:headEnd type="none" w="sm" len="sm"/>
+              <a:tailEnd type="none" w="sm" len="sm"/>
             </a:ln>
           </p:spPr>
         </p:cxnSp>
@@ -10767,24 +10986,24 @@
             <p:nvPr/>
           </p:nvCxnSpPr>
           <p:spPr>
-            <a:xfrm flipH="1" rot="-5400000">
+            <a:xfrm rot="-5400000" flipH="1">
               <a:off x="5709013" y="909305"/>
               <a:ext cx="531900" cy="2206500"/>
             </a:xfrm>
             <a:prstGeom prst="bentConnector3">
               <a:avLst>
-                <a:gd fmla="val 49999" name="adj1"/>
+                <a:gd name="adj1" fmla="val 49999"/>
               </a:avLst>
             </a:prstGeom>
             <a:noFill/>
-            <a:ln cap="flat" cmpd="sng" w="9525">
+            <a:ln w="9525" cap="flat" cmpd="sng">
               <a:solidFill>
                 <a:schemeClr val="lt2"/>
               </a:solidFill>
               <a:prstDash val="solid"/>
               <a:round/>
-              <a:headEnd len="sm" w="sm" type="none"/>
-              <a:tailEnd len="sm" w="sm" type="none"/>
+              <a:headEnd type="none" w="sm" len="sm"/>
+              <a:tailEnd type="none" w="sm" len="sm"/>
             </a:ln>
           </p:spPr>
         </p:cxnSp>
@@ -10804,23 +11023,23 @@
             <a:avLst/>
           </a:prstGeom>
           <a:noFill/>
-          <a:ln cap="flat" cmpd="sng" w="9525">
+          <a:ln w="9525" cap="flat" cmpd="sng">
             <a:solidFill>
               <a:schemeClr val="dk1"/>
             </a:solidFill>
             <a:prstDash val="solid"/>
             <a:round/>
-            <a:headEnd len="sm" w="sm" type="none"/>
-            <a:tailEnd len="sm" w="sm" type="none"/>
+            <a:headEnd type="none" w="sm" len="sm"/>
+            <a:tailEnd type="none" w="sm" len="sm"/>
           </a:ln>
         </p:spPr>
         <p:txBody>
-          <a:bodyPr anchorCtr="0" anchor="b" bIns="91425" lIns="91425" spcFirstLastPara="1" rIns="91425" wrap="square" tIns="91425">
+          <a:bodyPr spcFirstLastPara="1" wrap="square" lIns="91425" tIns="91425" rIns="91425" bIns="91425" anchor="b" anchorCtr="0">
             <a:noAutofit/>
           </a:bodyPr>
           <a:lstStyle/>
           <a:p>
-            <a:pPr indent="0" lvl="0" marL="0" rtl="0" algn="l">
+            <a:pPr marL="0" lvl="0" indent="0" algn="l" rtl="0">
               <a:spcBef>
                 <a:spcPts val="0"/>
               </a:spcBef>
@@ -10829,9 +11048,6 @@
               </a:spcAft>
               <a:buNone/>
             </a:pPr>
-            <a:r>
-              <a:t/>
-            </a:r>
             <a:endParaRPr/>
           </a:p>
         </p:txBody>
@@ -10858,12 +11074,12 @@
           </a:ln>
         </p:spPr>
         <p:txBody>
-          <a:bodyPr anchorCtr="0" anchor="ctr" bIns="91425" lIns="91425" spcFirstLastPara="1" rIns="91425" wrap="square" tIns="91425">
+          <a:bodyPr spcFirstLastPara="1" wrap="square" lIns="91425" tIns="91425" rIns="91425" bIns="91425" anchor="ctr" anchorCtr="0">
             <a:noAutofit/>
           </a:bodyPr>
           <a:lstStyle/>
           <a:p>
-            <a:pPr indent="0" lvl="0" marL="0" rtl="0" algn="l">
+            <a:pPr marL="0" lvl="0" indent="0" algn="l" rtl="0">
               <a:spcBef>
                 <a:spcPts val="0"/>
               </a:spcBef>
@@ -10872,9 +11088,6 @@
               </a:spcAft>
               <a:buNone/>
             </a:pPr>
-            <a:r>
-              <a:t/>
-            </a:r>
             <a:endParaRPr/>
           </a:p>
         </p:txBody>
@@ -10882,9 +11095,11 @@
       <p:sp>
         <p:nvSpPr>
           <p:cNvPr id="174" name="Google Shape;174;p20"/>
-          <p:cNvSpPr txBox="1"/>
+          <p:cNvSpPr txBox="1">
+            <a:spLocks noGrp="1"/>
+          </p:cNvSpPr>
           <p:nvPr>
-            <p:ph idx="4294967295" type="body"/>
+            <p:ph type="body" idx="4294967295"/>
           </p:nvPr>
         </p:nvSpPr>
         <p:spPr>
@@ -10897,12 +11112,12 @@
           </a:prstGeom>
         </p:spPr>
         <p:txBody>
-          <a:bodyPr anchorCtr="0" anchor="ctr" bIns="91425" lIns="91425" spcFirstLastPara="1" rIns="91425" wrap="square" tIns="91425">
+          <a:bodyPr spcFirstLastPara="1" wrap="square" lIns="91425" tIns="91425" rIns="91425" bIns="91425" anchor="ctr" anchorCtr="0">
             <a:noAutofit/>
           </a:bodyPr>
           <a:lstStyle/>
           <a:p>
-            <a:pPr indent="0" lvl="0" marL="0" rtl="0" algn="ctr">
+            <a:pPr marL="0" lvl="0" indent="0" algn="ctr" rtl="0">
               <a:lnSpc>
                 <a:spcPct val="100000"/>
               </a:lnSpc>
@@ -10933,9 +11148,11 @@
       <p:sp>
         <p:nvSpPr>
           <p:cNvPr id="175" name="Google Shape;175;p20"/>
-          <p:cNvSpPr txBox="1"/>
+          <p:cNvSpPr txBox="1">
+            <a:spLocks noGrp="1"/>
+          </p:cNvSpPr>
           <p:nvPr>
-            <p:ph idx="4294967295" type="body"/>
+            <p:ph type="body" idx="4294967295"/>
           </p:nvPr>
         </p:nvSpPr>
         <p:spPr>
@@ -10948,12 +11165,12 @@
           </a:prstGeom>
         </p:spPr>
         <p:txBody>
-          <a:bodyPr anchorCtr="0" anchor="ctr" bIns="91425" lIns="91425" spcFirstLastPara="1" rIns="91425" wrap="square" tIns="91425">
+          <a:bodyPr spcFirstLastPara="1" wrap="square" lIns="91425" tIns="91425" rIns="91425" bIns="91425" anchor="ctr" anchorCtr="0">
             <a:noAutofit/>
           </a:bodyPr>
           <a:lstStyle/>
           <a:p>
-            <a:pPr indent="0" lvl="0" marL="0" rtl="0" algn="ctr">
+            <a:pPr marL="0" lvl="0" indent="0" algn="ctr" rtl="0">
               <a:lnSpc>
                 <a:spcPct val="100000"/>
               </a:lnSpc>
@@ -11013,14 +11230,14 @@
               <a:avLst/>
             </a:prstGeom>
             <a:noFill/>
-            <a:ln cap="flat" cmpd="sng" w="9525">
+            <a:ln w="9525" cap="flat" cmpd="sng">
               <a:solidFill>
                 <a:schemeClr val="lt2"/>
               </a:solidFill>
               <a:prstDash val="solid"/>
               <a:round/>
-              <a:headEnd len="sm" w="sm" type="none"/>
-              <a:tailEnd len="sm" w="sm" type="none"/>
+              <a:headEnd type="none" w="sm" len="sm"/>
+              <a:tailEnd type="none" w="sm" len="sm"/>
             </a:ln>
           </p:spPr>
         </p:cxnSp>
@@ -11040,18 +11257,18 @@
             </a:xfrm>
             <a:prstGeom prst="bentConnector3">
               <a:avLst>
-                <a:gd fmla="val 50012" name="adj1"/>
+                <a:gd name="adj1" fmla="val 50012"/>
               </a:avLst>
             </a:prstGeom>
             <a:noFill/>
-            <a:ln cap="flat" cmpd="sng" w="9525">
+            <a:ln w="9525" cap="flat" cmpd="sng">
               <a:solidFill>
                 <a:schemeClr val="lt2"/>
               </a:solidFill>
               <a:prstDash val="solid"/>
               <a:round/>
-              <a:headEnd len="sm" w="sm" type="none"/>
-              <a:tailEnd len="sm" w="sm" type="none"/>
+              <a:headEnd type="none" w="sm" len="sm"/>
+              <a:tailEnd type="none" w="sm" len="sm"/>
             </a:ln>
           </p:spPr>
         </p:cxnSp>
@@ -11065,24 +11282,24 @@
             <p:nvPr/>
           </p:nvCxnSpPr>
           <p:spPr>
-            <a:xfrm flipH="1" rot="-5400000">
+            <a:xfrm rot="-5400000" flipH="1">
               <a:off x="3485505" y="2409751"/>
               <a:ext cx="531900" cy="1663800"/>
             </a:xfrm>
             <a:prstGeom prst="bentConnector3">
               <a:avLst>
-                <a:gd fmla="val 50012" name="adj1"/>
+                <a:gd name="adj1" fmla="val 50012"/>
               </a:avLst>
             </a:prstGeom>
             <a:noFill/>
-            <a:ln cap="flat" cmpd="sng" w="9525">
+            <a:ln w="9525" cap="flat" cmpd="sng">
               <a:solidFill>
                 <a:schemeClr val="lt2"/>
               </a:solidFill>
               <a:prstDash val="solid"/>
               <a:round/>
-              <a:headEnd len="sm" w="sm" type="none"/>
-              <a:tailEnd len="sm" w="sm" type="none"/>
+              <a:headEnd type="none" w="sm" len="sm"/>
+              <a:tailEnd type="none" w="sm" len="sm"/>
             </a:ln>
           </p:spPr>
         </p:cxnSp>
@@ -11102,23 +11319,23 @@
             <a:avLst/>
           </a:prstGeom>
           <a:noFill/>
-          <a:ln cap="flat" cmpd="sng" w="9525">
+          <a:ln w="9525" cap="flat" cmpd="sng">
             <a:solidFill>
               <a:schemeClr val="dk1"/>
             </a:solidFill>
             <a:prstDash val="solid"/>
             <a:round/>
-            <a:headEnd len="sm" w="sm" type="none"/>
-            <a:tailEnd len="sm" w="sm" type="none"/>
+            <a:headEnd type="none" w="sm" len="sm"/>
+            <a:tailEnd type="none" w="sm" len="sm"/>
           </a:ln>
         </p:spPr>
         <p:txBody>
-          <a:bodyPr anchorCtr="0" anchor="b" bIns="91425" lIns="91425" spcFirstLastPara="1" rIns="91425" wrap="square" tIns="91425">
+          <a:bodyPr spcFirstLastPara="1" wrap="square" lIns="91425" tIns="91425" rIns="91425" bIns="91425" anchor="b" anchorCtr="0">
             <a:noAutofit/>
           </a:bodyPr>
           <a:lstStyle/>
           <a:p>
-            <a:pPr indent="0" lvl="0" marL="0" rtl="0" algn="l">
+            <a:pPr marL="0" lvl="0" indent="0" algn="l" rtl="0">
               <a:spcBef>
                 <a:spcPts val="0"/>
               </a:spcBef>
@@ -11127,9 +11344,6 @@
               </a:spcAft>
               <a:buNone/>
             </a:pPr>
-            <a:r>
-              <a:t/>
-            </a:r>
             <a:endParaRPr/>
           </a:p>
         </p:txBody>
@@ -11156,12 +11370,12 @@
           </a:ln>
         </p:spPr>
         <p:txBody>
-          <a:bodyPr anchorCtr="0" anchor="ctr" bIns="91425" lIns="91425" spcFirstLastPara="1" rIns="91425" wrap="square" tIns="91425">
+          <a:bodyPr spcFirstLastPara="1" wrap="square" lIns="91425" tIns="91425" rIns="91425" bIns="91425" anchor="ctr" anchorCtr="0">
             <a:noAutofit/>
           </a:bodyPr>
           <a:lstStyle/>
           <a:p>
-            <a:pPr indent="0" lvl="0" marL="0" rtl="0" algn="l">
+            <a:pPr marL="0" lvl="0" indent="0" algn="l" rtl="0">
               <a:spcBef>
                 <a:spcPts val="0"/>
               </a:spcBef>
@@ -11170,9 +11384,6 @@
               </a:spcAft>
               <a:buNone/>
             </a:pPr>
-            <a:r>
-              <a:t/>
-            </a:r>
             <a:endParaRPr/>
           </a:p>
         </p:txBody>
@@ -11180,9 +11391,11 @@
       <p:sp>
         <p:nvSpPr>
           <p:cNvPr id="184" name="Google Shape;184;p20"/>
-          <p:cNvSpPr txBox="1"/>
+          <p:cNvSpPr txBox="1">
+            <a:spLocks noGrp="1"/>
+          </p:cNvSpPr>
           <p:nvPr>
-            <p:ph idx="4294967295" type="body"/>
+            <p:ph type="body" idx="4294967295"/>
           </p:nvPr>
         </p:nvSpPr>
         <p:spPr>
@@ -11195,12 +11408,12 @@
           </a:prstGeom>
         </p:spPr>
         <p:txBody>
-          <a:bodyPr anchorCtr="0" anchor="ctr" bIns="91425" lIns="91425" spcFirstLastPara="1" rIns="91425" wrap="square" tIns="91425">
+          <a:bodyPr spcFirstLastPara="1" wrap="square" lIns="91425" tIns="91425" rIns="91425" bIns="91425" anchor="ctr" anchorCtr="0">
             <a:noAutofit/>
           </a:bodyPr>
           <a:lstStyle/>
           <a:p>
-            <a:pPr indent="0" lvl="0" marL="0" rtl="0" algn="ctr">
+            <a:pPr marL="0" lvl="0" indent="0" algn="ctr" rtl="0">
               <a:lnSpc>
                 <a:spcPct val="100000"/>
               </a:lnSpc>
@@ -11231,9 +11444,11 @@
       <p:sp>
         <p:nvSpPr>
           <p:cNvPr id="185" name="Google Shape;185;p20"/>
-          <p:cNvSpPr txBox="1"/>
+          <p:cNvSpPr txBox="1">
+            <a:spLocks noGrp="1"/>
+          </p:cNvSpPr>
           <p:nvPr>
-            <p:ph idx="4294967295" type="body"/>
+            <p:ph type="body" idx="4294967295"/>
           </p:nvPr>
         </p:nvSpPr>
         <p:spPr>
@@ -11246,12 +11461,12 @@
           </a:prstGeom>
         </p:spPr>
         <p:txBody>
-          <a:bodyPr anchorCtr="0" anchor="ctr" bIns="91425" lIns="91425" spcFirstLastPara="1" rIns="91425" wrap="square" tIns="91425">
+          <a:bodyPr spcFirstLastPara="1" wrap="square" lIns="91425" tIns="91425" rIns="91425" bIns="91425" anchor="ctr" anchorCtr="0">
             <a:noAutofit/>
           </a:bodyPr>
           <a:lstStyle/>
           <a:p>
-            <a:pPr indent="0" lvl="0" marL="0" rtl="0" algn="ctr">
+            <a:pPr marL="0" lvl="0" indent="0" algn="ctr" rtl="0">
               <a:lnSpc>
                 <a:spcPct val="100000"/>
               </a:lnSpc>
@@ -11294,23 +11509,23 @@
             <a:avLst/>
           </a:prstGeom>
           <a:noFill/>
-          <a:ln cap="flat" cmpd="sng" w="9525">
+          <a:ln w="9525" cap="flat" cmpd="sng">
             <a:solidFill>
               <a:schemeClr val="dk1"/>
             </a:solidFill>
             <a:prstDash val="solid"/>
             <a:round/>
-            <a:headEnd len="sm" w="sm" type="none"/>
-            <a:tailEnd len="sm" w="sm" type="none"/>
+            <a:headEnd type="none" w="sm" len="sm"/>
+            <a:tailEnd type="none" w="sm" len="sm"/>
           </a:ln>
         </p:spPr>
         <p:txBody>
-          <a:bodyPr anchorCtr="0" anchor="b" bIns="91425" lIns="91425" spcFirstLastPara="1" rIns="91425" wrap="square" tIns="91425">
+          <a:bodyPr spcFirstLastPara="1" wrap="square" lIns="91425" tIns="91425" rIns="91425" bIns="91425" anchor="b" anchorCtr="0">
             <a:noAutofit/>
           </a:bodyPr>
           <a:lstStyle/>
           <a:p>
-            <a:pPr indent="0" lvl="0" marL="0" rtl="0" algn="l">
+            <a:pPr marL="0" lvl="0" indent="0" algn="l" rtl="0">
               <a:spcBef>
                 <a:spcPts val="0"/>
               </a:spcBef>
@@ -11319,9 +11534,6 @@
               </a:spcAft>
               <a:buNone/>
             </a:pPr>
-            <a:r>
-              <a:t/>
-            </a:r>
             <a:endParaRPr/>
           </a:p>
         </p:txBody>
@@ -11348,12 +11560,12 @@
           </a:ln>
         </p:spPr>
         <p:txBody>
-          <a:bodyPr anchorCtr="0" anchor="ctr" bIns="91425" lIns="91425" spcFirstLastPara="1" rIns="91425" wrap="square" tIns="91425">
+          <a:bodyPr spcFirstLastPara="1" wrap="square" lIns="91425" tIns="91425" rIns="91425" bIns="91425" anchor="ctr" anchorCtr="0">
             <a:noAutofit/>
           </a:bodyPr>
           <a:lstStyle/>
           <a:p>
-            <a:pPr indent="0" lvl="0" marL="0" rtl="0" algn="l">
+            <a:pPr marL="0" lvl="0" indent="0" algn="l" rtl="0">
               <a:spcBef>
                 <a:spcPts val="0"/>
               </a:spcBef>
@@ -11362,9 +11574,6 @@
               </a:spcAft>
               <a:buNone/>
             </a:pPr>
-            <a:r>
-              <a:t/>
-            </a:r>
             <a:endParaRPr/>
           </a:p>
         </p:txBody>
@@ -11372,9 +11581,11 @@
       <p:sp>
         <p:nvSpPr>
           <p:cNvPr id="187" name="Google Shape;187;p20"/>
-          <p:cNvSpPr txBox="1"/>
+          <p:cNvSpPr txBox="1">
+            <a:spLocks noGrp="1"/>
+          </p:cNvSpPr>
           <p:nvPr>
-            <p:ph idx="4294967295" type="body"/>
+            <p:ph type="body" idx="4294967295"/>
           </p:nvPr>
         </p:nvSpPr>
         <p:spPr>
@@ -11387,12 +11598,12 @@
           </a:prstGeom>
         </p:spPr>
         <p:txBody>
-          <a:bodyPr anchorCtr="0" anchor="ctr" bIns="91425" lIns="91425" spcFirstLastPara="1" rIns="91425" wrap="square" tIns="91425">
+          <a:bodyPr spcFirstLastPara="1" wrap="square" lIns="91425" tIns="91425" rIns="91425" bIns="91425" anchor="ctr" anchorCtr="0">
             <a:noAutofit/>
           </a:bodyPr>
           <a:lstStyle/>
           <a:p>
-            <a:pPr indent="0" lvl="0" marL="0" rtl="0" algn="ctr">
+            <a:pPr marL="0" lvl="0" indent="0" algn="ctr" rtl="0">
               <a:lnSpc>
                 <a:spcPct val="100000"/>
               </a:lnSpc>
@@ -11423,9 +11634,11 @@
       <p:sp>
         <p:nvSpPr>
           <p:cNvPr id="188" name="Google Shape;188;p20"/>
-          <p:cNvSpPr txBox="1"/>
+          <p:cNvSpPr txBox="1">
+            <a:spLocks noGrp="1"/>
+          </p:cNvSpPr>
           <p:nvPr>
-            <p:ph idx="4294967295" type="body"/>
+            <p:ph type="body" idx="4294967295"/>
           </p:nvPr>
         </p:nvSpPr>
         <p:spPr>
@@ -11438,12 +11651,12 @@
           </a:prstGeom>
         </p:spPr>
         <p:txBody>
-          <a:bodyPr anchorCtr="0" anchor="ctr" bIns="91425" lIns="91425" spcFirstLastPara="1" rIns="91425" wrap="square" tIns="91425">
+          <a:bodyPr spcFirstLastPara="1" wrap="square" lIns="91425" tIns="91425" rIns="91425" bIns="91425" anchor="ctr" anchorCtr="0">
             <a:noAutofit/>
           </a:bodyPr>
           <a:lstStyle/>
           <a:p>
-            <a:pPr indent="0" lvl="0" marL="0" rtl="0" algn="ctr">
+            <a:pPr marL="0" lvl="0" indent="0" algn="ctr" rtl="0">
               <a:lnSpc>
                 <a:spcPct val="100000"/>
               </a:lnSpc>
@@ -11486,23 +11699,23 @@
             <a:avLst/>
           </a:prstGeom>
           <a:noFill/>
-          <a:ln cap="flat" cmpd="sng" w="9525">
+          <a:ln w="9525" cap="flat" cmpd="sng">
             <a:solidFill>
               <a:schemeClr val="dk1"/>
             </a:solidFill>
             <a:prstDash val="solid"/>
             <a:round/>
-            <a:headEnd len="sm" w="sm" type="none"/>
-            <a:tailEnd len="sm" w="sm" type="none"/>
+            <a:headEnd type="none" w="sm" len="sm"/>
+            <a:tailEnd type="none" w="sm" len="sm"/>
           </a:ln>
         </p:spPr>
         <p:txBody>
-          <a:bodyPr anchorCtr="0" anchor="b" bIns="91425" lIns="91425" spcFirstLastPara="1" rIns="91425" wrap="square" tIns="91425">
+          <a:bodyPr spcFirstLastPara="1" wrap="square" lIns="91425" tIns="91425" rIns="91425" bIns="91425" anchor="b" anchorCtr="0">
             <a:noAutofit/>
           </a:bodyPr>
           <a:lstStyle/>
           <a:p>
-            <a:pPr indent="0" lvl="0" marL="0" rtl="0" algn="l">
+            <a:pPr marL="0" lvl="0" indent="0" algn="l" rtl="0">
               <a:spcBef>
                 <a:spcPts val="0"/>
               </a:spcBef>
@@ -11511,9 +11724,6 @@
               </a:spcAft>
               <a:buNone/>
             </a:pPr>
-            <a:r>
-              <a:t/>
-            </a:r>
             <a:endParaRPr/>
           </a:p>
         </p:txBody>
@@ -11540,12 +11750,12 @@
           </a:ln>
         </p:spPr>
         <p:txBody>
-          <a:bodyPr anchorCtr="0" anchor="ctr" bIns="91425" lIns="91425" spcFirstLastPara="1" rIns="91425" wrap="square" tIns="91425">
+          <a:bodyPr spcFirstLastPara="1" wrap="square" lIns="91425" tIns="91425" rIns="91425" bIns="91425" anchor="ctr" anchorCtr="0">
             <a:noAutofit/>
           </a:bodyPr>
           <a:lstStyle/>
           <a:p>
-            <a:pPr indent="0" lvl="0" marL="0" rtl="0" algn="l">
+            <a:pPr marL="0" lvl="0" indent="0" algn="l" rtl="0">
               <a:spcBef>
                 <a:spcPts val="0"/>
               </a:spcBef>
@@ -11554,9 +11764,6 @@
               </a:spcAft>
               <a:buNone/>
             </a:pPr>
-            <a:r>
-              <a:t/>
-            </a:r>
             <a:endParaRPr/>
           </a:p>
         </p:txBody>
@@ -11564,9 +11771,11 @@
       <p:sp>
         <p:nvSpPr>
           <p:cNvPr id="190" name="Google Shape;190;p20"/>
-          <p:cNvSpPr txBox="1"/>
+          <p:cNvSpPr txBox="1">
+            <a:spLocks noGrp="1"/>
+          </p:cNvSpPr>
           <p:nvPr>
-            <p:ph idx="4294967295" type="body"/>
+            <p:ph type="body" idx="4294967295"/>
           </p:nvPr>
         </p:nvSpPr>
         <p:spPr>
@@ -11579,12 +11788,12 @@
           </a:prstGeom>
         </p:spPr>
         <p:txBody>
-          <a:bodyPr anchorCtr="0" anchor="ctr" bIns="91425" lIns="91425" spcFirstLastPara="1" rIns="91425" wrap="square" tIns="91425">
+          <a:bodyPr spcFirstLastPara="1" wrap="square" lIns="91425" tIns="91425" rIns="91425" bIns="91425" anchor="ctr" anchorCtr="0">
             <a:noAutofit/>
           </a:bodyPr>
           <a:lstStyle/>
           <a:p>
-            <a:pPr indent="0" lvl="0" marL="0" rtl="0" algn="ctr">
+            <a:pPr marL="0" lvl="0" indent="0" algn="ctr" rtl="0">
               <a:lnSpc>
                 <a:spcPct val="100000"/>
               </a:lnSpc>
@@ -11615,9 +11824,11 @@
       <p:sp>
         <p:nvSpPr>
           <p:cNvPr id="191" name="Google Shape;191;p20"/>
-          <p:cNvSpPr txBox="1"/>
+          <p:cNvSpPr txBox="1">
+            <a:spLocks noGrp="1"/>
+          </p:cNvSpPr>
           <p:nvPr>
-            <p:ph idx="4294967295" type="body"/>
+            <p:ph type="body" idx="4294967295"/>
           </p:nvPr>
         </p:nvSpPr>
         <p:spPr>
@@ -11630,12 +11841,12 @@
           </a:prstGeom>
         </p:spPr>
         <p:txBody>
-          <a:bodyPr anchorCtr="0" anchor="ctr" bIns="91425" lIns="91425" spcFirstLastPara="1" rIns="91425" wrap="square" tIns="91425">
+          <a:bodyPr spcFirstLastPara="1" wrap="square" lIns="91425" tIns="91425" rIns="91425" bIns="91425" anchor="ctr" anchorCtr="0">
             <a:noAutofit/>
           </a:bodyPr>
           <a:lstStyle/>
           <a:p>
-            <a:pPr indent="0" lvl="0" marL="0" rtl="0" algn="ctr">
+            <a:pPr marL="0" lvl="0" indent="0" algn="ctr" rtl="0">
               <a:lnSpc>
                 <a:spcPct val="100000"/>
               </a:lnSpc>
@@ -11678,23 +11889,23 @@
             <a:avLst/>
           </a:prstGeom>
           <a:noFill/>
-          <a:ln cap="flat" cmpd="sng" w="9525">
+          <a:ln w="9525" cap="flat" cmpd="sng">
             <a:solidFill>
               <a:schemeClr val="dk1"/>
             </a:solidFill>
             <a:prstDash val="solid"/>
             <a:round/>
-            <a:headEnd len="sm" w="sm" type="none"/>
-            <a:tailEnd len="sm" w="sm" type="none"/>
+            <a:headEnd type="none" w="sm" len="sm"/>
+            <a:tailEnd type="none" w="sm" len="sm"/>
           </a:ln>
         </p:spPr>
         <p:txBody>
-          <a:bodyPr anchorCtr="0" anchor="b" bIns="91425" lIns="91425" spcFirstLastPara="1" rIns="91425" wrap="square" tIns="91425">
+          <a:bodyPr spcFirstLastPara="1" wrap="square" lIns="91425" tIns="91425" rIns="91425" bIns="91425" anchor="b" anchorCtr="0">
             <a:noAutofit/>
           </a:bodyPr>
           <a:lstStyle/>
           <a:p>
-            <a:pPr indent="0" lvl="0" marL="0" rtl="0" algn="l">
+            <a:pPr marL="0" lvl="0" indent="0" algn="l" rtl="0">
               <a:spcBef>
                 <a:spcPts val="0"/>
               </a:spcBef>
@@ -11703,9 +11914,6 @@
               </a:spcAft>
               <a:buNone/>
             </a:pPr>
-            <a:r>
-              <a:t/>
-            </a:r>
             <a:endParaRPr/>
           </a:p>
         </p:txBody>
@@ -11732,12 +11940,12 @@
           </a:ln>
         </p:spPr>
         <p:txBody>
-          <a:bodyPr anchorCtr="0" anchor="ctr" bIns="91425" lIns="91425" spcFirstLastPara="1" rIns="91425" wrap="square" tIns="91425">
+          <a:bodyPr spcFirstLastPara="1" wrap="square" lIns="91425" tIns="91425" rIns="91425" bIns="91425" anchor="ctr" anchorCtr="0">
             <a:noAutofit/>
           </a:bodyPr>
           <a:lstStyle/>
           <a:p>
-            <a:pPr indent="0" lvl="0" marL="0" rtl="0" algn="l">
+            <a:pPr marL="0" lvl="0" indent="0" algn="l" rtl="0">
               <a:spcBef>
                 <a:spcPts val="0"/>
               </a:spcBef>
@@ -11746,9 +11954,6 @@
               </a:spcAft>
               <a:buNone/>
             </a:pPr>
-            <a:r>
-              <a:t/>
-            </a:r>
             <a:endParaRPr/>
           </a:p>
         </p:txBody>
@@ -11756,9 +11961,11 @@
       <p:sp>
         <p:nvSpPr>
           <p:cNvPr id="193" name="Google Shape;193;p20"/>
-          <p:cNvSpPr txBox="1"/>
+          <p:cNvSpPr txBox="1">
+            <a:spLocks noGrp="1"/>
+          </p:cNvSpPr>
           <p:nvPr>
-            <p:ph idx="4294967295" type="body"/>
+            <p:ph type="body" idx="4294967295"/>
           </p:nvPr>
         </p:nvSpPr>
         <p:spPr>
@@ -11771,12 +11978,12 @@
           </a:prstGeom>
         </p:spPr>
         <p:txBody>
-          <a:bodyPr anchorCtr="0" anchor="ctr" bIns="91425" lIns="91425" spcFirstLastPara="1" rIns="91425" wrap="square" tIns="91425">
+          <a:bodyPr spcFirstLastPara="1" wrap="square" lIns="91425" tIns="91425" rIns="91425" bIns="91425" anchor="ctr" anchorCtr="0">
             <a:noAutofit/>
           </a:bodyPr>
           <a:lstStyle/>
           <a:p>
-            <a:pPr indent="0" lvl="0" marL="0" rtl="0" algn="ctr">
+            <a:pPr marL="0" lvl="0" indent="0" algn="ctr" rtl="0">
               <a:lnSpc>
                 <a:spcPct val="100000"/>
               </a:lnSpc>
@@ -11807,9 +12014,11 @@
       <p:sp>
         <p:nvSpPr>
           <p:cNvPr id="194" name="Google Shape;194;p20"/>
-          <p:cNvSpPr txBox="1"/>
+          <p:cNvSpPr txBox="1">
+            <a:spLocks noGrp="1"/>
+          </p:cNvSpPr>
           <p:nvPr>
-            <p:ph idx="4294967295" type="body"/>
+            <p:ph type="body" idx="4294967295"/>
           </p:nvPr>
         </p:nvSpPr>
         <p:spPr>
@@ -11822,12 +12031,12 @@
           </a:prstGeom>
         </p:spPr>
         <p:txBody>
-          <a:bodyPr anchorCtr="0" anchor="ctr" bIns="91425" lIns="91425" spcFirstLastPara="1" rIns="91425" wrap="square" tIns="91425">
+          <a:bodyPr spcFirstLastPara="1" wrap="square" lIns="91425" tIns="91425" rIns="91425" bIns="91425" anchor="ctr" anchorCtr="0">
             <a:noAutofit/>
           </a:bodyPr>
           <a:lstStyle/>
           <a:p>
-            <a:pPr indent="0" lvl="0" marL="0" rtl="0" algn="ctr">
+            <a:pPr marL="0" lvl="0" indent="0" algn="ctr" rtl="0">
               <a:lnSpc>
                 <a:spcPct val="100000"/>
               </a:lnSpc>
@@ -11885,18 +12094,18 @@
             </a:xfrm>
             <a:prstGeom prst="bentConnector3">
               <a:avLst>
-                <a:gd fmla="val 50012" name="adj1"/>
+                <a:gd name="adj1" fmla="val 50012"/>
               </a:avLst>
             </a:prstGeom>
             <a:noFill/>
-            <a:ln cap="flat" cmpd="sng" w="9525">
+            <a:ln w="9525" cap="flat" cmpd="sng">
               <a:solidFill>
                 <a:schemeClr val="lt2"/>
               </a:solidFill>
               <a:prstDash val="solid"/>
               <a:round/>
-              <a:headEnd len="sm" w="sm" type="none"/>
-              <a:tailEnd len="sm" w="sm" type="none"/>
+              <a:headEnd type="none" w="sm" len="sm"/>
+              <a:tailEnd type="none" w="sm" len="sm"/>
             </a:ln>
           </p:spPr>
         </p:cxnSp>
@@ -11910,24 +12119,24 @@
             <p:nvPr/>
           </p:nvCxnSpPr>
           <p:spPr>
-            <a:xfrm flipH="1" rot="-5400000">
+            <a:xfrm rot="-5400000" flipH="1">
               <a:off x="7228341" y="2825701"/>
               <a:ext cx="531900" cy="831900"/>
             </a:xfrm>
             <a:prstGeom prst="bentConnector3">
               <a:avLst>
-                <a:gd fmla="val 50013" name="adj1"/>
+                <a:gd name="adj1" fmla="val 50013"/>
               </a:avLst>
             </a:prstGeom>
             <a:noFill/>
-            <a:ln cap="flat" cmpd="sng" w="9525">
+            <a:ln w="9525" cap="flat" cmpd="sng">
               <a:solidFill>
                 <a:schemeClr val="lt2"/>
               </a:solidFill>
               <a:prstDash val="solid"/>
               <a:round/>
-              <a:headEnd len="sm" w="sm" type="none"/>
-              <a:tailEnd len="sm" w="sm" type="none"/>
+              <a:headEnd type="none" w="sm" len="sm"/>
+              <a:tailEnd type="none" w="sm" len="sm"/>
             </a:ln>
           </p:spPr>
         </p:cxnSp>
@@ -11947,23 +12156,23 @@
             <a:avLst/>
           </a:prstGeom>
           <a:noFill/>
-          <a:ln cap="flat" cmpd="sng" w="9525">
+          <a:ln w="9525" cap="flat" cmpd="sng">
             <a:solidFill>
               <a:schemeClr val="dk1"/>
             </a:solidFill>
             <a:prstDash val="solid"/>
             <a:round/>
-            <a:headEnd len="sm" w="sm" type="none"/>
-            <a:tailEnd len="sm" w="sm" type="none"/>
+            <a:headEnd type="none" w="sm" len="sm"/>
+            <a:tailEnd type="none" w="sm" len="sm"/>
           </a:ln>
         </p:spPr>
         <p:txBody>
-          <a:bodyPr anchorCtr="0" anchor="b" bIns="91425" lIns="91425" spcFirstLastPara="1" rIns="91425" wrap="square" tIns="91425">
+          <a:bodyPr spcFirstLastPara="1" wrap="square" lIns="91425" tIns="91425" rIns="91425" bIns="91425" anchor="b" anchorCtr="0">
             <a:noAutofit/>
           </a:bodyPr>
           <a:lstStyle/>
           <a:p>
-            <a:pPr indent="0" lvl="0" marL="0" rtl="0" algn="l">
+            <a:pPr marL="0" lvl="0" indent="0" algn="l" rtl="0">
               <a:spcBef>
                 <a:spcPts val="0"/>
               </a:spcBef>
@@ -11972,9 +12181,6 @@
               </a:spcAft>
               <a:buNone/>
             </a:pPr>
-            <a:r>
-              <a:t/>
-            </a:r>
             <a:endParaRPr/>
           </a:p>
         </p:txBody>
@@ -12001,12 +12207,12 @@
           </a:ln>
         </p:spPr>
         <p:txBody>
-          <a:bodyPr anchorCtr="0" anchor="ctr" bIns="91425" lIns="91425" spcFirstLastPara="1" rIns="91425" wrap="square" tIns="91425">
+          <a:bodyPr spcFirstLastPara="1" wrap="square" lIns="91425" tIns="91425" rIns="91425" bIns="91425" anchor="ctr" anchorCtr="0">
             <a:noAutofit/>
           </a:bodyPr>
           <a:lstStyle/>
           <a:p>
-            <a:pPr indent="0" lvl="0" marL="0" rtl="0" algn="l">
+            <a:pPr marL="0" lvl="0" indent="0" algn="l" rtl="0">
               <a:spcBef>
                 <a:spcPts val="0"/>
               </a:spcBef>
@@ -12015,9 +12221,6 @@
               </a:spcAft>
               <a:buNone/>
             </a:pPr>
-            <a:r>
-              <a:t/>
-            </a:r>
             <a:endParaRPr/>
           </a:p>
         </p:txBody>
@@ -12025,9 +12228,11 @@
       <p:sp>
         <p:nvSpPr>
           <p:cNvPr id="201" name="Google Shape;201;p20"/>
-          <p:cNvSpPr txBox="1"/>
+          <p:cNvSpPr txBox="1">
+            <a:spLocks noGrp="1"/>
+          </p:cNvSpPr>
           <p:nvPr>
-            <p:ph idx="4294967295" type="body"/>
+            <p:ph type="body" idx="4294967295"/>
           </p:nvPr>
         </p:nvSpPr>
         <p:spPr>
@@ -12040,12 +12245,12 @@
           </a:prstGeom>
         </p:spPr>
         <p:txBody>
-          <a:bodyPr anchorCtr="0" anchor="ctr" bIns="91425" lIns="91425" spcFirstLastPara="1" rIns="91425" wrap="square" tIns="91425">
+          <a:bodyPr spcFirstLastPara="1" wrap="square" lIns="91425" tIns="91425" rIns="91425" bIns="91425" anchor="ctr" anchorCtr="0">
             <a:noAutofit/>
           </a:bodyPr>
           <a:lstStyle/>
           <a:p>
-            <a:pPr indent="0" lvl="0" marL="0" rtl="0" algn="ctr">
+            <a:pPr marL="0" lvl="0" indent="0" algn="ctr" rtl="0">
               <a:lnSpc>
                 <a:spcPct val="100000"/>
               </a:lnSpc>
@@ -12076,9 +12281,11 @@
       <p:sp>
         <p:nvSpPr>
           <p:cNvPr id="202" name="Google Shape;202;p20"/>
-          <p:cNvSpPr txBox="1"/>
+          <p:cNvSpPr txBox="1">
+            <a:spLocks noGrp="1"/>
+          </p:cNvSpPr>
           <p:nvPr>
-            <p:ph idx="4294967295" type="body"/>
+            <p:ph type="body" idx="4294967295"/>
           </p:nvPr>
         </p:nvSpPr>
         <p:spPr>
@@ -12091,12 +12298,12 @@
           </a:prstGeom>
         </p:spPr>
         <p:txBody>
-          <a:bodyPr anchorCtr="0" anchor="ctr" bIns="91425" lIns="91425" spcFirstLastPara="1" rIns="91425" wrap="square" tIns="91425">
+          <a:bodyPr spcFirstLastPara="1" wrap="square" lIns="91425" tIns="91425" rIns="91425" bIns="91425" anchor="ctr" anchorCtr="0">
             <a:noAutofit/>
           </a:bodyPr>
           <a:lstStyle/>
           <a:p>
-            <a:pPr indent="0" lvl="0" marL="0" rtl="0" algn="ctr">
+            <a:pPr marL="0" lvl="0" indent="0" algn="ctr" rtl="0">
               <a:lnSpc>
                 <a:spcPct val="100000"/>
               </a:lnSpc>
@@ -12139,23 +12346,23 @@
             <a:avLst/>
           </a:prstGeom>
           <a:noFill/>
-          <a:ln cap="flat" cmpd="sng" w="9525">
+          <a:ln w="9525" cap="flat" cmpd="sng">
             <a:solidFill>
               <a:schemeClr val="dk1"/>
             </a:solidFill>
             <a:prstDash val="solid"/>
             <a:round/>
-            <a:headEnd len="sm" w="sm" type="none"/>
-            <a:tailEnd len="sm" w="sm" type="none"/>
+            <a:headEnd type="none" w="sm" len="sm"/>
+            <a:tailEnd type="none" w="sm" len="sm"/>
           </a:ln>
         </p:spPr>
         <p:txBody>
-          <a:bodyPr anchorCtr="0" anchor="b" bIns="91425" lIns="91425" spcFirstLastPara="1" rIns="91425" wrap="square" tIns="91425">
+          <a:bodyPr spcFirstLastPara="1" wrap="square" lIns="91425" tIns="91425" rIns="91425" bIns="91425" anchor="b" anchorCtr="0">
             <a:noAutofit/>
           </a:bodyPr>
           <a:lstStyle/>
           <a:p>
-            <a:pPr indent="0" lvl="0" marL="0" rtl="0" algn="l">
+            <a:pPr marL="0" lvl="0" indent="0" algn="l" rtl="0">
               <a:spcBef>
                 <a:spcPts val="0"/>
               </a:spcBef>
@@ -12164,9 +12371,6 @@
               </a:spcAft>
               <a:buNone/>
             </a:pPr>
-            <a:r>
-              <a:t/>
-            </a:r>
             <a:endParaRPr/>
           </a:p>
         </p:txBody>
@@ -12193,12 +12397,12 @@
           </a:ln>
         </p:spPr>
         <p:txBody>
-          <a:bodyPr anchorCtr="0" anchor="ctr" bIns="91425" lIns="91425" spcFirstLastPara="1" rIns="91425" wrap="square" tIns="91425">
+          <a:bodyPr spcFirstLastPara="1" wrap="square" lIns="91425" tIns="91425" rIns="91425" bIns="91425" anchor="ctr" anchorCtr="0">
             <a:noAutofit/>
           </a:bodyPr>
           <a:lstStyle/>
           <a:p>
-            <a:pPr indent="0" lvl="0" marL="0" rtl="0" algn="l">
+            <a:pPr marL="0" lvl="0" indent="0" algn="l" rtl="0">
               <a:spcBef>
                 <a:spcPts val="0"/>
               </a:spcBef>
@@ -12207,9 +12411,6 @@
               </a:spcAft>
               <a:buNone/>
             </a:pPr>
-            <a:r>
-              <a:t/>
-            </a:r>
             <a:endParaRPr/>
           </a:p>
         </p:txBody>
@@ -12217,9 +12418,11 @@
       <p:sp>
         <p:nvSpPr>
           <p:cNvPr id="204" name="Google Shape;204;p20"/>
-          <p:cNvSpPr txBox="1"/>
+          <p:cNvSpPr txBox="1">
+            <a:spLocks noGrp="1"/>
+          </p:cNvSpPr>
           <p:nvPr>
-            <p:ph idx="4294967295" type="body"/>
+            <p:ph type="body" idx="4294967295"/>
           </p:nvPr>
         </p:nvSpPr>
         <p:spPr>
@@ -12232,12 +12435,12 @@
           </a:prstGeom>
         </p:spPr>
         <p:txBody>
-          <a:bodyPr anchorCtr="0" anchor="ctr" bIns="91425" lIns="91425" spcFirstLastPara="1" rIns="91425" wrap="square" tIns="91425">
+          <a:bodyPr spcFirstLastPara="1" wrap="square" lIns="91425" tIns="91425" rIns="91425" bIns="91425" anchor="ctr" anchorCtr="0">
             <a:noAutofit/>
           </a:bodyPr>
           <a:lstStyle/>
           <a:p>
-            <a:pPr indent="0" lvl="0" marL="0" rtl="0" algn="ctr">
+            <a:pPr marL="0" lvl="0" indent="0" algn="ctr" rtl="0">
               <a:lnSpc>
                 <a:spcPct val="100000"/>
               </a:lnSpc>
@@ -12268,9 +12471,11 @@
       <p:sp>
         <p:nvSpPr>
           <p:cNvPr id="205" name="Google Shape;205;p20"/>
-          <p:cNvSpPr txBox="1"/>
+          <p:cNvSpPr txBox="1">
+            <a:spLocks noGrp="1"/>
+          </p:cNvSpPr>
           <p:nvPr>
-            <p:ph idx="4294967295" type="body"/>
+            <p:ph type="body" idx="4294967295"/>
           </p:nvPr>
         </p:nvSpPr>
         <p:spPr>
@@ -12283,12 +12488,12 @@
           </a:prstGeom>
         </p:spPr>
         <p:txBody>
-          <a:bodyPr anchorCtr="0" anchor="ctr" bIns="91425" lIns="91425" spcFirstLastPara="1" rIns="91425" wrap="square" tIns="91425">
+          <a:bodyPr spcFirstLastPara="1" wrap="square" lIns="91425" tIns="91425" rIns="91425" bIns="91425" anchor="ctr" anchorCtr="0">
             <a:noAutofit/>
           </a:bodyPr>
           <a:lstStyle/>
           <a:p>
-            <a:pPr indent="0" lvl="0" marL="0" rtl="0" algn="ctr">
+            <a:pPr marL="0" lvl="0" indent="0" algn="ctr" rtl="0">
               <a:lnSpc>
                 <a:spcPct val="100000"/>
               </a:lnSpc>
@@ -12325,11 +12530,11 @@
 </file>
 
 <file path=ppt/slides/slide9.xml><?xml version="1.0" encoding="utf-8"?>
-<p:sld xmlns:a="http://schemas.openxmlformats.org/drawingml/2006/main" xmlns:r="http://schemas.openxmlformats.org/officeDocument/2006/relationships" xmlns:mc="http://schemas.openxmlformats.org/markup-compatibility/2006" xmlns:mv="urn:schemas-microsoft-com:mac:vml" xmlns:p="http://schemas.openxmlformats.org/presentationml/2006/main" xmlns:c="http://schemas.openxmlformats.org/drawingml/2006/chart" xmlns:dgm="http://schemas.openxmlformats.org/drawingml/2006/diagram" xmlns:o="urn:schemas-microsoft-com:office:office" xmlns:v="urn:schemas-microsoft-com:vml" xmlns:pvml="urn:schemas-microsoft-com:office:powerpoint" xmlns:com="http://schemas.openxmlformats.org/drawingml/2006/compatibility" xmlns:p14="http://schemas.microsoft.com/office/powerpoint/2010/main" xmlns:p15="http://schemas.microsoft.com/office/powerpoint/2012/main" xmlns:ahyp="http://schemas.microsoft.com/office/drawing/2018/hyperlinkcolor">
+<p:sld xmlns:a="http://schemas.openxmlformats.org/drawingml/2006/main" xmlns:r="http://schemas.openxmlformats.org/officeDocument/2006/relationships" xmlns:p="http://schemas.openxmlformats.org/presentationml/2006/main">
   <p:cSld>
     <p:spTree>
       <p:nvGrpSpPr>
-        <p:cNvPr id="209" name="Shape 209"/>
+        <p:cNvPr id="1" name="Shape 209"/>
         <p:cNvGrpSpPr/>
         <p:nvPr/>
       </p:nvGrpSpPr>
@@ -12370,14 +12575,14 @@
               <a:avLst/>
             </a:prstGeom>
             <a:noFill/>
-            <a:ln cap="flat" cmpd="sng" w="9525">
+            <a:ln w="9525" cap="flat" cmpd="sng">
               <a:solidFill>
                 <a:schemeClr val="lt1"/>
               </a:solidFill>
               <a:prstDash val="dash"/>
               <a:round/>
-              <a:headEnd len="sm" w="sm" type="none"/>
-              <a:tailEnd len="sm" w="sm" type="none"/>
+              <a:headEnd type="none" w="sm" len="sm"/>
+              <a:tailEnd type="none" w="sm" len="sm"/>
             </a:ln>
           </p:spPr>
         </p:cxnSp>
@@ -12396,14 +12601,14 @@
               <a:avLst/>
             </a:prstGeom>
             <a:noFill/>
-            <a:ln cap="flat" cmpd="sng" w="9525">
+            <a:ln w="9525" cap="flat" cmpd="sng">
               <a:solidFill>
                 <a:schemeClr val="lt1"/>
               </a:solidFill>
               <a:prstDash val="dash"/>
               <a:round/>
-              <a:headEnd len="sm" w="sm" type="none"/>
-              <a:tailEnd len="sm" w="sm" type="none"/>
+              <a:headEnd type="none" w="sm" len="sm"/>
+              <a:tailEnd type="none" w="sm" len="sm"/>
             </a:ln>
           </p:spPr>
         </p:cxnSp>
@@ -12422,14 +12627,14 @@
               <a:avLst/>
             </a:prstGeom>
             <a:noFill/>
-            <a:ln cap="flat" cmpd="sng" w="9525">
+            <a:ln w="9525" cap="flat" cmpd="sng">
               <a:solidFill>
                 <a:schemeClr val="lt1"/>
               </a:solidFill>
               <a:prstDash val="dash"/>
               <a:round/>
-              <a:headEnd len="sm" w="sm" type="none"/>
-              <a:tailEnd len="sm" w="sm" type="none"/>
+              <a:headEnd type="none" w="sm" len="sm"/>
+              <a:tailEnd type="none" w="sm" len="sm"/>
             </a:ln>
           </p:spPr>
         </p:cxnSp>
@@ -12448,14 +12653,14 @@
               <a:avLst/>
             </a:prstGeom>
             <a:noFill/>
-            <a:ln cap="flat" cmpd="sng" w="9525">
+            <a:ln w="9525" cap="flat" cmpd="sng">
               <a:solidFill>
                 <a:schemeClr val="lt1"/>
               </a:solidFill>
               <a:prstDash val="dash"/>
               <a:round/>
-              <a:headEnd len="sm" w="sm" type="none"/>
-              <a:tailEnd len="sm" w="sm" type="none"/>
+              <a:headEnd type="none" w="sm" len="sm"/>
+              <a:tailEnd type="none" w="sm" len="sm"/>
             </a:ln>
           </p:spPr>
         </p:cxnSp>
@@ -12474,14 +12679,14 @@
               <a:avLst/>
             </a:prstGeom>
             <a:noFill/>
-            <a:ln cap="flat" cmpd="sng" w="9525">
+            <a:ln w="9525" cap="flat" cmpd="sng">
               <a:solidFill>
                 <a:schemeClr val="lt1"/>
               </a:solidFill>
               <a:prstDash val="dash"/>
               <a:round/>
-              <a:headEnd len="sm" w="sm" type="none"/>
-              <a:tailEnd len="sm" w="sm" type="none"/>
+              <a:headEnd type="none" w="sm" len="sm"/>
+              <a:tailEnd type="none" w="sm" len="sm"/>
             </a:ln>
           </p:spPr>
         </p:cxnSp>
@@ -12500,14 +12705,14 @@
               <a:avLst/>
             </a:prstGeom>
             <a:noFill/>
-            <a:ln cap="flat" cmpd="sng" w="9525">
+            <a:ln w="9525" cap="flat" cmpd="sng">
               <a:solidFill>
                 <a:schemeClr val="lt1"/>
               </a:solidFill>
               <a:prstDash val="dash"/>
               <a:round/>
-              <a:headEnd len="sm" w="sm" type="none"/>
-              <a:tailEnd len="sm" w="sm" type="none"/>
+              <a:headEnd type="none" w="sm" len="sm"/>
+              <a:tailEnd type="none" w="sm" len="sm"/>
             </a:ln>
           </p:spPr>
         </p:cxnSp>
@@ -12526,14 +12731,14 @@
               <a:avLst/>
             </a:prstGeom>
             <a:noFill/>
-            <a:ln cap="flat" cmpd="sng" w="9525">
+            <a:ln w="9525" cap="flat" cmpd="sng">
               <a:solidFill>
                 <a:schemeClr val="lt1"/>
               </a:solidFill>
               <a:prstDash val="dash"/>
               <a:round/>
-              <a:headEnd len="sm" w="sm" type="none"/>
-              <a:tailEnd len="sm" w="sm" type="none"/>
+              <a:headEnd type="none" w="sm" len="sm"/>
+              <a:tailEnd type="none" w="sm" len="sm"/>
             </a:ln>
           </p:spPr>
         </p:cxnSp>
@@ -12552,14 +12757,14 @@
               <a:avLst/>
             </a:prstGeom>
             <a:noFill/>
-            <a:ln cap="flat" cmpd="sng" w="9525">
+            <a:ln w="9525" cap="flat" cmpd="sng">
               <a:solidFill>
                 <a:schemeClr val="lt1"/>
               </a:solidFill>
               <a:prstDash val="dash"/>
               <a:round/>
-              <a:headEnd len="sm" w="sm" type="none"/>
-              <a:tailEnd len="sm" w="sm" type="none"/>
+              <a:headEnd type="none" w="sm" len="sm"/>
+              <a:tailEnd type="none" w="sm" len="sm"/>
             </a:ln>
           </p:spPr>
         </p:cxnSp>
@@ -12578,14 +12783,14 @@
               <a:avLst/>
             </a:prstGeom>
             <a:noFill/>
-            <a:ln cap="flat" cmpd="sng" w="9525">
+            <a:ln w="9525" cap="flat" cmpd="sng">
               <a:solidFill>
                 <a:schemeClr val="lt1"/>
               </a:solidFill>
               <a:prstDash val="dash"/>
               <a:round/>
-              <a:headEnd len="sm" w="sm" type="none"/>
-              <a:tailEnd len="sm" w="sm" type="none"/>
+              <a:headEnd type="none" w="sm" len="sm"/>
+              <a:tailEnd type="none" w="sm" len="sm"/>
             </a:ln>
           </p:spPr>
         </p:cxnSp>
@@ -12604,14 +12809,14 @@
               <a:avLst/>
             </a:prstGeom>
             <a:noFill/>
-            <a:ln cap="flat" cmpd="sng" w="9525">
+            <a:ln w="9525" cap="flat" cmpd="sng">
               <a:solidFill>
                 <a:schemeClr val="lt1"/>
               </a:solidFill>
               <a:prstDash val="dash"/>
               <a:round/>
-              <a:headEnd len="sm" w="sm" type="none"/>
-              <a:tailEnd len="sm" w="sm" type="none"/>
+              <a:headEnd type="none" w="sm" len="sm"/>
+              <a:tailEnd type="none" w="sm" len="sm"/>
             </a:ln>
           </p:spPr>
         </p:cxnSp>
@@ -12631,23 +12836,23 @@
             <a:avLst/>
           </a:prstGeom>
           <a:noFill/>
-          <a:ln cap="flat" cmpd="sng" w="19050">
+          <a:ln w="19050" cap="flat" cmpd="sng">
             <a:solidFill>
               <a:schemeClr val="accent5"/>
             </a:solidFill>
             <a:prstDash val="solid"/>
             <a:round/>
-            <a:headEnd len="sm" w="sm" type="none"/>
-            <a:tailEnd len="sm" w="sm" type="none"/>
+            <a:headEnd type="none" w="sm" len="sm"/>
+            <a:tailEnd type="none" w="sm" len="sm"/>
           </a:ln>
         </p:spPr>
         <p:txBody>
-          <a:bodyPr anchorCtr="0" anchor="ctr" bIns="91425" lIns="91425" spcFirstLastPara="1" rIns="91425" wrap="square" tIns="91425">
+          <a:bodyPr spcFirstLastPara="1" wrap="square" lIns="91425" tIns="91425" rIns="91425" bIns="91425" anchor="ctr" anchorCtr="0">
             <a:noAutofit/>
           </a:bodyPr>
           <a:lstStyle/>
           <a:p>
-            <a:pPr indent="0" lvl="0" marL="0" rtl="0" algn="l">
+            <a:pPr marL="0" lvl="0" indent="0" algn="l" rtl="0">
               <a:spcBef>
                 <a:spcPts val="0"/>
               </a:spcBef>
@@ -12656,9 +12861,6 @@
               </a:spcAft>
               <a:buNone/>
             </a:pPr>
-            <a:r>
-              <a:t/>
-            </a:r>
             <a:endParaRPr/>
           </a:p>
         </p:txBody>
@@ -12666,7 +12868,9 @@
       <p:sp>
         <p:nvSpPr>
           <p:cNvPr id="222" name="Google Shape;222;p21"/>
-          <p:cNvSpPr txBox="1"/>
+          <p:cNvSpPr txBox="1">
+            <a:spLocks noGrp="1"/>
+          </p:cNvSpPr>
           <p:nvPr>
             <p:ph type="title"/>
           </p:nvPr>
@@ -12681,12 +12885,12 @@
           </a:prstGeom>
         </p:spPr>
         <p:txBody>
-          <a:bodyPr anchorCtr="0" anchor="b" bIns="91425" lIns="91425" spcFirstLastPara="1" rIns="91425" wrap="square" tIns="91425">
+          <a:bodyPr spcFirstLastPara="1" wrap="square" lIns="91425" tIns="91425" rIns="91425" bIns="91425" anchor="b" anchorCtr="0">
             <a:noAutofit/>
           </a:bodyPr>
           <a:lstStyle/>
           <a:p>
-            <a:pPr indent="0" lvl="0" marL="0" rtl="0" algn="ctr">
+            <a:pPr marL="0" lvl="0" indent="0" algn="ctr" rtl="0">
               <a:spcBef>
                 <a:spcPts val="0"/>
               </a:spcBef>
@@ -12706,9 +12910,11 @@
       <p:sp>
         <p:nvSpPr>
           <p:cNvPr id="223" name="Google Shape;223;p21"/>
-          <p:cNvSpPr txBox="1"/>
+          <p:cNvSpPr txBox="1">
+            <a:spLocks noGrp="1"/>
+          </p:cNvSpPr>
           <p:nvPr>
-            <p:ph idx="1" type="subTitle"/>
+            <p:ph type="subTitle" idx="1"/>
           </p:nvPr>
         </p:nvSpPr>
         <p:spPr>
@@ -12721,12 +12927,12 @@
           </a:prstGeom>
         </p:spPr>
         <p:txBody>
-          <a:bodyPr anchorCtr="0" anchor="t" bIns="91425" lIns="91425" spcFirstLastPara="1" rIns="91425" wrap="square" tIns="91425">
+          <a:bodyPr spcFirstLastPara="1" wrap="square" lIns="91425" tIns="91425" rIns="91425" bIns="91425" anchor="t" anchorCtr="0">
             <a:noAutofit/>
           </a:bodyPr>
           <a:lstStyle/>
           <a:p>
-            <a:pPr indent="0" lvl="0" marL="0" rtl="0" algn="ctr">
+            <a:pPr marL="0" lvl="0" indent="0" algn="ctr" rtl="0">
               <a:spcBef>
                 <a:spcPts val="0"/>
               </a:spcBef>
@@ -12769,9 +12975,13 @@
               <a:ext cx="4144235" cy="1631269"/>
             </a:xfrm>
             <a:custGeom>
-              <a:rect b="b" l="l" r="r" t="t"/>
+              <a:avLst/>
+              <a:gdLst/>
+              <a:ahLst/>
+              <a:cxnLst/>
+              <a:rect l="l" t="t" r="r" b="b"/>
               <a:pathLst>
-                <a:path extrusionOk="0" h="90088" w="165422">
+                <a:path w="165422" h="90088" extrusionOk="0">
                   <a:moveTo>
                     <a:pt x="0" y="65550"/>
                   </a:moveTo>
@@ -12824,16 +13034,23 @@
               </a:pathLst>
             </a:custGeom>
             <a:noFill/>
-            <a:ln cap="flat" cmpd="sng" w="19050">
+            <a:ln w="19050" cap="flat" cmpd="sng">
               <a:solidFill>
                 <a:schemeClr val="lt1"/>
               </a:solidFill>
               <a:prstDash val="solid"/>
               <a:round/>
-              <a:headEnd len="med" w="med" type="oval"/>
-              <a:tailEnd len="med" w="med" type="oval"/>
+              <a:headEnd type="oval" w="med" len="med"/>
+              <a:tailEnd type="oval" w="med" len="med"/>
             </a:ln>
           </p:spPr>
+          <p:txBody>
+            <a:bodyPr/>
+            <a:lstStyle/>
+            <a:p>
+              <a:endParaRPr lang="LID4096"/>
+            </a:p>
+          </p:txBody>
         </p:sp>
         <p:sp>
           <p:nvSpPr>
@@ -12852,23 +13069,23 @@
             <a:solidFill>
               <a:schemeClr val="lt1"/>
             </a:solidFill>
-            <a:ln cap="flat" cmpd="sng" w="19050">
+            <a:ln w="19050" cap="flat" cmpd="sng">
               <a:solidFill>
                 <a:schemeClr val="lt1"/>
               </a:solidFill>
               <a:prstDash val="solid"/>
               <a:round/>
-              <a:headEnd len="sm" w="sm" type="none"/>
-              <a:tailEnd len="sm" w="sm" type="none"/>
+              <a:headEnd type="none" w="sm" len="sm"/>
+              <a:tailEnd type="none" w="sm" len="sm"/>
             </a:ln>
           </p:spPr>
           <p:txBody>
-            <a:bodyPr anchorCtr="0" anchor="ctr" bIns="91425" lIns="91425" spcFirstLastPara="1" rIns="91425" wrap="square" tIns="91425">
+            <a:bodyPr spcFirstLastPara="1" wrap="square" lIns="91425" tIns="91425" rIns="91425" bIns="91425" anchor="ctr" anchorCtr="0">
               <a:noAutofit/>
             </a:bodyPr>
             <a:lstStyle/>
             <a:p>
-              <a:pPr indent="0" lvl="0" marL="0" rtl="0" algn="l">
+              <a:pPr marL="0" lvl="0" indent="0" algn="l" rtl="0">
                 <a:spcBef>
                   <a:spcPts val="0"/>
                 </a:spcBef>
@@ -12877,9 +13094,6 @@
                 </a:spcAft>
                 <a:buNone/>
               </a:pPr>
-              <a:r>
-                <a:t/>
-              </a:r>
               <a:endParaRPr/>
             </a:p>
           </p:txBody>
@@ -12901,23 +13115,23 @@
             <a:solidFill>
               <a:schemeClr val="lt1"/>
             </a:solidFill>
-            <a:ln cap="flat" cmpd="sng" w="19050">
+            <a:ln w="19050" cap="flat" cmpd="sng">
               <a:solidFill>
                 <a:schemeClr val="lt1"/>
               </a:solidFill>
               <a:prstDash val="solid"/>
               <a:round/>
-              <a:headEnd len="sm" w="sm" type="none"/>
-              <a:tailEnd len="sm" w="sm" type="none"/>
+              <a:headEnd type="none" w="sm" len="sm"/>
+              <a:tailEnd type="none" w="sm" len="sm"/>
             </a:ln>
           </p:spPr>
           <p:txBody>
-            <a:bodyPr anchorCtr="0" anchor="ctr" bIns="91425" lIns="91425" spcFirstLastPara="1" rIns="91425" wrap="square" tIns="91425">
+            <a:bodyPr spcFirstLastPara="1" wrap="square" lIns="91425" tIns="91425" rIns="91425" bIns="91425" anchor="ctr" anchorCtr="0">
               <a:noAutofit/>
             </a:bodyPr>
             <a:lstStyle/>
             <a:p>
-              <a:pPr indent="0" lvl="0" marL="0" rtl="0" algn="l">
+              <a:pPr marL="0" lvl="0" indent="0" algn="l" rtl="0">
                 <a:spcBef>
                   <a:spcPts val="0"/>
                 </a:spcBef>
@@ -12926,9 +13140,6 @@
                 </a:spcAft>
                 <a:buNone/>
               </a:pPr>
-              <a:r>
-                <a:t/>
-              </a:r>
               <a:endParaRPr/>
             </a:p>
           </p:txBody>
@@ -12950,23 +13161,23 @@
             <a:solidFill>
               <a:schemeClr val="lt1"/>
             </a:solidFill>
-            <a:ln cap="flat" cmpd="sng" w="19050">
+            <a:ln w="19050" cap="flat" cmpd="sng">
               <a:solidFill>
                 <a:schemeClr val="lt1"/>
               </a:solidFill>
               <a:prstDash val="solid"/>
               <a:round/>
-              <a:headEnd len="sm" w="sm" type="none"/>
-              <a:tailEnd len="sm" w="sm" type="none"/>
+              <a:headEnd type="none" w="sm" len="sm"/>
+              <a:tailEnd type="none" w="sm" len="sm"/>
             </a:ln>
           </p:spPr>
           <p:txBody>
-            <a:bodyPr anchorCtr="0" anchor="ctr" bIns="91425" lIns="91425" spcFirstLastPara="1" rIns="91425" wrap="square" tIns="91425">
+            <a:bodyPr spcFirstLastPara="1" wrap="square" lIns="91425" tIns="91425" rIns="91425" bIns="91425" anchor="ctr" anchorCtr="0">
               <a:noAutofit/>
             </a:bodyPr>
             <a:lstStyle/>
             <a:p>
-              <a:pPr indent="0" lvl="0" marL="0" rtl="0" algn="l">
+              <a:pPr marL="0" lvl="0" indent="0" algn="l" rtl="0">
                 <a:spcBef>
                   <a:spcPts val="0"/>
                 </a:spcBef>
@@ -12975,9 +13186,6 @@
                 </a:spcAft>
                 <a:buNone/>
               </a:pPr>
-              <a:r>
-                <a:t/>
-              </a:r>
               <a:endParaRPr/>
             </a:p>
           </p:txBody>
@@ -12999,23 +13207,23 @@
             <a:solidFill>
               <a:schemeClr val="lt1"/>
             </a:solidFill>
-            <a:ln cap="flat" cmpd="sng" w="19050">
+            <a:ln w="19050" cap="flat" cmpd="sng">
               <a:solidFill>
                 <a:schemeClr val="lt1"/>
               </a:solidFill>
               <a:prstDash val="solid"/>
               <a:round/>
-              <a:headEnd len="sm" w="sm" type="none"/>
-              <a:tailEnd len="sm" w="sm" type="none"/>
+              <a:headEnd type="none" w="sm" len="sm"/>
+              <a:tailEnd type="none" w="sm" len="sm"/>
             </a:ln>
           </p:spPr>
           <p:txBody>
-            <a:bodyPr anchorCtr="0" anchor="ctr" bIns="91425" lIns="91425" spcFirstLastPara="1" rIns="91425" wrap="square" tIns="91425">
+            <a:bodyPr spcFirstLastPara="1" wrap="square" lIns="91425" tIns="91425" rIns="91425" bIns="91425" anchor="ctr" anchorCtr="0">
               <a:noAutofit/>
             </a:bodyPr>
             <a:lstStyle/>
             <a:p>
-              <a:pPr indent="0" lvl="0" marL="0" rtl="0" algn="l">
+              <a:pPr marL="0" lvl="0" indent="0" algn="l" rtl="0">
                 <a:spcBef>
                   <a:spcPts val="0"/>
                 </a:spcBef>
@@ -13024,9 +13232,6 @@
                 </a:spcAft>
                 <a:buNone/>
               </a:pPr>
-              <a:r>
-                <a:t/>
-              </a:r>
               <a:endParaRPr/>
             </a:p>
           </p:txBody>
@@ -13048,23 +13253,23 @@
             <a:solidFill>
               <a:schemeClr val="lt1"/>
             </a:solidFill>
-            <a:ln cap="flat" cmpd="sng" w="19050">
+            <a:ln w="19050" cap="flat" cmpd="sng">
               <a:solidFill>
                 <a:schemeClr val="lt1"/>
               </a:solidFill>
               <a:prstDash val="solid"/>
               <a:round/>
-              <a:headEnd len="sm" w="sm" type="none"/>
-              <a:tailEnd len="sm" w="sm" type="none"/>
+              <a:headEnd type="none" w="sm" len="sm"/>
+              <a:tailEnd type="none" w="sm" len="sm"/>
             </a:ln>
           </p:spPr>
           <p:txBody>
-            <a:bodyPr anchorCtr="0" anchor="ctr" bIns="91425" lIns="91425" spcFirstLastPara="1" rIns="91425" wrap="square" tIns="91425">
+            <a:bodyPr spcFirstLastPara="1" wrap="square" lIns="91425" tIns="91425" rIns="91425" bIns="91425" anchor="ctr" anchorCtr="0">
               <a:noAutofit/>
             </a:bodyPr>
             <a:lstStyle/>
             <a:p>
-              <a:pPr indent="0" lvl="0" marL="0" rtl="0" algn="l">
+              <a:pPr marL="0" lvl="0" indent="0" algn="l" rtl="0">
                 <a:spcBef>
                   <a:spcPts val="0"/>
                 </a:spcBef>
@@ -13073,9 +13278,6 @@
                 </a:spcAft>
                 <a:buNone/>
               </a:pPr>
-              <a:r>
-                <a:t/>
-              </a:r>
               <a:endParaRPr/>
             </a:p>
           </p:txBody>
@@ -13097,23 +13299,23 @@
             <a:solidFill>
               <a:schemeClr val="lt1"/>
             </a:solidFill>
-            <a:ln cap="flat" cmpd="sng" w="19050">
+            <a:ln w="19050" cap="flat" cmpd="sng">
               <a:solidFill>
                 <a:schemeClr val="lt1"/>
               </a:solidFill>
               <a:prstDash val="solid"/>
               <a:round/>
-              <a:headEnd len="sm" w="sm" type="none"/>
-              <a:tailEnd len="sm" w="sm" type="none"/>
+              <a:headEnd type="none" w="sm" len="sm"/>
+              <a:tailEnd type="none" w="sm" len="sm"/>
             </a:ln>
           </p:spPr>
           <p:txBody>
-            <a:bodyPr anchorCtr="0" anchor="ctr" bIns="91425" lIns="91425" spcFirstLastPara="1" rIns="91425" wrap="square" tIns="91425">
+            <a:bodyPr spcFirstLastPara="1" wrap="square" lIns="91425" tIns="91425" rIns="91425" bIns="91425" anchor="ctr" anchorCtr="0">
               <a:noAutofit/>
             </a:bodyPr>
             <a:lstStyle/>
             <a:p>
-              <a:pPr indent="0" lvl="0" marL="0" rtl="0" algn="l">
+              <a:pPr marL="0" lvl="0" indent="0" algn="l" rtl="0">
                 <a:spcBef>
                   <a:spcPts val="0"/>
                 </a:spcBef>
@@ -13122,9 +13324,6 @@
                 </a:spcAft>
                 <a:buNone/>
               </a:pPr>
-              <a:r>
-                <a:t/>
-              </a:r>
               <a:endParaRPr/>
             </a:p>
           </p:txBody>
@@ -13146,23 +13345,23 @@
             <a:solidFill>
               <a:schemeClr val="lt1"/>
             </a:solidFill>
-            <a:ln cap="flat" cmpd="sng" w="19050">
+            <a:ln w="19050" cap="flat" cmpd="sng">
               <a:solidFill>
                 <a:schemeClr val="lt1"/>
               </a:solidFill>
               <a:prstDash val="solid"/>
               <a:round/>
-              <a:headEnd len="sm" w="sm" type="none"/>
-              <a:tailEnd len="sm" w="sm" type="none"/>
+              <a:headEnd type="none" w="sm" len="sm"/>
+              <a:tailEnd type="none" w="sm" len="sm"/>
             </a:ln>
           </p:spPr>
           <p:txBody>
-            <a:bodyPr anchorCtr="0" anchor="ctr" bIns="91425" lIns="91425" spcFirstLastPara="1" rIns="91425" wrap="square" tIns="91425">
+            <a:bodyPr spcFirstLastPara="1" wrap="square" lIns="91425" tIns="91425" rIns="91425" bIns="91425" anchor="ctr" anchorCtr="0">
               <a:noAutofit/>
             </a:bodyPr>
             <a:lstStyle/>
             <a:p>
-              <a:pPr indent="0" lvl="0" marL="0" rtl="0" algn="l">
+              <a:pPr marL="0" lvl="0" indent="0" algn="l" rtl="0">
                 <a:spcBef>
                   <a:spcPts val="0"/>
                 </a:spcBef>
@@ -13171,9 +13370,6 @@
                 </a:spcAft>
                 <a:buNone/>
               </a:pPr>
-              <a:r>
-                <a:t/>
-              </a:r>
               <a:endParaRPr/>
             </a:p>
           </p:txBody>
@@ -13195,23 +13391,23 @@
             <a:solidFill>
               <a:schemeClr val="lt1"/>
             </a:solidFill>
-            <a:ln cap="flat" cmpd="sng" w="19050">
+            <a:ln w="19050" cap="flat" cmpd="sng">
               <a:solidFill>
                 <a:schemeClr val="lt1"/>
               </a:solidFill>
               <a:prstDash val="solid"/>
               <a:round/>
-              <a:headEnd len="sm" w="sm" type="none"/>
-              <a:tailEnd len="sm" w="sm" type="none"/>
+              <a:headEnd type="none" w="sm" len="sm"/>
+              <a:tailEnd type="none" w="sm" len="sm"/>
             </a:ln>
           </p:spPr>
           <p:txBody>
-            <a:bodyPr anchorCtr="0" anchor="ctr" bIns="91425" lIns="91425" spcFirstLastPara="1" rIns="91425" wrap="square" tIns="91425">
+            <a:bodyPr spcFirstLastPara="1" wrap="square" lIns="91425" tIns="91425" rIns="91425" bIns="91425" anchor="ctr" anchorCtr="0">
               <a:noAutofit/>
             </a:bodyPr>
             <a:lstStyle/>
             <a:p>
-              <a:pPr indent="0" lvl="0" marL="0" rtl="0" algn="l">
+              <a:pPr marL="0" lvl="0" indent="0" algn="l" rtl="0">
                 <a:spcBef>
                   <a:spcPts val="0"/>
                 </a:spcBef>
@@ -13220,9 +13416,6 @@
                 </a:spcAft>
                 <a:buNone/>
               </a:pPr>
-              <a:r>
-                <a:t/>
-              </a:r>
               <a:endParaRPr/>
             </a:p>
           </p:txBody>
@@ -13241,9 +13434,9 @@
           </a:xfrm>
           <a:prstGeom prst="wedgeRoundRectCallout">
             <a:avLst>
-              <a:gd fmla="val -21432" name="adj1"/>
-              <a:gd fmla="val 84969" name="adj2"/>
-              <a:gd fmla="val 0" name="adj3"/>
+              <a:gd name="adj1" fmla="val -21432"/>
+              <a:gd name="adj2" fmla="val 84969"/>
+              <a:gd name="adj3" fmla="val 0"/>
             </a:avLst>
           </a:prstGeom>
           <a:solidFill>
@@ -13254,12 +13447,12 @@
           </a:ln>
         </p:spPr>
         <p:txBody>
-          <a:bodyPr anchorCtr="0" anchor="ctr" bIns="91425" lIns="91425" spcFirstLastPara="1" rIns="91425" wrap="square" tIns="91425">
+          <a:bodyPr spcFirstLastPara="1" wrap="square" lIns="91425" tIns="91425" rIns="91425" bIns="91425" anchor="ctr" anchorCtr="0">
             <a:noAutofit/>
           </a:bodyPr>
           <a:lstStyle/>
           <a:p>
-            <a:pPr indent="0" lvl="0" marL="0" rtl="0" algn="l">
+            <a:pPr marL="0" lvl="0" indent="0" algn="l" rtl="0">
               <a:spcBef>
                 <a:spcPts val="0"/>
               </a:spcBef>
@@ -13268,9 +13461,6 @@
               </a:spcAft>
               <a:buNone/>
             </a:pPr>
-            <a:r>
-              <a:t/>
-            </a:r>
             <a:endParaRPr/>
           </a:p>
         </p:txBody>
@@ -13301,9 +13491,13 @@
               <a:ext cx="4156550" cy="1576975"/>
             </a:xfrm>
             <a:custGeom>
-              <a:rect b="b" l="l" r="r" t="t"/>
+              <a:avLst/>
+              <a:gdLst/>
+              <a:ahLst/>
+              <a:cxnLst/>
+              <a:rect l="l" t="t" r="r" b="b"/>
               <a:pathLst>
-                <a:path extrusionOk="0" h="63079" w="166262">
+                <a:path w="166262" h="63079" extrusionOk="0">
                   <a:moveTo>
                     <a:pt x="0" y="34952"/>
                   </a:moveTo>
@@ -13356,16 +13550,23 @@
               </a:pathLst>
             </a:custGeom>
             <a:noFill/>
-            <a:ln cap="flat" cmpd="sng" w="19050">
+            <a:ln w="19050" cap="flat" cmpd="sng">
               <a:solidFill>
                 <a:schemeClr val="accent4"/>
               </a:solidFill>
               <a:prstDash val="solid"/>
               <a:round/>
-              <a:headEnd len="med" w="med" type="oval"/>
-              <a:tailEnd len="med" w="med" type="oval"/>
+              <a:headEnd type="oval" w="med" len="med"/>
+              <a:tailEnd type="oval" w="med" len="med"/>
             </a:ln>
           </p:spPr>
+          <p:txBody>
+            <a:bodyPr/>
+            <a:lstStyle/>
+            <a:p>
+              <a:endParaRPr lang="LID4096"/>
+            </a:p>
+          </p:txBody>
         </p:sp>
         <p:sp>
           <p:nvSpPr>
@@ -13384,23 +13585,23 @@
             <a:solidFill>
               <a:schemeClr val="accent4"/>
             </a:solidFill>
-            <a:ln cap="flat" cmpd="sng" w="19050">
+            <a:ln w="19050" cap="flat" cmpd="sng">
               <a:solidFill>
                 <a:schemeClr val="accent4"/>
               </a:solidFill>
               <a:prstDash val="solid"/>
               <a:round/>
-              <a:headEnd len="sm" w="sm" type="none"/>
-              <a:tailEnd len="sm" w="sm" type="none"/>
+              <a:headEnd type="none" w="sm" len="sm"/>
+              <a:tailEnd type="none" w="sm" len="sm"/>
             </a:ln>
           </p:spPr>
           <p:txBody>
-            <a:bodyPr anchorCtr="0" anchor="ctr" bIns="91425" lIns="91425" spcFirstLastPara="1" rIns="91425" wrap="square" tIns="91425">
+            <a:bodyPr spcFirstLastPara="1" wrap="square" lIns="91425" tIns="91425" rIns="91425" bIns="91425" anchor="ctr" anchorCtr="0">
               <a:noAutofit/>
             </a:bodyPr>
             <a:lstStyle/>
             <a:p>
-              <a:pPr indent="0" lvl="0" marL="0" rtl="0" algn="l">
+              <a:pPr marL="0" lvl="0" indent="0" algn="l" rtl="0">
                 <a:spcBef>
                   <a:spcPts val="0"/>
                 </a:spcBef>
@@ -13409,9 +13610,6 @@
                 </a:spcAft>
                 <a:buNone/>
               </a:pPr>
-              <a:r>
-                <a:t/>
-              </a:r>
               <a:endParaRPr/>
             </a:p>
           </p:txBody>
@@ -13433,23 +13631,23 @@
             <a:solidFill>
               <a:schemeClr val="accent4"/>
             </a:solidFill>
-            <a:ln cap="flat" cmpd="sng" w="19050">
+            <a:ln w="19050" cap="flat" cmpd="sng">
               <a:solidFill>
                 <a:schemeClr val="accent4"/>
               </a:solidFill>
               <a:prstDash val="solid"/>
               <a:round/>
-              <a:headEnd len="sm" w="sm" type="none"/>
-              <a:tailEnd len="sm" w="sm" type="none"/>
+              <a:headEnd type="none" w="sm" len="sm"/>
+              <a:tailEnd type="none" w="sm" len="sm"/>
             </a:ln>
           </p:spPr>
           <p:txBody>
-            <a:bodyPr anchorCtr="0" anchor="ctr" bIns="91425" lIns="91425" spcFirstLastPara="1" rIns="91425" wrap="square" tIns="91425">
+            <a:bodyPr spcFirstLastPara="1" wrap="square" lIns="91425" tIns="91425" rIns="91425" bIns="91425" anchor="ctr" anchorCtr="0">
               <a:noAutofit/>
             </a:bodyPr>
             <a:lstStyle/>
             <a:p>
-              <a:pPr indent="0" lvl="0" marL="0" rtl="0" algn="l">
+              <a:pPr marL="0" lvl="0" indent="0" algn="l" rtl="0">
                 <a:spcBef>
                   <a:spcPts val="0"/>
                 </a:spcBef>
@@ -13458,9 +13656,6 @@
                 </a:spcAft>
                 <a:buNone/>
               </a:pPr>
-              <a:r>
-                <a:t/>
-              </a:r>
               <a:endParaRPr/>
             </a:p>
           </p:txBody>
@@ -13482,23 +13677,23 @@
             <a:solidFill>
               <a:schemeClr val="accent4"/>
             </a:solidFill>
-            <a:ln cap="flat" cmpd="sng" w="19050">
+            <a:ln w="19050" cap="flat" cmpd="sng">
               <a:solidFill>
                 <a:schemeClr val="accent4"/>
               </a:solidFill>
               <a:prstDash val="solid"/>
               <a:round/>
-              <a:headEnd len="sm" w="sm" type="none"/>
-              <a:tailEnd len="sm" w="sm" type="none"/>
+              <a:headEnd type="none" w="sm" len="sm"/>
+              <a:tailEnd type="none" w="sm" len="sm"/>
             </a:ln>
           </p:spPr>
           <p:txBody>
-            <a:bodyPr anchorCtr="0" anchor="ctr" bIns="91425" lIns="91425" spcFirstLastPara="1" rIns="91425" wrap="square" tIns="91425">
+            <a:bodyPr spcFirstLastPara="1" wrap="square" lIns="91425" tIns="91425" rIns="91425" bIns="91425" anchor="ctr" anchorCtr="0">
               <a:noAutofit/>
             </a:bodyPr>
             <a:lstStyle/>
             <a:p>
-              <a:pPr indent="0" lvl="0" marL="0" rtl="0" algn="l">
+              <a:pPr marL="0" lvl="0" indent="0" algn="l" rtl="0">
                 <a:spcBef>
                   <a:spcPts val="0"/>
                 </a:spcBef>
@@ -13507,9 +13702,6 @@
                 </a:spcAft>
                 <a:buNone/>
               </a:pPr>
-              <a:r>
-                <a:t/>
-              </a:r>
               <a:endParaRPr/>
             </a:p>
           </p:txBody>
@@ -13531,23 +13723,23 @@
             <a:solidFill>
               <a:schemeClr val="accent4"/>
             </a:solidFill>
-            <a:ln cap="flat" cmpd="sng" w="19050">
+            <a:ln w="19050" cap="flat" cmpd="sng">
               <a:solidFill>
                 <a:schemeClr val="accent4"/>
               </a:solidFill>
               <a:prstDash val="solid"/>
               <a:round/>
-              <a:headEnd len="sm" w="sm" type="none"/>
-              <a:tailEnd len="sm" w="sm" type="none"/>
+              <a:headEnd type="none" w="sm" len="sm"/>
+              <a:tailEnd type="none" w="sm" len="sm"/>
             </a:ln>
           </p:spPr>
           <p:txBody>
-            <a:bodyPr anchorCtr="0" anchor="ctr" bIns="91425" lIns="91425" spcFirstLastPara="1" rIns="91425" wrap="square" tIns="91425">
+            <a:bodyPr spcFirstLastPara="1" wrap="square" lIns="91425" tIns="91425" rIns="91425" bIns="91425" anchor="ctr" anchorCtr="0">
               <a:noAutofit/>
             </a:bodyPr>
             <a:lstStyle/>
             <a:p>
-              <a:pPr indent="0" lvl="0" marL="0" rtl="0" algn="l">
+              <a:pPr marL="0" lvl="0" indent="0" algn="l" rtl="0">
                 <a:spcBef>
                   <a:spcPts val="0"/>
                 </a:spcBef>
@@ -13556,9 +13748,6 @@
                 </a:spcAft>
                 <a:buNone/>
               </a:pPr>
-              <a:r>
-                <a:t/>
-              </a:r>
               <a:endParaRPr/>
             </a:p>
           </p:txBody>
@@ -13580,23 +13769,23 @@
             <a:solidFill>
               <a:schemeClr val="accent4"/>
             </a:solidFill>
-            <a:ln cap="flat" cmpd="sng" w="19050">
+            <a:ln w="19050" cap="flat" cmpd="sng">
               <a:solidFill>
                 <a:schemeClr val="accent4"/>
               </a:solidFill>
               <a:prstDash val="solid"/>
               <a:round/>
-              <a:headEnd len="sm" w="sm" type="none"/>
-              <a:tailEnd len="sm" w="sm" type="none"/>
+              <a:headEnd type="none" w="sm" len="sm"/>
+              <a:tailEnd type="none" w="sm" len="sm"/>
             </a:ln>
           </p:spPr>
           <p:txBody>
-            <a:bodyPr anchorCtr="0" anchor="ctr" bIns="91425" lIns="91425" spcFirstLastPara="1" rIns="91425" wrap="square" tIns="91425">
+            <a:bodyPr spcFirstLastPara="1" wrap="square" lIns="91425" tIns="91425" rIns="91425" bIns="91425" anchor="ctr" anchorCtr="0">
               <a:noAutofit/>
             </a:bodyPr>
             <a:lstStyle/>
             <a:p>
-              <a:pPr indent="0" lvl="0" marL="0" rtl="0" algn="l">
+              <a:pPr marL="0" lvl="0" indent="0" algn="l" rtl="0">
                 <a:spcBef>
                   <a:spcPts val="0"/>
                 </a:spcBef>
@@ -13605,9 +13794,6 @@
                 </a:spcAft>
                 <a:buNone/>
               </a:pPr>
-              <a:r>
-                <a:t/>
-              </a:r>
               <a:endParaRPr/>
             </a:p>
           </p:txBody>
@@ -13629,23 +13815,23 @@
             <a:solidFill>
               <a:schemeClr val="accent4"/>
             </a:solidFill>
-            <a:ln cap="flat" cmpd="sng" w="19050">
+            <a:ln w="19050" cap="flat" cmpd="sng">
               <a:solidFill>
                 <a:schemeClr val="accent4"/>
               </a:solidFill>
               <a:prstDash val="solid"/>
               <a:round/>
-              <a:headEnd len="sm" w="sm" type="none"/>
-              <a:tailEnd len="sm" w="sm" type="none"/>
+              <a:headEnd type="none" w="sm" len="sm"/>
+              <a:tailEnd type="none" w="sm" len="sm"/>
             </a:ln>
           </p:spPr>
           <p:txBody>
-            <a:bodyPr anchorCtr="0" anchor="ctr" bIns="91425" lIns="91425" spcFirstLastPara="1" rIns="91425" wrap="square" tIns="91425">
+            <a:bodyPr spcFirstLastPara="1" wrap="square" lIns="91425" tIns="91425" rIns="91425" bIns="91425" anchor="ctr" anchorCtr="0">
               <a:noAutofit/>
             </a:bodyPr>
             <a:lstStyle/>
             <a:p>
-              <a:pPr indent="0" lvl="0" marL="0" rtl="0" algn="l">
+              <a:pPr marL="0" lvl="0" indent="0" algn="l" rtl="0">
                 <a:spcBef>
                   <a:spcPts val="0"/>
                 </a:spcBef>
@@ -13654,9 +13840,6 @@
                 </a:spcAft>
                 <a:buNone/>
               </a:pPr>
-              <a:r>
-                <a:t/>
-              </a:r>
               <a:endParaRPr/>
             </a:p>
           </p:txBody>
@@ -13678,23 +13861,23 @@
             <a:solidFill>
               <a:schemeClr val="accent4"/>
             </a:solidFill>
-            <a:ln cap="flat" cmpd="sng" w="19050">
+            <a:ln w="19050" cap="flat" cmpd="sng">
               <a:solidFill>
                 <a:schemeClr val="accent4"/>
               </a:solidFill>
               <a:prstDash val="solid"/>
               <a:round/>
-              <a:headEnd len="sm" w="sm" type="none"/>
-              <a:tailEnd len="sm" w="sm" type="none"/>
+              <a:headEnd type="none" w="sm" len="sm"/>
+              <a:tailEnd type="none" w="sm" len="sm"/>
             </a:ln>
           </p:spPr>
           <p:txBody>
-            <a:bodyPr anchorCtr="0" anchor="ctr" bIns="91425" lIns="91425" spcFirstLastPara="1" rIns="91425" wrap="square" tIns="91425">
+            <a:bodyPr spcFirstLastPara="1" wrap="square" lIns="91425" tIns="91425" rIns="91425" bIns="91425" anchor="ctr" anchorCtr="0">
               <a:noAutofit/>
             </a:bodyPr>
             <a:lstStyle/>
             <a:p>
-              <a:pPr indent="0" lvl="0" marL="0" rtl="0" algn="l">
+              <a:pPr marL="0" lvl="0" indent="0" algn="l" rtl="0">
                 <a:spcBef>
                   <a:spcPts val="0"/>
                 </a:spcBef>
@@ -13703,9 +13886,6 @@
                 </a:spcAft>
                 <a:buNone/>
               </a:pPr>
-              <a:r>
-                <a:t/>
-              </a:r>
               <a:endParaRPr/>
             </a:p>
           </p:txBody>
@@ -13727,23 +13907,23 @@
             <a:solidFill>
               <a:schemeClr val="accent4"/>
             </a:solidFill>
-            <a:ln cap="flat" cmpd="sng" w="19050">
+            <a:ln w="19050" cap="flat" cmpd="sng">
               <a:solidFill>
                 <a:schemeClr val="accent4"/>
               </a:solidFill>
               <a:prstDash val="solid"/>
               <a:round/>
-              <a:headEnd len="sm" w="sm" type="none"/>
-              <a:tailEnd len="sm" w="sm" type="none"/>
+              <a:headEnd type="none" w="sm" len="sm"/>
+              <a:tailEnd type="none" w="sm" len="sm"/>
             </a:ln>
           </p:spPr>
           <p:txBody>
-            <a:bodyPr anchorCtr="0" anchor="ctr" bIns="91425" lIns="91425" spcFirstLastPara="1" rIns="91425" wrap="square" tIns="91425">
+            <a:bodyPr spcFirstLastPara="1" wrap="square" lIns="91425" tIns="91425" rIns="91425" bIns="91425" anchor="ctr" anchorCtr="0">
               <a:noAutofit/>
             </a:bodyPr>
             <a:lstStyle/>
             <a:p>
-              <a:pPr indent="0" lvl="0" marL="0" rtl="0" algn="l">
+              <a:pPr marL="0" lvl="0" indent="0" algn="l" rtl="0">
                 <a:spcBef>
                   <a:spcPts val="0"/>
                 </a:spcBef>
@@ -13752,9 +13932,6 @@
                 </a:spcAft>
                 <a:buNone/>
               </a:pPr>
-              <a:r>
-                <a:t/>
-              </a:r>
               <a:endParaRPr/>
             </a:p>
           </p:txBody>
@@ -13763,9 +13940,11 @@
       <p:sp>
         <p:nvSpPr>
           <p:cNvPr id="245" name="Google Shape;245;p21"/>
-          <p:cNvSpPr txBox="1"/>
+          <p:cNvSpPr txBox="1">
+            <a:spLocks noGrp="1"/>
+          </p:cNvSpPr>
           <p:nvPr>
-            <p:ph idx="2" type="body"/>
+            <p:ph type="body" idx="2"/>
           </p:nvPr>
         </p:nvSpPr>
         <p:spPr>
@@ -13778,12 +13957,12 @@
           </a:prstGeom>
         </p:spPr>
         <p:txBody>
-          <a:bodyPr anchorCtr="0" anchor="ctr" bIns="91425" lIns="91425" spcFirstLastPara="1" rIns="91425" wrap="square" tIns="91425">
+          <a:bodyPr spcFirstLastPara="1" wrap="square" lIns="91425" tIns="91425" rIns="91425" bIns="91425" anchor="ctr" anchorCtr="0">
             <a:noAutofit/>
           </a:bodyPr>
           <a:lstStyle/>
           <a:p>
-            <a:pPr indent="0" lvl="0" marL="0" rtl="0" algn="ctr">
+            <a:pPr marL="0" lvl="0" indent="0" algn="ctr" rtl="0">
               <a:spcBef>
                 <a:spcPts val="0"/>
               </a:spcBef>
@@ -13817,7 +13996,288 @@
 </file>
 
 <file path=ppt/theme/theme1.xml><?xml version="1.0" encoding="utf-8"?>
-<a:theme xmlns:a="http://schemas.openxmlformats.org/drawingml/2006/main" xmlns:r="http://schemas.openxmlformats.org/officeDocument/2006/relationships">
+<a:theme xmlns:a="http://schemas.openxmlformats.org/drawingml/2006/main" name="Geometric">
+  <a:themeElements>
+    <a:clrScheme name="Geometric">
+      <a:dk1>
+        <a:srgbClr val="2A3990"/>
+      </a:dk1>
+      <a:lt1>
+        <a:srgbClr val="FFFFFF"/>
+      </a:lt1>
+      <a:dk2>
+        <a:srgbClr val="434343"/>
+      </a:dk2>
+      <a:lt2>
+        <a:srgbClr val="999999"/>
+      </a:lt2>
+      <a:accent1>
+        <a:srgbClr val="212D74"/>
+      </a:accent1>
+      <a:accent2>
+        <a:srgbClr val="3949AB"/>
+      </a:accent2>
+      <a:accent3>
+        <a:srgbClr val="9C254D"/>
+      </a:accent3>
+      <a:accent4>
+        <a:srgbClr val="D23369"/>
+      </a:accent4>
+      <a:accent5>
+        <a:srgbClr val="F06292"/>
+      </a:accent5>
+      <a:accent6>
+        <a:srgbClr val="7890CD"/>
+      </a:accent6>
+      <a:hlink>
+        <a:srgbClr val="F06292"/>
+      </a:hlink>
+      <a:folHlink>
+        <a:srgbClr val="F06292"/>
+      </a:folHlink>
+    </a:clrScheme>
+    <a:fontScheme name="Office">
+      <a:majorFont>
+        <a:latin typeface="Arial"/>
+        <a:ea typeface=""/>
+        <a:cs typeface=""/>
+        <a:font script="Jpan" typeface="ＭＳ Ｐゴシック"/>
+        <a:font script="Hang" typeface="맑은 고딕"/>
+        <a:font script="Hans" typeface="宋体"/>
+        <a:font script="Hant" typeface="新細明體"/>
+        <a:font script="Arab" typeface="Times New Roman"/>
+        <a:font script="Hebr" typeface="Times New Roman"/>
+        <a:font script="Thai" typeface="Angsana New"/>
+        <a:font script="Ethi" typeface="Nyala"/>
+        <a:font script="Beng" typeface="Vrinda"/>
+        <a:font script="Gujr" typeface="Shruti"/>
+        <a:font script="Khmr" typeface="MoolBoran"/>
+        <a:font script="Knda" typeface="Tunga"/>
+        <a:font script="Guru" typeface="Raavi"/>
+        <a:font script="Cans" typeface="Euphemia"/>
+        <a:font script="Cher" typeface="Plantagenet Cherokee"/>
+        <a:font script="Yiii" typeface="Microsoft Yi Baiti"/>
+        <a:font script="Tibt" typeface="Microsoft Himalaya"/>
+        <a:font script="Thaa" typeface="MV Boli"/>
+        <a:font script="Deva" typeface="Mangal"/>
+        <a:font script="Telu" typeface="Gautami"/>
+        <a:font script="Taml" typeface="Latha"/>
+        <a:font script="Syrc" typeface="Estrangelo Edessa"/>
+        <a:font script="Orya" typeface="Kalinga"/>
+        <a:font script="Mlym" typeface="Kartika"/>
+        <a:font script="Laoo" typeface="DokChampa"/>
+        <a:font script="Sinh" typeface="Iskoola Pota"/>
+        <a:font script="Mong" typeface="Mongolian Baiti"/>
+        <a:font script="Viet" typeface="Times New Roman"/>
+        <a:font script="Uigh" typeface="Microsoft Uighur"/>
+        <a:font script="Geor" typeface="Sylfaen"/>
+      </a:majorFont>
+      <a:minorFont>
+        <a:latin typeface="Arial"/>
+        <a:ea typeface=""/>
+        <a:cs typeface=""/>
+        <a:font script="Jpan" typeface="ＭＳ Ｐゴシック"/>
+        <a:font script="Hang" typeface="맑은 고딕"/>
+        <a:font script="Hans" typeface="宋体"/>
+        <a:font script="Hant" typeface="新細明體"/>
+        <a:font script="Arab" typeface="Arial"/>
+        <a:font script="Hebr" typeface="Arial"/>
+        <a:font script="Thai" typeface="Cordia New"/>
+        <a:font script="Ethi" typeface="Nyala"/>
+        <a:font script="Beng" typeface="Vrinda"/>
+        <a:font script="Gujr" typeface="Shruti"/>
+        <a:font script="Khmr" typeface="DaunPenh"/>
+        <a:font script="Knda" typeface="Tunga"/>
+        <a:font script="Guru" typeface="Raavi"/>
+        <a:font script="Cans" typeface="Euphemia"/>
+        <a:font script="Cher" typeface="Plantagenet Cherokee"/>
+        <a:font script="Yiii" typeface="Microsoft Yi Baiti"/>
+        <a:font script="Tibt" typeface="Microsoft Himalaya"/>
+        <a:font script="Thaa" typeface="MV Boli"/>
+        <a:font script="Deva" typeface="Mangal"/>
+        <a:font script="Telu" typeface="Gautami"/>
+        <a:font script="Taml" typeface="Latha"/>
+        <a:font script="Syrc" typeface="Estrangelo Edessa"/>
+        <a:font script="Orya" typeface="Kalinga"/>
+        <a:font script="Mlym" typeface="Kartika"/>
+        <a:font script="Laoo" typeface="DokChampa"/>
+        <a:font script="Sinh" typeface="Iskoola Pota"/>
+        <a:font script="Mong" typeface="Mongolian Baiti"/>
+        <a:font script="Viet" typeface="Arial"/>
+        <a:font script="Uigh" typeface="Microsoft Uighur"/>
+        <a:font script="Geor" typeface="Sylfaen"/>
+      </a:minorFont>
+    </a:fontScheme>
+    <a:fmtScheme name="Office">
+      <a:fillStyleLst>
+        <a:solidFill>
+          <a:schemeClr val="phClr"/>
+        </a:solidFill>
+        <a:gradFill rotWithShape="1">
+          <a:gsLst>
+            <a:gs pos="0">
+              <a:schemeClr val="phClr">
+                <a:tint val="50000"/>
+                <a:satMod val="300000"/>
+              </a:schemeClr>
+            </a:gs>
+            <a:gs pos="35000">
+              <a:schemeClr val="phClr">
+                <a:tint val="37000"/>
+                <a:satMod val="300000"/>
+              </a:schemeClr>
+            </a:gs>
+            <a:gs pos="100000">
+              <a:schemeClr val="phClr">
+                <a:tint val="15000"/>
+                <a:satMod val="350000"/>
+              </a:schemeClr>
+            </a:gs>
+          </a:gsLst>
+          <a:lin ang="16200000" scaled="1"/>
+        </a:gradFill>
+        <a:gradFill rotWithShape="1">
+          <a:gsLst>
+            <a:gs pos="0">
+              <a:schemeClr val="phClr">
+                <a:tint val="100000"/>
+                <a:shade val="100000"/>
+                <a:satMod val="130000"/>
+              </a:schemeClr>
+            </a:gs>
+            <a:gs pos="100000">
+              <a:schemeClr val="phClr">
+                <a:tint val="50000"/>
+                <a:shade val="100000"/>
+                <a:satMod val="350000"/>
+              </a:schemeClr>
+            </a:gs>
+          </a:gsLst>
+          <a:lin ang="16200000" scaled="0"/>
+        </a:gradFill>
+      </a:fillStyleLst>
+      <a:lnStyleLst>
+        <a:ln w="9525" cap="flat" cmpd="sng" algn="ctr">
+          <a:solidFill>
+            <a:schemeClr val="phClr">
+              <a:shade val="95000"/>
+              <a:satMod val="105000"/>
+            </a:schemeClr>
+          </a:solidFill>
+          <a:prstDash val="solid"/>
+        </a:ln>
+        <a:ln w="25400" cap="flat" cmpd="sng" algn="ctr">
+          <a:solidFill>
+            <a:schemeClr val="phClr"/>
+          </a:solidFill>
+          <a:prstDash val="solid"/>
+        </a:ln>
+        <a:ln w="38100" cap="flat" cmpd="sng" algn="ctr">
+          <a:solidFill>
+            <a:schemeClr val="phClr"/>
+          </a:solidFill>
+          <a:prstDash val="solid"/>
+        </a:ln>
+      </a:lnStyleLst>
+      <a:effectStyleLst>
+        <a:effectStyle>
+          <a:effectLst>
+            <a:outerShdw blurRad="40000" dist="20000" dir="5400000" rotWithShape="0">
+              <a:srgbClr val="000000">
+                <a:alpha val="38000"/>
+              </a:srgbClr>
+            </a:outerShdw>
+          </a:effectLst>
+        </a:effectStyle>
+        <a:effectStyle>
+          <a:effectLst>
+            <a:outerShdw blurRad="40000" dist="23000" dir="5400000" rotWithShape="0">
+              <a:srgbClr val="000000">
+                <a:alpha val="35000"/>
+              </a:srgbClr>
+            </a:outerShdw>
+          </a:effectLst>
+        </a:effectStyle>
+        <a:effectStyle>
+          <a:effectLst>
+            <a:outerShdw blurRad="40000" dist="23000" dir="5400000" rotWithShape="0">
+              <a:srgbClr val="000000">
+                <a:alpha val="35000"/>
+              </a:srgbClr>
+            </a:outerShdw>
+          </a:effectLst>
+          <a:scene3d>
+            <a:camera prst="orthographicFront">
+              <a:rot lat="0" lon="0" rev="0"/>
+            </a:camera>
+            <a:lightRig rig="threePt" dir="t">
+              <a:rot lat="0" lon="0" rev="1200000"/>
+            </a:lightRig>
+          </a:scene3d>
+          <a:sp3d>
+            <a:bevelT w="63500" h="25400"/>
+          </a:sp3d>
+        </a:effectStyle>
+      </a:effectStyleLst>
+      <a:bgFillStyleLst>
+        <a:solidFill>
+          <a:schemeClr val="phClr"/>
+        </a:solidFill>
+        <a:gradFill rotWithShape="1">
+          <a:gsLst>
+            <a:gs pos="0">
+              <a:schemeClr val="phClr">
+                <a:tint val="40000"/>
+                <a:satMod val="350000"/>
+              </a:schemeClr>
+            </a:gs>
+            <a:gs pos="40000">
+              <a:schemeClr val="phClr">
+                <a:tint val="45000"/>
+                <a:shade val="99000"/>
+                <a:satMod val="350000"/>
+              </a:schemeClr>
+            </a:gs>
+            <a:gs pos="100000">
+              <a:schemeClr val="phClr">
+                <a:shade val="20000"/>
+                <a:satMod val="255000"/>
+              </a:schemeClr>
+            </a:gs>
+          </a:gsLst>
+          <a:path path="circle">
+            <a:fillToRect l="50000" t="-80000" r="50000" b="180000"/>
+          </a:path>
+        </a:gradFill>
+        <a:gradFill rotWithShape="1">
+          <a:gsLst>
+            <a:gs pos="0">
+              <a:schemeClr val="phClr">
+                <a:tint val="80000"/>
+                <a:satMod val="300000"/>
+              </a:schemeClr>
+            </a:gs>
+            <a:gs pos="100000">
+              <a:schemeClr val="phClr">
+                <a:shade val="30000"/>
+                <a:satMod val="200000"/>
+              </a:schemeClr>
+            </a:gs>
+          </a:gsLst>
+          <a:path path="circle">
+            <a:fillToRect l="50000" t="50000" r="50000" b="50000"/>
+          </a:path>
+        </a:gradFill>
+      </a:bgFillStyleLst>
+    </a:fmtScheme>
+  </a:themeElements>
+  <a:objectDefaults/>
+  <a:extraClrSchemeLst/>
+</a:theme>
+</file>
+
+<file path=ppt/theme/theme2.xml><?xml version="1.0" encoding="utf-8"?>
+<a:theme xmlns:a="http://schemas.openxmlformats.org/drawingml/2006/main">
   <a:themeElements>
     <a:clrScheme name="Default">
       <a:dk1>
@@ -14092,284 +14552,7 @@
       </a:bgFillStyleLst>
     </a:fmtScheme>
   </a:themeElements>
-</a:theme>
-</file>
-
-<file path=ppt/theme/theme2.xml><?xml version="1.0" encoding="utf-8"?>
-<a:theme xmlns:a="http://schemas.openxmlformats.org/drawingml/2006/main" xmlns:r="http://schemas.openxmlformats.org/officeDocument/2006/relationships" name="Geometric">
-  <a:themeElements>
-    <a:clrScheme name="Geometric">
-      <a:dk1>
-        <a:srgbClr val="2A3990"/>
-      </a:dk1>
-      <a:lt1>
-        <a:srgbClr val="FFFFFF"/>
-      </a:lt1>
-      <a:dk2>
-        <a:srgbClr val="434343"/>
-      </a:dk2>
-      <a:lt2>
-        <a:srgbClr val="999999"/>
-      </a:lt2>
-      <a:accent1>
-        <a:srgbClr val="212D74"/>
-      </a:accent1>
-      <a:accent2>
-        <a:srgbClr val="3949AB"/>
-      </a:accent2>
-      <a:accent3>
-        <a:srgbClr val="9C254D"/>
-      </a:accent3>
-      <a:accent4>
-        <a:srgbClr val="D23369"/>
-      </a:accent4>
-      <a:accent5>
-        <a:srgbClr val="F06292"/>
-      </a:accent5>
-      <a:accent6>
-        <a:srgbClr val="7890CD"/>
-      </a:accent6>
-      <a:hlink>
-        <a:srgbClr val="F06292"/>
-      </a:hlink>
-      <a:folHlink>
-        <a:srgbClr val="F06292"/>
-      </a:folHlink>
-    </a:clrScheme>
-    <a:fontScheme name="Office">
-      <a:majorFont>
-        <a:latin typeface="Arial"/>
-        <a:ea typeface=""/>
-        <a:cs typeface=""/>
-        <a:font script="Jpan" typeface="ＭＳ Ｐゴシック"/>
-        <a:font script="Hang" typeface="맑은 고딕"/>
-        <a:font script="Hans" typeface="宋体"/>
-        <a:font script="Hant" typeface="新細明體"/>
-        <a:font script="Arab" typeface="Times New Roman"/>
-        <a:font script="Hebr" typeface="Times New Roman"/>
-        <a:font script="Thai" typeface="Angsana New"/>
-        <a:font script="Ethi" typeface="Nyala"/>
-        <a:font script="Beng" typeface="Vrinda"/>
-        <a:font script="Gujr" typeface="Shruti"/>
-        <a:font script="Khmr" typeface="MoolBoran"/>
-        <a:font script="Knda" typeface="Tunga"/>
-        <a:font script="Guru" typeface="Raavi"/>
-        <a:font script="Cans" typeface="Euphemia"/>
-        <a:font script="Cher" typeface="Plantagenet Cherokee"/>
-        <a:font script="Yiii" typeface="Microsoft Yi Baiti"/>
-        <a:font script="Tibt" typeface="Microsoft Himalaya"/>
-        <a:font script="Thaa" typeface="MV Boli"/>
-        <a:font script="Deva" typeface="Mangal"/>
-        <a:font script="Telu" typeface="Gautami"/>
-        <a:font script="Taml" typeface="Latha"/>
-        <a:font script="Syrc" typeface="Estrangelo Edessa"/>
-        <a:font script="Orya" typeface="Kalinga"/>
-        <a:font script="Mlym" typeface="Kartika"/>
-        <a:font script="Laoo" typeface="DokChampa"/>
-        <a:font script="Sinh" typeface="Iskoola Pota"/>
-        <a:font script="Mong" typeface="Mongolian Baiti"/>
-        <a:font script="Viet" typeface="Times New Roman"/>
-        <a:font script="Uigh" typeface="Microsoft Uighur"/>
-        <a:font script="Geor" typeface="Sylfaen"/>
-      </a:majorFont>
-      <a:minorFont>
-        <a:latin typeface="Arial"/>
-        <a:ea typeface=""/>
-        <a:cs typeface=""/>
-        <a:font script="Jpan" typeface="ＭＳ Ｐゴシック"/>
-        <a:font script="Hang" typeface="맑은 고딕"/>
-        <a:font script="Hans" typeface="宋体"/>
-        <a:font script="Hant" typeface="新細明體"/>
-        <a:font script="Arab" typeface="Arial"/>
-        <a:font script="Hebr" typeface="Arial"/>
-        <a:font script="Thai" typeface="Cordia New"/>
-        <a:font script="Ethi" typeface="Nyala"/>
-        <a:font script="Beng" typeface="Vrinda"/>
-        <a:font script="Gujr" typeface="Shruti"/>
-        <a:font script="Khmr" typeface="DaunPenh"/>
-        <a:font script="Knda" typeface="Tunga"/>
-        <a:font script="Guru" typeface="Raavi"/>
-        <a:font script="Cans" typeface="Euphemia"/>
-        <a:font script="Cher" typeface="Plantagenet Cherokee"/>
-        <a:font script="Yiii" typeface="Microsoft Yi Baiti"/>
-        <a:font script="Tibt" typeface="Microsoft Himalaya"/>
-        <a:font script="Thaa" typeface="MV Boli"/>
-        <a:font script="Deva" typeface="Mangal"/>
-        <a:font script="Telu" typeface="Gautami"/>
-        <a:font script="Taml" typeface="Latha"/>
-        <a:font script="Syrc" typeface="Estrangelo Edessa"/>
-        <a:font script="Orya" typeface="Kalinga"/>
-        <a:font script="Mlym" typeface="Kartika"/>
-        <a:font script="Laoo" typeface="DokChampa"/>
-        <a:font script="Sinh" typeface="Iskoola Pota"/>
-        <a:font script="Mong" typeface="Mongolian Baiti"/>
-        <a:font script="Viet" typeface="Arial"/>
-        <a:font script="Uigh" typeface="Microsoft Uighur"/>
-        <a:font script="Geor" typeface="Sylfaen"/>
-      </a:minorFont>
-    </a:fontScheme>
-    <a:fmtScheme name="Office">
-      <a:fillStyleLst>
-        <a:solidFill>
-          <a:schemeClr val="phClr"/>
-        </a:solidFill>
-        <a:gradFill rotWithShape="1">
-          <a:gsLst>
-            <a:gs pos="0">
-              <a:schemeClr val="phClr">
-                <a:tint val="50000"/>
-                <a:satMod val="300000"/>
-              </a:schemeClr>
-            </a:gs>
-            <a:gs pos="35000">
-              <a:schemeClr val="phClr">
-                <a:tint val="37000"/>
-                <a:satMod val="300000"/>
-              </a:schemeClr>
-            </a:gs>
-            <a:gs pos="100000">
-              <a:schemeClr val="phClr">
-                <a:tint val="15000"/>
-                <a:satMod val="350000"/>
-              </a:schemeClr>
-            </a:gs>
-          </a:gsLst>
-          <a:lin ang="16200000" scaled="1"/>
-        </a:gradFill>
-        <a:gradFill rotWithShape="1">
-          <a:gsLst>
-            <a:gs pos="0">
-              <a:schemeClr val="phClr">
-                <a:tint val="100000"/>
-                <a:shade val="100000"/>
-                <a:satMod val="130000"/>
-              </a:schemeClr>
-            </a:gs>
-            <a:gs pos="100000">
-              <a:schemeClr val="phClr">
-                <a:tint val="50000"/>
-                <a:shade val="100000"/>
-                <a:satMod val="350000"/>
-              </a:schemeClr>
-            </a:gs>
-          </a:gsLst>
-          <a:lin ang="16200000" scaled="0"/>
-        </a:gradFill>
-      </a:fillStyleLst>
-      <a:lnStyleLst>
-        <a:ln w="9525" cap="flat" cmpd="sng" algn="ctr">
-          <a:solidFill>
-            <a:schemeClr val="phClr">
-              <a:shade val="95000"/>
-              <a:satMod val="105000"/>
-            </a:schemeClr>
-          </a:solidFill>
-          <a:prstDash val="solid"/>
-        </a:ln>
-        <a:ln w="25400" cap="flat" cmpd="sng" algn="ctr">
-          <a:solidFill>
-            <a:schemeClr val="phClr"/>
-          </a:solidFill>
-          <a:prstDash val="solid"/>
-        </a:ln>
-        <a:ln w="38100" cap="flat" cmpd="sng" algn="ctr">
-          <a:solidFill>
-            <a:schemeClr val="phClr"/>
-          </a:solidFill>
-          <a:prstDash val="solid"/>
-        </a:ln>
-      </a:lnStyleLst>
-      <a:effectStyleLst>
-        <a:effectStyle>
-          <a:effectLst>
-            <a:outerShdw blurRad="40000" dist="20000" dir="5400000" rotWithShape="0">
-              <a:srgbClr val="000000">
-                <a:alpha val="38000"/>
-              </a:srgbClr>
-            </a:outerShdw>
-          </a:effectLst>
-        </a:effectStyle>
-        <a:effectStyle>
-          <a:effectLst>
-            <a:outerShdw blurRad="40000" dist="23000" dir="5400000" rotWithShape="0">
-              <a:srgbClr val="000000">
-                <a:alpha val="35000"/>
-              </a:srgbClr>
-            </a:outerShdw>
-          </a:effectLst>
-        </a:effectStyle>
-        <a:effectStyle>
-          <a:effectLst>
-            <a:outerShdw blurRad="40000" dist="23000" dir="5400000" rotWithShape="0">
-              <a:srgbClr val="000000">
-                <a:alpha val="35000"/>
-              </a:srgbClr>
-            </a:outerShdw>
-          </a:effectLst>
-          <a:scene3d>
-            <a:camera prst="orthographicFront">
-              <a:rot lat="0" lon="0" rev="0"/>
-            </a:camera>
-            <a:lightRig rig="threePt" dir="t">
-              <a:rot lat="0" lon="0" rev="1200000"/>
-            </a:lightRig>
-          </a:scene3d>
-          <a:sp3d>
-            <a:bevelT w="63500" h="25400"/>
-          </a:sp3d>
-        </a:effectStyle>
-      </a:effectStyleLst>
-      <a:bgFillStyleLst>
-        <a:solidFill>
-          <a:schemeClr val="phClr"/>
-        </a:solidFill>
-        <a:gradFill rotWithShape="1">
-          <a:gsLst>
-            <a:gs pos="0">
-              <a:schemeClr val="phClr">
-                <a:tint val="40000"/>
-                <a:satMod val="350000"/>
-              </a:schemeClr>
-            </a:gs>
-            <a:gs pos="40000">
-              <a:schemeClr val="phClr">
-                <a:tint val="45000"/>
-                <a:shade val="99000"/>
-                <a:satMod val="350000"/>
-              </a:schemeClr>
-            </a:gs>
-            <a:gs pos="100000">
-              <a:schemeClr val="phClr">
-                <a:shade val="20000"/>
-                <a:satMod val="255000"/>
-              </a:schemeClr>
-            </a:gs>
-          </a:gsLst>
-          <a:path path="circle">
-            <a:fillToRect l="50000" t="-80000" r="50000" b="180000"/>
-          </a:path>
-        </a:gradFill>
-        <a:gradFill rotWithShape="1">
-          <a:gsLst>
-            <a:gs pos="0">
-              <a:schemeClr val="phClr">
-                <a:tint val="80000"/>
-                <a:satMod val="300000"/>
-              </a:schemeClr>
-            </a:gs>
-            <a:gs pos="100000">
-              <a:schemeClr val="phClr">
-                <a:shade val="30000"/>
-                <a:satMod val="200000"/>
-              </a:schemeClr>
-            </a:gs>
-          </a:gsLst>
-          <a:path path="circle">
-            <a:fillToRect l="50000" t="50000" r="50000" b="50000"/>
-          </a:path>
-        </a:gradFill>
-      </a:bgFillStyleLst>
-    </a:fmtScheme>
-  </a:themeElements>
+  <a:objectDefaults/>
+  <a:extraClrSchemeLst/>
 </a:theme>
 </file>